--- a/A조 발표/A조 발표 최종.pptx
+++ b/A조 발표/A조 발표 최종.pptx
@@ -2,8 +2,8 @@
 <file path=ppt/presentation.xml><?xml version="1.0" encoding="utf-8"?>
 <p:presentation xmlns:r="http://schemas.openxmlformats.org/officeDocument/2006/relationships" xmlns:c="http://schemas.openxmlformats.org/drawingml/2006/chart" xmlns:a="http://schemas.openxmlformats.org/drawingml/2006/main" xmlns:dgm="http://schemas.openxmlformats.org/drawingml/2006/diagram" xmlns:dsp="http://schemas.microsoft.com/office/drawing/2008/diagram" xmlns:p="http://schemas.openxmlformats.org/presentationml/2006/main">
   <p:sldMasterIdLst>
-    <p:sldMasterId id="2147483792" r:id="rId1"/>
-    <p:sldMasterId id="2147483793" r:id="rId2"/>
+    <p:sldMasterId id="2147483812" r:id="rId1"/>
+    <p:sldMasterId id="2147483813" r:id="rId2"/>
   </p:sldMasterIdLst>
   <p:notesMasterIdLst>
     <p:notesMasterId r:id="rId3"/>
@@ -951,7 +951,55 @@
               <a:rPr lang="ko-KR" altLang="en-US" sz="1300">
                 <a:latin typeface="맑은 고딕"/>
               </a:rPr>
-              <a:t/>
+              <a:t>먼저 좌측 </a:t>
+            </a:r>
+            <a:r>
+              <a:rPr lang="en-US" altLang="ko-KR" sz="1300">
+                <a:latin typeface="맑은 고딕"/>
+              </a:rPr>
+              <a:t>2</a:t>
+            </a:r>
+            <a:r>
+              <a:rPr lang="ko-KR" altLang="en-US" sz="1300">
+                <a:latin typeface="맑은 고딕"/>
+              </a:rPr>
+              <a:t>개의 스레드가 공정을 위해 </a:t>
+            </a:r>
+            <a:r>
+              <a:rPr lang="en-US" altLang="ko-KR" sz="1300">
+                <a:latin typeface="맑은 고딕"/>
+              </a:rPr>
+              <a:t>Load Port</a:t>
+            </a:r>
+            <a:r>
+              <a:rPr lang="ko-KR" altLang="en-US" sz="1300">
+                <a:latin typeface="맑은 고딕"/>
+              </a:rPr>
+              <a:t>에서 </a:t>
+            </a:r>
+            <a:r>
+              <a:rPr lang="en-US" altLang="ko-KR" sz="1300">
+                <a:latin typeface="맑은 고딕"/>
+              </a:rPr>
+              <a:t>Process</a:t>
+            </a:r>
+            <a:r>
+              <a:rPr lang="ko-KR" altLang="en-US" sz="1300">
+                <a:latin typeface="맑은 고딕"/>
+              </a:rPr>
+              <a:t> 모듈까지의 이동을 담당을 하게 됩니다</a:t>
+            </a:r>
+            <a:r>
+              <a:rPr lang="en-US" altLang="ko-KR" sz="1300">
+                <a:latin typeface="맑은 고딕"/>
+              </a:rPr>
+              <a:t>.</a:t>
+            </a:r>
+            <a:r>
+              <a:rPr lang="ko-KR" altLang="en-US" sz="1300">
+                <a:latin typeface="맑은 고딕"/>
+              </a:rPr>
+              <a:t> </a:t>
             </a:r>
             <a:endParaRPr lang="ko-KR" altLang="en-US" sz="1300">
               <a:latin typeface="맑은 고딕"/>
@@ -1066,9 +1114,63 @@
               <a:rPr lang="ko-KR" altLang="en-US" sz="1300">
                 <a:latin typeface="맑은 고딕"/>
               </a:rPr>
-              <a:t/>
-            </a:r>
-            <a:endParaRPr lang="ko-KR" altLang="en-US" sz="1300">
+              <a:t>한편</a:t>
+            </a:r>
+            <a:r>
+              <a:rPr lang="en-US" altLang="ko-KR" sz="1300">
+                <a:latin typeface="맑은 고딕"/>
+              </a:rPr>
+              <a:t>,</a:t>
+            </a:r>
+            <a:r>
+              <a:rPr lang="ko-KR" altLang="en-US" sz="1300">
+                <a:latin typeface="맑은 고딕"/>
+              </a:rPr>
+              <a:t> 우측의 </a:t>
+            </a:r>
+            <a:r>
+              <a:rPr lang="en-US" altLang="ko-KR" sz="1300">
+                <a:latin typeface="맑은 고딕"/>
+              </a:rPr>
+              <a:t>2</a:t>
+            </a:r>
+            <a:r>
+              <a:rPr lang="ko-KR" altLang="en-US" sz="1300">
+                <a:latin typeface="맑은 고딕"/>
+              </a:rPr>
+              <a:t>개의 스레드는 공정을 끝낸 웨이퍼가 </a:t>
+            </a:r>
+            <a:r>
+              <a:rPr lang="en-US" altLang="ko-KR" sz="1300">
+                <a:latin typeface="맑은 고딕"/>
+              </a:rPr>
+              <a:t>Process </a:t>
+            </a:r>
+            <a:r>
+              <a:rPr lang="ko-KR" altLang="en-US" sz="1300">
+                <a:latin typeface="맑은 고딕"/>
+              </a:rPr>
+              <a:t>모듈에서 </a:t>
+            </a:r>
+            <a:r>
+              <a:rPr lang="en-US" altLang="ko-KR" sz="1300">
+                <a:latin typeface="맑은 고딕"/>
+              </a:rPr>
+              <a:t>LoadPort</a:t>
+            </a:r>
+            <a:r>
+              <a:rPr lang="ko-KR" altLang="en-US" sz="1300">
+                <a:latin typeface="맑은 고딕"/>
+              </a:rPr>
+              <a:t>로 다시 돌아오도록 하는 스레드입니다</a:t>
+            </a:r>
+            <a:r>
+              <a:rPr lang="en-US" altLang="ko-KR" sz="1300">
+                <a:latin typeface="맑은 고딕"/>
+              </a:rPr>
+              <a:t>.</a:t>
+            </a:r>
+            <a:endParaRPr lang="en-US" altLang="ko-KR" sz="1300">
               <a:latin typeface="맑은 고딕"/>
             </a:endParaRPr>
           </a:p>
@@ -1181,9 +1283,39 @@
               <a:rPr lang="ko-KR" altLang="en-US" sz="1300">
                 <a:latin typeface="맑은 고딕"/>
               </a:rPr>
-              <a:t/>
-            </a:r>
-            <a:endParaRPr lang="ko-KR" altLang="en-US" sz="1300">
+              <a:t>마지막으로 ‘LL 쓰레드’는 Load Lock 모듈이 공정을 위해 진공 또는 대기 상태로 변환하는 역할을 하고</a:t>
+            </a:r>
+            <a:r>
+              <a:rPr lang="en-US" altLang="ko-KR" sz="1300">
+                <a:latin typeface="맑은 고딕"/>
+              </a:rPr>
+              <a:t>,</a:t>
+            </a:r>
+            <a:r>
+              <a:rPr lang="ko-KR" altLang="en-US" sz="1300">
+                <a:latin typeface="맑은 고딕"/>
+              </a:rPr>
+              <a:t> </a:t>
+            </a:r>
+            <a:r>
+              <a:rPr lang="en-US" altLang="ko-KR" sz="1300">
+                <a:latin typeface="맑은 고딕"/>
+              </a:rPr>
+              <a:t>‘</a:t>
+            </a:r>
+            <a:r>
+              <a:rPr lang="ko-KR" altLang="en-US" sz="1300">
+                <a:latin typeface="맑은 고딕"/>
+              </a:rPr>
+              <a:t>PM 쓰레드’는 증착 공정을 진행합니다</a:t>
+            </a:r>
+            <a:r>
+              <a:rPr lang="en-US" altLang="ko-KR" sz="1300">
+                <a:latin typeface="맑은 고딕"/>
+              </a:rPr>
+              <a:t>.</a:t>
+            </a:r>
+            <a:endParaRPr lang="en-US" altLang="ko-KR" sz="1300">
               <a:latin typeface="맑은 고딕"/>
             </a:endParaRPr>
           </a:p>
@@ -1940,220 +2072,28 @@
               <a:defRPr/>
             </a:pPr>
             <a:r>
+              <a:rPr lang="en-US" altLang="ko-KR" sz="1300">
+                <a:latin typeface="맑은 고딕"/>
+              </a:rPr>
+              <a:t>UI</a:t>
+            </a:r>
+            <a:r>
               <a:rPr lang="ko-KR" altLang="en-US" sz="1300">
                 <a:latin typeface="맑은 고딕"/>
               </a:rPr>
-              <a:t>다음은 </a:t>
+              <a:t>에 대한 설명은 다음과 같이 총 </a:t>
             </a:r>
             <a:r>
               <a:rPr lang="en-US" altLang="ko-KR" sz="1300">
                 <a:latin typeface="맑은 고딕"/>
               </a:rPr>
-              <a:t>UI</a:t>
+              <a:t>5</a:t>
             </a:r>
             <a:r>
               <a:rPr lang="ko-KR" altLang="en-US" sz="1300">
                 <a:latin typeface="맑은 고딕"/>
               </a:rPr>
-              <a:t>의 구성에 대해 설명드리겠습니다</a:t>
-            </a:r>
-            <a:r>
-              <a:rPr lang="en-US" altLang="ko-KR" sz="1300">
-                <a:latin typeface="맑은 고딕"/>
-              </a:rPr>
-              <a:t>.</a:t>
-            </a:r>
-            <a:endParaRPr lang="en-US" altLang="ko-KR" sz="1300">
-              <a:latin typeface="맑은 고딕"/>
-            </a:endParaRPr>
-          </a:p>
-          <a:p>
-            <a:pPr>
-              <a:lnSpc>
-                <a:spcPct val="160000"/>
-              </a:lnSpc>
-              <a:spcBef>
-                <a:spcPts val="0"/>
-              </a:spcBef>
-              <a:spcAft>
-                <a:spcPts val="0"/>
-              </a:spcAft>
-              <a:defRPr/>
-            </a:pPr>
-            <a:endParaRPr lang="en-US" altLang="ko-KR" sz="1300">
-              <a:latin typeface="맑은 고딕"/>
-            </a:endParaRPr>
-          </a:p>
-          <a:p>
-            <a:pPr>
-              <a:lnSpc>
-                <a:spcPct val="160000"/>
-              </a:lnSpc>
-              <a:spcBef>
-                <a:spcPts val="0"/>
-              </a:spcBef>
-              <a:spcAft>
-                <a:spcPts val="0"/>
-              </a:spcAft>
-              <a:defRPr/>
-            </a:pPr>
-            <a:r>
-              <a:rPr lang="ko-KR" altLang="en-US" sz="1300">
-                <a:latin typeface="맑은 고딕"/>
-              </a:rPr>
-              <a:t>기존 </a:t>
-            </a:r>
-            <a:r>
-              <a:rPr lang="en-US" altLang="ko-KR" sz="1300">
-                <a:latin typeface="맑은 고딕"/>
-              </a:rPr>
-              <a:t>UI</a:t>
-            </a:r>
-            <a:r>
-              <a:rPr lang="ko-KR" altLang="en-US" sz="1300">
-                <a:latin typeface="맑은 고딕"/>
-              </a:rPr>
-              <a:t>의 경우</a:t>
-            </a:r>
-            <a:r>
-              <a:rPr lang="en-US" altLang="ko-KR" sz="1300">
-                <a:latin typeface="맑은 고딕"/>
-              </a:rPr>
-              <a:t>,</a:t>
-            </a:r>
-            <a:r>
-              <a:rPr lang="ko-KR" altLang="en-US" sz="1300">
-                <a:latin typeface="맑은 고딕"/>
-              </a:rPr>
-              <a:t> 타일 형식으로 되어있어 한눈에 알아보는 것이 힘들다는 단점이 있었습니다</a:t>
-            </a:r>
-            <a:r>
-              <a:rPr lang="en-US" altLang="ko-KR" sz="1300">
-                <a:latin typeface="맑은 고딕"/>
-              </a:rPr>
-              <a:t>.</a:t>
-            </a:r>
-            <a:endParaRPr lang="en-US" altLang="ko-KR" sz="1300">
-              <a:latin typeface="맑은 고딕"/>
-            </a:endParaRPr>
-          </a:p>
-          <a:p>
-            <a:pPr>
-              <a:lnSpc>
-                <a:spcPct val="160000"/>
-              </a:lnSpc>
-              <a:spcBef>
-                <a:spcPts val="0"/>
-              </a:spcBef>
-              <a:spcAft>
-                <a:spcPts val="0"/>
-              </a:spcAft>
-              <a:defRPr/>
-            </a:pPr>
-            <a:endParaRPr lang="en-US" altLang="ko-KR" sz="1300">
-              <a:latin typeface="맑은 고딕"/>
-            </a:endParaRPr>
-          </a:p>
-          <a:p>
-            <a:pPr>
-              <a:lnSpc>
-                <a:spcPct val="160000"/>
-              </a:lnSpc>
-              <a:spcBef>
-                <a:spcPts val="0"/>
-              </a:spcBef>
-              <a:spcAft>
-                <a:spcPts val="0"/>
-              </a:spcAft>
-              <a:defRPr/>
-            </a:pPr>
-            <a:r>
-              <a:rPr lang="ko-KR" altLang="en-US" sz="1300">
-                <a:latin typeface="맑은 고딕"/>
-              </a:rPr>
-              <a:t>이에 저희가 새롭게 개선한 </a:t>
-            </a:r>
-            <a:r>
-              <a:rPr lang="en-US" altLang="ko-KR" sz="1300">
-                <a:latin typeface="맑은 고딕"/>
-              </a:rPr>
-              <a:t>UI</a:t>
-            </a:r>
-            <a:r>
-              <a:rPr lang="ko-KR" altLang="en-US" sz="1300">
-                <a:latin typeface="맑은 고딕"/>
-              </a:rPr>
-              <a:t>는 각각의 모듈이 현재 수행하고 있는 동작을 직관적으로 파악할 수 있으며</a:t>
-            </a:r>
-            <a:r>
-              <a:rPr lang="en-US" altLang="ko-KR" sz="1300">
-                <a:latin typeface="맑은 고딕"/>
-              </a:rPr>
-              <a:t>,</a:t>
-            </a:r>
-            <a:r>
-              <a:rPr lang="ko-KR" altLang="en-US" sz="1300">
-                <a:latin typeface="맑은 고딕"/>
-              </a:rPr>
-              <a:t> 다음 플로우를 미리 예상할 수 있도록 설계하였습니다</a:t>
-            </a:r>
-            <a:r>
-              <a:rPr lang="en-US" altLang="ko-KR" sz="1300">
-                <a:latin typeface="맑은 고딕"/>
-              </a:rPr>
-              <a:t>.</a:t>
-            </a:r>
-            <a:endParaRPr lang="en-US" altLang="ko-KR" sz="1300">
-              <a:latin typeface="맑은 고딕"/>
-            </a:endParaRPr>
-          </a:p>
-          <a:p>
-            <a:pPr>
-              <a:lnSpc>
-                <a:spcPct val="160000"/>
-              </a:lnSpc>
-              <a:spcBef>
-                <a:spcPts val="0"/>
-              </a:spcBef>
-              <a:spcAft>
-                <a:spcPts val="0"/>
-              </a:spcAft>
-              <a:defRPr/>
-            </a:pPr>
-            <a:endParaRPr lang="en-US" altLang="ko-KR" sz="1300">
-              <a:latin typeface="맑은 고딕"/>
-            </a:endParaRPr>
-          </a:p>
-          <a:p>
-            <a:pPr>
-              <a:lnSpc>
-                <a:spcPct val="160000"/>
-              </a:lnSpc>
-              <a:spcBef>
-                <a:spcPts val="0"/>
-              </a:spcBef>
-              <a:spcAft>
-                <a:spcPts val="0"/>
-              </a:spcAft>
-              <a:defRPr/>
-            </a:pPr>
-            <a:r>
-              <a:rPr lang="ko-KR" altLang="en-US" sz="1300">
-                <a:latin typeface="맑은 고딕"/>
-              </a:rPr>
-              <a:t>이제 </a:t>
-            </a:r>
-            <a:r>
-              <a:rPr lang="en-US" altLang="ko-KR" sz="1300">
-                <a:latin typeface="맑은 고딕"/>
-              </a:rPr>
-              <a:t>UI</a:t>
-            </a:r>
-            <a:r>
-              <a:rPr lang="ko-KR" altLang="en-US" sz="1300">
-                <a:latin typeface="맑은 고딕"/>
-              </a:rPr>
-              <a:t>별 세부사항에 대해 소개해드리겠습니다</a:t>
+              <a:t>개로 분류해서 진행할 예정입니다</a:t>
             </a:r>
             <a:r>
               <a:rPr lang="en-US" altLang="ko-KR" sz="1300">
@@ -5329,15 +5269,79 @@
             </a:pPr>
             <a:r>
               <a:rPr lang="ko-KR" altLang="en-US"/>
-              <a:t>마무리로 이번 </a:t>
+              <a:t>마무리로 이번 프로젝트의 기대효과입니다.</a:t>
+            </a:r>
+            <a:endParaRPr lang="ko-KR" altLang="en-US"/>
+          </a:p>
+          <a:p>
+            <a:pPr>
+              <a:defRPr/>
+            </a:pPr>
+            <a:endParaRPr lang="ko-KR" altLang="en-US"/>
+          </a:p>
+          <a:p>
+            <a:pPr>
+              <a:defRPr/>
+            </a:pPr>
+            <a:r>
+              <a:rPr lang="ko-KR" altLang="en-US"/>
+              <a:t>시뮬레이터를 사용하게 되면 </a:t>
+            </a:r>
+            <a:endParaRPr lang="ko-KR" altLang="en-US"/>
+          </a:p>
+          <a:p>
+            <a:pPr>
+              <a:defRPr/>
+            </a:pPr>
+            <a:endParaRPr lang="ko-KR" altLang="en-US"/>
+          </a:p>
+          <a:p>
+            <a:pPr>
+              <a:defRPr/>
+            </a:pPr>
+            <a:r>
+              <a:rPr lang="ko-KR" altLang="en-US"/>
+              <a:t>장비의 흐름을 한눈에 파악할 수 있으며,</a:t>
+            </a:r>
+            <a:endParaRPr lang="ko-KR" altLang="en-US"/>
+          </a:p>
+          <a:p>
+            <a:pPr>
+              <a:defRPr/>
+            </a:pPr>
+            <a:endParaRPr lang="ko-KR" altLang="en-US"/>
+          </a:p>
+          <a:p>
+            <a:pPr>
+              <a:defRPr/>
+            </a:pPr>
+            <a:r>
+              <a:rPr lang="ko-KR" altLang="en-US"/>
+              <a:t>발생한 문제에 대한 신속한 대응이 가능합니다.</a:t>
+            </a:r>
+            <a:endParaRPr lang="ko-KR" altLang="en-US"/>
+          </a:p>
+          <a:p>
+            <a:pPr>
+              <a:defRPr/>
+            </a:pPr>
+            <a:endParaRPr lang="ko-KR" altLang="en-US"/>
+          </a:p>
+          <a:p>
+            <a:pPr>
+              <a:defRPr/>
+            </a:pPr>
+            <a:r>
+              <a:rPr lang="ko-KR" altLang="en-US"/>
+              <a:t>궁극적으로</a:t>
             </a:r>
             <a:r>
               <a:rPr lang="en-US" altLang="ko-KR"/>
-              <a:t>FAB SOLO</a:t>
+              <a:t>,</a:t>
             </a:r>
             <a:r>
               <a:rPr lang="ko-KR" altLang="en-US"/>
-              <a:t>를 진행하는 동안 보안점 및 기대효과입니다</a:t>
+              <a:t> 효율이 좋은 장비를 고안하는데도 기여할 수 있을 것으로 기대됩니다</a:t>
             </a:r>
             <a:r>
               <a:rPr lang="en-US" altLang="ko-KR"/>
@@ -5349,141 +5353,13 @@
             <a:pPr>
               <a:defRPr/>
             </a:pPr>
-            <a:endParaRPr lang="en-US" altLang="ko-KR"/>
+            <a:endParaRPr lang="ko-KR" altLang="en-US"/>
           </a:p>
           <a:p>
             <a:pPr>
               <a:defRPr/>
             </a:pPr>
-            <a:r>
-              <a:rPr lang="ko-KR" altLang="en-US"/>
-              <a:t>해당 시뮬레이터를 설계 하는데 있어 절차 지향적으로 접근을 하게 되어 코드의 유지 보수가 어렵다는 점이 있지만</a:t>
-            </a:r>
-            <a:r>
-              <a:rPr lang="en-US" altLang="ko-KR"/>
-              <a:t>,</a:t>
-            </a:r>
-            <a:endParaRPr lang="en-US" altLang="ko-KR"/>
-          </a:p>
-          <a:p>
-            <a:pPr>
-              <a:defRPr/>
-            </a:pPr>
-            <a:endParaRPr lang="en-US" altLang="ko-KR"/>
-          </a:p>
-          <a:p>
-            <a:pPr>
-              <a:defRPr/>
-            </a:pPr>
-            <a:r>
-              <a:rPr lang="en-US" altLang="ko-KR"/>
-              <a:t>UI</a:t>
-            </a:r>
-            <a:r>
-              <a:rPr lang="ko-KR" altLang="en-US"/>
-              <a:t>를 직관적으로 설계하여 사용자의 편의성을 향상시켰고</a:t>
-            </a:r>
             <a:endParaRPr lang="ko-KR" altLang="en-US"/>
-          </a:p>
-          <a:p>
-            <a:pPr>
-              <a:lnSpc>
-                <a:spcPct val="160000"/>
-              </a:lnSpc>
-              <a:spcBef>
-                <a:spcPts val="0"/>
-              </a:spcBef>
-              <a:spcAft>
-                <a:spcPts val="0"/>
-              </a:spcAft>
-              <a:defRPr/>
-            </a:pPr>
-            <a:r>
-              <a:rPr lang="ko-KR" altLang="en-US"/>
-              <a:t>중앙의 </a:t>
-            </a:r>
-            <a:r>
-              <a:rPr lang="en-US" altLang="ko-KR"/>
-              <a:t>Machine UI</a:t>
-            </a:r>
-            <a:r>
-              <a:rPr lang="ko-KR" altLang="en-US"/>
-              <a:t>를 통해 각 모듈의 움직임을 확인하여 발생 가능성이 있는 문제에 대한 대응을 미리 파악 할 수 있을 것이라고 기대됩니다</a:t>
-            </a:r>
-            <a:r>
-              <a:rPr lang="en-US" altLang="ko-KR"/>
-              <a:t>.</a:t>
-            </a:r>
-            <a:endParaRPr lang="en-US" altLang="ko-KR"/>
-          </a:p>
-          <a:p>
-            <a:pPr>
-              <a:lnSpc>
-                <a:spcPct val="160000"/>
-              </a:lnSpc>
-              <a:spcBef>
-                <a:spcPts val="0"/>
-              </a:spcBef>
-              <a:spcAft>
-                <a:spcPts val="0"/>
-              </a:spcAft>
-              <a:defRPr/>
-            </a:pPr>
-            <a:endParaRPr lang="en-US" altLang="ko-KR"/>
-          </a:p>
-          <a:p>
-            <a:pPr>
-              <a:lnSpc>
-                <a:spcPct val="160000"/>
-              </a:lnSpc>
-              <a:spcBef>
-                <a:spcPts val="0"/>
-              </a:spcBef>
-              <a:spcAft>
-                <a:spcPts val="0"/>
-              </a:spcAft>
-              <a:defRPr/>
-            </a:pPr>
-            <a:r>
-              <a:rPr lang="ko-KR" altLang="en-US"/>
-              <a:t>이로써 사용자가 </a:t>
-            </a:r>
-            <a:r>
-              <a:rPr lang="en-US" altLang="ko-KR"/>
-              <a:t>Machine UI</a:t>
-            </a:r>
-            <a:r>
-              <a:rPr lang="ko-KR" altLang="en-US"/>
-              <a:t>를 통해 전체적인 공정 진행 상황을 파악할 수 있도록 하였으며</a:t>
-            </a:r>
-            <a:r>
-              <a:rPr lang="en-US" altLang="ko-KR"/>
-              <a:t>,</a:t>
-            </a:r>
-            <a:endParaRPr lang="en-US" altLang="ko-KR"/>
-          </a:p>
-          <a:p>
-            <a:pPr>
-              <a:lnSpc>
-                <a:spcPct val="160000"/>
-              </a:lnSpc>
-              <a:spcBef>
-                <a:spcPts val="0"/>
-              </a:spcBef>
-              <a:spcAft>
-                <a:spcPts val="0"/>
-              </a:spcAft>
-              <a:defRPr/>
-            </a:pPr>
-            <a:r>
-              <a:rPr lang="ko-KR" altLang="en-US"/>
-              <a:t>각 모듈의 상태를 확인하여 발생하는 이슈에 대한 신속한 대응을 할 수 있을 것으로 기대할 수 있습니다</a:t>
-            </a:r>
-            <a:r>
-              <a:rPr lang="en-US" altLang="ko-KR"/>
-              <a:t>.</a:t>
-            </a:r>
-            <a:endParaRPr lang="en-US" altLang="ko-KR"/>
           </a:p>
         </p:txBody>
       </p:sp>
@@ -6159,22 +6035,8 @@
               <a:rPr lang="ko-KR" altLang="en-US" sz="1300">
                 <a:latin typeface="맑은 고딕"/>
               </a:rPr>
-              <a:t>장비를 구입하는데 있어 장비의 스펙을 확인하는 것은 고객에게 있어 중요한 사항입니다</a:t>
-            </a:r>
-            <a:r>
-              <a:rPr lang="en-US" altLang="ko-KR" sz="1300">
-                <a:latin typeface="맑은 고딕"/>
-              </a:rPr>
-              <a:t>.</a:t>
-            </a:r>
-            <a:endParaRPr lang="en-US" altLang="ko-KR" sz="1300">
-              <a:latin typeface="맑은 고딕"/>
-            </a:endParaRPr>
-          </a:p>
-          <a:p>
-            <a:pPr lvl="0">
-              <a:defRPr/>
-            </a:pPr>
+              <a:t>장비를 구입하는데 있어 장비의 스펙을 확인하는 것은 고객에게 있어 중요한 사항입니다.</a:t>
+            </a:r>
             <a:endParaRPr lang="ko-KR" altLang="en-US" sz="1300">
               <a:latin typeface="맑은 고딕"/>
             </a:endParaRPr>
@@ -6187,15 +6049,9 @@
               <a:rPr lang="ko-KR" altLang="en-US" sz="1300">
                 <a:latin typeface="맑은 고딕"/>
               </a:rPr>
-              <a:t>장비 회사에서 고객이 요구하는 사양으로 커스텀하여 판매를 할 수 있다면</a:t>
-            </a:r>
-            <a:r>
-              <a:rPr lang="en-US" altLang="ko-KR" sz="1300">
-                <a:latin typeface="맑은 고딕"/>
-              </a:rPr>
-              <a:t>,</a:t>
-            </a:r>
-            <a:endParaRPr lang="en-US" altLang="ko-KR" sz="1300">
+              <a:t>(클릭)</a:t>
+            </a:r>
+            <a:endParaRPr lang="ko-KR" altLang="en-US" sz="1300">
               <a:latin typeface="맑은 고딕"/>
             </a:endParaRPr>
           </a:p>
@@ -6207,15 +6063,9 @@
               <a:rPr lang="ko-KR" altLang="en-US" sz="1300">
                 <a:latin typeface="맑은 고딕"/>
               </a:rPr>
-              <a:t>고객의 입장에서 추가적으로 발생 가능성이 있는 비용에 대한 생각은 고려하지 않아도 됩니다</a:t>
-            </a:r>
-            <a:r>
-              <a:rPr lang="en-US" altLang="ko-KR" sz="1300">
-                <a:latin typeface="맑은 고딕"/>
-              </a:rPr>
-              <a:t>.</a:t>
-            </a:r>
-            <a:endParaRPr lang="en-US" altLang="ko-KR" sz="1300">
+              <a:t>그렇기에 고객사와 장비사 모두에게 있어 시간과 비용을 절약하고, 향후 발생할 수 있는 리스크를 줄이고자 하여 고안한 것이 시뮬레이터입니다.</a:t>
+            </a:r>
+            <a:endParaRPr lang="ko-KR" altLang="en-US" sz="1300">
               <a:latin typeface="맑은 고딕"/>
             </a:endParaRPr>
           </a:p>
@@ -6227,15 +6077,9 @@
               <a:rPr lang="ko-KR" altLang="en-US" sz="1300">
                 <a:latin typeface="맑은 고딕"/>
               </a:rPr>
-              <a:t>하지만 고객의 피드백을 수시로 반영하여 설계하는 것은 시간이 오래 소요된다는 단점이 있습니다</a:t>
-            </a:r>
-            <a:r>
-              <a:rPr lang="en-US" altLang="ko-KR" sz="1300">
-                <a:latin typeface="맑은 고딕"/>
-              </a:rPr>
-              <a:t>.</a:t>
-            </a:r>
-            <a:endParaRPr lang="en-US" altLang="ko-KR" sz="1300">
+              <a:t>(클릭)</a:t>
+            </a:r>
+            <a:endParaRPr lang="ko-KR" altLang="en-US" sz="1300">
               <a:latin typeface="맑은 고딕"/>
             </a:endParaRPr>
           </a:p>
@@ -6243,7 +6087,13 @@
             <a:pPr lvl="0">
               <a:defRPr/>
             </a:pPr>
-            <a:endParaRPr lang="en-US" altLang="ko-KR" sz="1300">
+            <a:r>
+              <a:rPr lang="ko-KR" altLang="en-US" sz="1300">
+                <a:latin typeface="맑은 고딕"/>
+              </a:rPr>
+              <a:t>그리고 이를 충족하기에 적합한 시뮬레이터가 바로 저희가 설계한 ‘Fab SOLO’ 입니다.</a:t>
+            </a:r>
+            <a:endParaRPr lang="ko-KR" altLang="en-US" sz="1300">
               <a:latin typeface="맑은 고딕"/>
             </a:endParaRPr>
           </a:p>
@@ -6251,155 +6101,7 @@
             <a:pPr lvl="0">
               <a:defRPr/>
             </a:pPr>
-            <a:r>
-              <a:rPr lang="ko-KR" altLang="en-US" sz="1300">
-                <a:latin typeface="맑은 고딕"/>
-              </a:rPr>
-              <a:t>한편</a:t>
-            </a:r>
-            <a:r>
-              <a:rPr lang="en-US" altLang="ko-KR" sz="1300">
-                <a:latin typeface="맑은 고딕"/>
-              </a:rPr>
-              <a:t>,</a:t>
-            </a:r>
-            <a:r>
-              <a:rPr lang="ko-KR" altLang="en-US" sz="1300">
-                <a:latin typeface="맑은 고딕"/>
-              </a:rPr>
-              <a:t> 시간 절약을 위해 장비의 스팩을 문서로만 확인하고 구매하게 된다면</a:t>
-            </a:r>
-            <a:r>
-              <a:rPr lang="en-US" altLang="ko-KR" sz="1300">
-                <a:latin typeface="맑은 고딕"/>
-              </a:rPr>
-              <a:t>,</a:t>
-            </a:r>
-            <a:endParaRPr lang="en-US" altLang="ko-KR" sz="1300">
-              <a:latin typeface="맑은 고딕"/>
-            </a:endParaRPr>
-          </a:p>
-          <a:p>
-            <a:pPr lvl="0">
-              <a:defRPr/>
-            </a:pPr>
-            <a:r>
-              <a:rPr lang="ko-KR" altLang="en-US" sz="1300">
-                <a:latin typeface="맑은 고딕"/>
-              </a:rPr>
-              <a:t>차후 예상과는 다른 스팩과 이슈로 인하여 추가 비용을 지불할 가능성이 높아질 수 있습니다</a:t>
-            </a:r>
-            <a:r>
-              <a:rPr lang="en-US" altLang="ko-KR" sz="1300">
-                <a:latin typeface="맑은 고딕"/>
-              </a:rPr>
-              <a:t>.</a:t>
-            </a:r>
-            <a:endParaRPr lang="en-US" altLang="ko-KR" sz="1300">
-              <a:latin typeface="맑은 고딕"/>
-            </a:endParaRPr>
-          </a:p>
-          <a:p>
-            <a:pPr lvl="0">
-              <a:defRPr/>
-            </a:pPr>
-            <a:endParaRPr lang="en-US" altLang="ko-KR" sz="1300">
-              <a:latin typeface="맑은 고딕"/>
-            </a:endParaRPr>
-          </a:p>
-          <a:p>
-            <a:pPr lvl="0">
-              <a:defRPr/>
-            </a:pPr>
-            <a:r>
-              <a:rPr lang="ko-KR" altLang="en-US" sz="1300">
-                <a:latin typeface="맑은 고딕"/>
-              </a:rPr>
-              <a:t>따라서</a:t>
-            </a:r>
-            <a:r>
-              <a:rPr lang="en-US" altLang="ko-KR" sz="1300">
-                <a:latin typeface="맑은 고딕"/>
-              </a:rPr>
-              <a:t>,</a:t>
-            </a:r>
-            <a:r>
-              <a:rPr lang="ko-KR" altLang="en-US" sz="1300">
-                <a:latin typeface="맑은 고딕"/>
-              </a:rPr>
-              <a:t> 고객사와 장비사 모두에게 있어 시간과 비용을 절약하고</a:t>
-            </a:r>
-            <a:r>
-              <a:rPr lang="en-US" altLang="ko-KR" sz="1300">
-                <a:latin typeface="맑은 고딕"/>
-              </a:rPr>
-              <a:t>,</a:t>
-            </a:r>
-            <a:r>
-              <a:rPr lang="ko-KR" altLang="en-US" sz="1300">
-                <a:latin typeface="맑은 고딕"/>
-              </a:rPr>
-              <a:t> 향후 발생할 수 있는 리스크를 줄이고자하여 고안한 것이</a:t>
-            </a:r>
-            <a:r>
-              <a:rPr lang="en-US" altLang="ko-KR" sz="1300">
-                <a:latin typeface="맑은 고딕"/>
-              </a:rPr>
-              <a:t> </a:t>
-            </a:r>
-            <a:r>
-              <a:rPr lang="ko-KR" altLang="en-US" sz="1300">
-                <a:latin typeface="맑은 고딕"/>
-              </a:rPr>
-              <a:t>시뮬레이터 입니다</a:t>
-            </a:r>
-            <a:r>
-              <a:rPr lang="en-US" altLang="ko-KR" sz="1300">
-                <a:latin typeface="맑은 고딕"/>
-              </a:rPr>
-              <a:t>.</a:t>
-            </a:r>
-            <a:endParaRPr lang="en-US" altLang="ko-KR" sz="1300">
-              <a:latin typeface="맑은 고딕"/>
-            </a:endParaRPr>
-          </a:p>
-          <a:p>
-            <a:pPr lvl="0">
-              <a:defRPr/>
-            </a:pPr>
-            <a:endParaRPr lang="en-US" altLang="ko-KR" sz="1300">
-              <a:latin typeface="맑은 고딕"/>
-            </a:endParaRPr>
-          </a:p>
-          <a:p>
-            <a:pPr lvl="0">
-              <a:defRPr/>
-            </a:pPr>
-            <a:r>
-              <a:rPr lang="ko-KR" altLang="en-US" sz="1300">
-                <a:latin typeface="맑은 고딕"/>
-              </a:rPr>
-              <a:t>그리고 이를 충족하기에 적합한 시뮬레이터가 바로 저희가 설계한 </a:t>
-            </a:r>
-            <a:r>
-              <a:rPr lang="en-US" altLang="ko-KR" sz="1300">
-                <a:latin typeface="맑은 고딕"/>
-              </a:rPr>
-              <a:t>‘FAB SOLO’</a:t>
-            </a:r>
-            <a:r>
-              <a:rPr lang="ko-KR" altLang="en-US" sz="1300">
-                <a:latin typeface="맑은 고딕"/>
-              </a:rPr>
-              <a:t> 입니다</a:t>
-            </a:r>
-            <a:r>
-              <a:rPr lang="en-US" altLang="ko-KR" sz="1300">
-                <a:latin typeface="맑은 고딕"/>
-              </a:rPr>
-              <a:t>.</a:t>
-            </a:r>
-            <a:endParaRPr lang="en-US" altLang="ko-KR" sz="1300">
+            <a:endParaRPr lang="ko-KR" altLang="en-US" sz="1300">
               <a:latin typeface="맑은 고딕"/>
             </a:endParaRPr>
           </a:p>
@@ -6709,30 +6411,6 @@
               <a:rPr lang="en-US" altLang="ko-KR" sz="1300">
                 <a:latin typeface="맑은 고딕"/>
               </a:rPr>
-              <a:t>(</a:t>
-            </a:r>
-            <a:r>
-              <a:rPr lang="ko-KR" altLang="en-US" sz="1300">
-                <a:latin typeface="맑은 고딕"/>
-              </a:rPr>
-              <a:t>클릭</a:t>
-            </a:r>
-            <a:r>
-              <a:rPr lang="en-US" altLang="ko-KR" sz="1300">
-                <a:latin typeface="맑은 고딕"/>
-              </a:rPr>
-              <a:t>)</a:t>
-            </a:r>
-            <a:r>
-              <a:rPr lang="ko-KR" altLang="en-US" sz="1300">
-                <a:latin typeface="맑은 고딕"/>
-              </a:rPr>
-              <a:t> </a:t>
-            </a:r>
-            <a:r>
-              <a:rPr lang="en-US" altLang="ko-KR" sz="1300">
-                <a:latin typeface="맑은 고딕"/>
-              </a:rPr>
               <a:t>7</a:t>
             </a:r>
             <a:r>
@@ -6860,7 +6538,7 @@
               <a:rPr lang="ko-KR" altLang="en-US" sz="1300">
                 <a:latin typeface="맑은 고딕"/>
               </a:rPr>
-              <a:t>‘Time 쓰레드’는 FAB SOLO가 작동한 총 시간과 Clean 공정을 진행한 시간을 측정하여 최종 Throughput을 연산합니다.</a:t>
+              <a:t>‘Time 쓰레드’는 동작한 총 시간과 Clean 공정을 진행한 시간을 측정하여 최종 Throughput을 연산합니다.</a:t>
             </a:r>
             <a:endParaRPr lang="ko-KR" altLang="en-US" sz="1300">
               <a:latin typeface="맑은 고딕"/>
@@ -6975,9 +6653,251 @@
               <a:rPr lang="ko-KR" altLang="en-US" sz="1300">
                 <a:latin typeface="맑은 고딕"/>
               </a:rPr>
-              <a:t/>
-            </a:r>
-            <a:endParaRPr lang="ko-KR" altLang="en-US" sz="1300">
+              <a:t>보이시는 바와 같이 </a:t>
+            </a:r>
+            <a:r>
+              <a:rPr lang="en-US" altLang="ko-KR" sz="1300">
+                <a:latin typeface="맑은 고딕"/>
+              </a:rPr>
+              <a:t>4</a:t>
+            </a:r>
+            <a:r>
+              <a:rPr lang="ko-KR" altLang="en-US" sz="1300">
+                <a:latin typeface="맑은 고딕"/>
+              </a:rPr>
+              <a:t>개의 스레드는 웨이퍼의 이동을 담당하는 스레드입니다</a:t>
+            </a:r>
+            <a:r>
+              <a:rPr lang="en-US" altLang="ko-KR" sz="1300">
+                <a:latin typeface="맑은 고딕"/>
+              </a:rPr>
+              <a:t>.</a:t>
+            </a:r>
+            <a:endParaRPr lang="en-US" altLang="ko-KR" sz="1300">
+              <a:latin typeface="맑은 고딕"/>
+            </a:endParaRPr>
+          </a:p>
+          <a:p>
+            <a:pPr>
+              <a:lnSpc>
+                <a:spcPct val="160000"/>
+              </a:lnSpc>
+              <a:spcBef>
+                <a:spcPts val="0"/>
+              </a:spcBef>
+              <a:spcAft>
+                <a:spcPts val="0"/>
+              </a:spcAft>
+              <a:defRPr/>
+            </a:pPr>
+            <a:endParaRPr lang="en-US" altLang="ko-KR" sz="1300">
+              <a:latin typeface="맑은 고딕"/>
+            </a:endParaRPr>
+          </a:p>
+          <a:p>
+            <a:pPr>
+              <a:lnSpc>
+                <a:spcPct val="160000"/>
+              </a:lnSpc>
+              <a:spcBef>
+                <a:spcPts val="0"/>
+              </a:spcBef>
+              <a:spcAft>
+                <a:spcPts val="0"/>
+              </a:spcAft>
+              <a:defRPr/>
+            </a:pPr>
+            <a:r>
+              <a:rPr lang="ko-KR" altLang="en-US" sz="1300">
+                <a:latin typeface="맑은 고딕"/>
+              </a:rPr>
+              <a:t>실제로 공정장비에서도 웨이퍼는 </a:t>
+            </a:r>
+            <a:r>
+              <a:rPr lang="en-US" altLang="ko-KR" sz="1300">
+                <a:latin typeface="맑은 고딕"/>
+              </a:rPr>
+              <a:t>(</a:t>
+            </a:r>
+            <a:r>
+              <a:rPr lang="ko-KR" altLang="en-US" sz="1300">
+                <a:latin typeface="맑은 고딕"/>
+              </a:rPr>
+              <a:t>클릭</a:t>
+            </a:r>
+            <a:r>
+              <a:rPr lang="en-US" altLang="ko-KR" sz="1300">
+                <a:latin typeface="맑은 고딕"/>
+              </a:rPr>
+              <a:t>)LPM, (</a:t>
+            </a:r>
+            <a:r>
+              <a:rPr lang="ko-KR" altLang="en-US" sz="1300">
+                <a:latin typeface="맑은 고딕"/>
+              </a:rPr>
+              <a:t>클릭</a:t>
+            </a:r>
+            <a:r>
+              <a:rPr lang="en-US" altLang="ko-KR" sz="1300">
+                <a:latin typeface="맑은 고딕"/>
+              </a:rPr>
+              <a:t>)Load Lock </a:t>
+            </a:r>
+            <a:r>
+              <a:rPr lang="ko-KR" altLang="en-US" sz="1300">
+                <a:latin typeface="맑은 고딕"/>
+              </a:rPr>
+              <a:t>그리고 </a:t>
+            </a:r>
+            <a:r>
+              <a:rPr lang="en-US" altLang="ko-KR" sz="1300">
+                <a:latin typeface="맑은 고딕"/>
+              </a:rPr>
+              <a:t>(</a:t>
+            </a:r>
+            <a:r>
+              <a:rPr lang="ko-KR" altLang="en-US" sz="1300">
+                <a:latin typeface="맑은 고딕"/>
+              </a:rPr>
+              <a:t>클릭</a:t>
+            </a:r>
+            <a:r>
+              <a:rPr lang="en-US" altLang="ko-KR" sz="1300">
+                <a:latin typeface="맑은 고딕"/>
+              </a:rPr>
+              <a:t>)Process,</a:t>
+            </a:r>
+            <a:r>
+              <a:rPr lang="ko-KR" altLang="en-US" sz="1300">
+                <a:latin typeface="맑은 고딕"/>
+              </a:rPr>
+              <a:t> 이 </a:t>
+            </a:r>
+            <a:r>
+              <a:rPr lang="en-US" altLang="ko-KR" sz="1300">
+                <a:latin typeface="맑은 고딕"/>
+              </a:rPr>
+              <a:t>3</a:t>
+            </a:r>
+            <a:r>
+              <a:rPr lang="ko-KR" altLang="en-US" sz="1300">
+                <a:latin typeface="맑은 고딕"/>
+              </a:rPr>
+              <a:t>개의 공간으로 </a:t>
+            </a:r>
+            <a:r>
+              <a:rPr lang="en-US" altLang="ko-KR" sz="1300">
+                <a:latin typeface="맑은 고딕"/>
+              </a:rPr>
+              <a:t>ATM</a:t>
+            </a:r>
+            <a:r>
+              <a:rPr lang="ko-KR" altLang="en-US" sz="1300">
+                <a:latin typeface="맑은 고딕"/>
+              </a:rPr>
+              <a:t> </a:t>
+            </a:r>
+            <a:r>
+              <a:rPr lang="en-US" altLang="ko-KR" sz="1300">
+                <a:latin typeface="맑은 고딕"/>
+              </a:rPr>
+              <a:t>ARM</a:t>
+            </a:r>
+            <a:r>
+              <a:rPr lang="ko-KR" altLang="en-US" sz="1300">
+                <a:latin typeface="맑은 고딕"/>
+              </a:rPr>
+              <a:t>과 </a:t>
+            </a:r>
+            <a:r>
+              <a:rPr lang="en-US" altLang="ko-KR" sz="1300">
+                <a:latin typeface="맑은 고딕"/>
+              </a:rPr>
+              <a:t>VAC ARM</a:t>
+            </a:r>
+            <a:r>
+              <a:rPr lang="ko-KR" altLang="en-US" sz="1300">
+                <a:latin typeface="맑은 고딕"/>
+              </a:rPr>
+              <a:t>을 통해서 이동을 하는데요</a:t>
+            </a:r>
+            <a:r>
+              <a:rPr lang="en-US" altLang="ko-KR" sz="1300">
+                <a:latin typeface="맑은 고딕"/>
+              </a:rPr>
+              <a:t>.</a:t>
+            </a:r>
+            <a:endParaRPr lang="en-US" altLang="ko-KR" sz="1300">
+              <a:latin typeface="맑은 고딕"/>
+            </a:endParaRPr>
+          </a:p>
+          <a:p>
+            <a:pPr>
+              <a:lnSpc>
+                <a:spcPct val="160000"/>
+              </a:lnSpc>
+              <a:spcBef>
+                <a:spcPts val="0"/>
+              </a:spcBef>
+              <a:spcAft>
+                <a:spcPts val="0"/>
+              </a:spcAft>
+              <a:defRPr/>
+            </a:pPr>
+            <a:endParaRPr lang="en-US" altLang="ko-KR" sz="1300">
+              <a:latin typeface="맑은 고딕"/>
+            </a:endParaRPr>
+          </a:p>
+          <a:p>
+            <a:pPr>
+              <a:lnSpc>
+                <a:spcPct val="160000"/>
+              </a:lnSpc>
+              <a:spcBef>
+                <a:spcPts val="0"/>
+              </a:spcBef>
+              <a:spcAft>
+                <a:spcPts val="0"/>
+              </a:spcAft>
+              <a:defRPr/>
+            </a:pPr>
+            <a:r>
+              <a:rPr lang="ko-KR" altLang="en-US" sz="1300">
+                <a:latin typeface="맑은 고딕"/>
+              </a:rPr>
+              <a:t>위 </a:t>
+            </a:r>
+            <a:r>
+              <a:rPr lang="en-US" altLang="ko-KR" sz="1300">
+                <a:latin typeface="맑은 고딕"/>
+              </a:rPr>
+              <a:t>4</a:t>
+            </a:r>
+            <a:r>
+              <a:rPr lang="ko-KR" altLang="en-US" sz="1300">
+                <a:latin typeface="맑은 고딕"/>
+              </a:rPr>
+              <a:t>개의 스레드가 </a:t>
+            </a:r>
+            <a:r>
+              <a:rPr lang="en-US" altLang="ko-KR" sz="1300">
+                <a:latin typeface="맑은 고딕"/>
+              </a:rPr>
+              <a:t>ARM</a:t>
+            </a:r>
+            <a:r>
+              <a:rPr lang="ko-KR" altLang="en-US" sz="1300">
+                <a:latin typeface="맑은 고딕"/>
+              </a:rPr>
+              <a:t>의 역할을 하고있는 것입니다</a:t>
+            </a:r>
+            <a:r>
+              <a:rPr lang="en-US" altLang="ko-KR" sz="1300">
+                <a:latin typeface="맑은 고딕"/>
+              </a:rPr>
+              <a:t>.</a:t>
+            </a:r>
+            <a:endParaRPr lang="en-US" altLang="ko-KR" sz="1300">
               <a:latin typeface="맑은 고딕"/>
             </a:endParaRPr>
           </a:p>
@@ -20499,7 +20419,7 @@
 </file>
 
 <file path=ppt/slides/slide2.xml><?xml version="1.0" encoding="utf-8"?>
-<p:sld xmlns:a="http://schemas.openxmlformats.org/drawingml/2006/main" xmlns:r="http://schemas.openxmlformats.org/officeDocument/2006/relationships" xmlns:p="http://schemas.openxmlformats.org/presentationml/2006/main">
+<p:sld xmlns:r="http://schemas.openxmlformats.org/officeDocument/2006/relationships" xmlns:c="http://schemas.openxmlformats.org/drawingml/2006/chart" xmlns:a="http://schemas.openxmlformats.org/drawingml/2006/main" xmlns:dgm="http://schemas.openxmlformats.org/drawingml/2006/diagram" xmlns:dsp="http://schemas.microsoft.com/office/drawing/2008/diagram" xmlns:p="http://schemas.openxmlformats.org/presentationml/2006/main">
   <p:cSld>
     <p:spTree>
       <p:nvGrpSpPr>
@@ -20589,7 +20509,7 @@
           </a:solidFill>
           <a:ln w="25400" cap="flat" cmpd="sng" algn="ctr">
             <a:solidFill>
-              <a:srgbClr val="BD3D00"/>
+              <a:srgbClr val="bd3d00"/>
             </a:solidFill>
             <a:prstDash val="solid"/>
             <a:round/>
@@ -20640,7 +20560,7 @@
           <a:noFill/>
           <a:ln cap="flat" cmpd="sng" algn="ctr">
             <a:solidFill>
-              <a:srgbClr val="BD3D00"/>
+              <a:srgbClr val="bd3d00"/>
             </a:solidFill>
             <a:prstDash val="solid"/>
             <a:round/>
@@ -20702,7 +20622,7 @@
           </a:prstGeom>
           <a:ln cap="flat" cmpd="sng" algn="ctr">
             <a:solidFill>
-              <a:srgbClr val="BD3D00"/>
+              <a:srgbClr val="bd3d00"/>
             </a:solidFill>
             <a:prstDash val="solid"/>
             <a:round/>
@@ -20779,7 +20699,7 @@
           </a:solidFill>
           <a:ln w="25400" cap="flat" cmpd="sng" algn="ctr">
             <a:solidFill>
-              <a:srgbClr val="BD3D00"/>
+              <a:srgbClr val="bd3d00"/>
             </a:solidFill>
             <a:prstDash val="solid"/>
             <a:round/>
@@ -20830,7 +20750,7 @@
           <a:noFill/>
           <a:ln cap="flat" cmpd="sng" algn="ctr">
             <a:solidFill>
-              <a:srgbClr val="BD3D00"/>
+              <a:srgbClr val="bd3d00"/>
             </a:solidFill>
             <a:prstDash val="solid"/>
             <a:round/>
@@ -20892,7 +20812,7 @@
           </a:prstGeom>
           <a:ln cap="flat" cmpd="sng" algn="ctr">
             <a:solidFill>
-              <a:srgbClr val="BD3D00"/>
+              <a:srgbClr val="bd3d00"/>
             </a:solidFill>
             <a:prstDash val="solid"/>
             <a:round/>
@@ -20953,6 +20873,7 @@
               <a:rPr lang="ko-KR" altLang="en-US" sz="2600" b="1" i="0" kern="1200" baseline="0"/>
               <a:t> 환경</a:t>
             </a:r>
+            <a:endParaRPr lang="ko-KR" altLang="en-US" sz="2600" b="1" i="0" kern="1200" baseline="0"/>
           </a:p>
         </p:txBody>
       </p:sp>
@@ -20980,7 +20901,7 @@
           </a:solidFill>
           <a:ln w="25400" cap="flat" cmpd="sng" algn="ctr">
             <a:solidFill>
-              <a:srgbClr val="BD3D00"/>
+              <a:srgbClr val="bd3d00"/>
             </a:solidFill>
             <a:prstDash val="solid"/>
             <a:round/>
@@ -21038,7 +20959,7 @@
           </a:solidFill>
           <a:ln w="25400" cap="flat" cmpd="sng" algn="ctr">
             <a:solidFill>
-              <a:srgbClr val="BD3D00"/>
+              <a:srgbClr val="bd3d00"/>
             </a:solidFill>
             <a:prstDash val="solid"/>
             <a:round/>
@@ -21089,7 +21010,7 @@
           <a:noFill/>
           <a:ln cap="flat" cmpd="sng" algn="ctr">
             <a:solidFill>
-              <a:srgbClr val="BD3D00"/>
+              <a:srgbClr val="bd3d00"/>
             </a:solidFill>
             <a:prstDash val="solid"/>
             <a:round/>
@@ -21151,7 +21072,7 @@
           </a:prstGeom>
           <a:ln cap="flat" cmpd="sng" algn="ctr">
             <a:solidFill>
-              <a:srgbClr val="BD3D00"/>
+              <a:srgbClr val="bd3d00"/>
             </a:solidFill>
             <a:prstDash val="solid"/>
             <a:round/>
@@ -21212,6 +21133,7 @@
               <a:rPr lang="ko-KR" altLang="en-US" sz="2600" b="1" i="0" kern="1200" baseline="0"/>
               <a:t>구성 및 흐름도</a:t>
             </a:r>
+            <a:endParaRPr lang="ko-KR" altLang="en-US" sz="2600" b="1" i="0" kern="1200" baseline="0"/>
           </a:p>
         </p:txBody>
       </p:sp>
@@ -21239,7 +21161,7 @@
           </a:solidFill>
           <a:ln w="25400" cap="flat" cmpd="sng" algn="ctr">
             <a:solidFill>
-              <a:srgbClr val="BD3D00"/>
+              <a:srgbClr val="bd3d00"/>
             </a:solidFill>
             <a:prstDash val="solid"/>
             <a:round/>
@@ -21290,7 +21212,7 @@
           <a:noFill/>
           <a:ln cap="flat" cmpd="sng" algn="ctr">
             <a:solidFill>
-              <a:srgbClr val="BD3D00"/>
+              <a:srgbClr val="bd3d00"/>
             </a:solidFill>
             <a:prstDash val="solid"/>
             <a:round/>
@@ -21352,7 +21274,7 @@
           </a:prstGeom>
           <a:ln cap="flat" cmpd="sng" algn="ctr">
             <a:solidFill>
-              <a:srgbClr val="BD3D00"/>
+              <a:srgbClr val="bd3d00"/>
             </a:solidFill>
             <a:prstDash val="solid"/>
             <a:round/>
@@ -21413,6 +21335,7 @@
               <a:rPr lang="ko-KR" sz="2600" b="1" i="0" kern="1200" baseline="0"/>
               <a:t>구성</a:t>
             </a:r>
+            <a:endParaRPr lang="ko-KR" sz="2600" b="1" i="0" kern="1200" baseline="0"/>
           </a:p>
         </p:txBody>
       </p:sp>
@@ -21440,7 +21363,7 @@
           </a:solidFill>
           <a:ln w="25400" cap="flat" cmpd="sng" algn="ctr">
             <a:solidFill>
-              <a:srgbClr val="BD3D00"/>
+              <a:srgbClr val="bd3d00"/>
             </a:solidFill>
             <a:prstDash val="solid"/>
             <a:round/>
@@ -21490,7 +21413,7 @@
           </a:prstGeom>
           <a:ln cap="flat" cmpd="sng" algn="ctr">
             <a:solidFill>
-              <a:srgbClr val="BD3D00"/>
+              <a:srgbClr val="bd3d00"/>
             </a:solidFill>
             <a:prstDash val="solid"/>
             <a:round/>
@@ -21545,8 +21468,9 @@
             </a:r>
             <a:r>
               <a:rPr lang="ko-KR" altLang="en-US" sz="2600" b="1" i="0" kern="1200" baseline="0"/>
-              <a:t>보완점 및 기대효과</a:t>
-            </a:r>
+              <a:t>기대 효과</a:t>
+            </a:r>
+            <a:endParaRPr lang="ko-KR" altLang="en-US" sz="2600" b="1" i="0" kern="1200" baseline="0"/>
           </a:p>
         </p:txBody>
       </p:sp>
@@ -21619,11 +21543,11 @@
   <p:clrMapOvr>
     <a:masterClrMapping/>
   </p:clrMapOvr>
-  <mc:AlternateContent xmlns:mc="http://schemas.openxmlformats.org/markup-compatibility/2006" xmlns:p14="http://schemas.microsoft.com/office/powerpoint/2010/main">
-    <mc:Choice Requires="p14">
-      <p:transition/>
+  <mc:AlternateContent xmlns:mc="http://schemas.openxmlformats.org/markup-compatibility/2006">
+    <mc:Choice xmlns:p14="http://schemas.microsoft.com/office/powerpoint/2010/main" Requires="p14">
+      <p:transition xmlns:mc="http://schemas.openxmlformats.org/markup-compatibility/2006" xmlns:p14="http://schemas.microsoft.com/office/powerpoint/2010/main" mc:Ignorable="p14" p14:dur="500"/>
     </mc:Choice>
-    <mc:Fallback xmlns:dsp="http://schemas.microsoft.com/office/drawing/2008/diagram" xmlns:dgm="http://schemas.openxmlformats.org/drawingml/2006/diagram" xmlns:c="http://schemas.openxmlformats.org/drawingml/2006/chart" xmlns="">
+    <mc:Fallback>
       <p:transition/>
     </mc:Fallback>
   </mc:AlternateContent>
@@ -21964,7 +21888,7 @@
 </file>
 
 <file path=ppt/slides/slide21.xml><?xml version="1.0" encoding="utf-8"?>
-<p:sld xmlns:a="http://schemas.openxmlformats.org/drawingml/2006/main" xmlns:r="http://schemas.openxmlformats.org/officeDocument/2006/relationships" xmlns:p="http://schemas.openxmlformats.org/presentationml/2006/main">
+<p:sld xmlns:r="http://schemas.openxmlformats.org/officeDocument/2006/relationships" xmlns:c="http://schemas.openxmlformats.org/drawingml/2006/chart" xmlns:a="http://schemas.openxmlformats.org/drawingml/2006/main" xmlns:dgm="http://schemas.openxmlformats.org/drawingml/2006/diagram" xmlns:dsp="http://schemas.microsoft.com/office/drawing/2008/diagram" xmlns:p="http://schemas.openxmlformats.org/presentationml/2006/main">
   <p:cSld>
     <p:spTree>
       <p:nvGrpSpPr>
@@ -22026,6 +21950,7 @@
               <a:rPr lang="en-US" altLang="ko-KR"/>
               <a:t>14</a:t>
             </a:r>
+            <a:endParaRPr lang="en-US" altLang="ko-KR"/>
           </a:p>
         </p:txBody>
       </p:sp>
@@ -22036,7 +21961,7 @@
           <p:nvPr/>
         </p:nvGrpSpPr>
         <p:grpSpPr>
-          <a:xfrm>
+          <a:xfrm rot="0">
             <a:off x="10907949" y="707871"/>
             <a:ext cx="363894" cy="400110"/>
             <a:chOff x="5914053" y="975602"/>
@@ -22060,7 +21985,7 @@
             <a:noFill/>
             <a:ln w="38100">
               <a:solidFill>
-                <a:srgbClr val="C00000"/>
+                <a:srgbClr val="c00000"/>
               </a:solidFill>
               <a:miter/>
             </a:ln>
@@ -22133,7 +22058,7 @@
           <p:nvPr/>
         </p:nvGrpSpPr>
         <p:grpSpPr>
-          <a:xfrm>
+          <a:xfrm rot="0">
             <a:off x="10907949" y="1937478"/>
             <a:ext cx="363894" cy="400110"/>
             <a:chOff x="5914053" y="2033070"/>
@@ -22157,7 +22082,7 @@
             <a:noFill/>
             <a:ln w="38100">
               <a:solidFill>
-                <a:srgbClr val="C00000"/>
+                <a:srgbClr val="c00000"/>
               </a:solidFill>
               <a:miter/>
             </a:ln>
@@ -22230,7 +22155,7 @@
           <p:nvPr/>
         </p:nvGrpSpPr>
         <p:grpSpPr>
-          <a:xfrm>
+          <a:xfrm rot="0">
             <a:off x="10904759" y="3251780"/>
             <a:ext cx="363894" cy="400110"/>
             <a:chOff x="5910863" y="3347372"/>
@@ -22254,7 +22179,7 @@
             <a:noFill/>
             <a:ln w="38100">
               <a:solidFill>
-                <a:srgbClr val="C00000"/>
+                <a:srgbClr val="c00000"/>
               </a:solidFill>
               <a:miter/>
             </a:ln>
@@ -22327,7 +22252,7 @@
           <p:nvPr/>
         </p:nvGrpSpPr>
         <p:grpSpPr>
-          <a:xfrm>
+          <a:xfrm rot="0">
             <a:off x="10907949" y="5105335"/>
             <a:ext cx="363894" cy="400110"/>
             <a:chOff x="5914053" y="5200927"/>
@@ -22351,7 +22276,7 @@
             <a:noFill/>
             <a:ln w="38100">
               <a:solidFill>
-                <a:srgbClr val="C00000"/>
+                <a:srgbClr val="c00000"/>
               </a:solidFill>
               <a:miter/>
             </a:ln>
@@ -22424,7 +22349,7 @@
           <p:nvPr/>
         </p:nvGrpSpPr>
         <p:grpSpPr>
-          <a:xfrm>
+          <a:xfrm rot="0">
             <a:off x="1172034" y="1087046"/>
             <a:ext cx="2976776" cy="4683907"/>
             <a:chOff x="754316" y="1992280"/>
@@ -22472,7 +22397,7 @@
             <a:noFill/>
             <a:ln w="57150">
               <a:solidFill>
-                <a:srgbClr val="C00000"/>
+                <a:srgbClr val="c00000"/>
               </a:solidFill>
               <a:miter/>
             </a:ln>
@@ -22521,7 +22446,7 @@
           <a:noFill/>
           <a:ln w="38100">
             <a:solidFill>
-              <a:srgbClr val="BD3D00"/>
+              <a:srgbClr val="bd3d00"/>
             </a:solidFill>
             <a:miter/>
           </a:ln>
@@ -22565,7 +22490,7 @@
           </a:prstGeom>
           <a:ln w="38100">
             <a:solidFill>
-              <a:srgbClr val="BE3D00"/>
+              <a:srgbClr val="be3d00"/>
             </a:solidFill>
             <a:headEnd w="med" len="med"/>
             <a:tailEnd type="arrow" w="med" len="med"/>
@@ -22588,14 +22513,14 @@
       </p:cxnSp>
       <p:sp>
         <p:nvSpPr>
-          <p:cNvPr id="41" name="TextBox 8"/>
+          <p:cNvPr id="42" name="TextBox 8"/>
           <p:cNvSpPr txBox="1"/>
           <p:nvPr/>
         </p:nvSpPr>
         <p:spPr>
           <a:xfrm>
             <a:off x="190500" y="28575"/>
-            <a:ext cx="5130344" cy="512445"/>
+            <a:ext cx="6772050" cy="512445"/>
           </a:xfrm>
           <a:prstGeom prst="rect">
             <a:avLst/>
@@ -22605,9 +22530,8 @@
           <a:bodyPr wrap="square">
             <a:spAutoFit/>
           </a:bodyPr>
-          <a:lstStyle/>
-          <a:p>
-            <a:pPr marL="0" indent="0" algn="ctr" defTabSz="914400" rtl="0" eaLnBrk="1" latinLnBrk="1" hangingPunct="1">
+          <a:p>
+            <a:pPr marL="0" indent="0" algn="l" defTabSz="914400" rtl="0" eaLnBrk="1" latinLnBrk="1" hangingPunct="1">
               <a:lnSpc>
                 <a:spcPct val="100000"/>
               </a:lnSpc>
@@ -22621,7 +22545,7 @@
               <a:defRPr/>
             </a:pPr>
             <a:r>
-              <a:rPr kumimoji="0" lang="en-US" altLang="ko-KR" sz="2800" b="1" i="0" u="none" strike="noStrike" kern="1200" cap="none" spc="0" normalizeH="0" baseline="0">
+              <a:rPr xmlns:mc="http://schemas.openxmlformats.org/markup-compatibility/2006" xmlns:hp="http://schemas.haansoft.com/office/presentation/8.0" kumimoji="0" lang="en-US" altLang="ko-KR" sz="2800" b="1" i="0" u="none" strike="noStrike" kern="1200" cap="none" spc="0" normalizeH="0" baseline="0" mc:Ignorable="hp" hp:hslEmbossed="0">
                 <a:solidFill>
                   <a:srgbClr val="000000"/>
                 </a:solidFill>
@@ -22631,7 +22555,7 @@
               <a:t>4.</a:t>
             </a:r>
             <a:r>
-              <a:rPr kumimoji="0" lang="ko-KR" altLang="en-US" sz="2800" b="1" i="0" u="none" strike="noStrike" kern="1200" cap="none" spc="0" normalizeH="0" baseline="0">
+              <a:rPr xmlns:mc="http://schemas.openxmlformats.org/markup-compatibility/2006" xmlns:hp="http://schemas.haansoft.com/office/presentation/8.0" kumimoji="0" lang="ko-KR" altLang="en-US" sz="2800" b="1" i="0" u="none" strike="noStrike" kern="1200" cap="none" spc="0" normalizeH="0" baseline="0" mc:Ignorable="hp" hp:hslEmbossed="0">
                 <a:solidFill>
                   <a:srgbClr val="000000"/>
                 </a:solidFill>
@@ -22641,7 +22565,7 @@
               <a:t> </a:t>
             </a:r>
             <a:r>
-              <a:rPr kumimoji="0" lang="en-US" altLang="ko-KR" sz="2800" b="1" i="0" u="none" strike="noStrike" kern="1200" cap="none" spc="0" normalizeH="0" baseline="0">
+              <a:rPr xmlns:mc="http://schemas.openxmlformats.org/markup-compatibility/2006" xmlns:hp="http://schemas.haansoft.com/office/presentation/8.0" kumimoji="0" lang="en-US" altLang="ko-KR" sz="2800" b="1" i="0" u="none" strike="noStrike" kern="1200" cap="none" spc="0" normalizeH="0" baseline="0" mc:Ignorable="hp" hp:hslEmbossed="0">
                 <a:solidFill>
                   <a:srgbClr val="000000"/>
                 </a:solidFill>
@@ -22651,26 +22575,26 @@
               <a:t>UI </a:t>
             </a:r>
             <a:r>
-              <a:rPr kumimoji="0" lang="ko-KR" altLang="en-US" sz="2800" b="1" i="0" u="none" strike="noStrike" kern="1200" cap="none" spc="0" normalizeH="0" baseline="0">
+              <a:rPr xmlns:mc="http://schemas.openxmlformats.org/markup-compatibility/2006" xmlns:hp="http://schemas.haansoft.com/office/presentation/8.0" kumimoji="0" lang="ko-KR" altLang="en-US" sz="2800" b="1" i="0" u="none" strike="noStrike" kern="1200" cap="none" spc="0" normalizeH="0" baseline="0" mc:Ignorable="hp" hp:hslEmbossed="0">
                 <a:solidFill>
                   <a:srgbClr val="000000"/>
                 </a:solidFill>
                 <a:latin typeface="맑은 고딕"/>
                 <a:cs typeface="맑은 고딕"/>
               </a:rPr>
-              <a:t>구성</a:t>
-            </a:r>
-            <a:r>
-              <a:rPr kumimoji="0" lang="en-US" altLang="ko-KR" sz="2800" b="1" i="0" u="none" strike="noStrike" kern="1200" cap="none" spc="0" normalizeH="0" baseline="0">
+              <a:t>구성 </a:t>
+            </a:r>
+            <a:r>
+              <a:rPr xmlns:mc="http://schemas.openxmlformats.org/markup-compatibility/2006" xmlns:hp="http://schemas.haansoft.com/office/presentation/8.0" kumimoji="0" lang="en-US" altLang="ko-KR" sz="2800" b="1" i="0" u="none" strike="noStrike" kern="1200" cap="none" spc="0" normalizeH="0" baseline="0" mc:Ignorable="hp" hp:hslEmbossed="0">
                 <a:solidFill>
                   <a:srgbClr val="000000"/>
                 </a:solidFill>
                 <a:latin typeface="맑은 고딕"/>
                 <a:cs typeface="맑은 고딕"/>
               </a:rPr>
-              <a:t> (System Config)</a:t>
-            </a:r>
-            <a:endParaRPr kumimoji="0" lang="ko-KR" altLang="en-US" sz="2800" b="1" i="0" u="none" strike="noStrike" kern="1200" cap="none" spc="0" normalizeH="0" baseline="0">
+              <a:t>(System Config)</a:t>
+            </a:r>
+            <a:endParaRPr xmlns:mc="http://schemas.openxmlformats.org/markup-compatibility/2006" xmlns:hp="http://schemas.haansoft.com/office/presentation/8.0" kumimoji="0" lang="en-US" altLang="ko-KR" sz="2800" b="1" i="0" u="none" strike="noStrike" kern="1200" cap="none" spc="0" normalizeH="0" baseline="0" mc:Ignorable="hp" hp:hslEmbossed="0">
               <a:solidFill>
                 <a:srgbClr val="000000"/>
               </a:solidFill>
@@ -22685,11 +22609,11 @@
   <p:clrMapOvr>
     <a:masterClrMapping/>
   </p:clrMapOvr>
-  <mc:AlternateContent xmlns:mc="http://schemas.openxmlformats.org/markup-compatibility/2006" xmlns:p14="http://schemas.microsoft.com/office/powerpoint/2010/main">
-    <mc:Choice Requires="p14">
-      <p:transition/>
+  <mc:AlternateContent xmlns:mc="http://schemas.openxmlformats.org/markup-compatibility/2006">
+    <mc:Choice xmlns:p14="http://schemas.microsoft.com/office/powerpoint/2010/main" Requires="p14">
+      <p:transition xmlns:mc="http://schemas.openxmlformats.org/markup-compatibility/2006" xmlns:p14="http://schemas.microsoft.com/office/powerpoint/2010/main" mc:Ignorable="p14" p14:dur="500"/>
     </mc:Choice>
-    <mc:Fallback xmlns:dsp="http://schemas.microsoft.com/office/drawing/2008/diagram" xmlns:dgm="http://schemas.openxmlformats.org/drawingml/2006/diagram" xmlns:c="http://schemas.openxmlformats.org/drawingml/2006/chart" xmlns="">
+    <mc:Fallback>
       <p:transition/>
     </mc:Fallback>
   </mc:AlternateContent>
@@ -22931,14 +22855,308 @@
       </p:sp>
       <p:sp>
         <p:nvSpPr>
-          <p:cNvPr id="35" name="TextBox 8"/>
+          <p:cNvPr id="25" name="직사각형 24"/>
+          <p:cNvSpPr/>
+          <p:nvPr/>
+        </p:nvSpPr>
+        <p:spPr>
+          <a:xfrm>
+            <a:off x="1534838" y="1829908"/>
+            <a:ext cx="1041092" cy="810840"/>
+          </a:xfrm>
+          <a:prstGeom prst="rect">
+            <a:avLst/>
+          </a:prstGeom>
+          <a:solidFill>
+            <a:schemeClr val="accent2">
+              <a:lumMod val="20000"/>
+              <a:lumOff val="80000"/>
+            </a:schemeClr>
+          </a:solidFill>
+          <a:ln w="9525">
+            <a:noFill/>
+            <a:miter/>
+          </a:ln>
+        </p:spPr>
+        <p:txBody>
+          <a:bodyPr anchor="ctr"/>
+          <a:lstStyle/>
+          <a:p>
+            <a:pPr algn="ctr">
+              <a:buFontTx/>
+              <a:buNone/>
+              <a:defRPr/>
+            </a:pPr>
+            <a:r>
+              <a:rPr lang="en-US" altLang="ko-KR" sz="2400" b="1">
+                <a:latin typeface="+mn-ea"/>
+                <a:ea typeface="+mn-ea"/>
+                <a:cs typeface="Arial Unicode MS"/>
+              </a:rPr>
+              <a:t>1</a:t>
+            </a:r>
+            <a:endParaRPr lang="ko-KR" altLang="en-US" sz="2400" b="1">
+              <a:latin typeface="+mn-ea"/>
+              <a:ea typeface="+mn-ea"/>
+              <a:cs typeface="Arial Unicode MS"/>
+            </a:endParaRPr>
+          </a:p>
+        </p:txBody>
+      </p:sp>
+      <p:sp>
+        <p:nvSpPr>
+          <p:cNvPr id="26" name="직사각형 25"/>
+          <p:cNvSpPr/>
+          <p:nvPr/>
+        </p:nvSpPr>
+        <p:spPr>
+          <a:xfrm>
+            <a:off x="1534838" y="3023580"/>
+            <a:ext cx="1041092" cy="810840"/>
+          </a:xfrm>
+          <a:prstGeom prst="rect">
+            <a:avLst/>
+          </a:prstGeom>
+          <a:solidFill>
+            <a:srgbClr val="ffceb0"/>
+          </a:solidFill>
+          <a:ln w="9525">
+            <a:noFill/>
+            <a:miter/>
+          </a:ln>
+        </p:spPr>
+        <p:txBody>
+          <a:bodyPr anchor="ctr"/>
+          <a:lstStyle/>
+          <a:p>
+            <a:pPr algn="ctr">
+              <a:buFontTx/>
+              <a:buNone/>
+              <a:defRPr/>
+            </a:pPr>
+            <a:r>
+              <a:rPr lang="en-US" altLang="ko-KR" sz="2400" b="1">
+                <a:latin typeface="+mn-ea"/>
+                <a:ea typeface="+mn-ea"/>
+                <a:cs typeface="Arial Unicode MS"/>
+              </a:rPr>
+              <a:t>2</a:t>
+            </a:r>
+            <a:endParaRPr lang="ko-KR" altLang="en-US" sz="2400" b="1">
+              <a:latin typeface="+mn-ea"/>
+              <a:ea typeface="+mn-ea"/>
+              <a:cs typeface="Arial Unicode MS"/>
+            </a:endParaRPr>
+          </a:p>
+        </p:txBody>
+      </p:sp>
+      <p:sp>
+        <p:nvSpPr>
+          <p:cNvPr id="27" name="직사각형 26"/>
+          <p:cNvSpPr/>
+          <p:nvPr/>
+        </p:nvSpPr>
+        <p:spPr>
+          <a:xfrm>
+            <a:off x="1539554" y="4217252"/>
+            <a:ext cx="1041092" cy="810840"/>
+          </a:xfrm>
+          <a:prstGeom prst="rect">
+            <a:avLst/>
+          </a:prstGeom>
+          <a:solidFill>
+            <a:srgbClr val="ffb589"/>
+          </a:solidFill>
+          <a:ln w="9525">
+            <a:noFill/>
+            <a:miter/>
+          </a:ln>
+        </p:spPr>
+        <p:txBody>
+          <a:bodyPr anchor="ctr"/>
+          <a:lstStyle/>
+          <a:p>
+            <a:pPr algn="ctr">
+              <a:buFontTx/>
+              <a:buNone/>
+              <a:defRPr/>
+            </a:pPr>
+            <a:r>
+              <a:rPr lang="en-US" altLang="ko-KR" sz="2400" b="1">
+                <a:latin typeface="+mn-ea"/>
+                <a:ea typeface="+mn-ea"/>
+                <a:cs typeface="Arial Unicode MS"/>
+              </a:rPr>
+              <a:t>3</a:t>
+            </a:r>
+            <a:endParaRPr lang="ko-KR" altLang="en-US" sz="2400" b="1">
+              <a:latin typeface="+mn-ea"/>
+              <a:ea typeface="+mn-ea"/>
+              <a:cs typeface="Arial Unicode MS"/>
+            </a:endParaRPr>
+          </a:p>
+        </p:txBody>
+      </p:sp>
+      <p:sp>
+        <p:nvSpPr>
+          <p:cNvPr id="28" name="직사각형 27"/>
+          <p:cNvSpPr/>
+          <p:nvPr/>
+        </p:nvSpPr>
+        <p:spPr>
+          <a:xfrm>
+            <a:off x="2827690" y="1829908"/>
+            <a:ext cx="7779796" cy="810840"/>
+          </a:xfrm>
+          <a:prstGeom prst="rect">
+            <a:avLst/>
+          </a:prstGeom>
+          <a:solidFill>
+            <a:schemeClr val="accent2">
+              <a:lumMod val="20000"/>
+              <a:lumOff val="80000"/>
+            </a:schemeClr>
+          </a:solidFill>
+          <a:ln w="9525">
+            <a:noFill/>
+            <a:miter/>
+          </a:ln>
+        </p:spPr>
+        <p:txBody>
+          <a:bodyPr anchor="ctr"/>
+          <a:lstStyle/>
+          <a:p>
+            <a:pPr>
+              <a:buFontTx/>
+              <a:buNone/>
+              <a:defRPr/>
+            </a:pPr>
+            <a:r>
+              <a:rPr lang="ko-KR" altLang="en-US" sz="2400" b="1">
+                <a:latin typeface="+mn-ea"/>
+                <a:ea typeface="+mn-ea"/>
+                <a:cs typeface="Arial Unicode MS"/>
+              </a:rPr>
+              <a:t>사용자가 장비의 흐름을 한눈에 파악 가능</a:t>
+            </a:r>
+            <a:endParaRPr lang="ko-KR" altLang="en-US" sz="2400" b="1">
+              <a:latin typeface="+mn-ea"/>
+              <a:ea typeface="+mn-ea"/>
+              <a:cs typeface="Arial Unicode MS"/>
+            </a:endParaRPr>
+          </a:p>
+        </p:txBody>
+      </p:sp>
+      <p:sp>
+        <p:nvSpPr>
+          <p:cNvPr id="29" name="직사각형 28"/>
+          <p:cNvSpPr/>
+          <p:nvPr/>
+        </p:nvSpPr>
+        <p:spPr>
+          <a:xfrm>
+            <a:off x="2827690" y="3023580"/>
+            <a:ext cx="7779796" cy="810840"/>
+          </a:xfrm>
+          <a:prstGeom prst="rect">
+            <a:avLst/>
+          </a:prstGeom>
+          <a:solidFill>
+            <a:schemeClr val="accent2">
+              <a:lumMod val="40000"/>
+              <a:lumOff val="60000"/>
+            </a:schemeClr>
+          </a:solidFill>
+          <a:ln w="9525">
+            <a:noFill/>
+            <a:miter/>
+          </a:ln>
+        </p:spPr>
+        <p:txBody>
+          <a:bodyPr anchor="ctr"/>
+          <a:lstStyle/>
+          <a:p>
+            <a:pPr>
+              <a:buFontTx/>
+              <a:buNone/>
+              <a:defRPr/>
+            </a:pPr>
+            <a:r>
+              <a:rPr lang="ko-KR" altLang="en-US" sz="2400" b="1">
+                <a:latin typeface="+mn-ea"/>
+                <a:ea typeface="+mn-ea"/>
+                <a:cs typeface="Arial Unicode MS"/>
+              </a:rPr>
+              <a:t>발생한 문제에 대한 신속한 대응 가능</a:t>
+            </a:r>
+            <a:endParaRPr lang="ko-KR" altLang="en-US" sz="2400" b="1">
+              <a:latin typeface="+mn-ea"/>
+              <a:ea typeface="+mn-ea"/>
+              <a:cs typeface="Arial Unicode MS"/>
+            </a:endParaRPr>
+          </a:p>
+        </p:txBody>
+      </p:sp>
+      <p:sp>
+        <p:nvSpPr>
+          <p:cNvPr id="36" name="직사각형 35"/>
+          <p:cNvSpPr/>
+          <p:nvPr/>
+        </p:nvSpPr>
+        <p:spPr>
+          <a:xfrm>
+            <a:off x="2805388" y="4217252"/>
+            <a:ext cx="7779796" cy="810840"/>
+          </a:xfrm>
+          <a:prstGeom prst="rect">
+            <a:avLst/>
+          </a:prstGeom>
+          <a:solidFill>
+            <a:schemeClr val="accent2">
+              <a:lumMod val="60000"/>
+              <a:lumOff val="40000"/>
+            </a:schemeClr>
+          </a:solidFill>
+          <a:ln w="9525">
+            <a:noFill/>
+            <a:miter/>
+          </a:ln>
+        </p:spPr>
+        <p:txBody>
+          <a:bodyPr anchor="ctr"/>
+          <a:lstStyle/>
+          <a:p>
+            <a:pPr>
+              <a:buFontTx/>
+              <a:buNone/>
+              <a:defRPr/>
+            </a:pPr>
+            <a:r>
+              <a:rPr lang="ko-KR" altLang="en-US" sz="2400" b="1">
+                <a:latin typeface="+mn-ea"/>
+                <a:ea typeface="+mn-ea"/>
+                <a:cs typeface="Arial Unicode MS"/>
+              </a:rPr>
+              <a:t>최적의 모듈 설정을 통한 효율 좋은 장비 제작</a:t>
+            </a:r>
+            <a:endParaRPr lang="ko-KR" altLang="en-US" sz="2400" b="1">
+              <a:latin typeface="+mn-ea"/>
+              <a:ea typeface="+mn-ea"/>
+              <a:cs typeface="Arial Unicode MS"/>
+            </a:endParaRPr>
+          </a:p>
+        </p:txBody>
+      </p:sp>
+      <p:sp>
+        <p:nvSpPr>
+          <p:cNvPr id="39" name="TextBox 8"/>
           <p:cNvSpPr txBox="1"/>
           <p:nvPr/>
         </p:nvSpPr>
         <p:spPr>
           <a:xfrm>
             <a:off x="190500" y="28575"/>
-            <a:ext cx="2385430" cy="523220"/>
+            <a:ext cx="6772050" cy="512445"/>
           </a:xfrm>
           <a:prstGeom prst="rect">
             <a:avLst/>
@@ -22948,7 +23166,6 @@
           <a:bodyPr wrap="square">
             <a:spAutoFit/>
           </a:bodyPr>
-          <a:lstStyle/>
           <a:p>
             <a:pPr marL="0" indent="0" algn="l" defTabSz="914400" rtl="0" eaLnBrk="1" latinLnBrk="1" hangingPunct="1">
               <a:lnSpc>
@@ -22964,418 +23181,31 @@
               <a:defRPr/>
             </a:pPr>
             <a:r>
-              <a:rPr kumimoji="0" lang="en-US" altLang="ko-KR" sz="2800" b="1" i="0" u="none" strike="noStrike" kern="1200" cap="none" spc="0" normalizeH="0" baseline="0">
+              <a:rPr xmlns:mc="http://schemas.openxmlformats.org/markup-compatibility/2006" xmlns:hp="http://schemas.haansoft.com/office/presentation/8.0" kumimoji="0" lang="en-US" altLang="ko-KR" sz="2800" b="1" i="0" u="none" strike="noStrike" kern="1200" cap="none" spc="0" normalizeH="0" baseline="0" mc:Ignorable="hp" hp:hslEmbossed="0">
                 <a:solidFill>
                   <a:srgbClr val="000000"/>
                 </a:solidFill>
                 <a:latin typeface="맑은 고딕"/>
                 <a:cs typeface="맑은 고딕"/>
               </a:rPr>
-              <a:t>5. </a:t>
-            </a:r>
-            <a:r>
-              <a:rPr kumimoji="0" lang="ko-KR" altLang="en-US" sz="2800" b="1" i="0" u="none" strike="noStrike" kern="1200" cap="none" spc="0" normalizeH="0" baseline="0">
+              <a:t>5.</a:t>
+            </a:r>
+            <a:r>
+              <a:rPr xmlns:mc="http://schemas.openxmlformats.org/markup-compatibility/2006" xmlns:hp="http://schemas.haansoft.com/office/presentation/8.0" kumimoji="0" lang="ko-KR" altLang="en-US" sz="2800" b="1" i="0" u="none" strike="noStrike" kern="1200" cap="none" spc="0" normalizeH="0" baseline="0" mc:Ignorable="hp" hp:hslEmbossed="0">
                 <a:solidFill>
                   <a:srgbClr val="000000"/>
                 </a:solidFill>
                 <a:latin typeface="맑은 고딕"/>
                 <a:cs typeface="맑은 고딕"/>
               </a:rPr>
-              <a:t>기대효과</a:t>
-            </a:r>
-            <a:endParaRPr kumimoji="0" lang="ko-KR" altLang="en-US" sz="2800" b="1" i="0" u="none" strike="noStrike" kern="1200" cap="none" spc="0" normalizeH="0" baseline="0">
+              <a:t> 기대 효과</a:t>
+            </a:r>
+            <a:endParaRPr xmlns:mc="http://schemas.openxmlformats.org/markup-compatibility/2006" xmlns:hp="http://schemas.haansoft.com/office/presentation/8.0" kumimoji="0" lang="ko-KR" altLang="en-US" sz="2800" b="1" i="0" u="none" strike="noStrike" kern="1200" cap="none" spc="0" normalizeH="0" baseline="0" mc:Ignorable="hp" hp:hslEmbossed="0">
               <a:solidFill>
                 <a:srgbClr val="000000"/>
               </a:solidFill>
               <a:latin typeface="맑은 고딕"/>
               <a:cs typeface="맑은 고딕"/>
-            </a:endParaRPr>
-          </a:p>
-        </p:txBody>
-      </p:sp>
-      <p:sp>
-        <p:nvSpPr>
-          <p:cNvPr id="25" name="직사각형 24"/>
-          <p:cNvSpPr/>
-          <p:nvPr/>
-        </p:nvSpPr>
-        <p:spPr>
-          <a:xfrm>
-            <a:off x="1877848" y="1169699"/>
-            <a:ext cx="1041092" cy="810840"/>
-          </a:xfrm>
-          <a:prstGeom prst="rect">
-            <a:avLst/>
-          </a:prstGeom>
-          <a:solidFill>
-            <a:schemeClr val="accent2">
-              <a:lumMod val="20000"/>
-              <a:lumOff val="80000"/>
-            </a:schemeClr>
-          </a:solidFill>
-          <a:ln w="9525">
-            <a:noFill/>
-            <a:miter/>
-          </a:ln>
-        </p:spPr>
-        <p:txBody>
-          <a:bodyPr anchor="ctr"/>
-          <a:lstStyle/>
-          <a:p>
-            <a:pPr algn="ctr">
-              <a:buFontTx/>
-              <a:buNone/>
-              <a:defRPr/>
-            </a:pPr>
-            <a:r>
-              <a:rPr lang="en-US" altLang="ko-KR" sz="2400" b="1">
-                <a:latin typeface="+mn-ea"/>
-                <a:ea typeface="+mn-ea"/>
-                <a:cs typeface="Arial Unicode MS"/>
-              </a:rPr>
-              <a:t>1</a:t>
-            </a:r>
-            <a:endParaRPr lang="ko-KR" altLang="en-US" sz="2400" b="1">
-              <a:latin typeface="+mn-ea"/>
-              <a:ea typeface="+mn-ea"/>
-              <a:cs typeface="Arial Unicode MS"/>
-            </a:endParaRPr>
-          </a:p>
-        </p:txBody>
-      </p:sp>
-      <p:sp>
-        <p:nvSpPr>
-          <p:cNvPr id="26" name="직사각형 25"/>
-          <p:cNvSpPr/>
-          <p:nvPr/>
-        </p:nvSpPr>
-        <p:spPr>
-          <a:xfrm>
-            <a:off x="1877848" y="2363371"/>
-            <a:ext cx="1041092" cy="810840"/>
-          </a:xfrm>
-          <a:prstGeom prst="rect">
-            <a:avLst/>
-          </a:prstGeom>
-          <a:solidFill>
-            <a:srgbClr val="ffceb0"/>
-          </a:solidFill>
-          <a:ln w="9525">
-            <a:noFill/>
-            <a:miter/>
-          </a:ln>
-        </p:spPr>
-        <p:txBody>
-          <a:bodyPr anchor="ctr"/>
-          <a:lstStyle/>
-          <a:p>
-            <a:pPr algn="ctr">
-              <a:buFontTx/>
-              <a:buNone/>
-              <a:defRPr/>
-            </a:pPr>
-            <a:r>
-              <a:rPr lang="en-US" altLang="ko-KR" sz="2400" b="1">
-                <a:latin typeface="+mn-ea"/>
-                <a:ea typeface="+mn-ea"/>
-                <a:cs typeface="Arial Unicode MS"/>
-              </a:rPr>
-              <a:t>2</a:t>
-            </a:r>
-            <a:endParaRPr lang="ko-KR" altLang="en-US" sz="2400" b="1">
-              <a:latin typeface="+mn-ea"/>
-              <a:ea typeface="+mn-ea"/>
-              <a:cs typeface="Arial Unicode MS"/>
-            </a:endParaRPr>
-          </a:p>
-        </p:txBody>
-      </p:sp>
-      <p:sp>
-        <p:nvSpPr>
-          <p:cNvPr id="27" name="직사각형 26"/>
-          <p:cNvSpPr/>
-          <p:nvPr/>
-        </p:nvSpPr>
-        <p:spPr>
-          <a:xfrm>
-            <a:off x="1882564" y="3557043"/>
-            <a:ext cx="1041092" cy="810840"/>
-          </a:xfrm>
-          <a:prstGeom prst="rect">
-            <a:avLst/>
-          </a:prstGeom>
-          <a:solidFill>
-            <a:srgbClr val="ffb589"/>
-          </a:solidFill>
-          <a:ln w="9525">
-            <a:noFill/>
-            <a:miter/>
-          </a:ln>
-        </p:spPr>
-        <p:txBody>
-          <a:bodyPr anchor="ctr"/>
-          <a:lstStyle/>
-          <a:p>
-            <a:pPr algn="ctr">
-              <a:buFontTx/>
-              <a:buNone/>
-              <a:defRPr/>
-            </a:pPr>
-            <a:r>
-              <a:rPr lang="en-US" altLang="ko-KR" sz="2400" b="1">
-                <a:latin typeface="+mn-ea"/>
-                <a:ea typeface="+mn-ea"/>
-                <a:cs typeface="Arial Unicode MS"/>
-              </a:rPr>
-              <a:t>3</a:t>
-            </a:r>
-            <a:endParaRPr lang="ko-KR" altLang="en-US" sz="2400" b="1">
-              <a:latin typeface="+mn-ea"/>
-              <a:ea typeface="+mn-ea"/>
-              <a:cs typeface="Arial Unicode MS"/>
-            </a:endParaRPr>
-          </a:p>
-        </p:txBody>
-      </p:sp>
-      <p:sp>
-        <p:nvSpPr>
-          <p:cNvPr id="28" name="직사각형 27"/>
-          <p:cNvSpPr/>
-          <p:nvPr/>
-        </p:nvSpPr>
-        <p:spPr>
-          <a:xfrm>
-            <a:off x="3170700" y="1169699"/>
-            <a:ext cx="7779796" cy="810840"/>
-          </a:xfrm>
-          <a:prstGeom prst="rect">
-            <a:avLst/>
-          </a:prstGeom>
-          <a:solidFill>
-            <a:schemeClr val="accent2">
-              <a:lumMod val="20000"/>
-              <a:lumOff val="80000"/>
-            </a:schemeClr>
-          </a:solidFill>
-          <a:ln w="9525">
-            <a:noFill/>
-            <a:miter/>
-          </a:ln>
-        </p:spPr>
-        <p:txBody>
-          <a:bodyPr anchor="ctr"/>
-          <a:lstStyle/>
-          <a:p>
-            <a:pPr>
-              <a:buFontTx/>
-              <a:buNone/>
-              <a:defRPr/>
-            </a:pPr>
-            <a:r>
-              <a:rPr lang="ko-KR" altLang="en-US" sz="2400" b="1">
-                <a:latin typeface="+mn-ea"/>
-                <a:ea typeface="+mn-ea"/>
-                <a:cs typeface="Arial Unicode MS"/>
-              </a:rPr>
-              <a:t>사용자가 장비의 흐름을 한눈에 파악 가능</a:t>
-            </a:r>
-            <a:endParaRPr lang="ko-KR" altLang="en-US" sz="2400" b="1">
-              <a:latin typeface="+mn-ea"/>
-              <a:ea typeface="+mn-ea"/>
-              <a:cs typeface="Arial Unicode MS"/>
-            </a:endParaRPr>
-          </a:p>
-        </p:txBody>
-      </p:sp>
-      <p:sp>
-        <p:nvSpPr>
-          <p:cNvPr id="29" name="직사각형 28"/>
-          <p:cNvSpPr/>
-          <p:nvPr/>
-        </p:nvSpPr>
-        <p:spPr>
-          <a:xfrm>
-            <a:off x="3170700" y="2363371"/>
-            <a:ext cx="7779796" cy="810840"/>
-          </a:xfrm>
-          <a:prstGeom prst="rect">
-            <a:avLst/>
-          </a:prstGeom>
-          <a:solidFill>
-            <a:schemeClr val="accent2">
-              <a:lumMod val="40000"/>
-              <a:lumOff val="60000"/>
-            </a:schemeClr>
-          </a:solidFill>
-          <a:ln w="9525">
-            <a:noFill/>
-            <a:miter/>
-          </a:ln>
-        </p:spPr>
-        <p:txBody>
-          <a:bodyPr anchor="ctr"/>
-          <a:lstStyle/>
-          <a:p>
-            <a:pPr>
-              <a:buFontTx/>
-              <a:buNone/>
-              <a:defRPr/>
-            </a:pPr>
-            <a:r>
-              <a:rPr lang="ko-KR" altLang="en-US" sz="2400" b="1">
-                <a:latin typeface="+mn-ea"/>
-                <a:ea typeface="+mn-ea"/>
-                <a:cs typeface="Arial Unicode MS"/>
-              </a:rPr>
-              <a:t>발생 가능성이 있는 문제에 대한 대응을 미리 파악 가능</a:t>
-            </a:r>
-            <a:endParaRPr lang="ko-KR" altLang="en-US" sz="2400" b="1">
-              <a:latin typeface="+mn-ea"/>
-              <a:ea typeface="+mn-ea"/>
-              <a:cs typeface="Arial Unicode MS"/>
-            </a:endParaRPr>
-          </a:p>
-        </p:txBody>
-      </p:sp>
-      <p:sp>
-        <p:nvSpPr>
-          <p:cNvPr id="36" name="직사각형 35"/>
-          <p:cNvSpPr/>
-          <p:nvPr/>
-        </p:nvSpPr>
-        <p:spPr>
-          <a:xfrm>
-            <a:off x="3148398" y="3557043"/>
-            <a:ext cx="7779796" cy="810840"/>
-          </a:xfrm>
-          <a:prstGeom prst="rect">
-            <a:avLst/>
-          </a:prstGeom>
-          <a:solidFill>
-            <a:schemeClr val="accent2">
-              <a:lumMod val="60000"/>
-              <a:lumOff val="40000"/>
-            </a:schemeClr>
-          </a:solidFill>
-          <a:ln w="9525">
-            <a:noFill/>
-            <a:miter/>
-          </a:ln>
-        </p:spPr>
-        <p:txBody>
-          <a:bodyPr anchor="ctr"/>
-          <a:lstStyle/>
-          <a:p>
-            <a:pPr>
-              <a:buFontTx/>
-              <a:buNone/>
-              <a:defRPr/>
-            </a:pPr>
-            <a:r>
-              <a:rPr lang="ko-KR" altLang="en-US" sz="2400" b="1">
-                <a:latin typeface="+mn-ea"/>
-                <a:ea typeface="+mn-ea"/>
-                <a:cs typeface="Arial Unicode MS"/>
-              </a:rPr>
-              <a:t>최적의 모듈 설정을 통한 효율 좋은 장비 제작</a:t>
-            </a:r>
-            <a:endParaRPr lang="ko-KR" altLang="en-US" sz="2400" b="1">
-              <a:latin typeface="+mn-ea"/>
-              <a:ea typeface="+mn-ea"/>
-              <a:cs typeface="Arial Unicode MS"/>
-            </a:endParaRPr>
-          </a:p>
-        </p:txBody>
-      </p:sp>
-      <p:sp>
-        <p:nvSpPr>
-          <p:cNvPr id="37" name="직사각형 36"/>
-          <p:cNvSpPr/>
-          <p:nvPr/>
-        </p:nvSpPr>
-        <p:spPr>
-          <a:xfrm>
-            <a:off x="1882564" y="4750716"/>
-            <a:ext cx="1041092" cy="810840"/>
-          </a:xfrm>
-          <a:prstGeom prst="rect">
-            <a:avLst/>
-          </a:prstGeom>
-          <a:solidFill>
-            <a:srgbClr val="ff9553"/>
-          </a:solidFill>
-          <a:ln w="9525">
-            <a:noFill/>
-            <a:miter/>
-          </a:ln>
-        </p:spPr>
-        <p:txBody>
-          <a:bodyPr anchor="ctr"/>
-          <a:lstStyle/>
-          <a:p>
-            <a:pPr algn="ctr">
-              <a:buFontTx/>
-              <a:buNone/>
-              <a:defRPr/>
-            </a:pPr>
-            <a:r>
-              <a:rPr lang="en-US" altLang="ko-KR" sz="2400" b="1">
-                <a:latin typeface="+mn-ea"/>
-                <a:cs typeface="Arial Unicode MS"/>
-              </a:rPr>
-              <a:t>4</a:t>
-            </a:r>
-            <a:endParaRPr lang="ko-KR" altLang="en-US" sz="2400" b="1">
-              <a:latin typeface="+mn-ea"/>
-              <a:ea typeface="+mn-ea"/>
-              <a:cs typeface="Arial Unicode MS"/>
-            </a:endParaRPr>
-          </a:p>
-        </p:txBody>
-      </p:sp>
-      <p:sp>
-        <p:nvSpPr>
-          <p:cNvPr id="38" name="직사각형 37"/>
-          <p:cNvSpPr/>
-          <p:nvPr/>
-        </p:nvSpPr>
-        <p:spPr>
-          <a:xfrm>
-            <a:off x="3148398" y="4750716"/>
-            <a:ext cx="7779796" cy="810840"/>
-          </a:xfrm>
-          <a:prstGeom prst="rect">
-            <a:avLst/>
-          </a:prstGeom>
-          <a:solidFill>
-            <a:srgbClr val="ff9553"/>
-          </a:solidFill>
-          <a:ln w="9525">
-            <a:noFill/>
-            <a:miter/>
-          </a:ln>
-        </p:spPr>
-        <p:txBody>
-          <a:bodyPr anchor="ctr"/>
-          <a:lstStyle/>
-          <a:p>
-            <a:pPr>
-              <a:buFontTx/>
-              <a:buNone/>
-              <a:defRPr/>
-            </a:pPr>
-            <a:r>
-              <a:rPr lang="ko-KR" altLang="en-US" sz="2400" b="1">
-                <a:latin typeface="+mn-ea"/>
-                <a:ea typeface="+mn-ea"/>
-                <a:cs typeface="Arial Unicode MS"/>
-              </a:rPr>
-              <a:t>실제 문제를 안전하고 효율적으로 해결가능</a:t>
-            </a:r>
-            <a:endParaRPr lang="ko-KR" altLang="en-US" sz="2400" b="1">
-              <a:latin typeface="+mn-ea"/>
-              <a:ea typeface="+mn-ea"/>
-              <a:cs typeface="Arial Unicode MS"/>
             </a:endParaRPr>
           </a:p>
         </p:txBody>
@@ -23397,7 +23227,7 @@
 </file>
 
 <file path=ppt/slides/slide23.xml><?xml version="1.0" encoding="utf-8"?>
-<p:sld xmlns:a="http://schemas.openxmlformats.org/drawingml/2006/main" xmlns:r="http://schemas.openxmlformats.org/officeDocument/2006/relationships" xmlns:p="http://schemas.openxmlformats.org/presentationml/2006/main">
+<p:sld xmlns:r="http://schemas.openxmlformats.org/officeDocument/2006/relationships" xmlns:c="http://schemas.openxmlformats.org/drawingml/2006/chart" xmlns:a="http://schemas.openxmlformats.org/drawingml/2006/main" xmlns:dgm="http://schemas.openxmlformats.org/drawingml/2006/diagram" xmlns:dsp="http://schemas.microsoft.com/office/drawing/2008/diagram" xmlns:p="http://schemas.openxmlformats.org/presentationml/2006/main">
   <p:cSld>
     <p:spTree>
       <p:nvGrpSpPr>
@@ -23460,9 +23290,7 @@
           </a:prstGeom>
           <a:noFill/>
           <a:ln w="38100" cap="flat" cmpd="sng" algn="ctr">
-            <a:solidFill>
-              <a:srgbClr val="BE3D00"/>
-            </a:solidFill>
+            <a:noFill/>
             <a:prstDash val="solid"/>
             <a:miter/>
             <a:headEnd w="med" len="med"/>
@@ -23482,15 +23310,22 @@
               <a:defRPr/>
             </a:pPr>
             <a:r>
-              <a:rPr lang="en-US" altLang="ko-KR" sz="6000" b="1">
+              <a:rPr lang="en-US" altLang="ko-KR" sz="7900" b="1">
                 <a:solidFill>
                   <a:schemeClr val="dk1"/>
                 </a:solidFill>
                 <a:latin typeface="Consolas"/>
                 <a:cs typeface="Arial Unicode MS"/>
               </a:rPr>
-              <a:t>Thank You!!!</a:t>
-            </a:r>
+              <a:t>Thank You:)</a:t>
+            </a:r>
+            <a:endParaRPr lang="en-US" altLang="ko-KR" sz="7900" b="1">
+              <a:solidFill>
+                <a:schemeClr val="dk1"/>
+              </a:solidFill>
+              <a:latin typeface="Consolas"/>
+              <a:cs typeface="Arial Unicode MS"/>
+            </a:endParaRPr>
           </a:p>
         </p:txBody>
       </p:sp>
@@ -23499,11 +23334,11 @@
   <p:clrMapOvr>
     <a:masterClrMapping/>
   </p:clrMapOvr>
-  <mc:AlternateContent xmlns:mc="http://schemas.openxmlformats.org/markup-compatibility/2006" xmlns:p14="http://schemas.microsoft.com/office/powerpoint/2010/main">
-    <mc:Choice Requires="p14">
-      <p:transition/>
+  <mc:AlternateContent xmlns:mc="http://schemas.openxmlformats.org/markup-compatibility/2006">
+    <mc:Choice xmlns:p14="http://schemas.microsoft.com/office/powerpoint/2010/main" Requires="p14">
+      <p:transition xmlns:mc="http://schemas.openxmlformats.org/markup-compatibility/2006" xmlns:p14="http://schemas.microsoft.com/office/powerpoint/2010/main" mc:Ignorable="p14" p14:dur="500"/>
     </mc:Choice>
-    <mc:Fallback xmlns:dsp="http://schemas.microsoft.com/office/drawing/2008/diagram" xmlns:dgm="http://schemas.openxmlformats.org/drawingml/2006/diagram" xmlns:c="http://schemas.openxmlformats.org/drawingml/2006/chart" xmlns="">
+    <mc:Fallback>
       <p:transition/>
     </mc:Fallback>
   </mc:AlternateContent>
@@ -23511,7 +23346,7 @@
 </file>
 
 <file path=ppt/slides/slide3.xml><?xml version="1.0" encoding="utf-8"?>
-<p:sld xmlns:a="http://schemas.openxmlformats.org/drawingml/2006/main" xmlns:r="http://schemas.openxmlformats.org/officeDocument/2006/relationships" xmlns:p="http://schemas.openxmlformats.org/presentationml/2006/main">
+<p:sld xmlns:r="http://schemas.openxmlformats.org/officeDocument/2006/relationships" xmlns:c="http://schemas.openxmlformats.org/drawingml/2006/chart" xmlns:a="http://schemas.openxmlformats.org/drawingml/2006/main" xmlns:dgm="http://schemas.openxmlformats.org/drawingml/2006/diagram" xmlns:dsp="http://schemas.microsoft.com/office/drawing/2008/diagram" xmlns:p="http://schemas.openxmlformats.org/presentationml/2006/main">
   <p:cSld>
     <p:spTree>
       <p:nvGrpSpPr>
@@ -23614,6 +23449,13 @@
               </a:rPr>
               <a:t>김재곤</a:t>
             </a:r>
+            <a:endParaRPr kumimoji="0" lang="ko-KR" altLang="en-US" sz="2500" b="0" i="0" u="none" strike="noStrike" kern="1200" cap="none" spc="0" normalizeH="0" baseline="0">
+              <a:solidFill>
+                <a:srgbClr val="000000"/>
+              </a:solidFill>
+              <a:latin typeface="맑은 고딕"/>
+              <a:cs typeface="Arial Unicode MS"/>
+            </a:endParaRPr>
           </a:p>
         </p:txBody>
       </p:sp>
@@ -23671,6 +23513,13 @@
               </a:rPr>
               <a:t>김서윤</a:t>
             </a:r>
+            <a:endParaRPr kumimoji="0" lang="ko-KR" altLang="en-US" sz="2500" b="0" i="0" u="none" strike="noStrike" kern="1200" cap="none" spc="0" normalizeH="0" baseline="0">
+              <a:solidFill>
+                <a:srgbClr val="000000"/>
+              </a:solidFill>
+              <a:latin typeface="맑은 고딕"/>
+              <a:cs typeface="Arial Unicode MS"/>
+            </a:endParaRPr>
           </a:p>
         </p:txBody>
       </p:sp>
@@ -23728,6 +23577,13 @@
               </a:rPr>
               <a:t>한성현</a:t>
             </a:r>
+            <a:endParaRPr kumimoji="0" lang="ko-KR" altLang="en-US" sz="2500" b="0" i="0" u="none" strike="noStrike" kern="1200" cap="none" spc="0" normalizeH="0" baseline="0">
+              <a:solidFill>
+                <a:srgbClr val="000000"/>
+              </a:solidFill>
+              <a:latin typeface="맑은 고딕"/>
+              <a:cs typeface="Arial Unicode MS"/>
+            </a:endParaRPr>
           </a:p>
         </p:txBody>
       </p:sp>
@@ -23785,6 +23641,13 @@
               </a:rPr>
               <a:t>계민석</a:t>
             </a:r>
+            <a:endParaRPr kumimoji="0" lang="ko-KR" altLang="en-US" sz="2500" b="0" i="0" u="none" strike="noStrike" kern="1200" cap="none" spc="0" normalizeH="0" baseline="0">
+              <a:solidFill>
+                <a:srgbClr val="000000"/>
+              </a:solidFill>
+              <a:latin typeface="맑은 고딕"/>
+              <a:cs typeface="Arial Unicode MS"/>
+            </a:endParaRPr>
           </a:p>
         </p:txBody>
       </p:sp>
@@ -23864,6 +23727,13 @@
               </a:rPr>
               <a:t>제작</a:t>
             </a:r>
+            <a:endParaRPr kumimoji="0" lang="ko-KR" altLang="en-US" b="1" i="0" u="none" strike="noStrike" kern="1200" cap="none" spc="0" normalizeH="0" baseline="0">
+              <a:solidFill>
+                <a:srgbClr val="000000"/>
+              </a:solidFill>
+              <a:latin typeface="맑은 고딕"/>
+              <a:cs typeface="Arial Unicode MS"/>
+            </a:endParaRPr>
           </a:p>
           <a:p>
             <a:pPr marL="285750" indent="-285750" algn="l" defTabSz="914400" rtl="0" eaLnBrk="1" latinLnBrk="1" hangingPunct="1">
@@ -23883,7 +23753,7 @@
             <a:r>
               <a:rPr kumimoji="0" lang="en-US" altLang="ko-KR" b="1" i="0" u="none" strike="noStrike" kern="1200" cap="none" spc="0" normalizeH="0" baseline="0">
                 <a:solidFill>
-                  <a:srgbClr val="0000FF"/>
+                  <a:schemeClr val="tx1"/>
                 </a:solidFill>
                 <a:latin typeface="맑은 고딕"/>
                 <a:cs typeface="Arial Unicode MS"/>
@@ -23893,13 +23763,20 @@
             <a:r>
               <a:rPr kumimoji="0" lang="ko-KR" altLang="en-US" b="1" i="0" u="none" strike="noStrike" kern="1200" cap="none" spc="0" normalizeH="0" baseline="0">
                 <a:solidFill>
-                  <a:srgbClr val="0000FF"/>
+                  <a:schemeClr val="tx1"/>
                 </a:solidFill>
                 <a:latin typeface="맑은 고딕"/>
                 <a:cs typeface="Arial Unicode MS"/>
               </a:rPr>
               <a:t> 그림 제작</a:t>
             </a:r>
+            <a:endParaRPr kumimoji="0" lang="ko-KR" altLang="en-US" b="1" i="0" u="none" strike="noStrike" kern="1200" cap="none" spc="0" normalizeH="0" baseline="0">
+              <a:solidFill>
+                <a:schemeClr val="tx1"/>
+              </a:solidFill>
+              <a:latin typeface="맑은 고딕"/>
+              <a:cs typeface="Arial Unicode MS"/>
+            </a:endParaRPr>
           </a:p>
           <a:p>
             <a:pPr marL="285750" indent="-285750" algn="l" defTabSz="914400" rtl="0" eaLnBrk="1" latinLnBrk="1" hangingPunct="1">
@@ -23919,7 +23796,7 @@
             <a:r>
               <a:rPr kumimoji="0" lang="en-US" altLang="ko-KR" b="1" i="0" u="none" strike="noStrike" kern="1200" cap="none" spc="0" normalizeH="0" baseline="0">
                 <a:solidFill>
-                  <a:srgbClr val="0000FF"/>
+                  <a:schemeClr val="tx1"/>
                 </a:solidFill>
                 <a:latin typeface="맑은 고딕"/>
                 <a:cs typeface="Arial Unicode MS"/>
@@ -23928,7 +23805,7 @@
             </a:r>
             <a:endParaRPr b="1">
               <a:solidFill>
-                <a:srgbClr val="0000FF"/>
+                <a:schemeClr val="tx1"/>
               </a:solidFill>
               <a:latin typeface="맑은 고딕"/>
             </a:endParaRPr>
@@ -24023,6 +23900,10 @@
               </a:rPr>
               <a:t> 설계 및 제작</a:t>
             </a:r>
+            <a:endParaRPr lang="ko-KR" altLang="en-US" b="1">
+              <a:latin typeface="맑은 고딕"/>
+              <a:cs typeface="Arial Unicode MS"/>
+            </a:endParaRPr>
           </a:p>
           <a:p>
             <a:pPr marL="285750" indent="-285750" algn="l" defTabSz="914400" rtl="0" eaLnBrk="1" latinLnBrk="1" hangingPunct="1">
@@ -24042,7 +23923,7 @@
             <a:r>
               <a:rPr lang="en-US" altLang="ko-KR" b="1">
                 <a:solidFill>
-                  <a:srgbClr val="0000FF"/>
+                  <a:schemeClr val="tx1"/>
                 </a:solidFill>
                 <a:latin typeface="맑은 고딕"/>
                 <a:cs typeface="Arial Unicode MS"/>
@@ -24052,13 +23933,20 @@
             <a:r>
               <a:rPr lang="ko-KR" altLang="en-US" b="1">
                 <a:solidFill>
-                  <a:srgbClr val="0000FF"/>
+                  <a:schemeClr val="tx1"/>
                 </a:solidFill>
                 <a:latin typeface="맑은 고딕"/>
                 <a:cs typeface="Arial Unicode MS"/>
               </a:rPr>
               <a:t> 그림 제작</a:t>
             </a:r>
+            <a:endParaRPr lang="ko-KR" altLang="en-US" b="1">
+              <a:solidFill>
+                <a:schemeClr val="tx1"/>
+              </a:solidFill>
+              <a:latin typeface="맑은 고딕"/>
+              <a:cs typeface="Arial Unicode MS"/>
+            </a:endParaRPr>
           </a:p>
           <a:p>
             <a:pPr marL="285750" indent="-285750" algn="l" defTabSz="914400" rtl="0" eaLnBrk="1" latinLnBrk="1" hangingPunct="1">
@@ -24078,7 +23966,7 @@
             <a:r>
               <a:rPr lang="en-US" altLang="ko-KR" b="1">
                 <a:solidFill>
-                  <a:srgbClr val="0000FF"/>
+                  <a:schemeClr val="tx1"/>
                 </a:solidFill>
                 <a:latin typeface="맑은 고딕"/>
                 <a:cs typeface="Arial Unicode MS"/>
@@ -24087,7 +23975,7 @@
             </a:r>
             <a:endParaRPr kumimoji="0" sz="1800" b="1" i="0" u="none" strike="noStrike" kern="1200" cap="none" spc="0" normalizeH="0" baseline="0">
               <a:solidFill>
-                <a:srgbClr val="0000FF"/>
+                <a:schemeClr val="tx1"/>
               </a:solidFill>
               <a:latin typeface="맑은 고딕"/>
             </a:endParaRPr>
@@ -24144,6 +24032,10 @@
               </a:rPr>
               <a:t>구현</a:t>
             </a:r>
+            <a:endParaRPr lang="ko-KR" altLang="en-US" b="1">
+              <a:latin typeface="맑은 고딕"/>
+              <a:cs typeface="Arial Unicode MS"/>
+            </a:endParaRPr>
           </a:p>
           <a:p>
             <a:pPr marL="285750" indent="-285750" algn="l" defTabSz="914400" rtl="0" eaLnBrk="1" latinLnBrk="1" hangingPunct="1">
@@ -24251,6 +24143,10 @@
               </a:rPr>
               <a:t>기능 구현</a:t>
             </a:r>
+            <a:endParaRPr kumimoji="0" lang="ko-KR" altLang="en-US" b="1" i="0" u="none" strike="noStrike" kern="1200" cap="none" spc="0" normalizeH="0" baseline="0">
+              <a:latin typeface="맑은 고딕"/>
+              <a:cs typeface="Arial Unicode MS"/>
+            </a:endParaRPr>
           </a:p>
           <a:p>
             <a:pPr marL="285750" indent="-285750">
@@ -24306,6 +24202,10 @@
               </a:rPr>
               <a:t>기능 구현</a:t>
             </a:r>
+            <a:endParaRPr kumimoji="0" lang="ko-KR" altLang="en-US" b="1" i="0" u="none" strike="noStrike" kern="1200" cap="none" spc="0" normalizeH="0" baseline="0">
+              <a:latin typeface="맑은 고딕"/>
+              <a:cs typeface="Arial Unicode MS"/>
+            </a:endParaRPr>
           </a:p>
           <a:p>
             <a:pPr marL="285750" indent="-285750">
@@ -24322,7 +24222,7 @@
             <a:r>
               <a:rPr kumimoji="0" lang="en-US" altLang="ko-KR" b="1" i="0" u="none" strike="noStrike" kern="1200" cap="none" spc="0" normalizeH="0" baseline="0">
                 <a:solidFill>
-                  <a:srgbClr val="FF0000"/>
+                  <a:srgbClr val="ff0000"/>
                 </a:solidFill>
                 <a:latin typeface="맑은 고딕"/>
                 <a:cs typeface="Arial Unicode MS"/>
@@ -24332,13 +24232,20 @@
             <a:r>
               <a:rPr kumimoji="0" lang="ko-KR" altLang="en-US" b="1" i="0" u="none" strike="noStrike" kern="1200" cap="none" spc="0" normalizeH="0" baseline="0">
                 <a:solidFill>
-                  <a:srgbClr val="FF0000"/>
+                  <a:srgbClr val="ff0000"/>
                 </a:solidFill>
                 <a:latin typeface="맑은 고딕"/>
                 <a:cs typeface="Arial Unicode MS"/>
               </a:rPr>
               <a:t>과제 구현</a:t>
             </a:r>
+            <a:endParaRPr kumimoji="0" lang="ko-KR" altLang="en-US" b="1" i="0" u="none" strike="noStrike" kern="1200" cap="none" spc="0" normalizeH="0" baseline="0">
+              <a:solidFill>
+                <a:srgbClr val="ff0000"/>
+              </a:solidFill>
+              <a:latin typeface="맑은 고딕"/>
+              <a:cs typeface="Arial Unicode MS"/>
+            </a:endParaRPr>
           </a:p>
         </p:txBody>
       </p:sp>
@@ -24425,9 +24332,6 @@
           <a:lstStyle/>
           <a:p>
             <a:pPr algn="ctr">
-              <a:lnSpc>
-                <a:spcPct val="150000"/>
-              </a:lnSpc>
               <a:buFontTx/>
               <a:buNone/>
               <a:defRPr/>
@@ -24442,6 +24346,13 @@
               </a:rPr>
               <a:t>Main System</a:t>
             </a:r>
+            <a:endParaRPr lang="en-US" altLang="ko-KR" sz="2300" b="1">
+              <a:solidFill>
+                <a:schemeClr val="dk1"/>
+              </a:solidFill>
+              <a:latin typeface="맑은 고딕"/>
+              <a:cs typeface="Arial Unicode MS"/>
+            </a:endParaRPr>
           </a:p>
         </p:txBody>
       </p:sp>
@@ -24476,9 +24387,6 @@
           <a:lstStyle/>
           <a:p>
             <a:pPr marL="0" indent="0" algn="ctr" defTabSz="914400" rtl="0" eaLnBrk="1" latinLnBrk="1" hangingPunct="1">
-              <a:lnSpc>
-                <a:spcPct val="150000"/>
-              </a:lnSpc>
               <a:spcBef>
                 <a:spcPct val="0"/>
               </a:spcBef>
@@ -24497,14 +24405,18 @@
                 <a:latin typeface="맑은 고딕"/>
                 <a:cs typeface="Arial Unicode MS"/>
               </a:rPr>
-              <a:t>Sub System </a:t>
-            </a:r>
+              <a:t>System </a:t>
+            </a:r>
+            <a:endParaRPr kumimoji="0" lang="en-US" altLang="ko-KR" sz="2300" b="1" i="0" u="none" strike="noStrike" kern="1200" cap="none" spc="0" normalizeH="0" baseline="0">
+              <a:solidFill>
+                <a:schemeClr val="dk1"/>
+              </a:solidFill>
+              <a:latin typeface="맑은 고딕"/>
+              <a:cs typeface="Arial Unicode MS"/>
+            </a:endParaRPr>
           </a:p>
           <a:p>
             <a:pPr marL="0" indent="0" algn="ctr" defTabSz="914400" rtl="0" eaLnBrk="1" latinLnBrk="1" hangingPunct="1">
-              <a:lnSpc>
-                <a:spcPct val="150000"/>
-              </a:lnSpc>
               <a:spcBef>
                 <a:spcPct val="0"/>
               </a:spcBef>
@@ -24525,7 +24437,7 @@
               </a:rPr>
               <a:t>&amp;</a:t>
             </a:r>
-            <a:endParaRPr kumimoji="0" lang="en-US" altLang="ko-KR" sz="2300" b="1" i="0" u="none" strike="noStrike" kern="1200" cap="none" spc="0" normalizeH="0" baseline="0">
+            <a:endParaRPr kumimoji="0" lang="en-US" altLang="ko-KR" sz="1900" b="1" i="0" u="none" strike="noStrike" kern="1200" cap="none" spc="0" normalizeH="0" baseline="0">
               <a:solidFill>
                 <a:schemeClr val="dk1"/>
               </a:solidFill>
@@ -24535,9 +24447,6 @@
           </a:p>
           <a:p>
             <a:pPr marL="0" indent="0" algn="ctr" defTabSz="914400" rtl="0" eaLnBrk="1" latinLnBrk="1" hangingPunct="1">
-              <a:lnSpc>
-                <a:spcPct val="150000"/>
-              </a:lnSpc>
               <a:spcBef>
                 <a:spcPct val="0"/>
               </a:spcBef>
@@ -24551,13 +24460,20 @@
             <a:r>
               <a:rPr kumimoji="0" lang="en-US" altLang="ko-KR" sz="2300" b="1" i="0" u="none" strike="noStrike" kern="1200" cap="none" spc="0" normalizeH="0" baseline="0">
                 <a:solidFill>
-                  <a:srgbClr val="FF0000"/>
+                  <a:srgbClr val="ff0000"/>
                 </a:solidFill>
                 <a:latin typeface="맑은 고딕"/>
                 <a:cs typeface="Arial Unicode MS"/>
               </a:rPr>
               <a:t>Sub Project</a:t>
             </a:r>
+            <a:endParaRPr kumimoji="0" lang="en-US" altLang="ko-KR" sz="2300" b="1" i="0" u="none" strike="noStrike" kern="1200" cap="none" spc="0" normalizeH="0" baseline="0">
+              <a:solidFill>
+                <a:srgbClr val="ff0000"/>
+              </a:solidFill>
+              <a:latin typeface="맑은 고딕"/>
+              <a:cs typeface="Arial Unicode MS"/>
+            </a:endParaRPr>
           </a:p>
         </p:txBody>
       </p:sp>
@@ -24592,9 +24508,6 @@
           <a:lstStyle/>
           <a:p>
             <a:pPr marL="0" indent="0" algn="ctr" defTabSz="914400" rtl="0" eaLnBrk="1" latinLnBrk="1" hangingPunct="1">
-              <a:lnSpc>
-                <a:spcPct val="150000"/>
-              </a:lnSpc>
               <a:spcBef>
                 <a:spcPct val="0"/>
               </a:spcBef>
@@ -24634,6 +24547,13 @@
               </a:rPr>
               <a:t>(LPM - LL)</a:t>
             </a:r>
+            <a:endParaRPr kumimoji="0" lang="en-US" altLang="ko-KR" sz="1900" b="1" i="0" u="none" strike="noStrike" kern="1200" cap="none" spc="0" normalizeH="0" baseline="0">
+              <a:solidFill>
+                <a:srgbClr val="000000"/>
+              </a:solidFill>
+              <a:latin typeface="맑은 고딕"/>
+              <a:cs typeface="Arial Unicode MS"/>
+            </a:endParaRPr>
           </a:p>
         </p:txBody>
       </p:sp>
@@ -24668,9 +24588,6 @@
           <a:lstStyle/>
           <a:p>
             <a:pPr marL="0" indent="0" algn="ctr" defTabSz="914400" rtl="0" eaLnBrk="1" latinLnBrk="1" hangingPunct="1">
-              <a:lnSpc>
-                <a:spcPct val="150000"/>
-              </a:lnSpc>
               <a:spcBef>
                 <a:spcPct val="0"/>
               </a:spcBef>
@@ -24710,6 +24627,13 @@
               </a:rPr>
               <a:t>(LL - PM)</a:t>
             </a:r>
+            <a:endParaRPr kumimoji="0" lang="en-US" altLang="ko-KR" sz="1900" b="1" i="0" u="none" strike="noStrike" kern="1200" cap="none" spc="0" normalizeH="0" baseline="0">
+              <a:solidFill>
+                <a:srgbClr val="000000"/>
+              </a:solidFill>
+              <a:latin typeface="맑은 고딕"/>
+              <a:cs typeface="Arial Unicode MS"/>
+            </a:endParaRPr>
           </a:p>
         </p:txBody>
       </p:sp>
@@ -24767,6 +24691,13 @@
               </a:rPr>
               <a:t> 팀 구성 및 역할</a:t>
             </a:r>
+            <a:endParaRPr kumimoji="0" lang="ko-KR" altLang="en-US" sz="2800" b="1" i="0" u="none" strike="noStrike" kern="1200" cap="none" spc="0" normalizeH="0" baseline="0">
+              <a:solidFill>
+                <a:srgbClr val="000000"/>
+              </a:solidFill>
+              <a:latin typeface="맑은 고딕"/>
+              <a:cs typeface="맑은 고딕"/>
+            </a:endParaRPr>
           </a:p>
         </p:txBody>
       </p:sp>
@@ -24775,11 +24706,11 @@
   <p:clrMapOvr>
     <a:masterClrMapping/>
   </p:clrMapOvr>
-  <mc:AlternateContent xmlns:mc="http://schemas.openxmlformats.org/markup-compatibility/2006" xmlns:p14="http://schemas.microsoft.com/office/powerpoint/2010/main">
-    <mc:Choice Requires="p14">
-      <p:transition/>
+  <mc:AlternateContent xmlns:mc="http://schemas.openxmlformats.org/markup-compatibility/2006">
+    <mc:Choice xmlns:p14="http://schemas.microsoft.com/office/powerpoint/2010/main" Requires="p14">
+      <p:transition xmlns:mc="http://schemas.openxmlformats.org/markup-compatibility/2006" xmlns:p14="http://schemas.microsoft.com/office/powerpoint/2010/main" mc:Ignorable="p14" p14:dur="500"/>
     </mc:Choice>
-    <mc:Fallback xmlns:dsp="http://schemas.microsoft.com/office/drawing/2008/diagram" xmlns:dgm="http://schemas.openxmlformats.org/drawingml/2006/diagram" xmlns:c="http://schemas.openxmlformats.org/drawingml/2006/chart" xmlns="">
+    <mc:Fallback>
       <p:transition/>
     </mc:Fallback>
   </mc:AlternateContent>
@@ -24787,7 +24718,7 @@
 </file>
 
 <file path=ppt/slides/slide4.xml><?xml version="1.0" encoding="utf-8"?>
-<p:sld xmlns:a="http://schemas.openxmlformats.org/drawingml/2006/main" xmlns:r="http://schemas.openxmlformats.org/officeDocument/2006/relationships" xmlns:p="http://schemas.openxmlformats.org/presentationml/2006/main">
+<p:sld xmlns:r="http://schemas.openxmlformats.org/officeDocument/2006/relationships" xmlns:c="http://schemas.openxmlformats.org/drawingml/2006/chart" xmlns:a="http://schemas.openxmlformats.org/drawingml/2006/main" xmlns:dgm="http://schemas.openxmlformats.org/drawingml/2006/diagram" xmlns:dsp="http://schemas.microsoft.com/office/drawing/2008/diagram" xmlns:p="http://schemas.openxmlformats.org/presentationml/2006/main">
   <p:cSld>
     <p:spTree>
       <p:nvGrpSpPr>
@@ -24803,9 +24734,42 @@
           <a:chExt cx="0" cy="0"/>
         </a:xfrm>
       </p:grpSpPr>
+      <p:sp>
+        <p:nvSpPr>
+          <p:cNvPr id="10" name="슬라이드 번호 개체 틀 5"/>
+          <p:cNvSpPr>
+            <a:spLocks noGrp="1"/>
+          </p:cNvSpPr>
+          <p:nvPr>
+            <p:ph type="sldNum" sz="quarter" idx="12"/>
+          </p:nvPr>
+        </p:nvSpPr>
+        <p:spPr/>
+        <p:txBody>
+          <a:bodyPr/>
+          <a:lstStyle/>
+          <a:p>
+            <a:pPr lvl="0">
+              <a:defRPr/>
+            </a:pPr>
+            <a:fld id="{AD22CD3B-FDDF-4998-970C-76E6E0BEC65F}" type="slidenum">
+              <a:rPr lang="en-US" altLang="en-US">
+                <a:latin typeface="맑은 고딕"/>
+              </a:rPr>
+              <a:pPr lvl="0">
+                <a:defRPr/>
+              </a:pPr>
+              <a:t>4</a:t>
+            </a:fld>
+            <a:endParaRPr lang="en-US" altLang="en-US">
+              <a:latin typeface="맑은 고딕"/>
+            </a:endParaRPr>
+          </a:p>
+        </p:txBody>
+      </p:sp>
       <p:pic>
         <p:nvPicPr>
-          <p:cNvPr id="26" name="그림 25"/>
+          <p:cNvPr id="17" name="그림 16"/>
           <p:cNvPicPr>
             <a:picLocks noChangeAspect="1"/>
           </p:cNvPicPr>
@@ -24819,50 +24783,17 @@
         </p:blipFill>
         <p:spPr>
           <a:xfrm>
-            <a:off x="6598475" y="3704349"/>
-            <a:ext cx="2954156" cy="2954156"/>
+            <a:off x="2878628" y="2308448"/>
+            <a:ext cx="1559050" cy="1559050"/>
           </a:xfrm>
           <a:prstGeom prst="rect">
             <a:avLst/>
           </a:prstGeom>
         </p:spPr>
       </p:pic>
-      <p:sp>
-        <p:nvSpPr>
-          <p:cNvPr id="10" name="슬라이드 번호 개체 틀 5"/>
-          <p:cNvSpPr>
-            <a:spLocks noGrp="1"/>
-          </p:cNvSpPr>
-          <p:nvPr>
-            <p:ph type="sldNum" sz="quarter" idx="12"/>
-          </p:nvPr>
-        </p:nvSpPr>
-        <p:spPr/>
-        <p:txBody>
-          <a:bodyPr/>
-          <a:lstStyle/>
-          <a:p>
-            <a:pPr lvl="0">
-              <a:defRPr/>
-            </a:pPr>
-            <a:fld id="{AD22CD3B-FDDF-4998-970C-76E6E0BEC65F}" type="slidenum">
-              <a:rPr lang="en-US" altLang="en-US">
-                <a:latin typeface="맑은 고딕"/>
-              </a:rPr>
-              <a:pPr lvl="0">
-                <a:defRPr/>
-              </a:pPr>
-              <a:t>4</a:t>
-            </a:fld>
-            <a:endParaRPr lang="en-US" altLang="en-US">
-              <a:latin typeface="맑은 고딕"/>
-            </a:endParaRPr>
-          </a:p>
-        </p:txBody>
-      </p:sp>
       <p:pic>
         <p:nvPicPr>
-          <p:cNvPr id="15" name="그림 14"/>
+          <p:cNvPr id="18" name="그림 17"/>
           <p:cNvPicPr>
             <a:picLocks noChangeAspect="1"/>
           </p:cNvPicPr>
@@ -24876,55 +24807,7 @@
         </p:blipFill>
         <p:spPr>
           <a:xfrm>
-            <a:off x="7361268" y="2287974"/>
-            <a:ext cx="1428571" cy="1600000"/>
-          </a:xfrm>
-          <a:prstGeom prst="rect">
-            <a:avLst/>
-          </a:prstGeom>
-        </p:spPr>
-      </p:pic>
-      <p:pic>
-        <p:nvPicPr>
-          <p:cNvPr id="17" name="그림 16"/>
-          <p:cNvPicPr>
-            <a:picLocks noChangeAspect="1"/>
-          </p:cNvPicPr>
-          <p:nvPr/>
-        </p:nvPicPr>
-        <p:blipFill rotWithShape="1">
-          <a:blip r:embed="rId5"/>
-          <a:stretch>
-            <a:fillRect/>
-          </a:stretch>
-        </p:blipFill>
-        <p:spPr>
-          <a:xfrm>
-            <a:off x="3051822" y="2308448"/>
-            <a:ext cx="1559050" cy="1559050"/>
-          </a:xfrm>
-          <a:prstGeom prst="rect">
-            <a:avLst/>
-          </a:prstGeom>
-        </p:spPr>
-      </p:pic>
-      <p:pic>
-        <p:nvPicPr>
-          <p:cNvPr id="18" name="그림 17"/>
-          <p:cNvPicPr>
-            <a:picLocks noChangeAspect="1"/>
-          </p:cNvPicPr>
-          <p:nvPr/>
-        </p:nvPicPr>
-        <p:blipFill rotWithShape="1">
-          <a:blip r:embed="rId6"/>
-          <a:stretch>
-            <a:fillRect/>
-          </a:stretch>
-        </p:blipFill>
-        <p:spPr>
-          <a:xfrm>
-            <a:off x="2573880" y="4711216"/>
+            <a:off x="2400686" y="4711216"/>
             <a:ext cx="2514935" cy="1039506"/>
           </a:xfrm>
           <a:prstGeom prst="rect">
@@ -24940,7 +24823,7 @@
         </p:nvSpPr>
         <p:spPr>
           <a:xfrm>
-            <a:off x="2741845" y="1105799"/>
+            <a:off x="2568651" y="1105799"/>
             <a:ext cx="2179006" cy="726182"/>
           </a:xfrm>
           <a:prstGeom prst="roundRect">
@@ -24950,9 +24833,7 @@
           </a:prstGeom>
           <a:noFill/>
           <a:ln w="38100">
-            <a:solidFill>
-              <a:schemeClr val="tx1"/>
-            </a:solidFill>
+            <a:noFill/>
             <a:miter/>
           </a:ln>
         </p:spPr>
@@ -24969,7 +24850,7 @@
               <a:defRPr/>
             </a:pPr>
             <a:r>
-              <a:rPr lang="en-US" altLang="ko-KR" sz="2000" b="1">
+              <a:rPr lang="en-US" altLang="ko-KR" sz="3000" b="1">
                 <a:solidFill>
                   <a:schemeClr val="dk1"/>
                 </a:solidFill>
@@ -24978,6 +24859,13 @@
               </a:rPr>
               <a:t>Tool</a:t>
             </a:r>
+            <a:endParaRPr lang="en-US" altLang="ko-KR" sz="3000" b="1">
+              <a:solidFill>
+                <a:schemeClr val="dk1"/>
+              </a:solidFill>
+              <a:latin typeface="맑은 고딕"/>
+              <a:cs typeface="Arial Unicode MS"/>
+            </a:endParaRPr>
           </a:p>
         </p:txBody>
       </p:sp>
@@ -24989,8 +24877,8 @@
         </p:nvSpPr>
         <p:spPr>
           <a:xfrm>
-            <a:off x="6672900" y="1105799"/>
-            <a:ext cx="2805308" cy="726182"/>
+            <a:off x="6185628" y="1105799"/>
+            <a:ext cx="4195443" cy="726182"/>
           </a:xfrm>
           <a:prstGeom prst="roundRect">
             <a:avLst>
@@ -24999,11 +24887,7 @@
           </a:prstGeom>
           <a:noFill/>
           <a:ln w="38100">
-            <a:solidFill>
-              <a:srgbClr val="000000">
-                <a:alpha val="100000"/>
-              </a:srgbClr>
-            </a:solidFill>
+            <a:noFill/>
             <a:miter/>
           </a:ln>
         </p:spPr>
@@ -25026,7 +24910,7 @@
               <a:defRPr/>
             </a:pPr>
             <a:r>
-              <a:rPr kumimoji="0" lang="en-US" altLang="ko-KR" sz="2000" b="1" i="0" u="none" strike="noStrike" kern="1200" cap="none" spc="0" normalizeH="0" baseline="0">
+              <a:rPr kumimoji="0" lang="en-US" altLang="ko-KR" sz="3000" b="1" i="0" u="none" strike="noStrike" kern="1200" cap="none" spc="0" normalizeH="0" baseline="0">
                 <a:solidFill>
                   <a:schemeClr val="dk1"/>
                 </a:solidFill>
@@ -25035,6 +24919,13 @@
               </a:rPr>
               <a:t>Language &amp; Library</a:t>
             </a:r>
+            <a:endParaRPr kumimoji="0" lang="en-US" altLang="ko-KR" sz="3000" b="1" i="0" u="none" strike="noStrike" kern="1200" cap="none" spc="0" normalizeH="0" baseline="0">
+              <a:solidFill>
+                <a:schemeClr val="dk1"/>
+              </a:solidFill>
+              <a:latin typeface="맑은 고딕"/>
+              <a:cs typeface="Arial Unicode MS"/>
+            </a:endParaRPr>
           </a:p>
         </p:txBody>
       </p:sp>
@@ -25046,7 +24937,7 @@
         </p:nvSpPr>
         <p:spPr>
           <a:xfrm>
-            <a:off x="2020945" y="2110923"/>
+            <a:off x="1847751" y="2110923"/>
             <a:ext cx="3620804" cy="4067840"/>
           </a:xfrm>
           <a:prstGeom prst="roundRect">
@@ -25055,11 +24946,14 @@
             </a:avLst>
           </a:prstGeom>
           <a:noFill/>
-          <a:ln w="38100">
+          <a:ln w="38100" cap="flat" cmpd="sng" algn="ctr">
             <a:solidFill>
-              <a:schemeClr val="tx1"/>
+              <a:srgbClr val="000000"/>
             </a:solidFill>
+            <a:prstDash val="solid"/>
             <a:miter/>
+            <a:headEnd w="med" len="med"/>
+            <a:tailEnd w="med" len="med"/>
           </a:ln>
         </p:spPr>
         <p:txBody>
@@ -25084,60 +24978,124 @@
           </a:p>
         </p:txBody>
       </p:sp>
-      <p:sp>
-        <p:nvSpPr>
-          <p:cNvPr id="25" name="사각형: 둥근 모서리 24"/>
-          <p:cNvSpPr/>
+      <p:grpSp>
+        <p:nvGrpSpPr>
+          <p:cNvPr id="28" name=""/>
+          <p:cNvGrpSpPr/>
           <p:nvPr/>
-        </p:nvSpPr>
-        <p:spPr>
-          <a:xfrm>
-            <a:off x="6265152" y="2110923"/>
-            <a:ext cx="3620804" cy="4067840"/>
-          </a:xfrm>
-          <a:prstGeom prst="roundRect">
-            <a:avLst>
-              <a:gd name="adj" fmla="val 16667"/>
-            </a:avLst>
-          </a:prstGeom>
-          <a:noFill/>
-          <a:ln w="38100">
-            <a:solidFill>
-              <a:srgbClr val="000000">
-                <a:alpha val="100000"/>
-              </a:srgbClr>
-            </a:solidFill>
-            <a:miter/>
-          </a:ln>
-        </p:spPr>
-        <p:txBody>
-          <a:bodyPr anchor="ctr"/>
-          <a:lstStyle/>
-          <a:p>
-            <a:pPr marL="0" indent="0" algn="l" defTabSz="914400" rtl="0" eaLnBrk="1" latinLnBrk="1" hangingPunct="1">
-              <a:lnSpc>
-                <a:spcPct val="150000"/>
-              </a:lnSpc>
-              <a:spcBef>
-                <a:spcPct val="0"/>
-              </a:spcBef>
-              <a:spcAft>
-                <a:spcPts val="0"/>
-              </a:spcAft>
-              <a:buFontTx/>
-              <a:buNone/>
-              <a:defRPr/>
-            </a:pPr>
-            <a:endParaRPr kumimoji="0" sz="1800" b="0" i="0" u="none" strike="noStrike" kern="1200" cap="none" spc="0" normalizeH="0" baseline="0">
+        </p:nvGrpSpPr>
+        <p:grpSpPr>
+          <a:xfrm rot="0">
+            <a:off x="6467302" y="2110923"/>
+            <a:ext cx="3620804" cy="4547582"/>
+            <a:chOff x="6610177" y="2110923"/>
+            <a:chExt cx="3620804" cy="4547582"/>
+          </a:xfrm>
+        </p:grpSpPr>
+        <p:pic>
+          <p:nvPicPr>
+            <p:cNvPr id="26" name="그림 25"/>
+            <p:cNvPicPr>
+              <a:picLocks noChangeAspect="1"/>
+            </p:cNvPicPr>
+            <p:nvPr/>
+          </p:nvPicPr>
+          <p:blipFill rotWithShape="1">
+            <a:blip r:embed="rId5"/>
+            <a:stretch>
+              <a:fillRect/>
+            </a:stretch>
+          </p:blipFill>
+          <p:spPr>
+            <a:xfrm>
+              <a:off x="6962550" y="3704349"/>
+              <a:ext cx="2954156" cy="2954156"/>
+            </a:xfrm>
+            <a:prstGeom prst="rect">
+              <a:avLst/>
+            </a:prstGeom>
+          </p:spPr>
+        </p:pic>
+        <p:pic>
+          <p:nvPicPr>
+            <p:cNvPr id="15" name="그림 14"/>
+            <p:cNvPicPr>
+              <a:picLocks noChangeAspect="1"/>
+            </p:cNvPicPr>
+            <p:nvPr/>
+          </p:nvPicPr>
+          <p:blipFill rotWithShape="1">
+            <a:blip r:embed="rId6"/>
+            <a:stretch>
+              <a:fillRect/>
+            </a:stretch>
+          </p:blipFill>
+          <p:spPr>
+            <a:xfrm>
+              <a:off x="7725343" y="2287974"/>
+              <a:ext cx="1428571" cy="1600000"/>
+            </a:xfrm>
+            <a:prstGeom prst="rect">
+              <a:avLst/>
+            </a:prstGeom>
+          </p:spPr>
+        </p:pic>
+        <p:sp>
+          <p:nvSpPr>
+            <p:cNvPr id="25" name="사각형: 둥근 모서리 24"/>
+            <p:cNvSpPr/>
+            <p:nvPr/>
+          </p:nvSpPr>
+          <p:spPr>
+            <a:xfrm>
+              <a:off x="6610177" y="2110923"/>
+              <a:ext cx="3620804" cy="4067840"/>
+            </a:xfrm>
+            <a:prstGeom prst="roundRect">
+              <a:avLst>
+                <a:gd name="adj" fmla="val 16667"/>
+              </a:avLst>
+            </a:prstGeom>
+            <a:noFill/>
+            <a:ln w="38100" cap="flat" cmpd="sng" algn="ctr">
               <a:solidFill>
-                <a:srgbClr val="000099"/>
+                <a:srgbClr val="000000"/>
               </a:solidFill>
-              <a:latin typeface="맑은 고딕"/>
-              <a:cs typeface="Arial Unicode MS"/>
-            </a:endParaRPr>
-          </a:p>
-        </p:txBody>
-      </p:sp>
+              <a:prstDash val="solid"/>
+              <a:miter/>
+              <a:headEnd w="med" len="med"/>
+              <a:tailEnd w="med" len="med"/>
+            </a:ln>
+          </p:spPr>
+          <p:txBody>
+            <a:bodyPr anchor="ctr"/>
+            <a:lstStyle/>
+            <a:p>
+              <a:pPr marL="0" indent="0" algn="l" defTabSz="914400" rtl="0" eaLnBrk="1" latinLnBrk="1" hangingPunct="1">
+                <a:lnSpc>
+                  <a:spcPct val="150000"/>
+                </a:lnSpc>
+                <a:spcBef>
+                  <a:spcPct val="0"/>
+                </a:spcBef>
+                <a:spcAft>
+                  <a:spcPts val="0"/>
+                </a:spcAft>
+                <a:buFontTx/>
+                <a:buNone/>
+                <a:defRPr/>
+              </a:pPr>
+              <a:endParaRPr kumimoji="0" sz="1800" b="0" i="0" u="none" strike="noStrike" kern="1200" cap="none" spc="0" normalizeH="0" baseline="0">
+                <a:solidFill>
+                  <a:srgbClr val="000099"/>
+                </a:solidFill>
+                <a:latin typeface="맑은 고딕"/>
+                <a:cs typeface="Arial Unicode MS"/>
+              </a:endParaRPr>
+            </a:p>
+          </p:txBody>
+        </p:sp>
+      </p:grpSp>
       <p:sp>
         <p:nvSpPr>
           <p:cNvPr id="27" name="TextBox 8"/>
@@ -25212,6 +25170,13 @@
               </a:rPr>
               <a:t> 도구</a:t>
             </a:r>
+            <a:endParaRPr kumimoji="0" lang="ko-KR" altLang="en-US" sz="2800" b="1" i="0" u="none" strike="noStrike" kern="1200" cap="none" spc="0" normalizeH="0" baseline="0">
+              <a:solidFill>
+                <a:srgbClr val="000000"/>
+              </a:solidFill>
+              <a:latin typeface="맑은 고딕"/>
+              <a:cs typeface="맑은 고딕"/>
+            </a:endParaRPr>
           </a:p>
         </p:txBody>
       </p:sp>
@@ -25220,11 +25185,11 @@
   <p:clrMapOvr>
     <a:masterClrMapping/>
   </p:clrMapOvr>
-  <mc:AlternateContent xmlns:mc="http://schemas.openxmlformats.org/markup-compatibility/2006" xmlns:p14="http://schemas.microsoft.com/office/powerpoint/2010/main">
-    <mc:Choice Requires="p14">
-      <p:transition/>
+  <mc:AlternateContent xmlns:mc="http://schemas.openxmlformats.org/markup-compatibility/2006">
+    <mc:Choice xmlns:p14="http://schemas.microsoft.com/office/powerpoint/2010/main" Requires="p14">
+      <p:transition xmlns:mc="http://schemas.openxmlformats.org/markup-compatibility/2006" xmlns:p14="http://schemas.microsoft.com/office/powerpoint/2010/main" mc:Ignorable="p14" p14:dur="500"/>
     </mc:Choice>
-    <mc:Fallback xmlns:dsp="http://schemas.microsoft.com/office/drawing/2008/diagram" xmlns:dgm="http://schemas.openxmlformats.org/drawingml/2006/diagram" xmlns:c="http://schemas.openxmlformats.org/drawingml/2006/chart" xmlns="">
+    <mc:Fallback>
       <p:transition/>
     </mc:Fallback>
   </mc:AlternateContent>
@@ -25232,7 +25197,7 @@
 </file>
 
 <file path=ppt/slides/slide5.xml><?xml version="1.0" encoding="utf-8"?>
-<p:sld xmlns:a="http://schemas.openxmlformats.org/drawingml/2006/main" xmlns:r="http://schemas.openxmlformats.org/officeDocument/2006/relationships" xmlns:p="http://schemas.openxmlformats.org/presentationml/2006/main">
+<p:sld xmlns:r="http://schemas.openxmlformats.org/officeDocument/2006/relationships" xmlns:c="http://schemas.openxmlformats.org/drawingml/2006/chart" xmlns:a="http://schemas.openxmlformats.org/drawingml/2006/main" xmlns:dgm="http://schemas.openxmlformats.org/drawingml/2006/diagram" xmlns:dsp="http://schemas.microsoft.com/office/drawing/2008/diagram" xmlns:p="http://schemas.openxmlformats.org/presentationml/2006/main">
   <p:cSld>
     <p:spTree>
       <p:nvGrpSpPr>
@@ -25551,9 +25516,73 @@
           </a:ln>
         </p:spPr>
       </p:cxnSp>
+      <p:sp>
+        <p:nvSpPr>
+          <p:cNvPr id="30" name="TextBox 8"/>
+          <p:cNvSpPr txBox="1"/>
+          <p:nvPr/>
+        </p:nvSpPr>
+        <p:spPr>
+          <a:xfrm>
+            <a:off x="190500" y="28575"/>
+            <a:ext cx="3690132" cy="512445"/>
+          </a:xfrm>
+          <a:prstGeom prst="rect">
+            <a:avLst/>
+          </a:prstGeom>
+        </p:spPr>
+        <p:txBody>
+          <a:bodyPr wrap="square">
+            <a:spAutoFit/>
+          </a:bodyPr>
+          <a:lstStyle/>
+          <a:p>
+            <a:pPr marL="0" indent="0" algn="l" defTabSz="914400" rtl="0" eaLnBrk="1" latinLnBrk="1" hangingPunct="1">
+              <a:lnSpc>
+                <a:spcPct val="100000"/>
+              </a:lnSpc>
+              <a:spcBef>
+                <a:spcPct val="0"/>
+              </a:spcBef>
+              <a:spcAft>
+                <a:spcPts val="0"/>
+              </a:spcAft>
+              <a:buNone/>
+              <a:defRPr/>
+            </a:pPr>
+            <a:r>
+              <a:rPr kumimoji="0" lang="en-US" altLang="ko-KR" sz="2800" b="1" i="0" u="none" strike="noStrike" kern="1200" cap="none" spc="0" normalizeH="0" baseline="0">
+                <a:solidFill>
+                  <a:srgbClr val="000000"/>
+                </a:solidFill>
+                <a:latin typeface="맑은 고딕"/>
+                <a:cs typeface="맑은 고딕"/>
+              </a:rPr>
+              <a:t>2-2.</a:t>
+            </a:r>
+            <a:r>
+              <a:rPr kumimoji="0" lang="ko-KR" altLang="en-US" sz="2800" b="1" i="0" u="none" strike="noStrike" kern="1200" cap="none" spc="0" normalizeH="0" baseline="0">
+                <a:solidFill>
+                  <a:srgbClr val="000000"/>
+                </a:solidFill>
+                <a:latin typeface="맑은 고딕"/>
+                <a:cs typeface="맑은 고딕"/>
+              </a:rPr>
+              <a:t> 개발 배경</a:t>
+            </a:r>
+            <a:endParaRPr kumimoji="0" lang="ko-KR" altLang="en-US" sz="2800" b="1" i="0" u="none" strike="noStrike" kern="1200" cap="none" spc="0" normalizeH="0" baseline="0">
+              <a:solidFill>
+                <a:srgbClr val="000000"/>
+              </a:solidFill>
+              <a:latin typeface="맑은 고딕"/>
+              <a:cs typeface="맑은 고딕"/>
+            </a:endParaRPr>
+          </a:p>
+        </p:txBody>
+      </p:sp>
       <p:pic>
         <p:nvPicPr>
-          <p:cNvPr id="29" name="그림 14"/>
+          <p:cNvPr id="31" name="그림 11"/>
           <p:cNvPicPr>
             <a:picLocks noChangeAspect="1"/>
           </p:cNvPicPr>
@@ -25567,81 +25596,24 @@
         </p:blipFill>
         <p:spPr>
           <a:xfrm>
-            <a:off x="2927701" y="659899"/>
-            <a:ext cx="6836609" cy="5914055"/>
+            <a:off x="2454514" y="685621"/>
+            <a:ext cx="7786127" cy="5826297"/>
           </a:xfrm>
           <a:prstGeom prst="rect">
             <a:avLst/>
           </a:prstGeom>
         </p:spPr>
       </p:pic>
-      <p:sp>
-        <p:nvSpPr>
-          <p:cNvPr id="30" name="TextBox 8"/>
-          <p:cNvSpPr txBox="1"/>
-          <p:nvPr/>
-        </p:nvSpPr>
-        <p:spPr>
-          <a:xfrm>
-            <a:off x="190500" y="28575"/>
-            <a:ext cx="3690132" cy="512445"/>
-          </a:xfrm>
-          <a:prstGeom prst="rect">
-            <a:avLst/>
-          </a:prstGeom>
-        </p:spPr>
-        <p:txBody>
-          <a:bodyPr wrap="square">
-            <a:spAutoFit/>
-          </a:bodyPr>
-          <a:lstStyle/>
-          <a:p>
-            <a:pPr marL="0" indent="0" algn="l" defTabSz="914400" rtl="0" eaLnBrk="1" latinLnBrk="1" hangingPunct="1">
-              <a:lnSpc>
-                <a:spcPct val="100000"/>
-              </a:lnSpc>
-              <a:spcBef>
-                <a:spcPct val="0"/>
-              </a:spcBef>
-              <a:spcAft>
-                <a:spcPts val="0"/>
-              </a:spcAft>
-              <a:buNone/>
-              <a:defRPr/>
-            </a:pPr>
-            <a:r>
-              <a:rPr kumimoji="0" lang="en-US" altLang="ko-KR" sz="2800" b="1" i="0" u="none" strike="noStrike" kern="1200" cap="none" spc="0" normalizeH="0" baseline="0">
-                <a:solidFill>
-                  <a:srgbClr val="000000"/>
-                </a:solidFill>
-                <a:latin typeface="맑은 고딕"/>
-                <a:cs typeface="맑은 고딕"/>
-              </a:rPr>
-              <a:t>2-2.</a:t>
-            </a:r>
-            <a:r>
-              <a:rPr kumimoji="0" lang="ko-KR" altLang="en-US" sz="2800" b="1" i="0" u="none" strike="noStrike" kern="1200" cap="none" spc="0" normalizeH="0" baseline="0">
-                <a:solidFill>
-                  <a:srgbClr val="000000"/>
-                </a:solidFill>
-                <a:latin typeface="맑은 고딕"/>
-                <a:cs typeface="맑은 고딕"/>
-              </a:rPr>
-              <a:t> 개발 배경</a:t>
-            </a:r>
-          </a:p>
-        </p:txBody>
-      </p:sp>
     </p:spTree>
   </p:cSld>
   <p:clrMapOvr>
     <a:masterClrMapping/>
   </p:clrMapOvr>
-  <mc:AlternateContent xmlns:mc="http://schemas.openxmlformats.org/markup-compatibility/2006" xmlns:p14="http://schemas.microsoft.com/office/powerpoint/2010/main">
-    <mc:Choice Requires="p14">
-      <p:transition/>
+  <mc:AlternateContent xmlns:mc="http://schemas.openxmlformats.org/markup-compatibility/2006">
+    <mc:Choice xmlns:p14="http://schemas.microsoft.com/office/powerpoint/2010/main" Requires="p14">
+      <p:transition xmlns:mc="http://schemas.openxmlformats.org/markup-compatibility/2006" xmlns:p14="http://schemas.microsoft.com/office/powerpoint/2010/main" mc:Ignorable="p14" p14:dur="500"/>
     </mc:Choice>
-    <mc:Fallback xmlns:dsp="http://schemas.microsoft.com/office/drawing/2008/diagram" xmlns:dgm="http://schemas.openxmlformats.org/drawingml/2006/diagram" xmlns:c="http://schemas.openxmlformats.org/drawingml/2006/chart" xmlns="">
+    <mc:Fallback>
       <p:transition/>
     </mc:Fallback>
   </mc:AlternateContent>
@@ -25693,7 +25665,7 @@
                                 </p:cTn>
                               </p:par>
                               <p:par>
-                                <p:cTn id="7" presetID="1" presetClass="entr" presetSubtype="0" fill="hold" grpId="0" nodeType="withEffect">
+                                <p:cTn id="7" presetID="1" presetClass="entr" presetSubtype="0" fill="hold" nodeType="withEffect">
                                   <p:stCondLst>
                                     <p:cond delay="0"/>
                                   </p:stCondLst>
@@ -25701,6 +25673,33 @@
                                     <p:set>
                                       <p:cBhvr>
                                         <p:cTn id="8" dur="1" fill="hold">
+                                          <p:stCondLst>
+                                            <p:cond delay="0"/>
+                                          </p:stCondLst>
+                                        </p:cTn>
+                                        <p:tgtEl>
+                                          <p:spTgt spid="18"/>
+                                        </p:tgtEl>
+                                        <p:attrNameLst>
+                                          <p:attrName>style.visibility</p:attrName>
+                                        </p:attrNameLst>
+                                      </p:cBhvr>
+                                      <p:to>
+                                        <p:strVal val="visible"/>
+                                      </p:to>
+                                    </p:set>
+                                  </p:childTnLst>
+                                </p:cTn>
+                              </p:par>
+                              <p:par>
+                                <p:cTn id="9" presetID="1" presetClass="entr" presetSubtype="0" fill="hold" grpId="0" nodeType="withEffect">
+                                  <p:stCondLst>
+                                    <p:cond delay="0"/>
+                                  </p:stCondLst>
+                                  <p:childTnLst>
+                                    <p:set>
+                                      <p:cBhvr>
+                                        <p:cTn id="10" dur="1" fill="hold">
                                           <p:stCondLst>
                                             <p:cond delay="0"/>
                                           </p:stCondLst>
@@ -25719,26 +25718,8 @@
                                   </p:childTnLst>
                                 </p:cTn>
                               </p:par>
-                            </p:childTnLst>
-                          </p:cTn>
-                        </p:par>
-                      </p:childTnLst>
-                    </p:cTn>
-                  </p:par>
-                  <p:par>
-                    <p:cTn id="9" fill="hold">
-                      <p:stCondLst>
-                        <p:cond delay="indefinite"/>
-                      </p:stCondLst>
-                      <p:childTnLst>
-                        <p:par>
-                          <p:cTn id="10" fill="hold">
-                            <p:stCondLst>
-                              <p:cond delay="0"/>
-                            </p:stCondLst>
-                            <p:childTnLst>
                               <p:par>
-                                <p:cTn id="11" presetID="1" presetClass="entr" presetSubtype="0" fill="hold" nodeType="clickEffect">
+                                <p:cTn id="11" presetID="1" presetClass="entr" presetSubtype="0" fill="hold" grpId="1" nodeType="withEffect">
                                   <p:stCondLst>
                                     <p:cond delay="0"/>
                                   </p:stCondLst>
@@ -25746,6 +25727,33 @@
                                     <p:set>
                                       <p:cBhvr>
                                         <p:cTn id="12" dur="1" fill="hold">
+                                          <p:stCondLst>
+                                            <p:cond delay="0"/>
+                                          </p:stCondLst>
+                                        </p:cTn>
+                                        <p:tgtEl>
+                                          <p:spTgt spid="22"/>
+                                        </p:tgtEl>
+                                        <p:attrNameLst>
+                                          <p:attrName>style.visibility</p:attrName>
+                                        </p:attrNameLst>
+                                      </p:cBhvr>
+                                      <p:to>
+                                        <p:strVal val="visible"/>
+                                      </p:to>
+                                    </p:set>
+                                  </p:childTnLst>
+                                </p:cTn>
+                              </p:par>
+                              <p:par>
+                                <p:cTn id="13" presetID="1" presetClass="entr" presetSubtype="0" fill="hold" nodeType="withEffect">
+                                  <p:stCondLst>
+                                    <p:cond delay="0"/>
+                                  </p:stCondLst>
+                                  <p:childTnLst>
+                                    <p:set>
+                                      <p:cBhvr>
+                                        <p:cTn id="14" dur="1" fill="hold">
                                           <p:stCondLst>
                                             <p:cond delay="0"/>
                                           </p:stCondLst>
@@ -25765,14 +25773,14 @@
                                 </p:cTn>
                               </p:par>
                               <p:par>
-                                <p:cTn id="13" presetID="1" presetClass="entr" presetSubtype="0" fill="hold" grpId="1" nodeType="withEffect">
+                                <p:cTn id="15" presetID="1" presetClass="entr" presetSubtype="0" fill="hold" grpId="2" nodeType="withEffect">
                                   <p:stCondLst>
                                     <p:cond delay="0"/>
                                   </p:stCondLst>
                                   <p:childTnLst>
                                     <p:set>
                                       <p:cBhvr>
-                                        <p:cTn id="14" dur="1" fill="hold">
+                                        <p:cTn id="16" dur="1" fill="hold">
                                           <p:stCondLst>
                                             <p:cond delay="0"/>
                                           </p:stCondLst>
@@ -25791,26 +25799,8 @@
                                   </p:childTnLst>
                                 </p:cTn>
                               </p:par>
-                            </p:childTnLst>
-                          </p:cTn>
-                        </p:par>
-                      </p:childTnLst>
-                    </p:cTn>
-                  </p:par>
-                  <p:par>
-                    <p:cTn id="15" fill="hold">
-                      <p:stCondLst>
-                        <p:cond delay="indefinite"/>
-                      </p:stCondLst>
-                      <p:childTnLst>
-                        <p:par>
-                          <p:cTn id="16" fill="hold">
-                            <p:stCondLst>
-                              <p:cond delay="0"/>
-                            </p:stCondLst>
-                            <p:childTnLst>
                               <p:par>
-                                <p:cTn id="17" presetID="1" presetClass="entr" presetSubtype="0" fill="hold" nodeType="clickEffect">
+                                <p:cTn id="17" presetID="1" presetClass="entr" presetSubtype="0" fill="hold" nodeType="withEffect">
                                   <p:stCondLst>
                                     <p:cond delay="0"/>
                                   </p:stCondLst>
@@ -25823,7 +25813,7 @@
                                           </p:stCondLst>
                                         </p:cTn>
                                         <p:tgtEl>
-                                          <p:spTgt spid="18"/>
+                                          <p:spTgt spid="27"/>
                                         </p:tgtEl>
                                         <p:attrNameLst>
                                           <p:attrName>style.visibility</p:attrName>
@@ -25837,7 +25827,7 @@
                                 </p:cTn>
                               </p:par>
                               <p:par>
-                                <p:cTn id="19" presetID="1" presetClass="entr" presetSubtype="0" fill="hold" grpId="2" nodeType="withEffect">
+                                <p:cTn id="19" presetID="1" presetClass="entr" presetSubtype="0" fill="hold" grpId="3" nodeType="withEffect">
                                   <p:stCondLst>
                                     <p:cond delay="0"/>
                                   </p:stCondLst>
@@ -25850,7 +25840,7 @@
                                           </p:stCondLst>
                                         </p:cTn>
                                         <p:tgtEl>
-                                          <p:spTgt spid="22"/>
+                                          <p:spTgt spid="28"/>
                                         </p:tgtEl>
                                         <p:attrNameLst>
                                           <p:attrName>style.visibility</p:attrName>
@@ -25882,7 +25872,7 @@
                             </p:stCondLst>
                             <p:childTnLst>
                               <p:par>
-                                <p:cTn id="23" presetID="1" presetClass="entr" presetSubtype="0" fill="hold" nodeType="clickEffect">
+                                <p:cTn id="23" presetID="2" presetClass="entr" presetSubtype="4" fill="hold" nodeType="clickEffect">
                                   <p:stCondLst>
                                     <p:cond delay="0"/>
                                   </p:stCondLst>
@@ -25895,7 +25885,7 @@
                                           </p:stCondLst>
                                         </p:cTn>
                                         <p:tgtEl>
-                                          <p:spTgt spid="27"/>
+                                          <p:spTgt spid="31"/>
                                         </p:tgtEl>
                                         <p:attrNameLst>
                                           <p:attrName>style.visibility</p:attrName>
@@ -25905,78 +25895,52 @@
                                         <p:strVal val="visible"/>
                                       </p:to>
                                     </p:set>
-                                  </p:childTnLst>
-                                </p:cTn>
-                              </p:par>
-                              <p:par>
-                                <p:cTn id="25" presetID="1" presetClass="entr" presetSubtype="0" fill="hold" grpId="3" nodeType="withEffect">
-                                  <p:stCondLst>
-                                    <p:cond delay="0"/>
-                                  </p:stCondLst>
-                                  <p:childTnLst>
-                                    <p:set>
-                                      <p:cBhvr>
-                                        <p:cTn id="26" dur="1" fill="hold">
-                                          <p:stCondLst>
-                                            <p:cond delay="0"/>
-                                          </p:stCondLst>
-                                        </p:cTn>
+                                    <p:anim calcmode="lin" valueType="num">
+                                      <p:cBhvr additive="base">
+                                        <p:cTn id="25" dur="500" fill="hold"/>
                                         <p:tgtEl>
-                                          <p:spTgt spid="28"/>
+                                          <p:spTgt spid="31"/>
                                         </p:tgtEl>
                                         <p:attrNameLst>
-                                          <p:attrName>style.visibility</p:attrName>
+                                          <p:attrName>ppt_x</p:attrName>
                                         </p:attrNameLst>
                                       </p:cBhvr>
-                                      <p:to>
-                                        <p:strVal val="visible"/>
-                                      </p:to>
-                                    </p:set>
-                                  </p:childTnLst>
-                                </p:cTn>
-                              </p:par>
-                            </p:childTnLst>
-                          </p:cTn>
-                        </p:par>
-                      </p:childTnLst>
-                    </p:cTn>
-                  </p:par>
-                  <p:par>
-                    <p:cTn id="27" fill="hold">
-                      <p:stCondLst>
-                        <p:cond delay="indefinite"/>
-                      </p:stCondLst>
-                      <p:childTnLst>
-                        <p:par>
-                          <p:cTn id="28" fill="hold">
-                            <p:stCondLst>
-                              <p:cond delay="0"/>
-                            </p:stCondLst>
-                            <p:childTnLst>
-                              <p:par>
-                                <p:cTn id="29" presetID="1" presetClass="entr" presetSubtype="0" fill="hold" nodeType="clickEffect">
-                                  <p:stCondLst>
-                                    <p:cond delay="0"/>
-                                  </p:stCondLst>
-                                  <p:childTnLst>
-                                    <p:set>
-                                      <p:cBhvr>
-                                        <p:cTn id="30" dur="1" fill="hold">
-                                          <p:stCondLst>
-                                            <p:cond delay="0"/>
-                                          </p:stCondLst>
-                                        </p:cTn>
+                                      <p:tavLst>
+                                        <p:tav tm="0">
+                                          <p:val>
+                                            <p:strVal val="#ppt_x"/>
+                                          </p:val>
+                                        </p:tav>
+                                        <p:tav tm="100000">
+                                          <p:val>
+                                            <p:strVal val="#ppt_x"/>
+                                          </p:val>
+                                        </p:tav>
+                                      </p:tavLst>
+                                    </p:anim>
+                                    <p:anim calcmode="lin" valueType="num">
+                                      <p:cBhvr additive="base">
+                                        <p:cTn id="26" dur="500" fill="hold"/>
                                         <p:tgtEl>
-                                          <p:spTgt spid="29"/>
+                                          <p:spTgt spid="31"/>
                                         </p:tgtEl>
                                         <p:attrNameLst>
-                                          <p:attrName>style.visibility</p:attrName>
+                                          <p:attrName>ppt_y</p:attrName>
                                         </p:attrNameLst>
                                       </p:cBhvr>
-                                      <p:to>
-                                        <p:strVal val="visible"/>
-                                      </p:to>
-                                    </p:set>
+                                      <p:tavLst>
+                                        <p:tav tm="0">
+                                          <p:val>
+                                            <p:strVal val="1+#ppt_h/2"/>
+                                          </p:val>
+                                        </p:tav>
+                                        <p:tav tm="100000">
+                                          <p:val>
+                                            <p:strVal val="#ppt_y"/>
+                                          </p:val>
+                                        </p:tav>
+                                      </p:tavLst>
+                                    </p:anim>
                                   </p:childTnLst>
                                 </p:cTn>
                               </p:par>
@@ -26009,8 +25973,8 @@
     </p:tnLst>
     <p:bldLst>
       <p:bldP spid="21" grpId="0" animBg="1"/>
-      <p:bldP spid="22" grpId="2" animBg="1"/>
-      <p:bldP spid="25" grpId="1" animBg="1"/>
+      <p:bldP spid="22" grpId="1" animBg="1"/>
+      <p:bldP spid="25" grpId="2" animBg="1"/>
       <p:bldP spid="28" grpId="3" animBg="1"/>
     </p:bldLst>
   </p:timing>

--- a/A조 발표/A조 발표 최종.pptx
+++ b/A조 발표/A조 발표 최종.pptx
@@ -2,8 +2,8 @@
 <file path=ppt/presentation.xml><?xml version="1.0" encoding="utf-8"?>
 <p:presentation xmlns:r="http://schemas.openxmlformats.org/officeDocument/2006/relationships" xmlns:c="http://schemas.openxmlformats.org/drawingml/2006/chart" xmlns:a="http://schemas.openxmlformats.org/drawingml/2006/main" xmlns:dgm="http://schemas.openxmlformats.org/drawingml/2006/diagram" xmlns:dsp="http://schemas.microsoft.com/office/drawing/2008/diagram" xmlns:p="http://schemas.openxmlformats.org/presentationml/2006/main">
   <p:sldMasterIdLst>
-    <p:sldMasterId id="2147483812" r:id="rId1"/>
-    <p:sldMasterId id="2147483813" r:id="rId2"/>
+    <p:sldMasterId id="2147483800" r:id="rId1"/>
+    <p:sldMasterId id="2147483801" r:id="rId2"/>
   </p:sldMasterIdLst>
   <p:notesMasterIdLst>
     <p:notesMasterId r:id="rId3"/>
@@ -4882,7 +4882,7 @@
                 <a:latin typeface="맑은 고딕"/>
                 <a:cs typeface="돋움"/>
               </a:rPr>
-              <a:t>System Config</a:t>
+              <a:t>‘System Config</a:t>
             </a:r>
             <a:r>
               <a:rPr lang="EN-US" sz="1300" b="0" i="0" u="none" strike="noStrike">
@@ -5105,7 +5105,7 @@
                 <a:latin typeface="맑은 고딕"/>
                 <a:cs typeface="돋움"/>
               </a:rPr>
-              <a:t>일 경우를 고려하여 프로세스 모듈의 슬롯 개수를 짝수로만 선택이 가능하도록 제한을 둔 </a:t>
+              <a:t>일 경우</a:t>
             </a:r>
             <a:r>
               <a:rPr lang="ko-KR" altLang="en-US" sz="1300" b="0" i="0" u="none" strike="noStrike">
@@ -5113,17 +5113,75 @@
                   <a:srgbClr val="000000"/>
                 </a:solidFill>
                 <a:latin typeface="맑은 고딕"/>
-                <a:ea typeface="맑은 고딕"/>
                 <a:cs typeface="돋움"/>
               </a:rPr>
-              <a:t>점을 고려하여 </a:t>
+              <a:t> </a:t>
+            </a:r>
+            <a:r>
+              <a:rPr sz="1300" b="0" i="0" u="none" strike="noStrike">
+                <a:solidFill>
+                  <a:srgbClr val="000000"/>
+                </a:solidFill>
+                <a:latin typeface="맑은 고딕"/>
+                <a:cs typeface="돋움"/>
+              </a:rPr>
+              <a:t>프로세스 모듈</a:t>
+            </a:r>
+            <a:r>
+              <a:rPr lang="ko-KR" altLang="en-US" sz="1300" b="0" i="0" u="none" strike="noStrike">
+                <a:solidFill>
+                  <a:srgbClr val="000000"/>
+                </a:solidFill>
+                <a:latin typeface="맑은 고딕"/>
+                <a:cs typeface="돋움"/>
+              </a:rPr>
+              <a:t>과 </a:t>
+            </a:r>
+            <a:r>
+              <a:rPr lang="en-US" altLang="ko-KR" sz="1300" b="0" i="0" u="none" strike="noStrike">
+                <a:solidFill>
+                  <a:srgbClr val="000000"/>
+                </a:solidFill>
+                <a:latin typeface="맑은 고딕"/>
+                <a:cs typeface="돋움"/>
+              </a:rPr>
+              <a:t>Load Lock</a:t>
+            </a:r>
+            <a:r>
+              <a:rPr lang="ko-KR" altLang="en-US" sz="1300" b="0" i="0" u="none" strike="noStrike">
+                <a:solidFill>
+                  <a:srgbClr val="000000"/>
+                </a:solidFill>
+                <a:latin typeface="맑은 고딕"/>
+                <a:cs typeface="돋움"/>
+              </a:rPr>
+              <a:t>의</a:t>
+            </a:r>
+            <a:r>
+              <a:rPr sz="1300" b="0" i="0" u="none" strike="noStrike">
+                <a:solidFill>
+                  <a:srgbClr val="000000"/>
+                </a:solidFill>
+                <a:latin typeface="맑은 고딕"/>
+                <a:cs typeface="돋움"/>
+              </a:rPr>
+              <a:t> 슬롯 개수를 짝수로만 선택이 가능하도록 제한을 </a:t>
+            </a:r>
+            <a:r>
+              <a:rPr lang="ko-KR" altLang="en-US" sz="1300" b="0" i="0" u="none" strike="noStrike">
+                <a:solidFill>
+                  <a:srgbClr val="000000"/>
+                </a:solidFill>
+                <a:latin typeface="맑은 고딕"/>
+                <a:cs typeface="돋움"/>
+              </a:rPr>
+              <a:t>두어야 된다는 점을 고려하여</a:t>
             </a:r>
             <a:endParaRPr lang="ko-KR" altLang="en-US" sz="1300" b="0" i="0" u="none" strike="noStrike">
               <a:solidFill>
                 <a:srgbClr val="000000"/>
               </a:solidFill>
               <a:latin typeface="맑은 고딕"/>
-              <a:ea typeface="맑은 고딕"/>
               <a:cs typeface="돋움"/>
             </a:endParaRPr>
           </a:p>
@@ -13055,7 +13113,7 @@
 </file>
 
 <file path=ppt/slides/slide10.xml><?xml version="1.0" encoding="utf-8"?>
-<p:sld xmlns:a="http://schemas.openxmlformats.org/drawingml/2006/main" xmlns:r="http://schemas.openxmlformats.org/officeDocument/2006/relationships" xmlns:p="http://schemas.openxmlformats.org/presentationml/2006/main">
+<p:sld xmlns:r="http://schemas.openxmlformats.org/officeDocument/2006/relationships" xmlns:c="http://schemas.openxmlformats.org/drawingml/2006/chart" xmlns:a="http://schemas.openxmlformats.org/drawingml/2006/main" xmlns:dgm="http://schemas.openxmlformats.org/drawingml/2006/diagram" xmlns:dsp="http://schemas.microsoft.com/office/drawing/2008/diagram" xmlns:p="http://schemas.openxmlformats.org/presentationml/2006/main">
   <p:cSld>
     <p:spTree>
       <p:nvGrpSpPr>
@@ -13128,6 +13186,14 @@
               </a:rPr>
               <a:t>LL</a:t>
             </a:r>
+            <a:endParaRPr kumimoji="0" lang="en-US" altLang="ko-KR" sz="2800" b="0" i="0" u="none" strike="noStrike" kern="1200" cap="none" spc="0" normalizeH="0" baseline="0">
+              <a:solidFill>
+                <a:srgbClr val="000000"/>
+              </a:solidFill>
+              <a:latin typeface="맑은 고딕"/>
+              <a:ea typeface="맑은 고딕"/>
+              <a:cs typeface="Arial Unicode MS"/>
+            </a:endParaRPr>
           </a:p>
         </p:txBody>
       </p:sp>
@@ -13188,6 +13254,14 @@
               </a:rPr>
               <a:t>PM</a:t>
             </a:r>
+            <a:endParaRPr kumimoji="0" lang="en-US" altLang="ko-KR" sz="2800" b="0" i="0" u="none" strike="noStrike" kern="1200" cap="none" spc="0" normalizeH="0" baseline="0">
+              <a:solidFill>
+                <a:srgbClr val="000000"/>
+              </a:solidFill>
+              <a:latin typeface="맑은 고딕"/>
+              <a:ea typeface="맑은 고딕"/>
+              <a:cs typeface="Arial Unicode MS"/>
+            </a:endParaRPr>
           </a:p>
         </p:txBody>
       </p:sp>
@@ -13240,6 +13314,14 @@
               </a:rPr>
               <a:t>Central Control</a:t>
             </a:r>
+            <a:endParaRPr lang="en-US" altLang="ko-KR" sz="2800">
+              <a:solidFill>
+                <a:schemeClr val="tx1"/>
+              </a:solidFill>
+              <a:latin typeface="+mn-ea"/>
+              <a:ea typeface="+mn-ea"/>
+              <a:cs typeface="Arial Unicode MS"/>
+            </a:endParaRPr>
           </a:p>
         </p:txBody>
       </p:sp>
@@ -13300,6 +13382,14 @@
               </a:rPr>
               <a:t>Time</a:t>
             </a:r>
+            <a:endParaRPr kumimoji="0" lang="en-US" altLang="ko-KR" sz="2800" b="0" i="0" u="none" strike="noStrike" kern="1200" cap="none" spc="0" normalizeH="0" baseline="0">
+              <a:solidFill>
+                <a:srgbClr val="000000"/>
+              </a:solidFill>
+              <a:latin typeface="맑은 고딕"/>
+              <a:ea typeface="맑은 고딕"/>
+              <a:cs typeface="Arial Unicode MS"/>
+            </a:endParaRPr>
           </a:p>
         </p:txBody>
       </p:sp>
@@ -13318,7 +13408,7 @@
             <a:avLst/>
           </a:prstGeom>
           <a:solidFill>
-            <a:srgbClr val="1A141C">
+            <a:srgbClr val="1a141c">
               <a:alpha val="55690"/>
             </a:srgbClr>
           </a:solidFill>
@@ -13381,7 +13471,7 @@
           </a:solidFill>
           <a:ln w="50800">
             <a:solidFill>
-              <a:srgbClr val="FF0000">
+              <a:srgbClr val="ff0000">
                 <a:alpha val="100000"/>
               </a:srgbClr>
             </a:solidFill>
@@ -13417,6 +13507,14 @@
               </a:rPr>
               <a:t>LL to OUT</a:t>
             </a:r>
+            <a:endParaRPr kumimoji="0" lang="en-US" altLang="ko-KR" sz="3200" b="1" i="0" u="none" strike="noStrike" kern="1200" cap="none" spc="0" normalizeH="0" baseline="0">
+              <a:solidFill>
+                <a:srgbClr val="000000"/>
+              </a:solidFill>
+              <a:latin typeface="맑은 고딕"/>
+              <a:ea typeface="맑은 고딕"/>
+              <a:cs typeface="Arial Unicode MS"/>
+            </a:endParaRPr>
           </a:p>
         </p:txBody>
       </p:sp>
@@ -13437,13 +13535,13 @@
             </a:avLst>
           </a:prstGeom>
           <a:solidFill>
-            <a:srgbClr val="FF996B">
+            <a:srgbClr val="ff996b">
               <a:alpha val="100000"/>
             </a:srgbClr>
           </a:solidFill>
           <a:ln w="50800">
             <a:solidFill>
-              <a:srgbClr val="FF0000">
+              <a:srgbClr val="ff0000">
                 <a:alpha val="100000"/>
               </a:srgbClr>
             </a:solidFill>
@@ -13479,6 +13577,14 @@
               </a:rPr>
               <a:t>LPM to LL</a:t>
             </a:r>
+            <a:endParaRPr kumimoji="0" lang="en-US" altLang="ko-KR" sz="3200" b="1" i="0" u="none" strike="noStrike" kern="1200" cap="none" spc="0" normalizeH="0" baseline="0">
+              <a:solidFill>
+                <a:schemeClr val="lt1"/>
+              </a:solidFill>
+              <a:latin typeface="맑은 고딕"/>
+              <a:ea typeface="맑은 고딕"/>
+              <a:cs typeface="Arial Unicode MS"/>
+            </a:endParaRPr>
           </a:p>
         </p:txBody>
       </p:sp>
@@ -13503,7 +13609,7 @@
           </a:solidFill>
           <a:ln w="50800">
             <a:solidFill>
-              <a:srgbClr val="FF0000">
+              <a:srgbClr val="ff0000">
                 <a:alpha val="100000"/>
               </a:srgbClr>
             </a:solidFill>
@@ -13539,6 +13645,14 @@
               </a:rPr>
               <a:t>PM to LL</a:t>
             </a:r>
+            <a:endParaRPr kumimoji="0" lang="en-US" altLang="ko-KR" sz="3200" b="1" i="0" u="none" strike="noStrike" kern="1200" cap="none" spc="0" normalizeH="0" baseline="0">
+              <a:solidFill>
+                <a:srgbClr val="000000"/>
+              </a:solidFill>
+              <a:latin typeface="맑은 고딕"/>
+              <a:ea typeface="맑은 고딕"/>
+              <a:cs typeface="Arial Unicode MS"/>
+            </a:endParaRPr>
           </a:p>
         </p:txBody>
       </p:sp>
@@ -13559,11 +13673,11 @@
             </a:avLst>
           </a:prstGeom>
           <a:solidFill>
-            <a:srgbClr val="FF996B"/>
+            <a:srgbClr val="ff996b"/>
           </a:solidFill>
           <a:ln w="50800">
             <a:solidFill>
-              <a:srgbClr val="FF0000">
+              <a:srgbClr val="ff0000">
                 <a:alpha val="100000"/>
               </a:srgbClr>
             </a:solidFill>
@@ -13599,6 +13713,14 @@
               </a:rPr>
               <a:t>LL to PM</a:t>
             </a:r>
+            <a:endParaRPr kumimoji="0" lang="en-US" altLang="ko-KR" sz="3200" b="1" i="0" u="none" strike="noStrike" kern="1200" cap="none" spc="0" normalizeH="0" baseline="0">
+              <a:solidFill>
+                <a:schemeClr val="lt1"/>
+              </a:solidFill>
+              <a:latin typeface="맑은 고딕"/>
+              <a:ea typeface="맑은 고딕"/>
+              <a:cs typeface="Arial Unicode MS"/>
+            </a:endParaRPr>
           </a:p>
         </p:txBody>
       </p:sp>
@@ -13624,6 +13746,7 @@
               <a:rPr lang="en-US" altLang="ko-KR"/>
               <a:t>6</a:t>
             </a:r>
+            <a:endParaRPr lang="en-US" altLang="ko-KR"/>
           </a:p>
         </p:txBody>
       </p:sp>
@@ -13681,6 +13804,13 @@
               </a:rPr>
               <a:t>구성</a:t>
             </a:r>
+            <a:endParaRPr kumimoji="0" lang="ko-KR" altLang="en-US" sz="2800" b="1" i="0" u="none" strike="noStrike" kern="1200" cap="none" spc="0" normalizeH="0" baseline="0">
+              <a:solidFill>
+                <a:srgbClr val="000000"/>
+              </a:solidFill>
+              <a:latin typeface="맑은 고딕"/>
+              <a:cs typeface="맑은 고딕"/>
+            </a:endParaRPr>
           </a:p>
         </p:txBody>
       </p:sp>
@@ -13701,7 +13831,7 @@
             </a:avLst>
           </a:prstGeom>
           <a:solidFill>
-            <a:srgbClr val="FFFFFF">
+            <a:srgbClr val="ffffff">
               <a:alpha val="100000"/>
             </a:srgbClr>
           </a:solidFill>
@@ -13733,7 +13863,7 @@
               <a:defRPr/>
             </a:pPr>
             <a:r>
-              <a:rPr kumimoji="0" lang="en-US" altLang="ko-KR" sz="2800" b="0" i="0" u="none" strike="noStrike" kern="1200" cap="none" spc="0" normalizeH="0" baseline="0">
+              <a:rPr kumimoji="0" lang="en-US" altLang="ko-KR" sz="2800" b="1" i="0" u="none" strike="noStrike" kern="1200" cap="none" spc="0" normalizeH="0" baseline="0">
                 <a:solidFill>
                   <a:srgbClr val="000000"/>
                 </a:solidFill>
@@ -13743,6 +13873,14 @@
               </a:rPr>
               <a:t>LPM</a:t>
             </a:r>
+            <a:endParaRPr kumimoji="0" lang="en-US" altLang="ko-KR" sz="2800" b="1" i="0" u="none" strike="noStrike" kern="1200" cap="none" spc="0" normalizeH="0" baseline="0">
+              <a:solidFill>
+                <a:srgbClr val="000000"/>
+              </a:solidFill>
+              <a:latin typeface="맑은 고딕"/>
+              <a:ea typeface="맑은 고딕"/>
+              <a:cs typeface="Arial Unicode MS"/>
+            </a:endParaRPr>
           </a:p>
         </p:txBody>
       </p:sp>
@@ -13763,7 +13901,7 @@
             </a:avLst>
           </a:prstGeom>
           <a:solidFill>
-            <a:srgbClr val="FFFFFF">
+            <a:srgbClr val="ffffff">
               <a:alpha val="100000"/>
             </a:srgbClr>
           </a:solidFill>
@@ -13795,7 +13933,7 @@
               <a:defRPr/>
             </a:pPr>
             <a:r>
-              <a:rPr kumimoji="0" lang="en-US" altLang="ko-KR" sz="2800" b="0" i="0" u="none" strike="noStrike" kern="1200" cap="none" spc="0" normalizeH="0" baseline="0">
+              <a:rPr kumimoji="0" lang="en-US" altLang="ko-KR" sz="2800" b="1" i="0" u="none" strike="noStrike" kern="1200" cap="none" spc="0" normalizeH="0" baseline="0">
                 <a:solidFill>
                   <a:srgbClr val="000000"/>
                 </a:solidFill>
@@ -13805,6 +13943,14 @@
               </a:rPr>
               <a:t>Load Lock</a:t>
             </a:r>
+            <a:endParaRPr kumimoji="0" lang="en-US" altLang="ko-KR" sz="2800" b="1" i="0" u="none" strike="noStrike" kern="1200" cap="none" spc="0" normalizeH="0" baseline="0">
+              <a:solidFill>
+                <a:srgbClr val="000000"/>
+              </a:solidFill>
+              <a:latin typeface="맑은 고딕"/>
+              <a:ea typeface="맑은 고딕"/>
+              <a:cs typeface="Arial Unicode MS"/>
+            </a:endParaRPr>
           </a:p>
         </p:txBody>
       </p:sp>
@@ -13825,7 +13971,7 @@
             </a:avLst>
           </a:prstGeom>
           <a:solidFill>
-            <a:srgbClr val="FFFFFF">
+            <a:srgbClr val="ffffff">
               <a:alpha val="100000"/>
             </a:srgbClr>
           </a:solidFill>
@@ -13857,7 +14003,7 @@
               <a:defRPr/>
             </a:pPr>
             <a:r>
-              <a:rPr kumimoji="0" lang="en-US" altLang="ko-KR" sz="2800" b="0" i="0" u="none" strike="noStrike" kern="1200" cap="none" spc="0" normalizeH="0" baseline="0">
+              <a:rPr kumimoji="0" lang="en-US" altLang="ko-KR" sz="2800" b="1" i="0" u="none" strike="noStrike" kern="1200" cap="none" spc="0" normalizeH="0" baseline="0">
                 <a:solidFill>
                   <a:srgbClr val="000000"/>
                 </a:solidFill>
@@ -13867,6 +14013,14 @@
               </a:rPr>
               <a:t>Process</a:t>
             </a:r>
+            <a:endParaRPr kumimoji="0" lang="en-US" altLang="ko-KR" sz="2800" b="1" i="0" u="none" strike="noStrike" kern="1200" cap="none" spc="0" normalizeH="0" baseline="0">
+              <a:solidFill>
+                <a:srgbClr val="000000"/>
+              </a:solidFill>
+              <a:latin typeface="맑은 고딕"/>
+              <a:ea typeface="맑은 고딕"/>
+              <a:cs typeface="Arial Unicode MS"/>
+            </a:endParaRPr>
           </a:p>
         </p:txBody>
       </p:sp>
@@ -13938,7 +14092,7 @@
             </a:avLst>
           </a:prstGeom>
           <a:solidFill>
-            <a:srgbClr val="FFFFFF">
+            <a:srgbClr val="ffffff">
               <a:alpha val="100000"/>
             </a:srgbClr>
           </a:solidFill>
@@ -13985,11 +14139,11 @@
   <p:clrMapOvr>
     <a:masterClrMapping/>
   </p:clrMapOvr>
-  <mc:AlternateContent xmlns:mc="http://schemas.openxmlformats.org/markup-compatibility/2006" xmlns:p14="http://schemas.microsoft.com/office/powerpoint/2010/main">
-    <mc:Choice Requires="p14">
-      <p:transition spd="slow"/>
+  <mc:AlternateContent xmlns:mc="http://schemas.openxmlformats.org/markup-compatibility/2006">
+    <mc:Choice xmlns:p14="http://schemas.microsoft.com/office/powerpoint/2010/main" Requires="p14">
+      <p:transition xmlns:mc="http://schemas.openxmlformats.org/markup-compatibility/2006" xmlns:p14="http://schemas.microsoft.com/office/powerpoint/2010/main" spd="med" mc:Ignorable="p14" p14:dur="1000"/>
     </mc:Choice>
-    <mc:Fallback xmlns:dsp="http://schemas.microsoft.com/office/drawing/2008/diagram" xmlns:dgm="http://schemas.openxmlformats.org/drawingml/2006/diagram" xmlns:c="http://schemas.openxmlformats.org/drawingml/2006/chart" xmlns="">
+    <mc:Fallback>
       <p:transition/>
     </mc:Fallback>
   </mc:AlternateContent>
@@ -13997,7 +14151,7 @@
 </file>
 
 <file path=ppt/slides/slide11.xml><?xml version="1.0" encoding="utf-8"?>
-<p:sld xmlns:a="http://schemas.openxmlformats.org/drawingml/2006/main" xmlns:r="http://schemas.openxmlformats.org/officeDocument/2006/relationships" xmlns:p="http://schemas.openxmlformats.org/presentationml/2006/main">
+<p:sld xmlns:r="http://schemas.openxmlformats.org/officeDocument/2006/relationships" xmlns:c="http://schemas.openxmlformats.org/drawingml/2006/chart" xmlns:a="http://schemas.openxmlformats.org/drawingml/2006/main" xmlns:dgm="http://schemas.openxmlformats.org/drawingml/2006/diagram" xmlns:dsp="http://schemas.microsoft.com/office/drawing/2008/diagram" xmlns:p="http://schemas.openxmlformats.org/presentationml/2006/main">
   <p:cSld>
     <p:spTree>
       <p:nvGrpSpPr>
@@ -14070,6 +14224,14 @@
               </a:rPr>
               <a:t>LL</a:t>
             </a:r>
+            <a:endParaRPr kumimoji="0" lang="en-US" altLang="ko-KR" sz="2800" b="0" i="0" u="none" strike="noStrike" kern="1200" cap="none" spc="0" normalizeH="0" baseline="0">
+              <a:solidFill>
+                <a:srgbClr val="000000"/>
+              </a:solidFill>
+              <a:latin typeface="맑은 고딕"/>
+              <a:ea typeface="맑은 고딕"/>
+              <a:cs typeface="Arial Unicode MS"/>
+            </a:endParaRPr>
           </a:p>
         </p:txBody>
       </p:sp>
@@ -14130,6 +14292,14 @@
               </a:rPr>
               <a:t>PM</a:t>
             </a:r>
+            <a:endParaRPr kumimoji="0" lang="en-US" altLang="ko-KR" sz="2800" b="0" i="0" u="none" strike="noStrike" kern="1200" cap="none" spc="0" normalizeH="0" baseline="0">
+              <a:solidFill>
+                <a:srgbClr val="000000"/>
+              </a:solidFill>
+              <a:latin typeface="맑은 고딕"/>
+              <a:ea typeface="맑은 고딕"/>
+              <a:cs typeface="Arial Unicode MS"/>
+            </a:endParaRPr>
           </a:p>
         </p:txBody>
       </p:sp>
@@ -14182,6 +14352,14 @@
               </a:rPr>
               <a:t>Central Control</a:t>
             </a:r>
+            <a:endParaRPr lang="en-US" altLang="ko-KR" sz="2800">
+              <a:solidFill>
+                <a:schemeClr val="tx1"/>
+              </a:solidFill>
+              <a:latin typeface="+mn-ea"/>
+              <a:ea typeface="+mn-ea"/>
+              <a:cs typeface="Arial Unicode MS"/>
+            </a:endParaRPr>
           </a:p>
         </p:txBody>
       </p:sp>
@@ -14242,6 +14420,14 @@
               </a:rPr>
               <a:t>Time</a:t>
             </a:r>
+            <a:endParaRPr kumimoji="0" lang="en-US" altLang="ko-KR" sz="2800" b="0" i="0" u="none" strike="noStrike" kern="1200" cap="none" spc="0" normalizeH="0" baseline="0">
+              <a:solidFill>
+                <a:srgbClr val="000000"/>
+              </a:solidFill>
+              <a:latin typeface="맑은 고딕"/>
+              <a:ea typeface="맑은 고딕"/>
+              <a:cs typeface="Arial Unicode MS"/>
+            </a:endParaRPr>
           </a:p>
         </p:txBody>
       </p:sp>
@@ -14260,7 +14446,7 @@
             <a:avLst/>
           </a:prstGeom>
           <a:solidFill>
-            <a:srgbClr val="1A141C">
+            <a:srgbClr val="1a141c">
               <a:alpha val="55690"/>
             </a:srgbClr>
           </a:solidFill>
@@ -14319,11 +14505,11 @@
             </a:avLst>
           </a:prstGeom>
           <a:solidFill>
-            <a:srgbClr val="FF996B"/>
+            <a:srgbClr val="ff996b"/>
           </a:solidFill>
           <a:ln w="50800">
             <a:solidFill>
-              <a:srgbClr val="FF0000">
+              <a:srgbClr val="ff0000">
                 <a:alpha val="100000"/>
               </a:srgbClr>
             </a:solidFill>
@@ -14359,6 +14545,14 @@
               </a:rPr>
               <a:t>LL to OUT</a:t>
             </a:r>
+            <a:endParaRPr kumimoji="0" lang="en-US" altLang="ko-KR" sz="3200" b="1" i="0" u="none" strike="noStrike" kern="1200" cap="none" spc="0" normalizeH="0" baseline="0">
+              <a:solidFill>
+                <a:schemeClr val="lt1"/>
+              </a:solidFill>
+              <a:latin typeface="맑은 고딕"/>
+              <a:ea typeface="맑은 고딕"/>
+              <a:cs typeface="Arial Unicode MS"/>
+            </a:endParaRPr>
           </a:p>
         </p:txBody>
       </p:sp>
@@ -14379,13 +14573,13 @@
             </a:avLst>
           </a:prstGeom>
           <a:solidFill>
-            <a:srgbClr val="FFFFFF">
+            <a:srgbClr val="ffffff">
               <a:alpha val="100000"/>
             </a:srgbClr>
           </a:solidFill>
           <a:ln w="50800">
             <a:solidFill>
-              <a:srgbClr val="FF0000">
+              <a:srgbClr val="ff0000">
                 <a:alpha val="100000"/>
               </a:srgbClr>
             </a:solidFill>
@@ -14421,6 +14615,14 @@
               </a:rPr>
               <a:t>LPM to LL</a:t>
             </a:r>
+            <a:endParaRPr kumimoji="0" lang="en-US" altLang="ko-KR" sz="3200" b="1" i="0" u="none" strike="noStrike" kern="1200" cap="none" spc="0" normalizeH="0" baseline="0">
+              <a:solidFill>
+                <a:srgbClr val="000000"/>
+              </a:solidFill>
+              <a:latin typeface="맑은 고딕"/>
+              <a:ea typeface="맑은 고딕"/>
+              <a:cs typeface="Arial Unicode MS"/>
+            </a:endParaRPr>
           </a:p>
         </p:txBody>
       </p:sp>
@@ -14441,11 +14643,11 @@
             </a:avLst>
           </a:prstGeom>
           <a:solidFill>
-            <a:srgbClr val="FF996B"/>
+            <a:srgbClr val="ff996b"/>
           </a:solidFill>
           <a:ln w="50800">
             <a:solidFill>
-              <a:srgbClr val="FF0000">
+              <a:srgbClr val="ff0000">
                 <a:alpha val="100000"/>
               </a:srgbClr>
             </a:solidFill>
@@ -14481,6 +14683,14 @@
               </a:rPr>
               <a:t>PM to LL</a:t>
             </a:r>
+            <a:endParaRPr kumimoji="0" lang="en-US" altLang="ko-KR" sz="3200" b="1" i="0" u="none" strike="noStrike" kern="1200" cap="none" spc="0" normalizeH="0" baseline="0">
+              <a:solidFill>
+                <a:schemeClr val="lt1"/>
+              </a:solidFill>
+              <a:latin typeface="맑은 고딕"/>
+              <a:ea typeface="맑은 고딕"/>
+              <a:cs typeface="Arial Unicode MS"/>
+            </a:endParaRPr>
           </a:p>
         </p:txBody>
       </p:sp>
@@ -14505,7 +14715,7 @@
           </a:solidFill>
           <a:ln w="50800">
             <a:solidFill>
-              <a:srgbClr val="FF0000">
+              <a:srgbClr val="ff0000">
                 <a:alpha val="100000"/>
               </a:srgbClr>
             </a:solidFill>
@@ -14541,6 +14751,14 @@
               </a:rPr>
               <a:t>LL to PM</a:t>
             </a:r>
+            <a:endParaRPr kumimoji="0" lang="en-US" altLang="ko-KR" sz="3200" b="1" i="0" u="none" strike="noStrike" kern="1200" cap="none" spc="0" normalizeH="0" baseline="0">
+              <a:solidFill>
+                <a:srgbClr val="000000"/>
+              </a:solidFill>
+              <a:latin typeface="맑은 고딕"/>
+              <a:ea typeface="맑은 고딕"/>
+              <a:cs typeface="Arial Unicode MS"/>
+            </a:endParaRPr>
           </a:p>
         </p:txBody>
       </p:sp>
@@ -14566,6 +14784,7 @@
               <a:rPr lang="en-US" altLang="ko-KR"/>
               <a:t>6</a:t>
             </a:r>
+            <a:endParaRPr lang="en-US" altLang="ko-KR"/>
           </a:p>
         </p:txBody>
       </p:sp>
@@ -14623,6 +14842,13 @@
               </a:rPr>
               <a:t>구성</a:t>
             </a:r>
+            <a:endParaRPr kumimoji="0" lang="ko-KR" altLang="en-US" sz="2800" b="1" i="0" u="none" strike="noStrike" kern="1200" cap="none" spc="0" normalizeH="0" baseline="0">
+              <a:solidFill>
+                <a:srgbClr val="000000"/>
+              </a:solidFill>
+              <a:latin typeface="맑은 고딕"/>
+              <a:cs typeface="맑은 고딕"/>
+            </a:endParaRPr>
           </a:p>
         </p:txBody>
       </p:sp>
@@ -14643,7 +14869,7 @@
             </a:avLst>
           </a:prstGeom>
           <a:solidFill>
-            <a:srgbClr val="FFFFFF">
+            <a:srgbClr val="ffffff">
               <a:alpha val="100000"/>
             </a:srgbClr>
           </a:solidFill>
@@ -14675,7 +14901,7 @@
               <a:defRPr/>
             </a:pPr>
             <a:r>
-              <a:rPr kumimoji="0" lang="en-US" altLang="ko-KR" sz="2800" b="0" i="0" u="none" strike="noStrike" kern="1200" cap="none" spc="0" normalizeH="0" baseline="0">
+              <a:rPr kumimoji="0" lang="en-US" altLang="ko-KR" sz="2800" b="1" i="0" u="none" strike="noStrike" kern="1200" cap="none" spc="0" normalizeH="0" baseline="0">
                 <a:solidFill>
                   <a:srgbClr val="000000"/>
                 </a:solidFill>
@@ -14685,6 +14911,14 @@
               </a:rPr>
               <a:t>LPM</a:t>
             </a:r>
+            <a:endParaRPr kumimoji="0" lang="en-US" altLang="ko-KR" sz="2800" b="1" i="0" u="none" strike="noStrike" kern="1200" cap="none" spc="0" normalizeH="0" baseline="0">
+              <a:solidFill>
+                <a:srgbClr val="000000"/>
+              </a:solidFill>
+              <a:latin typeface="맑은 고딕"/>
+              <a:ea typeface="맑은 고딕"/>
+              <a:cs typeface="Arial Unicode MS"/>
+            </a:endParaRPr>
           </a:p>
         </p:txBody>
       </p:sp>
@@ -14705,7 +14939,7 @@
             </a:avLst>
           </a:prstGeom>
           <a:solidFill>
-            <a:srgbClr val="FFFFFF">
+            <a:srgbClr val="ffffff">
               <a:alpha val="100000"/>
             </a:srgbClr>
           </a:solidFill>
@@ -14737,7 +14971,7 @@
               <a:defRPr/>
             </a:pPr>
             <a:r>
-              <a:rPr kumimoji="0" lang="en-US" altLang="ko-KR" sz="2800" b="0" i="0" u="none" strike="noStrike" kern="1200" cap="none" spc="0" normalizeH="0" baseline="0">
+              <a:rPr kumimoji="0" lang="en-US" altLang="ko-KR" sz="2800" b="1" i="0" u="none" strike="noStrike" kern="1200" cap="none" spc="0" normalizeH="0" baseline="0">
                 <a:solidFill>
                   <a:srgbClr val="000000"/>
                 </a:solidFill>
@@ -14747,6 +14981,14 @@
               </a:rPr>
               <a:t>Load Lock</a:t>
             </a:r>
+            <a:endParaRPr kumimoji="0" lang="en-US" altLang="ko-KR" sz="2800" b="1" i="0" u="none" strike="noStrike" kern="1200" cap="none" spc="0" normalizeH="0" baseline="0">
+              <a:solidFill>
+                <a:srgbClr val="000000"/>
+              </a:solidFill>
+              <a:latin typeface="맑은 고딕"/>
+              <a:ea typeface="맑은 고딕"/>
+              <a:cs typeface="Arial Unicode MS"/>
+            </a:endParaRPr>
           </a:p>
         </p:txBody>
       </p:sp>
@@ -14767,7 +15009,7 @@
             </a:avLst>
           </a:prstGeom>
           <a:solidFill>
-            <a:srgbClr val="FFFFFF">
+            <a:srgbClr val="ffffff">
               <a:alpha val="100000"/>
             </a:srgbClr>
           </a:solidFill>
@@ -14799,7 +15041,7 @@
               <a:defRPr/>
             </a:pPr>
             <a:r>
-              <a:rPr kumimoji="0" lang="en-US" altLang="ko-KR" sz="2800" b="0" i="0" u="none" strike="noStrike" kern="1200" cap="none" spc="0" normalizeH="0" baseline="0">
+              <a:rPr kumimoji="0" lang="en-US" altLang="ko-KR" sz="2800" b="1" i="0" u="none" strike="noStrike" kern="1200" cap="none" spc="0" normalizeH="0" baseline="0">
                 <a:solidFill>
                   <a:srgbClr val="000000"/>
                 </a:solidFill>
@@ -14809,6 +15051,14 @@
               </a:rPr>
               <a:t>Process</a:t>
             </a:r>
+            <a:endParaRPr kumimoji="0" lang="en-US" altLang="ko-KR" sz="2800" b="1" i="0" u="none" strike="noStrike" kern="1200" cap="none" spc="0" normalizeH="0" baseline="0">
+              <a:solidFill>
+                <a:srgbClr val="000000"/>
+              </a:solidFill>
+              <a:latin typeface="맑은 고딕"/>
+              <a:ea typeface="맑은 고딕"/>
+              <a:cs typeface="Arial Unicode MS"/>
+            </a:endParaRPr>
           </a:p>
         </p:txBody>
       </p:sp>
@@ -14880,7 +15130,7 @@
             </a:avLst>
           </a:prstGeom>
           <a:solidFill>
-            <a:srgbClr val="FFFFFF">
+            <a:srgbClr val="ffffff">
               <a:alpha val="100000"/>
             </a:srgbClr>
           </a:solidFill>
@@ -14927,11 +15177,11 @@
   <p:clrMapOvr>
     <a:masterClrMapping/>
   </p:clrMapOvr>
-  <mc:AlternateContent xmlns:mc="http://schemas.openxmlformats.org/markup-compatibility/2006" xmlns:p14="http://schemas.microsoft.com/office/powerpoint/2010/main">
-    <mc:Choice Requires="p14">
-      <p:transition spd="slow"/>
+  <mc:AlternateContent xmlns:mc="http://schemas.openxmlformats.org/markup-compatibility/2006">
+    <mc:Choice xmlns:p14="http://schemas.microsoft.com/office/powerpoint/2010/main" Requires="p14">
+      <p:transition xmlns:mc="http://schemas.openxmlformats.org/markup-compatibility/2006" xmlns:p14="http://schemas.microsoft.com/office/powerpoint/2010/main" spd="med" mc:Ignorable="p14" p14:dur="1000"/>
     </mc:Choice>
-    <mc:Fallback xmlns:dsp="http://schemas.microsoft.com/office/drawing/2008/diagram" xmlns:dgm="http://schemas.openxmlformats.org/drawingml/2006/diagram" xmlns:c="http://schemas.openxmlformats.org/drawingml/2006/chart" xmlns="">
+    <mc:Fallback>
       <p:transition/>
     </mc:Fallback>
   </mc:AlternateContent>

--- a/A조 발표/A조 발표 최종.pptx
+++ b/A조 발표/A조 발표 최종.pptx
@@ -2,8 +2,8 @@
 <file path=ppt/presentation.xml><?xml version="1.0" encoding="utf-8"?>
 <p:presentation xmlns:r="http://schemas.openxmlformats.org/officeDocument/2006/relationships" xmlns:c="http://schemas.openxmlformats.org/drawingml/2006/chart" xmlns:a="http://schemas.openxmlformats.org/drawingml/2006/main" xmlns:dgm="http://schemas.openxmlformats.org/drawingml/2006/diagram" xmlns:dsp="http://schemas.microsoft.com/office/drawing/2008/diagram" xmlns:p="http://schemas.openxmlformats.org/presentationml/2006/main">
   <p:sldMasterIdLst>
-    <p:sldMasterId id="2147483800" r:id="rId1"/>
-    <p:sldMasterId id="2147483801" r:id="rId2"/>
+    <p:sldMasterId id="2147483804" r:id="rId1"/>
+    <p:sldMasterId id="2147483805" r:id="rId2"/>
   </p:sldMasterIdLst>
   <p:notesMasterIdLst>
     <p:notesMasterId r:id="rId3"/>
@@ -786,7 +786,19 @@
               <a:rPr lang="ko-KR" altLang="en-US" sz="1300">
                 <a:latin typeface="맑은 고딕"/>
               </a:rPr>
-              <a:t> 프로젝트 발표를 진행할 한성현 입니다</a:t>
+              <a:t> 프로젝트 발표를 진행할 </a:t>
+            </a:r>
+            <a:r>
+              <a:rPr lang="en-US" altLang="ko-KR" sz="1300">
+                <a:latin typeface="맑은 고딕"/>
+              </a:rPr>
+              <a:t>OOO</a:t>
+            </a:r>
+            <a:r>
+              <a:rPr lang="ko-KR" altLang="en-US" sz="1300">
+                <a:latin typeface="맑은 고딕"/>
+              </a:rPr>
+              <a:t> 입니다</a:t>
             </a:r>
             <a:r>
               <a:rPr lang="en-US" altLang="ko-KR" sz="1300">
@@ -802,6 +814,14 @@
             <a:pPr>
               <a:defRPr/>
             </a:pPr>
+            <a:endParaRPr lang="en-US" altLang="ko-KR" sz="1300">
+              <a:latin typeface="맑은 고딕"/>
+            </a:endParaRPr>
+          </a:p>
+          <a:p>
+            <a:pPr>
+              <a:defRPr/>
+            </a:pPr>
             <a:r>
               <a:rPr lang="ko-KR" altLang="en-US" sz="1300">
                 <a:latin typeface="맑은 고딕"/>
@@ -812,7 +832,7 @@
               <a:rPr lang="en-US" altLang="ko-KR" sz="1300">
                 <a:latin typeface="맑은 고딕"/>
               </a:rPr>
-              <a:t>FAB Simulatro Only Look Once,</a:t>
+              <a:t>FAB Simulator Only Look Once,</a:t>
             </a:r>
             <a:r>
               <a:rPr lang="ko-KR" altLang="en-US" sz="1300">
@@ -1156,13 +1176,13 @@
               <a:rPr lang="en-US" altLang="ko-KR" sz="1300">
                 <a:latin typeface="맑은 고딕"/>
               </a:rPr>
-              <a:t>LoadPort</a:t>
+              <a:t>Load Port</a:t>
             </a:r>
             <a:r>
               <a:rPr lang="ko-KR" altLang="en-US" sz="1300">
                 <a:latin typeface="맑은 고딕"/>
               </a:rPr>
-              <a:t>로 다시 돌아오도록 하는 스레드입니다</a:t>
+              <a:t>까지의 이동을 담당하게 됩니다</a:t>
             </a:r>
             <a:r>
               <a:rPr lang="en-US" altLang="ko-KR" sz="1300">
@@ -1283,7 +1303,7 @@
               <a:rPr lang="ko-KR" altLang="en-US" sz="1300">
                 <a:latin typeface="맑은 고딕"/>
               </a:rPr>
-              <a:t>마지막으로 ‘LL 쓰레드’는 Load Lock 모듈이 공정을 위해 진공 또는 대기 상태로 변환하는 역할을 하고</a:t>
+              <a:t>마지막으로 ‘LL 스레드’는 LoadLock 모듈이 진공 또는 대기 상태로 변환하는 역할을 하고</a:t>
             </a:r>
             <a:r>
               <a:rPr lang="en-US" altLang="ko-KR" sz="1300">
@@ -1307,7 +1327,7 @@
               <a:rPr lang="ko-KR" altLang="en-US" sz="1300">
                 <a:latin typeface="맑은 고딕"/>
               </a:rPr>
-              <a:t>PM 쓰레드’는 증착 공정을 진행합니다</a:t>
+              <a:t>PM 스레드’는 입력된 레시피에 따라 증착 공정을 진행하게 됩니다</a:t>
             </a:r>
             <a:r>
               <a:rPr lang="en-US" altLang="ko-KR" sz="1300">
@@ -1419,19 +1439,7 @@
               <a:rPr lang="ko-KR" altLang="en-US" sz="1300">
                 <a:latin typeface="맑은 고딕"/>
               </a:rPr>
-              <a:t>다음은 </a:t>
-            </a:r>
-            <a:r>
-              <a:rPr lang="en-US" altLang="ko-KR" sz="1300">
-                <a:latin typeface="맑은 고딕"/>
-              </a:rPr>
-              <a:t>Thread</a:t>
-            </a:r>
-            <a:r>
-              <a:rPr lang="ko-KR" altLang="en-US" sz="1300">
-                <a:latin typeface="맑은 고딕"/>
-              </a:rPr>
-              <a:t> 흐름도 입니다</a:t>
+              <a:t>다음은 스레드의 흐름도 입니다</a:t>
             </a:r>
             <a:r>
               <a:rPr lang="en-US" altLang="ko-KR" sz="1300">
@@ -1479,6 +1487,14 @@
               </a:rPr>
               <a:t>,</a:t>
             </a:r>
+            <a:endParaRPr lang="en-US" altLang="ko-KR" sz="1300">
+              <a:latin typeface="맑은 고딕"/>
+            </a:endParaRPr>
+          </a:p>
+          <a:p>
+            <a:pPr>
+              <a:defRPr/>
+            </a:pPr>
             <a:r>
               <a:rPr lang="ko-KR" altLang="en-US" sz="1300">
                 <a:latin typeface="맑은 고딕"/>
@@ -1525,19 +1541,43 @@
               <a:rPr lang="ko-KR" altLang="en-US" sz="1300">
                 <a:latin typeface="맑은 고딕"/>
               </a:rPr>
-              <a:t>그와 동시에 </a:t>
+              <a:t>그와 동시에</a:t>
             </a:r>
             <a:r>
               <a:rPr lang="en-US" altLang="ko-KR" sz="1300">
                 <a:latin typeface="맑은 고딕"/>
               </a:rPr>
-              <a:t>Time </a:t>
+              <a:t>,</a:t>
             </a:r>
             <a:r>
               <a:rPr lang="ko-KR" altLang="en-US" sz="1300">
                 <a:latin typeface="맑은 고딕"/>
               </a:rPr>
-              <a:t>스레드도 함께 동작하여 시뮬레이터의 구동 시간을 측정하고</a:t>
+              <a:t> </a:t>
+            </a:r>
+            <a:r>
+              <a:rPr lang="en-US" altLang="ko-KR" sz="1300">
+                <a:latin typeface="맑은 고딕"/>
+              </a:rPr>
+              <a:t>‘Time </a:t>
+            </a:r>
+            <a:r>
+              <a:rPr lang="ko-KR" altLang="en-US" sz="1300">
+                <a:latin typeface="맑은 고딕"/>
+              </a:rPr>
+              <a:t>스레드</a:t>
+            </a:r>
+            <a:r>
+              <a:rPr lang="en-US" altLang="ko-KR" sz="1300">
+                <a:latin typeface="맑은 고딕"/>
+              </a:rPr>
+              <a:t>’</a:t>
+            </a:r>
+            <a:r>
+              <a:rPr lang="ko-KR" altLang="en-US" sz="1300">
+                <a:latin typeface="맑은 고딕"/>
+              </a:rPr>
+              <a:t>도 함께 동작하여 시뮬레이터의 구동 시간을 측정하고</a:t>
             </a:r>
             <a:r>
               <a:rPr lang="en-US" altLang="ko-KR" sz="1300">
@@ -1559,6 +1599,14 @@
             <a:pPr>
               <a:defRPr/>
             </a:pPr>
+            <a:endParaRPr lang="ko-KR" altLang="en-US" sz="1300">
+              <a:latin typeface="맑은 고딕"/>
+            </a:endParaRPr>
+          </a:p>
+          <a:p>
+            <a:pPr>
+              <a:defRPr/>
+            </a:pPr>
             <a:r>
               <a:rPr lang="ko-KR" altLang="en-US" sz="1300">
                 <a:latin typeface="맑은 고딕"/>
@@ -1569,7 +1617,7 @@
               <a:rPr lang="en-US" altLang="ko-KR" sz="1300">
                 <a:latin typeface="맑은 고딕"/>
               </a:rPr>
-              <a:t>Throughtut</a:t>
+              <a:t>Throughput</a:t>
             </a:r>
             <a:r>
               <a:rPr lang="ko-KR" altLang="en-US" sz="1300">
@@ -1615,7 +1663,43 @@
               <a:rPr lang="ko-KR" altLang="en-US" sz="1300">
                 <a:latin typeface="맑은 고딕"/>
               </a:rPr>
-              <a:t> 스레드는 동시성 확보를 위해 단일 스레드록 동작하는 것이 아닌 다음과 같이 멀티 스레드로 동작하도록 설계하였습니다</a:t>
+              <a:t> 스레드는 동시성 확보를 위해 단일 스레드로 동작하는 것이 아닌</a:t>
+            </a:r>
+            <a:r>
+              <a:rPr lang="en-US" altLang="ko-KR" sz="1300">
+                <a:latin typeface="맑은 고딕"/>
+              </a:rPr>
+              <a:t>,</a:t>
+            </a:r>
+            <a:r>
+              <a:rPr lang="ko-KR" altLang="en-US" sz="1300">
+                <a:latin typeface="맑은 고딕"/>
+              </a:rPr>
+              <a:t> </a:t>
+            </a:r>
+            <a:r>
+              <a:rPr lang="en-US" altLang="ko-KR" sz="1300">
+                <a:latin typeface="맑은 고딕"/>
+              </a:rPr>
+              <a:t>(</a:t>
+            </a:r>
+            <a:r>
+              <a:rPr lang="ko-KR" altLang="en-US" sz="1300">
+                <a:latin typeface="맑은 고딕"/>
+              </a:rPr>
+              <a:t>클릭</a:t>
+            </a:r>
+            <a:r>
+              <a:rPr lang="en-US" altLang="ko-KR" sz="1300">
+                <a:latin typeface="맑은 고딕"/>
+              </a:rPr>
+              <a:t>)</a:t>
+            </a:r>
+            <a:r>
+              <a:rPr lang="ko-KR" altLang="en-US" sz="1300">
+                <a:latin typeface="맑은 고딕"/>
+              </a:rPr>
+              <a:t>다음과 같이 멀티 스레드로 동작하도록 설계하였습니다</a:t>
             </a:r>
             <a:r>
               <a:rPr lang="en-US" altLang="ko-KR" sz="1300">
@@ -1643,7 +1727,7 @@
               <a:rPr lang="ko-KR" altLang="en-US" sz="1300">
                 <a:latin typeface="맑은 고딕"/>
               </a:rPr>
-              <a:t>좀 더 자세한 동작의 흐름은 잠시 뒤 뒤편에서의 시연을 통해 보여드리도록 하겠습니다</a:t>
+              <a:t>자세한 동작의 흐름은 뒤편에서 시연을 통해 보여드리도록 하겠습니다</a:t>
             </a:r>
             <a:r>
               <a:rPr lang="en-US" altLang="ko-KR" sz="1300">
@@ -1766,7 +1850,7 @@
               <a:rPr lang="ko-KR" altLang="en-US" sz="1300">
                 <a:latin typeface="맑은 고딕"/>
               </a:rPr>
-              <a:t>의 구성에 대해 설명드리겠습니다</a:t>
+              <a:t>의 구성에 대해 설명 드리겠습니다</a:t>
             </a:r>
             <a:r>
               <a:rPr lang="en-US" altLang="ko-KR" sz="1300">
@@ -1836,7 +1920,19 @@
               <a:rPr lang="ko-KR" altLang="en-US" sz="1300">
                 <a:latin typeface="맑은 고딕"/>
               </a:rPr>
-              <a:t> 타일 형식으로 되어있어 한눈에 알아보는 것이 힘들다는 단점이 있었습니다</a:t>
+              <a:t> 타일 형식으로 되어 있어</a:t>
+            </a:r>
+            <a:r>
+              <a:rPr lang="en-US" altLang="ko-KR" sz="1300">
+                <a:latin typeface="맑은 고딕"/>
+              </a:rPr>
+              <a:t>,</a:t>
+            </a:r>
+            <a:r>
+              <a:rPr lang="ko-KR" altLang="en-US" sz="1300">
+                <a:latin typeface="맑은 고딕"/>
+              </a:rPr>
+              <a:t> 한눈에 알아보는 것이 힘들다는 단점이 있었습니다</a:t>
             </a:r>
             <a:r>
               <a:rPr lang="en-US" altLang="ko-KR" sz="1300">
@@ -1882,12 +1978,24 @@
               <a:rPr lang="ko-KR" altLang="en-US" sz="1300">
                 <a:latin typeface="맑은 고딕"/>
               </a:rPr>
-              <a:t>이에 저희가 새롭게 개선한 </a:t>
+              <a:t>이에</a:t>
             </a:r>
             <a:r>
               <a:rPr lang="en-US" altLang="ko-KR" sz="1300">
                 <a:latin typeface="맑은 고딕"/>
               </a:rPr>
+              <a:t>,</a:t>
+            </a:r>
+            <a:r>
+              <a:rPr lang="ko-KR" altLang="en-US" sz="1300">
+                <a:latin typeface="맑은 고딕"/>
+              </a:rPr>
+              <a:t> 저희가 새롭게 개선한 </a:t>
+            </a:r>
+            <a:r>
+              <a:rPr lang="en-US" altLang="ko-KR" sz="1300">
+                <a:latin typeface="맑은 고딕"/>
+              </a:rPr>
               <a:t>UI</a:t>
             </a:r>
             <a:r>
@@ -1906,15 +2014,9 @@
               <a:rPr lang="ko-KR" altLang="en-US" sz="1300">
                 <a:latin typeface="맑은 고딕"/>
               </a:rPr>
-              <a:t> 다음 플로우를 미리 예상할 수 있도록 설계하였습니다</a:t>
-            </a:r>
-            <a:r>
-              <a:rPr lang="en-US" altLang="ko-KR" sz="1300">
-                <a:latin typeface="맑은 고딕"/>
-              </a:rPr>
-              <a:t>.</a:t>
-            </a:r>
-            <a:endParaRPr lang="en-US" altLang="ko-KR" sz="1300">
+              <a:t> </a:t>
+            </a:r>
+            <a:endParaRPr lang="ko-KR" altLang="en-US" sz="1300">
               <a:latin typeface="맑은 고딕"/>
             </a:endParaRPr>
           </a:p>
@@ -1931,7 +2033,7 @@
               </a:spcAft>
               <a:defRPr/>
             </a:pPr>
-            <a:endParaRPr lang="en-US" altLang="ko-KR" sz="1300">
+            <a:endParaRPr lang="ko-KR" altLang="en-US" sz="1300">
               <a:latin typeface="맑은 고딕"/>
             </a:endParaRPr>
           </a:p>
@@ -1952,6 +2054,52 @@
               <a:rPr lang="ko-KR" altLang="en-US" sz="1300">
                 <a:latin typeface="맑은 고딕"/>
               </a:rPr>
+              <a:t>다음 플로우를 미리 예상할 수 있도록 설계하였습니다</a:t>
+            </a:r>
+            <a:r>
+              <a:rPr lang="en-US" altLang="ko-KR" sz="1300">
+                <a:latin typeface="맑은 고딕"/>
+              </a:rPr>
+              <a:t>.</a:t>
+            </a:r>
+            <a:endParaRPr lang="en-US" altLang="ko-KR" sz="1300">
+              <a:latin typeface="맑은 고딕"/>
+            </a:endParaRPr>
+          </a:p>
+          <a:p>
+            <a:pPr>
+              <a:lnSpc>
+                <a:spcPct val="160000"/>
+              </a:lnSpc>
+              <a:spcBef>
+                <a:spcPts val="0"/>
+              </a:spcBef>
+              <a:spcAft>
+                <a:spcPts val="0"/>
+              </a:spcAft>
+              <a:defRPr/>
+            </a:pPr>
+            <a:endParaRPr lang="en-US" altLang="ko-KR" sz="1300">
+              <a:latin typeface="맑은 고딕"/>
+            </a:endParaRPr>
+          </a:p>
+          <a:p>
+            <a:pPr>
+              <a:lnSpc>
+                <a:spcPct val="160000"/>
+              </a:lnSpc>
+              <a:spcBef>
+                <a:spcPts val="0"/>
+              </a:spcBef>
+              <a:spcAft>
+                <a:spcPts val="0"/>
+              </a:spcAft>
+              <a:defRPr/>
+            </a:pPr>
+            <a:r>
+              <a:rPr lang="ko-KR" altLang="en-US" sz="1300">
+                <a:latin typeface="맑은 고딕"/>
+              </a:rPr>
               <a:t>이제 </a:t>
             </a:r>
             <a:r>
@@ -1964,7 +2112,7 @@
               <a:rPr lang="ko-KR" altLang="en-US" sz="1300">
                 <a:latin typeface="맑은 고딕"/>
               </a:rPr>
-              <a:t>별 세부사항에 대해 소개해드리겠습니다</a:t>
+              <a:t>별 세부사항에 대해 소개해 드리도록 하겠습니다</a:t>
             </a:r>
             <a:r>
               <a:rPr lang="en-US" altLang="ko-KR" sz="1300">
@@ -2093,7 +2241,7 @@
               <a:rPr lang="ko-KR" altLang="en-US" sz="1300">
                 <a:latin typeface="맑은 고딕"/>
               </a:rPr>
-              <a:t>개로 분류해서 진행할 예정입니다</a:t>
+              <a:t>개의 파트로 구분하여 진행할 예정입니다</a:t>
             </a:r>
             <a:r>
               <a:rPr lang="en-US" altLang="ko-KR" sz="1300">
@@ -2218,7 +2366,27 @@
                 <a:latin typeface="맑은 고딕"/>
                 <a:cs typeface="돋움"/>
               </a:rPr>
-              <a:t>먼저 상단을 보시게 되면 타이머 </a:t>
+              <a:t>먼저</a:t>
+            </a:r>
+            <a:r>
+              <a:rPr lang="en-US" altLang="ko-KR" sz="1300" b="0" i="0" u="none" strike="noStrike">
+                <a:solidFill>
+                  <a:srgbClr val="000000"/>
+                </a:solidFill>
+                <a:latin typeface="맑은 고딕"/>
+                <a:cs typeface="돋움"/>
+              </a:rPr>
+              <a:t>,</a:t>
+            </a:r>
+            <a:r>
+              <a:rPr lang="ko-KR" altLang="en-US" sz="1300" b="0" i="0" u="none" strike="noStrike">
+                <a:solidFill>
+                  <a:srgbClr val="000000"/>
+                </a:solidFill>
+                <a:latin typeface="맑은 고딕"/>
+                <a:cs typeface="돋움"/>
+              </a:rPr>
+              <a:t> 상단을 보시게 되면 타이머 </a:t>
             </a:r>
             <a:r>
               <a:rPr lang="en-US" altLang="ko-KR" sz="1300" b="0" i="0" u="none" strike="noStrike">
@@ -2300,7 +2468,7 @@
                 <a:latin typeface="맑은 고딕"/>
                 <a:cs typeface="돋움"/>
               </a:rPr>
-              <a:t>하나는 총 공정시간인 </a:t>
+              <a:t>하나는</a:t>
             </a:r>
             <a:r>
               <a:rPr lang="en-US" altLang="ko-KR" sz="1300" b="0" i="0" u="none" strike="noStrike">
@@ -2310,7 +2478,27 @@
                 <a:latin typeface="맑은 고딕"/>
                 <a:cs typeface="돋움"/>
               </a:rPr>
-              <a:t>Total Running TIme</a:t>
+              <a:t>,</a:t>
+            </a:r>
+            <a:r>
+              <a:rPr lang="ko-KR" altLang="en-US" sz="1300" b="0" i="0" u="none" strike="noStrike">
+                <a:solidFill>
+                  <a:srgbClr val="000000"/>
+                </a:solidFill>
+                <a:latin typeface="맑은 고딕"/>
+                <a:cs typeface="돋움"/>
+              </a:rPr>
+              <a:t> 총 공정시간인 </a:t>
+            </a:r>
+            <a:r>
+              <a:rPr lang="en-US" altLang="ko-KR" sz="1300" b="0" i="0" u="none" strike="noStrike">
+                <a:solidFill>
+                  <a:srgbClr val="000000"/>
+                </a:solidFill>
+                <a:latin typeface="맑은 고딕"/>
+                <a:cs typeface="돋움"/>
+              </a:rPr>
+              <a:t>‘Total Running Time’</a:t>
             </a:r>
             <a:r>
               <a:rPr lang="ko-KR" altLang="en-US" sz="1300" b="0" i="0" u="none" strike="noStrike">
@@ -2363,67 +2551,7 @@
               </a:spcAft>
               <a:defRPr/>
             </a:pPr>
-            <a:r>
-              <a:rPr lang="ko-KR" altLang="en-US" sz="1300" b="0" i="0" u="none" strike="noStrike">
-                <a:solidFill>
-                  <a:srgbClr val="000000"/>
-                </a:solidFill>
-                <a:latin typeface="맑은 고딕"/>
-                <a:cs typeface="돋움"/>
-              </a:rPr>
-              <a:t>다른 하나는 </a:t>
-            </a:r>
-            <a:r>
-              <a:rPr lang="en-US" altLang="ko-KR" sz="1300" b="0" i="0" u="none" strike="noStrike">
-                <a:solidFill>
-                  <a:srgbClr val="000000"/>
-                </a:solidFill>
-                <a:latin typeface="맑은 고딕"/>
-                <a:cs typeface="돋움"/>
-              </a:rPr>
-              <a:t>Clean</a:t>
-            </a:r>
-            <a:r>
-              <a:rPr lang="ko-KR" altLang="en-US" sz="1300" b="0" i="0" u="none" strike="noStrike">
-                <a:solidFill>
-                  <a:srgbClr val="000000"/>
-                </a:solidFill>
-                <a:latin typeface="맑은 고딕"/>
-                <a:cs typeface="돋움"/>
-              </a:rPr>
-              <a:t> 공정을 진행한 </a:t>
-            </a:r>
-            <a:r>
-              <a:rPr lang="en-US" altLang="ko-KR" sz="1300" b="0" i="0" u="none" strike="noStrike">
-                <a:solidFill>
-                  <a:srgbClr val="000000"/>
-                </a:solidFill>
-                <a:latin typeface="맑은 고딕"/>
-                <a:cs typeface="돋움"/>
-              </a:rPr>
-              <a:t>Total Cleaning Time</a:t>
-            </a:r>
-            <a:r>
-              <a:rPr lang="ko-KR" altLang="en-US" sz="1300" b="0" i="0" u="none" strike="noStrike">
-                <a:solidFill>
-                  <a:srgbClr val="000000"/>
-                </a:solidFill>
-                <a:latin typeface="맑은 고딕"/>
-                <a:cs typeface="돋움"/>
-              </a:rPr>
-              <a:t>을 의미합니다</a:t>
-            </a:r>
-            <a:r>
-              <a:rPr lang="en-US" altLang="ko-KR" sz="1300" b="0" i="0" u="none" strike="noStrike">
-                <a:solidFill>
-                  <a:srgbClr val="000000"/>
-                </a:solidFill>
-                <a:latin typeface="맑은 고딕"/>
-                <a:cs typeface="돋움"/>
-              </a:rPr>
-              <a:t>.</a:t>
-            </a:r>
-            <a:endParaRPr lang="en-US" altLang="ko-KR" sz="1300" b="0" i="0" u="none" strike="noStrike">
+            <a:endParaRPr lang="ko-KR" altLang="en-US" sz="1300" b="0" i="0" u="none" strike="noStrike">
               <a:solidFill>
                 <a:srgbClr val="000000"/>
               </a:solidFill>
@@ -2444,6 +2572,66 @@
               </a:spcAft>
               <a:defRPr/>
             </a:pPr>
+            <a:r>
+              <a:rPr lang="ko-KR" altLang="en-US" sz="1300" b="0" i="0" u="none" strike="noStrike">
+                <a:solidFill>
+                  <a:srgbClr val="000000"/>
+                </a:solidFill>
+                <a:latin typeface="맑은 고딕"/>
+                <a:cs typeface="돋움"/>
+              </a:rPr>
+              <a:t>다른 하나는 </a:t>
+            </a:r>
+            <a:r>
+              <a:rPr lang="en-US" altLang="ko-KR" sz="1300" b="0" i="0" u="none" strike="noStrike">
+                <a:solidFill>
+                  <a:srgbClr val="000000"/>
+                </a:solidFill>
+                <a:latin typeface="맑은 고딕"/>
+                <a:cs typeface="돋움"/>
+              </a:rPr>
+              <a:t>Clean</a:t>
+            </a:r>
+            <a:r>
+              <a:rPr lang="ko-KR" altLang="en-US" sz="1300" b="0" i="0" u="none" strike="noStrike">
+                <a:solidFill>
+                  <a:srgbClr val="000000"/>
+                </a:solidFill>
+                <a:latin typeface="맑은 고딕"/>
+                <a:cs typeface="돋움"/>
+              </a:rPr>
+              <a:t> 공정을 진행한 </a:t>
+            </a:r>
+            <a:r>
+              <a:rPr lang="en-US" altLang="ko-KR" sz="1300" b="0" i="0" u="none" strike="noStrike">
+                <a:solidFill>
+                  <a:srgbClr val="000000"/>
+                </a:solidFill>
+                <a:latin typeface="맑은 고딕"/>
+                <a:cs typeface="돋움"/>
+              </a:rPr>
+              <a:t>‘Total Cleaning Time’</a:t>
+            </a:r>
+            <a:r>
+              <a:rPr lang="ko-KR" altLang="en-US" sz="1300" b="0" i="0" u="none" strike="noStrike">
+                <a:solidFill>
+                  <a:srgbClr val="000000"/>
+                </a:solidFill>
+                <a:latin typeface="맑은 고딕"/>
+                <a:cs typeface="돋움"/>
+              </a:rPr>
+              <a:t>을 의미합니다</a:t>
+            </a:r>
+            <a:r>
+              <a:rPr lang="en-US" altLang="ko-KR" sz="1300" b="0" i="0" u="none" strike="noStrike">
+                <a:solidFill>
+                  <a:srgbClr val="000000"/>
+                </a:solidFill>
+                <a:latin typeface="맑은 고딕"/>
+                <a:cs typeface="돋움"/>
+              </a:rPr>
+              <a:t>.</a:t>
+            </a:r>
             <a:endParaRPr lang="en-US" altLang="ko-KR" sz="1300" b="0" i="0" u="none" strike="noStrike">
               <a:solidFill>
                 <a:srgbClr val="000000"/>
@@ -2465,6 +2653,27 @@
               </a:spcAft>
               <a:defRPr/>
             </a:pPr>
+            <a:endParaRPr lang="en-US" altLang="ko-KR" sz="1300" b="0" i="0" u="none" strike="noStrike">
+              <a:solidFill>
+                <a:srgbClr val="000000"/>
+              </a:solidFill>
+              <a:latin typeface="맑은 고딕"/>
+              <a:cs typeface="돋움"/>
+            </a:endParaRPr>
+          </a:p>
+          <a:p>
+            <a:pPr>
+              <a:lnSpc>
+                <a:spcPct val="160000"/>
+              </a:lnSpc>
+              <a:spcBef>
+                <a:spcPts val="0"/>
+              </a:spcBef>
+              <a:spcAft>
+                <a:spcPts val="0"/>
+              </a:spcAft>
+              <a:defRPr/>
+            </a:pPr>
             <a:r>
               <a:rPr lang="ko-KR" altLang="en-US" sz="1300" b="0" i="0" u="none" strike="noStrike">
                 <a:solidFill>
@@ -2535,6 +2744,27 @@
               </a:rPr>
               <a:t> </a:t>
             </a:r>
+            <a:endParaRPr lang="ko-KR" altLang="en-US" sz="1300" b="0" i="0" u="none" strike="noStrike">
+              <a:solidFill>
+                <a:srgbClr val="000000"/>
+              </a:solidFill>
+              <a:latin typeface="맑은 고딕"/>
+              <a:cs typeface="돋움"/>
+            </a:endParaRPr>
+          </a:p>
+          <a:p>
+            <a:pPr>
+              <a:lnSpc>
+                <a:spcPct val="160000"/>
+              </a:lnSpc>
+              <a:spcBef>
+                <a:spcPts val="0"/>
+              </a:spcBef>
+              <a:spcAft>
+                <a:spcPts val="0"/>
+              </a:spcAft>
+              <a:defRPr/>
+            </a:pPr>
             <a:endParaRPr lang="ko-KR" altLang="en-US" sz="1300" b="0" i="0" u="none" strike="noStrike">
               <a:solidFill>
                 <a:srgbClr val="000000"/>
@@ -2773,7 +3003,7 @@
             </a:pPr>
             <a:r>
               <a:rPr lang="ko-KR" altLang="en-US"/>
-              <a:t>우선 공정 전의 웨이퍼를 녹색</a:t>
+              <a:t>우선 공정 전의 웨이퍼를 초록색</a:t>
             </a:r>
             <a:r>
               <a:rPr lang="en-US" altLang="ko-KR"/>
@@ -2781,7 +3011,7 @@
             </a:r>
             <a:r>
               <a:rPr lang="ko-KR" altLang="en-US"/>
-              <a:t> 공정을 완료한 웨이퍼를 청색으로 구분하였으며</a:t>
+              <a:t> 공정을 완료한 웨이퍼를 파란색으로 구분하였으며</a:t>
             </a:r>
             <a:r>
               <a:rPr lang="en-US" altLang="ko-KR"/>
@@ -2802,22 +3032,6 @@
               </a:spcAft>
               <a:defRPr/>
             </a:pPr>
-            <a:r>
-              <a:rPr lang="ko-KR" altLang="en-US"/>
-              <a:t>스택 구조를 통해 해당 모듈의 슬롯 개수와 웨이퍼의 입</a:t>
-            </a:r>
-            <a:r>
-              <a:rPr lang="en-US" altLang="ko-KR"/>
-              <a:t>/</a:t>
-            </a:r>
-            <a:r>
-              <a:rPr lang="ko-KR" altLang="en-US"/>
-              <a:t>출력을 쉽게 확인할 수 있도록 설계하였습니다</a:t>
-            </a:r>
-            <a:r>
-              <a:rPr lang="en-US" altLang="ko-KR"/>
-              <a:t>.</a:t>
-            </a:r>
             <a:endParaRPr lang="en-US" altLang="ko-KR"/>
           </a:p>
           <a:p>
@@ -2833,6 +3047,22 @@
               </a:spcAft>
               <a:defRPr/>
             </a:pPr>
+            <a:r>
+              <a:rPr lang="ko-KR" altLang="en-US"/>
+              <a:t>스택 구조를 통해 해당 모듈의 슬롯 개수와 웨이퍼의 입</a:t>
+            </a:r>
+            <a:r>
+              <a:rPr lang="en-US" altLang="ko-KR"/>
+              <a:t>/</a:t>
+            </a:r>
+            <a:r>
+              <a:rPr lang="ko-KR" altLang="en-US"/>
+              <a:t>출력을 쉽게 확인할 수 있도록 설계하였습니다</a:t>
+            </a:r>
+            <a:r>
+              <a:rPr lang="en-US" altLang="ko-KR"/>
+              <a:t>.</a:t>
+            </a:r>
             <a:endParaRPr lang="en-US" altLang="ko-KR"/>
           </a:p>
           <a:p>
@@ -2848,27 +3078,7 @@
               </a:spcAft>
               <a:defRPr/>
             </a:pPr>
-            <a:r>
-              <a:rPr lang="ko-KR" altLang="en-US"/>
-              <a:t>또한</a:t>
-            </a:r>
-            <a:r>
-              <a:rPr lang="en-US" altLang="ko-KR"/>
-              <a:t>,</a:t>
-            </a:r>
-            <a:r>
-              <a:rPr lang="ko-KR" altLang="en-US"/>
-              <a:t> </a:t>
-            </a:r>
-            <a:r>
-              <a:rPr lang="en-US" altLang="ko-KR"/>
-              <a:t>Load Lock</a:t>
-            </a:r>
-            <a:r>
-              <a:rPr lang="ko-KR" altLang="en-US"/>
-              <a:t> 모듈 하단부에 위치한 프로그래스 바를 추가함으로써 </a:t>
-            </a:r>
-            <a:endParaRPr lang="ko-KR" altLang="en-US"/>
+            <a:endParaRPr lang="en-US" altLang="ko-KR"/>
           </a:p>
           <a:p>
             <a:pPr>
@@ -2884,12 +3094,70 @@
               <a:defRPr/>
             </a:pPr>
             <a:r>
+              <a:rPr lang="ko-KR" altLang="en-US"/>
+              <a:t>또한</a:t>
+            </a:r>
+            <a:r>
+              <a:rPr lang="en-US" altLang="ko-KR"/>
+              <a:t>,</a:t>
+            </a:r>
+            <a:r>
+              <a:rPr lang="ko-KR" altLang="en-US"/>
+              <a:t> </a:t>
+            </a:r>
+            <a:r>
               <a:rPr lang="en-US" altLang="ko-KR"/>
               <a:t>Load Lock</a:t>
             </a:r>
             <a:r>
               <a:rPr lang="ko-KR" altLang="en-US"/>
-              <a:t>이 수행하는 진공 및 대기상태 변환을 확인 할 수 있도록 하였습니다</a:t>
+              <a:t> 모듈 하단부에 위치한 프로그레스 바를 추가함으로써</a:t>
+            </a:r>
+            <a:r>
+              <a:rPr lang="en-US" altLang="ko-KR"/>
+              <a:t>,</a:t>
+            </a:r>
+            <a:r>
+              <a:rPr lang="ko-KR" altLang="en-US"/>
+              <a:t> </a:t>
+            </a:r>
+            <a:endParaRPr lang="ko-KR" altLang="en-US"/>
+          </a:p>
+          <a:p>
+            <a:pPr>
+              <a:lnSpc>
+                <a:spcPct val="160000"/>
+              </a:lnSpc>
+              <a:spcBef>
+                <a:spcPts val="0"/>
+              </a:spcBef>
+              <a:spcAft>
+                <a:spcPts val="0"/>
+              </a:spcAft>
+              <a:defRPr/>
+            </a:pPr>
+            <a:endParaRPr lang="en-US" altLang="ko-KR"/>
+          </a:p>
+          <a:p>
+            <a:pPr>
+              <a:lnSpc>
+                <a:spcPct val="160000"/>
+              </a:lnSpc>
+              <a:spcBef>
+                <a:spcPts val="0"/>
+              </a:spcBef>
+              <a:spcAft>
+                <a:spcPts val="0"/>
+              </a:spcAft>
+              <a:defRPr/>
+            </a:pPr>
+            <a:r>
+              <a:rPr lang="en-US" altLang="ko-KR"/>
+              <a:t>Load Lock</a:t>
+            </a:r>
+            <a:r>
+              <a:rPr lang="ko-KR" altLang="en-US"/>
+              <a:t>이 수행하는 진공 및 대기 상태 변환을 확인 할 수 있도록 하였습니다</a:t>
             </a:r>
             <a:r>
               <a:rPr lang="en-US" altLang="ko-KR"/>
@@ -3033,14 +3301,6 @@
               </a:spcAft>
               <a:defRPr/>
             </a:pPr>
-            <a:r>
-              <a:rPr lang="ko-KR" altLang="en-US"/>
-              <a:t>윈도우 창 가운데 움직이는 그림을 통해 로봇의 동작을 한 눈에 파악할 수 있으며</a:t>
-            </a:r>
-            <a:r>
-              <a:rPr lang="en-US" altLang="ko-KR"/>
-              <a:t>,</a:t>
-            </a:r>
             <a:endParaRPr lang="en-US" altLang="ko-KR"/>
           </a:p>
           <a:p>
@@ -3058,9 +3318,13 @@
             </a:pPr>
             <a:r>
               <a:rPr lang="ko-KR" altLang="en-US"/>
-              <a:t>장비에 대해 잘 모르는 사용자가 접하게 되더라도 </a:t>
-            </a:r>
-            <a:endParaRPr lang="ko-KR" altLang="en-US"/>
+              <a:t>가운데 움직이는 그림을 통해 장비의 동작을 한 눈에 파악할 수 있으며</a:t>
+            </a:r>
+            <a:r>
+              <a:rPr lang="en-US" altLang="ko-KR"/>
+              <a:t>,</a:t>
+            </a:r>
+            <a:endParaRPr lang="en-US" altLang="ko-KR"/>
           </a:p>
           <a:p>
             <a:pPr>
@@ -3075,14 +3339,6 @@
               </a:spcAft>
               <a:defRPr/>
             </a:pPr>
-            <a:r>
-              <a:rPr lang="ko-KR" altLang="en-US"/>
-              <a:t>모듈별 로봇이 웨이퍼를 옮기는 과정을 손쉽게 파악할 수 있도록 설계하였습니다</a:t>
-            </a:r>
-            <a:r>
-              <a:rPr lang="en-US" altLang="ko-KR"/>
-              <a:t>.</a:t>
-            </a:r>
             <a:endParaRPr lang="en-US" altLang="ko-KR"/>
           </a:p>
           <a:p>
@@ -3098,6 +3354,22 @@
               </a:spcAft>
               <a:defRPr/>
             </a:pPr>
+            <a:r>
+              <a:rPr lang="ko-KR" altLang="en-US"/>
+              <a:t>장비에 대해 잘 모르는 사용자가 접하게 되더라도</a:t>
+            </a:r>
+            <a:r>
+              <a:rPr lang="en-US" altLang="ko-KR"/>
+              <a:t>,</a:t>
+            </a:r>
+            <a:r>
+              <a:rPr lang="ko-KR" altLang="en-US"/>
+              <a:t> 모듈 별 웨이퍼가 이동하는 과정을 한번에 파악할 수 있도록 설계하였습니다</a:t>
+            </a:r>
+            <a:r>
+              <a:rPr lang="en-US" altLang="ko-KR"/>
+              <a:t>.</a:t>
+            </a:r>
             <a:endParaRPr lang="en-US" altLang="ko-KR"/>
           </a:p>
           <a:p>
@@ -3113,19 +3385,7 @@
               </a:spcAft>
               <a:defRPr/>
             </a:pPr>
-            <a:r>
-              <a:rPr lang="ko-KR" altLang="en-US"/>
-              <a:t>또한</a:t>
-            </a:r>
-            <a:r>
-              <a:rPr lang="en-US" altLang="ko-KR"/>
-              <a:t>,</a:t>
-            </a:r>
-            <a:r>
-              <a:rPr lang="ko-KR" altLang="en-US"/>
-              <a:t> 외부에서는 파악하기 힘든 웨이퍼 교환 과정 또한 확인할 수 있기에 공정에 대한 </a:t>
-            </a:r>
-            <a:endParaRPr lang="ko-KR" altLang="en-US"/>
+            <a:endParaRPr lang="en-US" altLang="ko-KR"/>
           </a:p>
           <a:p>
             <a:pPr>
@@ -3142,7 +3402,23 @@
             </a:pPr>
             <a:r>
               <a:rPr lang="ko-KR" altLang="en-US"/>
-              <a:t>시각적인 접근성을 강화하였습니다</a:t>
+              <a:t>또한</a:t>
+            </a:r>
+            <a:r>
+              <a:rPr lang="en-US" altLang="ko-KR"/>
+              <a:t>,</a:t>
+            </a:r>
+            <a:r>
+              <a:rPr lang="ko-KR" altLang="en-US"/>
+              <a:t> 외부에서는 파악하기 힘든 웨이퍼의 교환 과정 또한 확인할 수 있기에</a:t>
+            </a:r>
+            <a:r>
+              <a:rPr lang="en-US" altLang="ko-KR"/>
+              <a:t>,</a:t>
+            </a:r>
+            <a:r>
+              <a:rPr lang="ko-KR" altLang="en-US"/>
+              <a:t> 공정에 대한 시각적인 접근성을 강화하였습니다</a:t>
             </a:r>
             <a:r>
               <a:rPr lang="en-US" altLang="ko-KR"/>
@@ -3184,23 +3460,8 @@
             </a:r>
             <a:r>
               <a:rPr lang="en-US" altLang="ko-KR"/>
-              <a:t>,</a:t>
-            </a:r>
-            <a:endParaRPr lang="en-US" altLang="ko-KR"/>
-          </a:p>
-          <a:p>
-            <a:pPr>
-              <a:lnSpc>
-                <a:spcPct val="160000"/>
-              </a:lnSpc>
-              <a:spcBef>
-                <a:spcPts val="0"/>
-              </a:spcBef>
-              <a:spcAft>
-                <a:spcPts val="0"/>
-              </a:spcAft>
-              <a:defRPr/>
-            </a:pPr>
+              <a:t>, </a:t>
+            </a:r>
             <a:r>
               <a:rPr lang="ko-KR" altLang="en-US"/>
               <a:t>실시간으로 각 웨이퍼의 공정 진행 상황을 확인할 수 있습니다</a:t>
@@ -3325,7 +3586,95 @@
                 <a:ea typeface="돋움"/>
                 <a:cs typeface="돋움"/>
               </a:rPr>
-              <a:t>다음은 증착 공정 등 실제 공정이 이루어지는 프로세스 모듈입니다</a:t>
+              <a:t>다음은</a:t>
+            </a:r>
+            <a:r>
+              <a:rPr lang="en-US" b="0" i="0" u="none" strike="noStrike">
+                <a:solidFill>
+                  <a:srgbClr val="000000"/>
+                </a:solidFill>
+                <a:latin typeface="돋움"/>
+                <a:ea typeface="돋움"/>
+                <a:cs typeface="돋움"/>
+              </a:rPr>
+              <a:t>,</a:t>
+            </a:r>
+            <a:r>
+              <a:rPr b="0" i="0" u="none" strike="noStrike">
+                <a:solidFill>
+                  <a:srgbClr val="000000"/>
+                </a:solidFill>
+                <a:latin typeface="돋움"/>
+                <a:ea typeface="돋움"/>
+                <a:cs typeface="돋움"/>
+              </a:rPr>
+              <a:t> 증착공정 등 실제</a:t>
+            </a:r>
+            <a:r>
+              <a:rPr lang="en-US" b="0" i="0" u="none" strike="noStrike">
+                <a:solidFill>
+                  <a:srgbClr val="000000"/>
+                </a:solidFill>
+                <a:latin typeface="돋움"/>
+                <a:ea typeface="돋움"/>
+                <a:cs typeface="돋움"/>
+              </a:rPr>
+              <a:t> </a:t>
+            </a:r>
+            <a:r>
+              <a:rPr b="0" i="0" u="none" strike="noStrike">
+                <a:solidFill>
+                  <a:srgbClr val="000000"/>
+                </a:solidFill>
+                <a:latin typeface="돋움"/>
+                <a:ea typeface="돋움"/>
+                <a:cs typeface="돋움"/>
+              </a:rPr>
+              <a:t>공정</a:t>
+            </a:r>
+            <a:r>
+              <a:rPr lang="ko-KR" altLang="en-US" b="0" i="0" u="none" strike="noStrike">
+                <a:solidFill>
+                  <a:srgbClr val="000000"/>
+                </a:solidFill>
+                <a:latin typeface="돋움"/>
+                <a:ea typeface="돋움"/>
+                <a:cs typeface="돋움"/>
+              </a:rPr>
+              <a:t>을 진행하는</a:t>
+            </a:r>
+            <a:r>
+              <a:rPr b="0" i="0" u="none" strike="noStrike">
+                <a:solidFill>
+                  <a:srgbClr val="000000"/>
+                </a:solidFill>
+                <a:latin typeface="돋움"/>
+                <a:ea typeface="돋움"/>
+                <a:cs typeface="돋움"/>
+              </a:rPr>
+              <a:t> 프로세스</a:t>
+            </a:r>
+            <a:r>
+              <a:rPr lang="en-US" b="0" i="0" u="none" strike="noStrike">
+                <a:solidFill>
+                  <a:srgbClr val="000000"/>
+                </a:solidFill>
+                <a:latin typeface="돋움"/>
+                <a:ea typeface="돋움"/>
+                <a:cs typeface="돋움"/>
+              </a:rPr>
+              <a:t> </a:t>
+            </a:r>
+            <a:r>
+              <a:rPr b="0" i="0" u="none" strike="noStrike">
+                <a:solidFill>
+                  <a:srgbClr val="000000"/>
+                </a:solidFill>
+                <a:latin typeface="돋움"/>
+                <a:ea typeface="돋움"/>
+                <a:cs typeface="돋움"/>
+              </a:rPr>
+              <a:t>모듈입니다</a:t>
             </a:r>
             <a:r>
               <a:rPr lang="EN-US" b="0" i="0" u="none" strike="noStrike">
@@ -3391,7 +3740,29 @@
                 <a:ea typeface="돋움"/>
                 <a:cs typeface="돋움"/>
               </a:rPr>
-              <a:t>해당 모듈도 마찬가지로 사용자가 슬롯 개수 및 모듈 개수를 범용으로 사용할 수 있도록 구현하였습니다</a:t>
+              <a:t>해당 모듈도 마찬가지로</a:t>
+            </a:r>
+            <a:r>
+              <a:rPr lang="en-US" b="0" i="0" u="none" strike="noStrike">
+                <a:solidFill>
+                  <a:srgbClr val="000000"/>
+                </a:solidFill>
+                <a:latin typeface="돋움"/>
+                <a:ea typeface="돋움"/>
+                <a:cs typeface="돋움"/>
+              </a:rPr>
+              <a:t>,</a:t>
+            </a:r>
+            <a:r>
+              <a:rPr b="0" i="0" u="none" strike="noStrike">
+                <a:solidFill>
+                  <a:srgbClr val="000000"/>
+                </a:solidFill>
+                <a:latin typeface="돋움"/>
+                <a:ea typeface="돋움"/>
+                <a:cs typeface="돋움"/>
+              </a:rPr>
+              <a:t> 사용자가 슬롯 개수 및 모듈 개수를 범용으로 사용할 수 있도록 구현하였습니다</a:t>
             </a:r>
             <a:r>
               <a:rPr lang="EN-US" b="0" i="0" u="none" strike="noStrike">
@@ -3457,10 +3828,10 @@
                 <a:ea typeface="돋움"/>
                 <a:cs typeface="돋움"/>
               </a:rPr>
-              <a:t>프로세스 모듈의 개수는 </a:t>
-            </a:r>
-            <a:r>
-              <a:rPr lang="EN-US" b="0" i="0" u="none" strike="noStrike">
+              <a:t>프로세스</a:t>
+            </a:r>
+            <a:r>
+              <a:rPr lang="en-US" b="0" i="0" u="none" strike="noStrike">
                 <a:solidFill>
                   <a:srgbClr val="000000"/>
                 </a:solidFill>
@@ -3468,7 +3839,7 @@
                 <a:ea typeface="돋움"/>
                 <a:cs typeface="돋움"/>
               </a:rPr>
-              <a:t>1</a:t>
+              <a:t> </a:t>
             </a:r>
             <a:r>
               <a:rPr b="0" i="0" u="none" strike="noStrike">
@@ -3479,7 +3850,7 @@
                 <a:ea typeface="돋움"/>
                 <a:cs typeface="돋움"/>
               </a:rPr>
-              <a:t>개부터 최대 </a:t>
+              <a:t>모듈의 개수는 </a:t>
             </a:r>
             <a:r>
               <a:rPr lang="EN-US" b="0" i="0" u="none" strike="noStrike">
@@ -3490,7 +3861,7 @@
                 <a:ea typeface="돋움"/>
                 <a:cs typeface="돋움"/>
               </a:rPr>
-              <a:t>6</a:t>
+              <a:t>1</a:t>
             </a:r>
             <a:r>
               <a:rPr b="0" i="0" u="none" strike="noStrike">
@@ -3501,7 +3872,7 @@
                 <a:ea typeface="돋움"/>
                 <a:cs typeface="돋움"/>
               </a:rPr>
-              <a:t>개까지</a:t>
+              <a:t>개부터 최대 </a:t>
             </a:r>
             <a:r>
               <a:rPr lang="EN-US" b="0" i="0" u="none" strike="noStrike">
@@ -3512,7 +3883,7 @@
                 <a:ea typeface="돋움"/>
                 <a:cs typeface="돋움"/>
               </a:rPr>
-              <a:t>, (</a:t>
+              <a:t>6</a:t>
             </a:r>
             <a:r>
               <a:rPr b="0" i="0" u="none" strike="noStrike">
@@ -3523,7 +3894,7 @@
                 <a:ea typeface="돋움"/>
                 <a:cs typeface="돋움"/>
               </a:rPr>
-              <a:t>한 번 쉬고</a:t>
+              <a:t>개까지</a:t>
             </a:r>
             <a:r>
               <a:rPr lang="EN-US" b="0" i="0" u="none" strike="noStrike">
@@ -3534,7 +3905,7 @@
                 <a:ea typeface="돋움"/>
                 <a:cs typeface="돋움"/>
               </a:rPr>
-              <a:t>) </a:t>
+              <a:t>, </a:t>
             </a:r>
             <a:r>
               <a:rPr b="0" i="0" u="none" strike="noStrike">
@@ -3655,10 +4026,10 @@
                 <a:ea typeface="돋움"/>
                 <a:cs typeface="돋움"/>
               </a:rPr>
-              <a:t>두 그림 중 오른쪽 그림에서 차례로 </a:t>
-            </a:r>
-            <a:r>
-              <a:rPr lang="EN-US" b="0" i="0" u="none" strike="noStrike">
+              <a:t>두 그림 중 오른쪽 그림에서 </a:t>
+            </a:r>
+            <a:r>
+              <a:rPr lang="en-US" altLang="ko-KR" b="0" i="0" u="none" strike="noStrike">
                 <a:solidFill>
                   <a:srgbClr val="000000"/>
                 </a:solidFill>
@@ -3666,7 +4037,40 @@
                 <a:ea typeface="돋움"/>
                 <a:cs typeface="돋움"/>
               </a:rPr>
-              <a:t>‘NUM’ </a:t>
+              <a:t>(</a:t>
+            </a:r>
+            <a:r>
+              <a:rPr lang="ko-KR" altLang="en-US" b="0" i="0" u="none" strike="noStrike">
+                <a:solidFill>
+                  <a:srgbClr val="000000"/>
+                </a:solidFill>
+                <a:latin typeface="돋움"/>
+                <a:ea typeface="돋움"/>
+                <a:cs typeface="돋움"/>
+              </a:rPr>
+              <a:t>클릭</a:t>
+            </a:r>
+            <a:r>
+              <a:rPr lang="en-US" altLang="ko-KR" b="0" i="0" u="none" strike="noStrike">
+                <a:solidFill>
+                  <a:srgbClr val="000000"/>
+                </a:solidFill>
+                <a:latin typeface="돋움"/>
+                <a:ea typeface="돋움"/>
+                <a:cs typeface="돋움"/>
+              </a:rPr>
+              <a:t>)</a:t>
+            </a:r>
+            <a:r>
+              <a:rPr lang="EN-US" b="0" i="0" u="none" strike="noStrike">
+                <a:solidFill>
+                  <a:srgbClr val="000000"/>
+                </a:solidFill>
+                <a:latin typeface="돋움"/>
+                <a:ea typeface="돋움"/>
+                <a:cs typeface="돋움"/>
+              </a:rPr>
+              <a:t>‘NUM’</a:t>
             </a:r>
             <a:r>
               <a:rPr b="0" i="0" u="none" strike="noStrike">
@@ -3735,7 +4139,7 @@
               <a:defRPr/>
             </a:pPr>
             <a:r>
-              <a:rPr b="0" i="0" u="none" strike="noStrike">
+              <a:rPr lang="ko-KR" altLang="en-US" b="0" i="0" u="none" strike="noStrike">
                 <a:solidFill>
                   <a:srgbClr val="000000"/>
                 </a:solidFill>
@@ -3743,10 +4147,10 @@
                 <a:ea typeface="돋움"/>
                 <a:cs typeface="돋움"/>
               </a:rPr>
-              <a:t>바로 옆에 </a:t>
-            </a:r>
-            <a:r>
-              <a:rPr lang="EN-US" b="0" i="0" u="none" strike="noStrike">
+              <a:t>그리고 우측에 위치한</a:t>
+            </a:r>
+            <a:r>
+              <a:rPr lang="en-US" altLang="ko-KR" b="0" i="0" u="none" strike="noStrike">
                 <a:solidFill>
                   <a:srgbClr val="000000"/>
                 </a:solidFill>
@@ -3754,10 +4158,10 @@
                 <a:ea typeface="돋움"/>
                 <a:cs typeface="돋움"/>
               </a:rPr>
-              <a:t>‘TOTAL’</a:t>
-            </a:r>
-            <a:r>
-              <a:rPr b="0" i="0" u="none" strike="noStrike">
+              <a:t>(</a:t>
+            </a:r>
+            <a:r>
+              <a:rPr lang="ko-KR" altLang="en-US" b="0" i="0" u="none" strike="noStrike">
                 <a:solidFill>
                   <a:srgbClr val="000000"/>
                 </a:solidFill>
@@ -3765,7 +4169,139 @@
                 <a:ea typeface="돋움"/>
                 <a:cs typeface="돋움"/>
               </a:rPr>
-              <a:t>의 경우 해당 프로세스 모듈에서 공정을 완료한 웨이퍼의 총개수를 의미합니다</a:t>
+              <a:t>클릭</a:t>
+            </a:r>
+            <a:r>
+              <a:rPr lang="en-US" altLang="ko-KR" b="0" i="0" u="none" strike="noStrike">
+                <a:solidFill>
+                  <a:srgbClr val="000000"/>
+                </a:solidFill>
+                <a:latin typeface="돋움"/>
+                <a:ea typeface="돋움"/>
+                <a:cs typeface="돋움"/>
+              </a:rPr>
+              <a:t>)</a:t>
+            </a:r>
+            <a:r>
+              <a:rPr b="0" i="0" u="none" strike="noStrike">
+                <a:solidFill>
+                  <a:srgbClr val="000000"/>
+                </a:solidFill>
+                <a:latin typeface="돋움"/>
+                <a:ea typeface="돋움"/>
+                <a:cs typeface="돋움"/>
+              </a:rPr>
+              <a:t> </a:t>
+            </a:r>
+            <a:r>
+              <a:rPr lang="EN-US" b="0" i="0" u="none" strike="noStrike">
+                <a:solidFill>
+                  <a:srgbClr val="000000"/>
+                </a:solidFill>
+                <a:latin typeface="돋움"/>
+                <a:ea typeface="돋움"/>
+                <a:cs typeface="돋움"/>
+              </a:rPr>
+              <a:t>‘TOTAL’</a:t>
+            </a:r>
+            <a:r>
+              <a:rPr b="0" i="0" u="none" strike="noStrike">
+                <a:solidFill>
+                  <a:srgbClr val="000000"/>
+                </a:solidFill>
+                <a:latin typeface="돋움"/>
+                <a:ea typeface="돋움"/>
+                <a:cs typeface="돋움"/>
+              </a:rPr>
+              <a:t>의 경우</a:t>
+            </a:r>
+            <a:r>
+              <a:rPr lang="en-US" b="0" i="0" u="none" strike="noStrike">
+                <a:solidFill>
+                  <a:srgbClr val="000000"/>
+                </a:solidFill>
+                <a:latin typeface="돋움"/>
+                <a:ea typeface="돋움"/>
+                <a:cs typeface="돋움"/>
+              </a:rPr>
+              <a:t>,</a:t>
+            </a:r>
+            <a:r>
+              <a:rPr b="0" i="0" u="none" strike="noStrike">
+                <a:solidFill>
+                  <a:srgbClr val="000000"/>
+                </a:solidFill>
+                <a:latin typeface="돋움"/>
+                <a:ea typeface="돋움"/>
+                <a:cs typeface="돋움"/>
+              </a:rPr>
+              <a:t> 해당 프로세스 모듈</a:t>
+            </a:r>
+            <a:r>
+              <a:rPr lang="ko-KR" altLang="en-US" b="0" i="0" u="none" strike="noStrike">
+                <a:solidFill>
+                  <a:srgbClr val="000000"/>
+                </a:solidFill>
+                <a:latin typeface="돋움"/>
+                <a:ea typeface="돋움"/>
+                <a:cs typeface="돋움"/>
+              </a:rPr>
+              <a:t>이</a:t>
+            </a:r>
+            <a:r>
+              <a:rPr b="0" i="0" u="none" strike="noStrike">
+                <a:solidFill>
+                  <a:srgbClr val="000000"/>
+                </a:solidFill>
+                <a:latin typeface="돋움"/>
+                <a:ea typeface="돋움"/>
+                <a:cs typeface="돋움"/>
+              </a:rPr>
+              <a:t> 공정</a:t>
+            </a:r>
+            <a:r>
+              <a:rPr lang="ko-KR" altLang="en-US" b="0" i="0" u="none" strike="noStrike">
+                <a:solidFill>
+                  <a:srgbClr val="000000"/>
+                </a:solidFill>
+                <a:latin typeface="돋움"/>
+                <a:ea typeface="돋움"/>
+                <a:cs typeface="돋움"/>
+              </a:rPr>
+              <a:t>한</a:t>
+            </a:r>
+            <a:r>
+              <a:rPr b="0" i="0" u="none" strike="noStrike">
+                <a:solidFill>
+                  <a:srgbClr val="000000"/>
+                </a:solidFill>
+                <a:latin typeface="돋움"/>
+                <a:ea typeface="돋움"/>
+                <a:cs typeface="돋움"/>
+              </a:rPr>
+              <a:t> 웨이퍼의 총</a:t>
+            </a:r>
+            <a:r>
+              <a:rPr lang="en-US" b="0" i="0" u="none" strike="noStrike">
+                <a:solidFill>
+                  <a:srgbClr val="000000"/>
+                </a:solidFill>
+                <a:latin typeface="돋움"/>
+                <a:ea typeface="돋움"/>
+                <a:cs typeface="돋움"/>
+              </a:rPr>
+              <a:t> </a:t>
+            </a:r>
+            <a:r>
+              <a:rPr b="0" i="0" u="none" strike="noStrike">
+                <a:solidFill>
+                  <a:srgbClr val="000000"/>
+                </a:solidFill>
+                <a:latin typeface="돋움"/>
+                <a:ea typeface="돋움"/>
+                <a:cs typeface="돋움"/>
+              </a:rPr>
+              <a:t>개수를 의미합니다</a:t>
             </a:r>
             <a:r>
               <a:rPr lang="EN-US" b="0" i="0" u="none" strike="noStrike">
@@ -3831,10 +4367,10 @@
                 <a:ea typeface="돋움"/>
                 <a:cs typeface="돋움"/>
               </a:rPr>
-              <a:t>하단 왼쪽에 있는</a:t>
-            </a:r>
-            <a:r>
-              <a:rPr b="0" i="0" u="none" strike="noStrike">
+              <a:t>또한</a:t>
+            </a:r>
+            <a:r>
+              <a:rPr lang="en-US" altLang="ko-KR" b="0" i="0" u="none" strike="noStrike">
                 <a:solidFill>
                   <a:srgbClr val="000000"/>
                 </a:solidFill>
@@ -3842,10 +4378,10 @@
                 <a:ea typeface="돋움"/>
                 <a:cs typeface="돋움"/>
               </a:rPr>
-              <a:t> 라디오 버튼을 통해 해당 모듈이 현재 공정을 진행 중인가 혹은 </a:t>
-            </a:r>
-            <a:r>
-              <a:rPr lang="EN-US" b="0" i="0" u="none" strike="noStrike">
+              <a:t>, (</a:t>
+            </a:r>
+            <a:r>
+              <a:rPr lang="ko-KR" altLang="en-US" b="0" i="0" u="none" strike="noStrike">
                 <a:solidFill>
                   <a:srgbClr val="000000"/>
                 </a:solidFill>
@@ -3853,10 +4389,10 @@
                 <a:ea typeface="돋움"/>
                 <a:cs typeface="돋움"/>
               </a:rPr>
-              <a:t>Clean job</a:t>
-            </a:r>
-            <a:r>
-              <a:rPr b="0" i="0" u="none" strike="noStrike">
+              <a:t>클릭</a:t>
+            </a:r>
+            <a:r>
+              <a:rPr lang="en-US" altLang="ko-KR" b="0" i="0" u="none" strike="noStrike">
                 <a:solidFill>
                   <a:srgbClr val="000000"/>
                 </a:solidFill>
@@ -3864,10 +4400,10 @@
                 <a:ea typeface="돋움"/>
                 <a:cs typeface="돋움"/>
               </a:rPr>
-              <a:t>을 진행 중인가를 확인할 수 있습니다</a:t>
-            </a:r>
-            <a:r>
-              <a:rPr lang="EN-US" b="0" i="0" u="none" strike="noStrike">
+              <a:t>)</a:t>
+            </a:r>
+            <a:r>
+              <a:rPr lang="ko-KR" altLang="en-US" b="0" i="0" u="none" strike="noStrike">
                 <a:solidFill>
                   <a:srgbClr val="000000"/>
                 </a:solidFill>
@@ -3875,9 +4411,64 @@
                 <a:ea typeface="돋움"/>
                 <a:cs typeface="돋움"/>
               </a:rPr>
+              <a:t>하단 왼쪽에 있는</a:t>
+            </a:r>
+            <a:r>
+              <a:rPr b="0" i="0" u="none" strike="noStrike">
+                <a:solidFill>
+                  <a:srgbClr val="000000"/>
+                </a:solidFill>
+                <a:latin typeface="돋움"/>
+                <a:ea typeface="돋움"/>
+                <a:cs typeface="돋움"/>
+              </a:rPr>
+              <a:t> 라디오 버튼을 통해 해당 모듈</a:t>
+            </a:r>
+            <a:r>
+              <a:rPr lang="ko-KR" altLang="en-US" b="0" i="0" u="none" strike="noStrike">
+                <a:solidFill>
+                  <a:srgbClr val="000000"/>
+                </a:solidFill>
+                <a:latin typeface="돋움"/>
+                <a:ea typeface="돋움"/>
+                <a:cs typeface="돋움"/>
+              </a:rPr>
+              <a:t>의 공정 진행 여부</a:t>
+            </a:r>
+            <a:r>
+              <a:rPr b="0" i="0" u="none" strike="noStrike">
+                <a:solidFill>
+                  <a:srgbClr val="000000"/>
+                </a:solidFill>
+                <a:latin typeface="돋움"/>
+                <a:ea typeface="돋움"/>
+                <a:cs typeface="돋움"/>
+              </a:rPr>
+              <a:t>를 확인할 수 </a:t>
+            </a:r>
+            <a:r>
+              <a:rPr lang="ko-KR" altLang="en-US" b="0" i="0" u="none" strike="noStrike">
+                <a:solidFill>
+                  <a:srgbClr val="000000"/>
+                </a:solidFill>
+                <a:latin typeface="돋움"/>
+                <a:ea typeface="돋움"/>
+                <a:cs typeface="돋움"/>
+              </a:rPr>
+              <a:t>있도록 하였습니다</a:t>
+            </a:r>
+            <a:r>
+              <a:rPr lang="en-US" altLang="ko-KR" b="0" i="0" u="none" strike="noStrike">
+                <a:solidFill>
+                  <a:srgbClr val="000000"/>
+                </a:solidFill>
+                <a:latin typeface="돋움"/>
+                <a:ea typeface="돋움"/>
+                <a:cs typeface="돋움"/>
+              </a:rPr>
               <a:t>.</a:t>
             </a:r>
-            <a:endParaRPr lang="EN-US" b="0" i="0" u="none" strike="noStrike">
+            <a:endParaRPr lang="en-US" altLang="ko-KR" b="0" i="0" u="none" strike="noStrike">
               <a:solidFill>
                 <a:srgbClr val="000000"/>
               </a:solidFill>
@@ -3930,10 +4521,10 @@
                 <a:ea typeface="돋움"/>
                 <a:cs typeface="돋움"/>
               </a:rPr>
-              <a:t>마지막으로 프로그레스 컨트롤과 이를 수치로 보여주며</a:t>
-            </a:r>
-            <a:r>
-              <a:rPr lang="EN-US" b="0" i="0" u="none" strike="noStrike">
+              <a:t>마지막으로</a:t>
+            </a:r>
+            <a:r>
+              <a:rPr lang="en-US" b="0" i="0" u="none" strike="noStrike">
                 <a:solidFill>
                   <a:srgbClr val="000000"/>
                 </a:solidFill>
@@ -3952,10 +4543,10 @@
                 <a:ea typeface="돋움"/>
                 <a:cs typeface="돋움"/>
               </a:rPr>
-              <a:t>해당 모듈의 공정 진행 상황을 직관적으로 확인할 수 있도록 설계하였습니다</a:t>
-            </a:r>
-            <a:r>
-              <a:rPr lang="EN-US" b="0" i="0" u="none" strike="noStrike">
+              <a:t> </a:t>
+            </a:r>
+            <a:r>
+              <a:rPr lang="en-US" altLang="ko-KR" b="0" i="0" u="none" strike="noStrike">
                 <a:solidFill>
                   <a:srgbClr val="000000"/>
                 </a:solidFill>
@@ -3963,9 +4554,82 @@
                 <a:ea typeface="돋움"/>
                 <a:cs typeface="돋움"/>
               </a:rPr>
+              <a:t>(</a:t>
+            </a:r>
+            <a:r>
+              <a:rPr lang="ko-KR" altLang="en-US" b="0" i="0" u="none" strike="noStrike">
+                <a:solidFill>
+                  <a:srgbClr val="000000"/>
+                </a:solidFill>
+                <a:latin typeface="돋움"/>
+                <a:ea typeface="돋움"/>
+                <a:cs typeface="돋움"/>
+              </a:rPr>
+              <a:t>클릭</a:t>
+            </a:r>
+            <a:r>
+              <a:rPr lang="en-US" altLang="ko-KR" b="0" i="0" u="none" strike="noStrike">
+                <a:solidFill>
+                  <a:srgbClr val="000000"/>
+                </a:solidFill>
+                <a:latin typeface="돋움"/>
+                <a:ea typeface="돋움"/>
+                <a:cs typeface="돋움"/>
+              </a:rPr>
+              <a:t>)</a:t>
+            </a:r>
+            <a:r>
+              <a:rPr b="0" i="0" u="none" strike="noStrike">
+                <a:solidFill>
+                  <a:srgbClr val="000000"/>
+                </a:solidFill>
+                <a:latin typeface="돋움"/>
+                <a:ea typeface="돋움"/>
+                <a:cs typeface="돋움"/>
+              </a:rPr>
+              <a:t>프로그레스 </a:t>
+            </a:r>
+            <a:r>
+              <a:rPr lang="ko-KR" altLang="en-US" b="0" i="0" u="none" strike="noStrike">
+                <a:solidFill>
+                  <a:srgbClr val="000000"/>
+                </a:solidFill>
+                <a:latin typeface="돋움"/>
+                <a:ea typeface="돋움"/>
+                <a:cs typeface="돋움"/>
+              </a:rPr>
+              <a:t>바를 통해 </a:t>
+            </a:r>
+            <a:r>
+              <a:rPr b="0" i="0" u="none" strike="noStrike">
+                <a:solidFill>
+                  <a:srgbClr val="000000"/>
+                </a:solidFill>
+                <a:latin typeface="돋움"/>
+                <a:ea typeface="돋움"/>
+                <a:cs typeface="돋움"/>
+              </a:rPr>
+              <a:t>해당 모듈의 공정 진행 상황을 직관적으로 확인할 수 있도록 설계하였습니다</a:t>
+            </a:r>
+            <a:r>
+              <a:rPr lang="EN-US" b="0" i="0" u="none" strike="noStrike">
+                <a:solidFill>
+                  <a:srgbClr val="000000"/>
+                </a:solidFill>
+                <a:latin typeface="돋움"/>
+                <a:ea typeface="돋움"/>
+                <a:cs typeface="돋움"/>
+              </a:rPr>
               <a:t>.</a:t>
             </a:r>
-            <a:endParaRPr lang="ko-KR" altLang="en-US"/>
+            <a:endParaRPr lang="EN-US" b="0" i="0" u="none" strike="noStrike">
+              <a:solidFill>
+                <a:srgbClr val="000000"/>
+              </a:solidFill>
+              <a:latin typeface="돋움"/>
+              <a:ea typeface="돋움"/>
+              <a:cs typeface="돋움"/>
+            </a:endParaRPr>
           </a:p>
         </p:txBody>
       </p:sp>
@@ -4065,15 +4729,23 @@
             </a:pPr>
             <a:r>
               <a:rPr lang="en-US" altLang="ko-KR"/>
-              <a:t>발표 순서는 다음과 같이 진행되</a:t>
+              <a:t>발표는 다음과 같이 진행</a:t>
             </a:r>
             <a:r>
               <a:rPr lang="ko-KR" altLang="en-US"/>
-              <a:t>며</a:t>
+              <a:t>할 예정이며</a:t>
             </a:r>
             <a:r>
               <a:rPr lang="en-US" altLang="ko-KR"/>
-              <a:t> 총 5단계로 구성 되어있습니다.</a:t>
+              <a:t>, 총 5단계로 구성</a:t>
+            </a:r>
+            <a:r>
+              <a:rPr lang="ko-KR" altLang="en-US"/>
+              <a:t>하였습니다</a:t>
+            </a:r>
+            <a:r>
+              <a:rPr lang="en-US" altLang="ko-KR"/>
+              <a:t>.</a:t>
             </a:r>
             <a:endParaRPr lang="en-US" altLang="ko-KR"/>
           </a:p>
@@ -4190,7 +4862,7 @@
                 <a:latin typeface="맑은 고딕"/>
                 <a:cs typeface="돋움"/>
               </a:rPr>
-              <a:t>앞서 설명 드린 프로세스 모듈 </a:t>
+              <a:t>앞서 설명드린 프로세스 모듈 </a:t>
             </a:r>
             <a:r>
               <a:rPr lang="EN-US" b="0" i="0" u="none" strike="noStrike">
@@ -4201,7 +4873,29 @@
                 <a:ea typeface="맑은 고딕"/>
                 <a:cs typeface="돋움"/>
               </a:rPr>
-              <a:t>UI </a:t>
+              <a:t>UI</a:t>
+            </a:r>
+            <a:r>
+              <a:rPr lang="ko-KR" altLang="en-US" b="0" i="0" u="none" strike="noStrike">
+                <a:solidFill>
+                  <a:srgbClr val="000000"/>
+                </a:solidFill>
+                <a:latin typeface="맑은 고딕"/>
+                <a:ea typeface="맑은 고딕"/>
+                <a:cs typeface="돋움"/>
+              </a:rPr>
+              <a:t>의</a:t>
+            </a:r>
+            <a:r>
+              <a:rPr lang="EN-US" b="0" i="0" u="none" strike="noStrike">
+                <a:solidFill>
+                  <a:srgbClr val="000000"/>
+                </a:solidFill>
+                <a:latin typeface="맑은 고딕"/>
+                <a:ea typeface="맑은 고딕"/>
+                <a:cs typeface="돋움"/>
+              </a:rPr>
+              <a:t> </a:t>
             </a:r>
             <a:r>
               <a:rPr b="0" i="0" u="none" strike="noStrike">
@@ -4211,7 +4905,27 @@
                 <a:latin typeface="맑은 고딕"/>
                 <a:cs typeface="돋움"/>
               </a:rPr>
-              <a:t>오른편에는 시뮬레이터의 가속이 가능하도록 스피드 컨트롤러를 배치하였습니다</a:t>
+              <a:t>오른편에는</a:t>
+            </a:r>
+            <a:r>
+              <a:rPr lang="en-US" b="0" i="0" u="none" strike="noStrike">
+                <a:solidFill>
+                  <a:srgbClr val="000000"/>
+                </a:solidFill>
+                <a:latin typeface="맑은 고딕"/>
+                <a:cs typeface="돋움"/>
+              </a:rPr>
+              <a:t>,</a:t>
+            </a:r>
+            <a:r>
+              <a:rPr b="0" i="0" u="none" strike="noStrike">
+                <a:solidFill>
+                  <a:srgbClr val="000000"/>
+                </a:solidFill>
+                <a:latin typeface="맑은 고딕"/>
+                <a:cs typeface="돋움"/>
+              </a:rPr>
+              <a:t> 시뮬레이터의 가속이 가능하도록 스피드 컨트롤러를 배치하였습니다</a:t>
             </a:r>
             <a:r>
               <a:rPr lang="EN-US" b="0" i="0" u="none" strike="noStrike">
@@ -4287,7 +5001,7 @@
                 <a:ea typeface="맑은 고딕"/>
                 <a:cs typeface="돋움"/>
               </a:rPr>
-              <a:t>1</a:t>
+              <a:t>20</a:t>
             </a:r>
             <a:r>
               <a:rPr b="0" i="0" u="none" strike="noStrike">
@@ -4318,7 +5032,37 @@
                 <a:latin typeface="맑은 고딕"/>
                 <a:cs typeface="돋움"/>
               </a:rPr>
-              <a:t>배속까지 시뮬레이터를 가속할 수 있도록 구현하였습니다</a:t>
+              <a:t>배속까지</a:t>
+            </a:r>
+            <a:r>
+              <a:rPr lang="en-US" b="0" i="0" u="none" strike="noStrike">
+                <a:solidFill>
+                  <a:srgbClr val="000000"/>
+                </a:solidFill>
+                <a:latin typeface="맑은 고딕"/>
+                <a:cs typeface="돋움"/>
+              </a:rPr>
+              <a:t>, </a:t>
+            </a:r>
+            <a:r>
+              <a:rPr lang="ko-KR" altLang="en-US" b="0" i="0" u="none" strike="noStrike">
+                <a:solidFill>
+                  <a:srgbClr val="000000"/>
+                </a:solidFill>
+                <a:latin typeface="맑은 고딕"/>
+                <a:cs typeface="돋움"/>
+              </a:rPr>
+              <a:t>해당</a:t>
+            </a:r>
+            <a:r>
+              <a:rPr b="0" i="0" u="none" strike="noStrike">
+                <a:solidFill>
+                  <a:srgbClr val="000000"/>
+                </a:solidFill>
+                <a:latin typeface="맑은 고딕"/>
+                <a:cs typeface="돋움"/>
+              </a:rPr>
+              <a:t> 시뮬레이터를 가속할 수 있도록 구현하였습니다</a:t>
             </a:r>
             <a:r>
               <a:rPr lang="EN-US" b="0" i="0" u="none" strike="noStrike">
@@ -4375,6 +5119,16 @@
               <a:defRPr/>
             </a:pPr>
             <a:r>
+              <a:rPr lang="ko-KR" altLang="en-US" b="0" i="0" u="none" strike="noStrike">
+                <a:solidFill>
+                  <a:srgbClr val="000000"/>
+                </a:solidFill>
+                <a:latin typeface="맑은 고딕"/>
+                <a:cs typeface="돋움"/>
+              </a:rPr>
+              <a:t>그리고 </a:t>
+            </a:r>
+            <a:r>
               <a:rPr b="0" i="0" u="none" strike="noStrike">
                 <a:solidFill>
                   <a:srgbClr val="000000"/>
@@ -4446,7 +5200,67 @@
                 <a:latin typeface="맑은 고딕"/>
                 <a:cs typeface="돋움"/>
               </a:rPr>
-              <a:t>보시는 바와 같이 왼쪽 두 개의 버튼은 사용자가 시뮬레이터를 동작하긴 전 입력하였던 시뮬레이션의 환경 및 변수들을 저장하거나 불러올 수 있도록 구현하였습니다</a:t>
+              <a:t>보시는 바와 같이</a:t>
+            </a:r>
+            <a:r>
+              <a:rPr lang="en-US" b="0" i="0" u="none" strike="noStrike">
+                <a:solidFill>
+                  <a:srgbClr val="000000"/>
+                </a:solidFill>
+                <a:latin typeface="맑은 고딕"/>
+                <a:cs typeface="돋움"/>
+              </a:rPr>
+              <a:t>,</a:t>
+            </a:r>
+            <a:r>
+              <a:rPr b="0" i="0" u="none" strike="noStrike">
+                <a:solidFill>
+                  <a:srgbClr val="000000"/>
+                </a:solidFill>
+                <a:latin typeface="맑은 고딕"/>
+                <a:cs typeface="돋움"/>
+              </a:rPr>
+              <a:t> 왼쪽 두 개의 버튼은 사용자가 시뮬레이터를 동작하긴 전</a:t>
+            </a:r>
+            <a:r>
+              <a:rPr lang="ko-KR" altLang="en-US" b="0" i="0" u="none" strike="noStrike">
+                <a:solidFill>
+                  <a:srgbClr val="000000"/>
+                </a:solidFill>
+                <a:latin typeface="맑은 고딕"/>
+                <a:cs typeface="돋움"/>
+              </a:rPr>
+              <a:t>에</a:t>
+            </a:r>
+            <a:r>
+              <a:rPr b="0" i="0" u="none" strike="noStrike">
+                <a:solidFill>
+                  <a:srgbClr val="000000"/>
+                </a:solidFill>
+                <a:latin typeface="맑은 고딕"/>
+                <a:cs typeface="돋움"/>
+              </a:rPr>
+              <a:t> 입력하였던</a:t>
+            </a:r>
+            <a:r>
+              <a:rPr lang="en-US" b="0" i="0" u="none" strike="noStrike">
+                <a:solidFill>
+                  <a:srgbClr val="000000"/>
+                </a:solidFill>
+                <a:latin typeface="맑은 고딕"/>
+                <a:cs typeface="돋움"/>
+              </a:rPr>
+              <a:t>,</a:t>
+            </a:r>
+            <a:r>
+              <a:rPr b="0" i="0" u="none" strike="noStrike">
+                <a:solidFill>
+                  <a:srgbClr val="000000"/>
+                </a:solidFill>
+                <a:latin typeface="맑은 고딕"/>
+                <a:cs typeface="돋움"/>
+              </a:rPr>
+              <a:t> 시뮬레이션의 환경 및 변수들을 저장하거나 불러올 수 있도록 하였습니다</a:t>
             </a:r>
             <a:r>
               <a:rPr lang="EN-US" b="0" i="0" u="none" strike="noStrike">
@@ -4521,7 +5335,7 @@
                 <a:ea typeface="맑은 고딕"/>
                 <a:cs typeface="돋움"/>
               </a:rPr>
-              <a:t>,</a:t>
+              <a:t>, </a:t>
             </a:r>
             <a:r>
               <a:rPr b="0" i="0" u="none" strike="noStrike">
@@ -4531,7 +5345,37 @@
                 <a:latin typeface="맑은 고딕"/>
                 <a:cs typeface="돋움"/>
               </a:rPr>
-              <a:t>그 오른편에는 시뮬레이션을 통해 나온 결과가 얼마의 시간 동안 몇 장의 </a:t>
+              <a:t>그 오른편에는 시뮬레이션을 통해</a:t>
+            </a:r>
+            <a:r>
+              <a:rPr lang="en-US" b="0" i="0" u="none" strike="noStrike">
+                <a:solidFill>
+                  <a:srgbClr val="000000"/>
+                </a:solidFill>
+                <a:latin typeface="맑은 고딕"/>
+                <a:cs typeface="돋움"/>
+              </a:rPr>
+              <a:t> </a:t>
+            </a:r>
+            <a:r>
+              <a:rPr lang="ko-KR" altLang="en-US" b="0" i="0" u="none" strike="noStrike">
+                <a:solidFill>
+                  <a:srgbClr val="000000"/>
+                </a:solidFill>
+                <a:latin typeface="맑은 고딕"/>
+                <a:cs typeface="돋움"/>
+              </a:rPr>
+              <a:t>시간당 </a:t>
+            </a:r>
+            <a:r>
+              <a:rPr b="0" i="0" u="none" strike="noStrike">
+                <a:solidFill>
+                  <a:srgbClr val="000000"/>
+                </a:solidFill>
+                <a:latin typeface="맑은 고딕"/>
+                <a:cs typeface="돋움"/>
+              </a:rPr>
+              <a:t>몇 장의 </a:t>
             </a:r>
             <a:r>
               <a:rPr lang="EN-US" b="0" i="0" u="none" strike="noStrike">
@@ -4545,17 +5389,7 @@
               <a:t>Wafer</a:t>
             </a:r>
             <a:r>
-              <a:rPr b="0" i="0" u="none" strike="noStrike">
-                <a:solidFill>
-                  <a:srgbClr val="000000"/>
-                </a:solidFill>
-                <a:latin typeface="맑은 고딕"/>
-                <a:cs typeface="돋움"/>
-              </a:rPr>
-              <a:t>의 작업을 진행했는지를 보여주는 </a:t>
-            </a:r>
-            <a:r>
-              <a:rPr lang="EN-US" b="0" i="0" u="none" strike="noStrike">
+              <a:rPr lang="ko-KR" altLang="en-US" b="0" i="0" u="none" strike="noStrike">
                 <a:solidFill>
                   <a:srgbClr val="000000"/>
                 </a:solidFill>
@@ -4563,6 +5397,27 @@
                 <a:ea typeface="맑은 고딕"/>
                 <a:cs typeface="돋움"/>
               </a:rPr>
+              <a:t>를 공정하였는지를 </a:t>
+            </a:r>
+            <a:r>
+              <a:rPr b="0" i="0" u="none" strike="noStrike">
+                <a:solidFill>
+                  <a:srgbClr val="000000"/>
+                </a:solidFill>
+                <a:latin typeface="맑은 고딕"/>
+                <a:cs typeface="돋움"/>
+              </a:rPr>
+              <a:t>보여주는 </a:t>
+            </a:r>
+            <a:r>
+              <a:rPr lang="EN-US" b="0" i="0" u="none" strike="noStrike">
+                <a:solidFill>
+                  <a:srgbClr val="000000"/>
+                </a:solidFill>
+                <a:latin typeface="맑은 고딕"/>
+                <a:ea typeface="맑은 고딕"/>
+                <a:cs typeface="돋움"/>
+              </a:rPr>
               <a:t>Throughput</a:t>
             </a:r>
             <a:r>
@@ -4573,38 +5428,7 @@
                 <a:latin typeface="맑은 고딕"/>
                 <a:cs typeface="돋움"/>
               </a:rPr>
-              <a:t>을 </a:t>
-            </a:r>
-            <a:endParaRPr b="0" i="0" u="none" strike="noStrike">
-              <a:solidFill>
-                <a:srgbClr val="000000"/>
-              </a:solidFill>
-              <a:latin typeface="맑은 고딕"/>
-              <a:cs typeface="돋움"/>
-            </a:endParaRPr>
-          </a:p>
-          <a:p>
-            <a:pPr>
-              <a:lnSpc>
-                <a:spcPct val="160000"/>
-              </a:lnSpc>
-              <a:spcBef>
-                <a:spcPts val="0"/>
-              </a:spcBef>
-              <a:spcAft>
-                <a:spcPts val="0"/>
-              </a:spcAft>
-              <a:defRPr/>
-            </a:pPr>
-            <a:r>
-              <a:rPr b="0" i="0" u="none" strike="noStrike">
-                <a:solidFill>
-                  <a:srgbClr val="000000"/>
-                </a:solidFill>
-                <a:latin typeface="맑은 고딕"/>
-                <a:cs typeface="돋움"/>
-              </a:rPr>
-              <a:t>저장하거나 불러올 수 있도록 설계하였습니다</a:t>
+              <a:t>을 저장하거나 불러올 수 있도록 설계하였습니다</a:t>
             </a:r>
             <a:r>
               <a:rPr lang="EN-US" b="0" i="0" u="none" strike="noStrike">
@@ -4757,33 +5581,11 @@
               </a:spcAft>
               <a:defRPr/>
             </a:pPr>
-            <a:r>
-              <a:rPr sz="1300" b="0" i="0" u="none" strike="noStrike">
-                <a:solidFill>
-                  <a:srgbClr val="000000"/>
-                </a:solidFill>
-                <a:latin typeface="맑은 고딕"/>
-                <a:cs typeface="돋움"/>
-              </a:rPr>
-              <a:t>모듈 및 슬롯의 개수</a:t>
-            </a:r>
-            <a:r>
-              <a:rPr lang="EN-US" sz="1300" b="0" i="0" u="none" strike="noStrike">
-                <a:solidFill>
-                  <a:srgbClr val="000000"/>
-                </a:solidFill>
-                <a:latin typeface="맑은 고딕"/>
-                <a:ea typeface="맑은 고딕"/>
-                <a:cs typeface="돋움"/>
-              </a:rPr>
-              <a:t>, </a:t>
-            </a:r>
-            <a:endParaRPr lang="EN-US" sz="1300" b="0" i="0" u="none" strike="noStrike">
+            <a:endParaRPr lang="en-US" sz="1300" b="0" i="0" u="none" strike="noStrike">
               <a:solidFill>
                 <a:srgbClr val="000000"/>
               </a:solidFill>
               <a:latin typeface="맑은 고딕"/>
-              <a:ea typeface="맑은 고딕"/>
               <a:cs typeface="돋움"/>
             </a:endParaRPr>
           </a:p>
@@ -4808,6 +5610,27 @@
                 <a:latin typeface="맑은 고딕"/>
                 <a:cs typeface="돋움"/>
               </a:rPr>
+              <a:t>모듈 및 슬롯의 개수</a:t>
+            </a:r>
+            <a:r>
+              <a:rPr lang="EN-US" sz="1300" b="0" i="0" u="none" strike="noStrike">
+                <a:solidFill>
+                  <a:srgbClr val="000000"/>
+                </a:solidFill>
+                <a:latin typeface="맑은 고딕"/>
+                <a:ea typeface="맑은 고딕"/>
+                <a:cs typeface="돋움"/>
+              </a:rPr>
+              <a:t>, </a:t>
+            </a:r>
+            <a:r>
+              <a:rPr sz="1300" b="0" i="0" u="none" strike="noStrike">
+                <a:solidFill>
+                  <a:srgbClr val="000000"/>
+                </a:solidFill>
+                <a:latin typeface="맑은 고딕"/>
+                <a:cs typeface="돋움"/>
+              </a:rPr>
               <a:t>그리고 해당 모듈에서의 구동 시간을 사용자가 자유롭게 입력할 수 있도록 구현하였습니다</a:t>
             </a:r>
             <a:r>
@@ -4843,7 +5666,7 @@
               </a:spcAft>
               <a:defRPr/>
             </a:pPr>
-            <a:endParaRPr sz="1300" b="0" i="0" u="none" strike="noStrike">
+            <a:endParaRPr lang="en-US" altLang="ko-KR" sz="1300" b="0" i="0" u="none" strike="noStrike">
               <a:solidFill>
                 <a:srgbClr val="000000"/>
               </a:solidFill>
@@ -4865,14 +5688,14 @@
               <a:defRPr/>
             </a:pPr>
             <a:r>
-              <a:rPr sz="1300" b="0" i="0" u="none" strike="noStrike">
+              <a:rPr lang="ko-KR" altLang="en-US" sz="1300" b="0" i="0" u="none" strike="noStrike">
                 <a:solidFill>
                   <a:srgbClr val="000000"/>
                 </a:solidFill>
                 <a:latin typeface="맑은 고딕"/>
                 <a:cs typeface="돋움"/>
               </a:rPr>
-              <a:t>초기 메인 윈도우에서 </a:t>
+              <a:t>첫 화면에서 </a:t>
             </a:r>
             <a:r>
               <a:rPr lang="en-US" altLang="ko-KR" sz="1300" b="0" i="0" u="none" strike="noStrike">
@@ -4903,13 +5726,85 @@
                 <a:latin typeface="맑은 고딕"/>
                 <a:cs typeface="돋움"/>
               </a:rPr>
-              <a:t>버튼을 클릭하게 되면 </a:t>
-            </a:r>
-            <a:endParaRPr sz="1300" b="0" i="0" u="none" strike="noStrike">
+              <a:t>버튼을 클릭하게 되면</a:t>
+            </a:r>
+            <a:r>
+              <a:rPr lang="en-US" sz="1300" b="0" i="0" u="none" strike="noStrike">
+                <a:solidFill>
+                  <a:srgbClr val="000000"/>
+                </a:solidFill>
+                <a:latin typeface="맑은 고딕"/>
+                <a:cs typeface="돋움"/>
+              </a:rPr>
+              <a:t>,</a:t>
+            </a:r>
+            <a:r>
+              <a:rPr sz="1300" b="0" i="0" u="none" strike="noStrike">
+                <a:solidFill>
+                  <a:srgbClr val="000000"/>
+                </a:solidFill>
+                <a:latin typeface="맑은 고딕"/>
+                <a:cs typeface="돋움"/>
+              </a:rPr>
+              <a:t> 해당 </a:t>
+            </a:r>
+            <a:r>
+              <a:rPr lang="ko-KR" altLang="en-US" sz="1300" b="0" i="0" u="none" strike="noStrike">
+                <a:solidFill>
+                  <a:srgbClr val="000000"/>
+                </a:solidFill>
+                <a:latin typeface="맑은 고딕"/>
+                <a:cs typeface="돋움"/>
+              </a:rPr>
+              <a:t>창을</a:t>
+            </a:r>
+            <a:r>
+              <a:rPr sz="1300" b="0" i="0" u="none" strike="noStrike">
+                <a:solidFill>
+                  <a:srgbClr val="000000"/>
+                </a:solidFill>
+                <a:latin typeface="맑은 고딕"/>
+                <a:cs typeface="돋움"/>
+              </a:rPr>
+              <a:t> 띄워 사용자에게 </a:t>
+            </a:r>
+            <a:r>
+              <a:rPr lang="ko-KR" altLang="en-US" sz="1300" b="0" i="0" u="none" strike="noStrike">
+                <a:solidFill>
+                  <a:srgbClr val="000000"/>
+                </a:solidFill>
+                <a:latin typeface="맑은 고딕"/>
+                <a:cs typeface="돋움"/>
+              </a:rPr>
+              <a:t>값을 </a:t>
+            </a:r>
+            <a:r>
+              <a:rPr sz="1300" b="0" i="0" u="none" strike="noStrike">
+                <a:solidFill>
+                  <a:srgbClr val="000000"/>
+                </a:solidFill>
+                <a:latin typeface="맑은 고딕"/>
+                <a:cs typeface="돋움"/>
+              </a:rPr>
+              <a:t>입력 받도록 하였으며</a:t>
+            </a:r>
+            <a:r>
+              <a:rPr lang="EN-US" sz="1300" b="0" i="0" u="none" strike="noStrike">
+                <a:solidFill>
+                  <a:srgbClr val="000000"/>
+                </a:solidFill>
+                <a:latin typeface="맑은 고딕"/>
+                <a:ea typeface="맑은 고딕"/>
+                <a:cs typeface="돋움"/>
+              </a:rPr>
+              <a:t>, </a:t>
+            </a:r>
+            <a:endParaRPr lang="EN-US" sz="1300" b="0" i="0" u="none" strike="noStrike">
               <a:solidFill>
                 <a:srgbClr val="000000"/>
               </a:solidFill>
               <a:latin typeface="맑은 고딕"/>
+              <a:ea typeface="맑은 고딕"/>
               <a:cs typeface="돋움"/>
             </a:endParaRPr>
           </a:p>
@@ -4926,27 +5821,6 @@
               </a:spcAft>
               <a:defRPr/>
             </a:pPr>
-            <a:r>
-              <a:rPr sz="1300" b="0" i="0" u="none" strike="noStrike">
-                <a:solidFill>
-                  <a:srgbClr val="000000"/>
-                </a:solidFill>
-                <a:latin typeface="맑은 고딕"/>
-                <a:cs typeface="돋움"/>
-              </a:rPr>
-              <a:t>해당 윈도우를 띄워 사용자에게 입력 받도록 하였으며</a:t>
-            </a:r>
-            <a:r>
-              <a:rPr lang="EN-US" sz="1300" b="0" i="0" u="none" strike="noStrike">
-                <a:solidFill>
-                  <a:srgbClr val="000000"/>
-                </a:solidFill>
-                <a:latin typeface="맑은 고딕"/>
-                <a:ea typeface="맑은 고딕"/>
-                <a:cs typeface="돋움"/>
-              </a:rPr>
-              <a:t>, </a:t>
-            </a:r>
             <a:endParaRPr lang="EN-US" sz="1300" b="0" i="0" u="none" strike="noStrike">
               <a:solidFill>
                 <a:srgbClr val="000000"/>
@@ -4977,7 +5851,47 @@
                 <a:latin typeface="맑은 고딕"/>
                 <a:cs typeface="돋움"/>
               </a:rPr>
-              <a:t>주성엔지니어링에서 제공 받는 모듈 별 구동 시간을 반영하여 기본값으로 입력될 수 있도록 하였습니다</a:t>
+              <a:t>주성엔지니어링에서 제공 받</a:t>
+            </a:r>
+            <a:r>
+              <a:rPr lang="ko-KR" altLang="en-US" sz="1300" b="0" i="0" u="none" strike="noStrike">
+                <a:solidFill>
+                  <a:srgbClr val="000000"/>
+                </a:solidFill>
+                <a:latin typeface="맑은 고딕"/>
+                <a:cs typeface="돋움"/>
+              </a:rPr>
+              <a:t>은</a:t>
+            </a:r>
+            <a:r>
+              <a:rPr sz="1300" b="0" i="0" u="none" strike="noStrike">
+                <a:solidFill>
+                  <a:srgbClr val="000000"/>
+                </a:solidFill>
+                <a:latin typeface="맑은 고딕"/>
+                <a:cs typeface="돋움"/>
+              </a:rPr>
+              <a:t> 모듈별 구동 시간을 반영하여 </a:t>
+            </a:r>
+            <a:r>
+              <a:rPr lang="ko-KR" altLang="en-US" sz="1300" b="0" i="0" u="none" strike="noStrike">
+                <a:solidFill>
+                  <a:srgbClr val="000000"/>
+                </a:solidFill>
+                <a:latin typeface="맑은 고딕"/>
+                <a:cs typeface="돋움"/>
+              </a:rPr>
+              <a:t>초기</a:t>
+            </a:r>
+            <a:r>
+              <a:rPr sz="1300" b="0" i="0" u="none" strike="noStrike">
+                <a:solidFill>
+                  <a:srgbClr val="000000"/>
+                </a:solidFill>
+                <a:latin typeface="맑은 고딕"/>
+                <a:cs typeface="돋움"/>
+              </a:rPr>
+              <a:t>값으로 입력될 수 있도록 하였습니다</a:t>
             </a:r>
             <a:r>
               <a:rPr lang="EN-US" sz="1300" b="0" i="0" u="none" strike="noStrike">
@@ -5053,7 +5967,7 @@
                 <a:ea typeface="맑은 고딕"/>
                 <a:cs typeface="돋움"/>
               </a:rPr>
-              <a:t>, Transfer</a:t>
+              <a:t>, Transfer </a:t>
             </a:r>
             <a:r>
               <a:rPr sz="1300" b="0" i="0" u="none" strike="noStrike">
@@ -5064,6 +5978,16 @@
                 <a:cs typeface="돋움"/>
               </a:rPr>
               <a:t>모듈의</a:t>
+            </a:r>
+            <a:r>
+              <a:rPr lang="en-US" sz="1300" b="0" i="0" u="none" strike="noStrike">
+                <a:solidFill>
+                  <a:srgbClr val="000000"/>
+                </a:solidFill>
+                <a:latin typeface="맑은 고딕"/>
+                <a:cs typeface="돋움"/>
+              </a:rPr>
+              <a:t> </a:t>
             </a:r>
             <a:r>
               <a:rPr lang="EN-US" sz="1300" b="0" i="0" u="none" strike="noStrike">
@@ -5105,7 +6029,27 @@
                 <a:latin typeface="맑은 고딕"/>
                 <a:cs typeface="돋움"/>
               </a:rPr>
-              <a:t>일 경우</a:t>
+              <a:t>일 경우를 고려하여</a:t>
+            </a:r>
+            <a:r>
+              <a:rPr lang="en-US" sz="1300" b="0" i="0" u="none" strike="noStrike">
+                <a:solidFill>
+                  <a:srgbClr val="000000"/>
+                </a:solidFill>
+                <a:latin typeface="맑은 고딕"/>
+                <a:cs typeface="돋움"/>
+              </a:rPr>
+              <a:t>,</a:t>
+            </a:r>
+            <a:r>
+              <a:rPr sz="1300" b="0" i="0" u="none" strike="noStrike">
+                <a:solidFill>
+                  <a:srgbClr val="000000"/>
+                </a:solidFill>
+                <a:latin typeface="맑은 고딕"/>
+                <a:cs typeface="돋움"/>
+              </a:rPr>
+              <a:t> 프로세스 모듈의 슬롯 개수를 짝수로만 선택이 가능하도록 제한</a:t>
             </a:r>
             <a:r>
               <a:rPr lang="ko-KR" altLang="en-US" sz="1300" b="0" i="0" u="none" strike="noStrike">
@@ -5115,69 +6059,19 @@
                 <a:latin typeface="맑은 고딕"/>
                 <a:cs typeface="돋움"/>
               </a:rPr>
-              <a:t> </a:t>
-            </a:r>
-            <a:r>
-              <a:rPr sz="1300" b="0" i="0" u="none" strike="noStrike">
+              <a:t>하였습니다</a:t>
+            </a:r>
+            <a:r>
+              <a:rPr lang="en-US" altLang="ko-KR" sz="1300" b="0" i="0" u="none" strike="noStrike">
                 <a:solidFill>
                   <a:srgbClr val="000000"/>
                 </a:solidFill>
                 <a:latin typeface="맑은 고딕"/>
                 <a:cs typeface="돋움"/>
               </a:rPr>
-              <a:t>프로세스 모듈</a:t>
-            </a:r>
-            <a:r>
-              <a:rPr lang="ko-KR" altLang="en-US" sz="1300" b="0" i="0" u="none" strike="noStrike">
-                <a:solidFill>
-                  <a:srgbClr val="000000"/>
-                </a:solidFill>
-                <a:latin typeface="맑은 고딕"/>
-                <a:cs typeface="돋움"/>
-              </a:rPr>
-              <a:t>과 </a:t>
-            </a:r>
-            <a:r>
-              <a:rPr lang="en-US" altLang="ko-KR" sz="1300" b="0" i="0" u="none" strike="noStrike">
-                <a:solidFill>
-                  <a:srgbClr val="000000"/>
-                </a:solidFill>
-                <a:latin typeface="맑은 고딕"/>
-                <a:cs typeface="돋움"/>
-              </a:rPr>
-              <a:t>Load Lock</a:t>
-            </a:r>
-            <a:r>
-              <a:rPr lang="ko-KR" altLang="en-US" sz="1300" b="0" i="0" u="none" strike="noStrike">
-                <a:solidFill>
-                  <a:srgbClr val="000000"/>
-                </a:solidFill>
-                <a:latin typeface="맑은 고딕"/>
-                <a:cs typeface="돋움"/>
-              </a:rPr>
-              <a:t>의</a:t>
-            </a:r>
-            <a:r>
-              <a:rPr sz="1300" b="0" i="0" u="none" strike="noStrike">
-                <a:solidFill>
-                  <a:srgbClr val="000000"/>
-                </a:solidFill>
-                <a:latin typeface="맑은 고딕"/>
-                <a:cs typeface="돋움"/>
-              </a:rPr>
-              <a:t> 슬롯 개수를 짝수로만 선택이 가능하도록 제한을 </a:t>
-            </a:r>
-            <a:r>
-              <a:rPr lang="ko-KR" altLang="en-US" sz="1300" b="0" i="0" u="none" strike="noStrike">
-                <a:solidFill>
-                  <a:srgbClr val="000000"/>
-                </a:solidFill>
-                <a:latin typeface="맑은 고딕"/>
-                <a:cs typeface="돋움"/>
-              </a:rPr>
-              <a:t>두어야 된다는 점을 고려하여</a:t>
-            </a:r>
-            <a:endParaRPr lang="ko-KR" altLang="en-US" sz="1300" b="0" i="0" u="none" strike="noStrike">
+              <a:t>.</a:t>
+            </a:r>
+            <a:endParaRPr lang="en-US" altLang="ko-KR" sz="1300" b="0" i="0" u="none" strike="noStrike">
               <a:solidFill>
                 <a:srgbClr val="000000"/>
               </a:solidFill>
@@ -5198,8 +6092,30 @@
               </a:spcAft>
               <a:defRPr/>
             </a:pPr>
-            <a:r>
-              <a:rPr lang="ko-KR" altLang="en-US" sz="1300" b="0" i="0" u="none" strike="noStrike">
+            <a:endParaRPr lang="en-US" altLang="ko-KR" sz="1300" b="0" i="0" u="none" strike="noStrike">
+              <a:solidFill>
+                <a:srgbClr val="000000"/>
+              </a:solidFill>
+              <a:latin typeface="맑은 고딕"/>
+              <a:ea typeface="맑은 고딕"/>
+              <a:cs typeface="돋움"/>
+            </a:endParaRPr>
+          </a:p>
+          <a:p>
+            <a:pPr>
+              <a:lnSpc>
+                <a:spcPct val="160000"/>
+              </a:lnSpc>
+              <a:spcBef>
+                <a:spcPts val="0"/>
+              </a:spcBef>
+              <a:spcAft>
+                <a:spcPts val="0"/>
+              </a:spcAft>
+              <a:defRPr/>
+            </a:pPr>
+            <a:r>
+              <a:rPr lang="en-US" altLang="ko-KR" sz="1300" b="0" i="0" u="none" strike="noStrike">
                 <a:solidFill>
                   <a:srgbClr val="000000"/>
                 </a:solidFill>
@@ -5207,7 +6123,106 @@
                 <a:ea typeface="맑은 고딕"/>
                 <a:cs typeface="돋움"/>
               </a:rPr>
-              <a:t>각 모듈 파라미터 배치도를 수치에 영향이 큰 모듈별 순위로 구성한 점도 특이점이라고 할 수 있습니다</a:t>
+              <a:t>(</a:t>
+            </a:r>
+            <a:r>
+              <a:rPr lang="ko-KR" altLang="en-US" sz="1300" b="0" i="0" u="none" strike="noStrike">
+                <a:solidFill>
+                  <a:srgbClr val="000000"/>
+                </a:solidFill>
+                <a:latin typeface="맑은 고딕"/>
+                <a:ea typeface="맑은 고딕"/>
+                <a:cs typeface="돋움"/>
+              </a:rPr>
+              <a:t>클릭</a:t>
+            </a:r>
+            <a:r>
+              <a:rPr lang="en-US" altLang="ko-KR" sz="1300" b="0" i="0" u="none" strike="noStrike">
+                <a:solidFill>
+                  <a:srgbClr val="000000"/>
+                </a:solidFill>
+                <a:latin typeface="맑은 고딕"/>
+                <a:ea typeface="맑은 고딕"/>
+                <a:cs typeface="돋움"/>
+              </a:rPr>
+              <a:t>)</a:t>
+            </a:r>
+            <a:r>
+              <a:rPr lang="ko-KR" altLang="en-US" sz="1300" b="0" i="0" u="none" strike="noStrike">
+                <a:solidFill>
+                  <a:srgbClr val="000000"/>
+                </a:solidFill>
+                <a:latin typeface="맑은 고딕"/>
+                <a:ea typeface="맑은 고딕"/>
+                <a:cs typeface="돋움"/>
+              </a:rPr>
+              <a:t>마지막으로</a:t>
+            </a:r>
+            <a:r>
+              <a:rPr lang="en-US" altLang="ko-KR" sz="1300" b="0" i="0" u="none" strike="noStrike">
+                <a:solidFill>
+                  <a:srgbClr val="000000"/>
+                </a:solidFill>
+                <a:latin typeface="맑은 고딕"/>
+                <a:ea typeface="맑은 고딕"/>
+                <a:cs typeface="돋움"/>
+              </a:rPr>
+              <a:t>, </a:t>
+            </a:r>
+            <a:r>
+              <a:rPr lang="ko-KR" altLang="en-US" sz="1300" b="0" i="0" u="none" strike="noStrike">
+                <a:solidFill>
+                  <a:srgbClr val="000000"/>
+                </a:solidFill>
+                <a:latin typeface="맑은 고딕"/>
+                <a:ea typeface="맑은 고딕"/>
+                <a:cs typeface="돋움"/>
+              </a:rPr>
+              <a:t>각 모듈의 파라미터 순서를</a:t>
+            </a:r>
+            <a:r>
+              <a:rPr lang="en-US" altLang="ko-KR" sz="1300" b="0" i="0" u="none" strike="noStrike">
+                <a:solidFill>
+                  <a:srgbClr val="000000"/>
+                </a:solidFill>
+                <a:latin typeface="맑은 고딕"/>
+                <a:ea typeface="맑은 고딕"/>
+                <a:cs typeface="돋움"/>
+              </a:rPr>
+              <a:t>,</a:t>
+            </a:r>
+            <a:r>
+              <a:rPr lang="ko-KR" altLang="en-US" sz="1300" b="0" i="0" u="none" strike="noStrike">
+                <a:solidFill>
+                  <a:srgbClr val="000000"/>
+                </a:solidFill>
+                <a:latin typeface="맑은 고딕"/>
+                <a:ea typeface="맑은 고딕"/>
+                <a:cs typeface="돋움"/>
+              </a:rPr>
+              <a:t> 다른 모듈 수치에 영향을</a:t>
+            </a:r>
+            <a:r>
+              <a:rPr lang="en-US" altLang="ko-KR" sz="1300" b="0" i="0" u="none" strike="noStrike">
+                <a:solidFill>
+                  <a:srgbClr val="000000"/>
+                </a:solidFill>
+                <a:latin typeface="맑은 고딕"/>
+                <a:ea typeface="맑은 고딕"/>
+                <a:cs typeface="돋움"/>
+              </a:rPr>
+              <a:t> </a:t>
+            </a:r>
+            <a:r>
+              <a:rPr lang="ko-KR" altLang="en-US" sz="1300" b="0" i="0" u="none" strike="noStrike">
+                <a:solidFill>
+                  <a:srgbClr val="000000"/>
+                </a:solidFill>
+                <a:latin typeface="맑은 고딕"/>
+                <a:ea typeface="맑은 고딕"/>
+                <a:cs typeface="돋움"/>
+              </a:rPr>
+              <a:t>줄 수 있는 중요도에 따라 배치한 점도 특이점이라고 할 수 있습니다</a:t>
             </a:r>
             <a:r>
               <a:rPr lang="en-US" altLang="ko-KR" sz="1300" b="0" i="0" u="none" strike="noStrike">
@@ -5327,7 +6342,7 @@
             </a:pPr>
             <a:r>
               <a:rPr lang="ko-KR" altLang="en-US"/>
-              <a:t>마무리로 이번 프로젝트의 기대효과입니다.</a:t>
+              <a:t>끝으로 이번 프로젝트의 기대 효과입니다.</a:t>
             </a:r>
             <a:endParaRPr lang="ko-KR" altLang="en-US"/>
           </a:p>
@@ -5375,7 +6390,7 @@
             </a:pPr>
             <a:r>
               <a:rPr lang="ko-KR" altLang="en-US"/>
-              <a:t>발생한 문제에 대한 신속한 대응이 가능합니다.</a:t>
+              <a:t>발생한 문제에 대한 신속한 대응이 가능할 것으로 예상됩니다.</a:t>
             </a:r>
             <a:endParaRPr lang="ko-KR" altLang="en-US"/>
           </a:p>
@@ -5391,7 +6406,7 @@
             </a:pPr>
             <a:r>
               <a:rPr lang="ko-KR" altLang="en-US"/>
-              <a:t>궁극적으로</a:t>
+              <a:t>더 나아가</a:t>
             </a:r>
             <a:r>
               <a:rPr lang="en-US" altLang="ko-KR"/>
@@ -5399,7 +6414,7 @@
             </a:r>
             <a:r>
               <a:rPr lang="ko-KR" altLang="en-US"/>
-              <a:t> 효율이 좋은 장비를 고안하는데도 기여할 수 있을 것으로 기대됩니다</a:t>
+              <a:t> 효율이 좋은 장비를 고안 및 설계 하는 것에도 기여할 수 있을 것으로 기대됩니다</a:t>
             </a:r>
             <a:r>
               <a:rPr lang="en-US" altLang="ko-KR"/>
@@ -5521,15 +6536,15 @@
             </a:r>
             <a:r>
               <a:rPr lang="en-US" altLang="ko-KR"/>
-              <a:t>A</a:t>
+              <a:t>1</a:t>
             </a:r>
             <a:r>
               <a:rPr lang="ko-KR" altLang="en-US"/>
-              <a:t>조 </a:t>
+              <a:t>조의 </a:t>
             </a:r>
             <a:r>
               <a:rPr lang="en-US" altLang="ko-KR"/>
-              <a:t>FAB SOLO </a:t>
+              <a:t>‘FAB SOLO’ </a:t>
             </a:r>
             <a:r>
               <a:rPr lang="ko-KR" altLang="en-US"/>
@@ -5711,21 +6726,31 @@
             </a:r>
             <a:r>
               <a:rPr lang="ko-KR" altLang="en-US"/>
-              <a:t> 설계를 진행하였고 </a:t>
-            </a:r>
-            <a:endParaRPr lang="ko-KR" altLang="en-US"/>
-          </a:p>
-          <a:p>
-            <a:pPr>
-              <a:defRPr/>
-            </a:pPr>
+              <a:t> 설계를 진행하였고</a:t>
+            </a:r>
+            <a:r>
+              <a:rPr lang="en-US" altLang="ko-KR"/>
+              <a:t>,</a:t>
+            </a:r>
+            <a:r>
+              <a:rPr lang="ko-KR" altLang="en-US"/>
+              <a:t> </a:t>
+            </a:r>
+            <a:r>
+              <a:rPr lang="en-US" altLang="ko-KR"/>
+              <a:t>Main UI</a:t>
+            </a:r>
+            <a:r>
+              <a:rPr lang="ko-KR" altLang="en-US"/>
+              <a:t>에 들어갈 </a:t>
+            </a:r>
             <a:r>
               <a:rPr lang="en-US" altLang="ko-KR"/>
               <a:t>Machine UI</a:t>
             </a:r>
             <a:r>
               <a:rPr lang="ko-KR" altLang="en-US"/>
-              <a:t>에 들어갈 그림을 제작하였습니다</a:t>
+              <a:t>용 그림을 제작하였습니다</a:t>
             </a:r>
             <a:r>
               <a:rPr lang="en-US" altLang="ko-KR"/>
@@ -5753,15 +6778,7 @@
             </a:r>
             <a:r>
               <a:rPr lang="ko-KR" altLang="en-US"/>
-              <a:t> 완성된 </a:t>
-            </a:r>
-            <a:r>
-              <a:rPr lang="en-US" altLang="ko-KR"/>
-              <a:t>Machine UI</a:t>
-            </a:r>
-            <a:r>
-              <a:rPr lang="ko-KR" altLang="en-US"/>
-              <a:t>와 </a:t>
+              <a:t> 완성된 그림과 </a:t>
             </a:r>
             <a:r>
               <a:rPr lang="en-US" altLang="ko-KR"/>
@@ -5769,7 +6786,7 @@
             </a:r>
             <a:r>
               <a:rPr lang="ko-KR" altLang="en-US"/>
-              <a:t>를 결합하는 작업을 진행하였습니다</a:t>
+              <a:t>를 결합하는 과정을 진행하였습니다</a:t>
             </a:r>
             <a:r>
               <a:rPr lang="en-US" altLang="ko-KR"/>
@@ -5789,6 +6806,14 @@
             </a:pPr>
             <a:r>
               <a:rPr lang="ko-KR" altLang="en-US"/>
+              <a:t>다음</a:t>
+            </a:r>
+            <a:r>
+              <a:rPr lang="en-US" altLang="ko-KR"/>
+              <a:t> </a:t>
+            </a:r>
+            <a:r>
+              <a:rPr lang="ko-KR" altLang="en-US"/>
               <a:t>계민석 팀원은 공정에 적합한 스레드를 구현하여 </a:t>
             </a:r>
             <a:r>
@@ -5825,7 +6850,7 @@
             </a:pPr>
             <a:r>
               <a:rPr lang="ko-KR" altLang="en-US"/>
-              <a:t>그리고 저는 </a:t>
+              <a:t>그리고 조장 한성현은 </a:t>
             </a:r>
             <a:r>
               <a:rPr lang="en-US" altLang="ko-KR"/>
@@ -5837,11 +6862,11 @@
             </a:r>
             <a:r>
               <a:rPr lang="en-US" altLang="ko-KR"/>
-              <a:t>Save,</a:t>
+              <a:t>Save </a:t>
             </a:r>
             <a:r>
               <a:rPr lang="ko-KR" altLang="en-US"/>
-              <a:t>  </a:t>
+              <a:t>및 </a:t>
             </a:r>
             <a:r>
               <a:rPr lang="en-US" altLang="ko-KR"/>
@@ -5860,6 +6885,12 @@
               <a:t> </a:t>
             </a:r>
             <a:endParaRPr lang="ko-KR" altLang="en-US"/>
+          </a:p>
+          <a:p>
+            <a:pPr>
+              <a:defRPr/>
+            </a:pPr>
+            <a:endParaRPr lang="en-US" altLang="ko-KR"/>
           </a:p>
           <a:p>
             <a:pPr>
@@ -5991,7 +7022,7 @@
               <a:rPr lang="ko-KR" altLang="en-US" sz="1300">
                 <a:latin typeface="맑은 고딕"/>
               </a:rPr>
-              <a:t>저희는 팀원 본 프로젝트를 다음과 같은 환경과 도구를 이용하여 제작하였습니다</a:t>
+              <a:t>저희는 본 프로젝트를 다음과 같은 환경과 도구를 이용하여 제작하였습니다</a:t>
             </a:r>
             <a:r>
               <a:rPr lang="en-US" altLang="ko-KR" sz="1300">
@@ -6093,7 +7124,31 @@
               <a:rPr lang="ko-KR" altLang="en-US" sz="1300">
                 <a:latin typeface="맑은 고딕"/>
               </a:rPr>
-              <a:t>장비를 구입하는데 있어 장비의 스펙을 확인하는 것은 고객에게 있어 중요한 사항입니다.</a:t>
+              <a:t>장비를 구입하는데 있어</a:t>
+            </a:r>
+            <a:r>
+              <a:rPr lang="en-US" altLang="ko-KR" sz="1300">
+                <a:latin typeface="맑은 고딕"/>
+              </a:rPr>
+              <a:t>, </a:t>
+            </a:r>
+            <a:r>
+              <a:rPr lang="ko-KR" altLang="en-US" sz="1300">
+                <a:latin typeface="맑은 고딕"/>
+              </a:rPr>
+              <a:t>장비의 스펙을 확인하는 것은</a:t>
+            </a:r>
+            <a:r>
+              <a:rPr lang="en-US" altLang="ko-KR" sz="1300">
+                <a:latin typeface="맑은 고딕"/>
+              </a:rPr>
+              <a:t>,</a:t>
+            </a:r>
+            <a:r>
+              <a:rPr lang="ko-KR" altLang="en-US" sz="1300">
+                <a:latin typeface="맑은 고딕"/>
+              </a:rPr>
+              <a:t> 고객에게 중요한 사항입니다.</a:t>
             </a:r>
             <a:endParaRPr lang="ko-KR" altLang="en-US" sz="1300">
               <a:latin typeface="맑은 고딕"/>
@@ -6103,6 +7158,14 @@
             <a:pPr lvl="0">
               <a:defRPr/>
             </a:pPr>
+            <a:endParaRPr lang="en-US" altLang="ko-KR" sz="1300">
+              <a:latin typeface="맑은 고딕"/>
+            </a:endParaRPr>
+          </a:p>
+          <a:p>
+            <a:pPr lvl="0">
+              <a:defRPr/>
+            </a:pPr>
             <a:r>
               <a:rPr lang="ko-KR" altLang="en-US" sz="1300">
                 <a:latin typeface="맑은 고딕"/>
@@ -6117,6 +7180,14 @@
             <a:pPr lvl="0">
               <a:defRPr/>
             </a:pPr>
+            <a:endParaRPr lang="en-US" altLang="ko-KR" sz="1300">
+              <a:latin typeface="맑은 고딕"/>
+            </a:endParaRPr>
+          </a:p>
+          <a:p>
+            <a:pPr lvl="0">
+              <a:defRPr/>
+            </a:pPr>
             <a:r>
               <a:rPr lang="ko-KR" altLang="en-US" sz="1300">
                 <a:latin typeface="맑은 고딕"/>
@@ -6131,6 +7202,14 @@
             <a:pPr lvl="0">
               <a:defRPr/>
             </a:pPr>
+            <a:endParaRPr lang="en-US" altLang="ko-KR" sz="1300">
+              <a:latin typeface="맑은 고딕"/>
+            </a:endParaRPr>
+          </a:p>
+          <a:p>
+            <a:pPr lvl="0">
+              <a:defRPr/>
+            </a:pPr>
             <a:r>
               <a:rPr lang="ko-KR" altLang="en-US" sz="1300">
                 <a:latin typeface="맑은 고딕"/>
@@ -6145,11 +7224,31 @@
             <a:pPr lvl="0">
               <a:defRPr/>
             </a:pPr>
+            <a:endParaRPr lang="en-US" altLang="ko-KR" sz="1300">
+              <a:latin typeface="맑은 고딕"/>
+            </a:endParaRPr>
+          </a:p>
+          <a:p>
+            <a:pPr lvl="0">
+              <a:defRPr/>
+            </a:pPr>
             <a:r>
               <a:rPr lang="ko-KR" altLang="en-US" sz="1300">
                 <a:latin typeface="맑은 고딕"/>
               </a:rPr>
-              <a:t>그리고 이를 충족하기에 적합한 시뮬레이터가 바로 저희가 설계한 ‘Fab SOLO’ 입니다.</a:t>
+              <a:t>그리고 이를 충족하기에 적합한 시뮬레이터가 바로 저희가 설계한 ‘F</a:t>
+            </a:r>
+            <a:r>
+              <a:rPr lang="en-US" altLang="ko-KR" sz="1300">
+                <a:latin typeface="맑은 고딕"/>
+              </a:rPr>
+              <a:t>AB</a:t>
+            </a:r>
+            <a:r>
+              <a:rPr lang="ko-KR" altLang="en-US" sz="1300">
+                <a:latin typeface="맑은 고딕"/>
+              </a:rPr>
+              <a:t> SOLO’ 입니다.</a:t>
             </a:r>
             <a:endParaRPr lang="ko-KR" altLang="en-US" sz="1300">
               <a:latin typeface="맑은 고딕"/>
@@ -6272,7 +7371,7 @@
               <a:rPr lang="ko-KR" altLang="en-US" sz="1300">
                 <a:latin typeface="맑은 고딕"/>
               </a:rPr>
-              <a:t>다음으로 스레드의 구성에 대해 말씀드리겠습니다</a:t>
+              <a:t>다음으로 스레드의 구성에 대해 설명 드리겠습니다</a:t>
             </a:r>
             <a:r>
               <a:rPr lang="en-US" altLang="ko-KR" sz="1300">
@@ -6318,7 +7417,7 @@
               <a:rPr lang="ko-KR" altLang="en-US" sz="1300">
                 <a:latin typeface="맑은 고딕"/>
               </a:rPr>
-              <a:t>본 프로젝트는 </a:t>
+              <a:t>해당 시뮬레이터는 총 </a:t>
             </a:r>
             <a:r>
               <a:rPr lang="en-US" altLang="ko-KR" sz="1300">
@@ -6330,7 +7429,7 @@
               <a:rPr lang="ko-KR" altLang="en-US" sz="1300">
                 <a:latin typeface="맑은 고딕"/>
               </a:rPr>
-              <a:t>개의 스레드로 구성되어있습니다</a:t>
+              <a:t>개의 스레드로 구성 되어 있습니다</a:t>
             </a:r>
             <a:r>
               <a:rPr lang="en-US" altLang="ko-KR" sz="1300">
@@ -6596,7 +7695,31 @@
               <a:rPr lang="ko-KR" altLang="en-US" sz="1300">
                 <a:latin typeface="맑은 고딕"/>
               </a:rPr>
-              <a:t>‘Time 쓰레드’는 동작한 총 시간과 Clean 공정을 진행한 시간을 측정하여 최종 Throughput을 연산합니다.</a:t>
+              <a:t>다음으로 ‘Time 스레드’는 동작한 총 시간과</a:t>
+            </a:r>
+            <a:r>
+              <a:rPr lang="en-US" altLang="ko-KR" sz="1300">
+                <a:latin typeface="맑은 고딕"/>
+              </a:rPr>
+              <a:t>,</a:t>
+            </a:r>
+            <a:r>
+              <a:rPr lang="ko-KR" altLang="en-US" sz="1300">
+                <a:latin typeface="맑은 고딕"/>
+              </a:rPr>
+              <a:t> Clean 공정을 진행한 시간을 측정하여</a:t>
+            </a:r>
+            <a:r>
+              <a:rPr lang="en-US" altLang="ko-KR" sz="1300">
+                <a:latin typeface="맑은 고딕"/>
+              </a:rPr>
+              <a:t>,</a:t>
+            </a:r>
+            <a:r>
+              <a:rPr lang="ko-KR" altLang="en-US" sz="1300">
+                <a:latin typeface="맑은 고딕"/>
+              </a:rPr>
+              <a:t> 최종 Throughput을 연산합니다.</a:t>
             </a:r>
             <a:endParaRPr lang="ko-KR" altLang="en-US" sz="1300">
               <a:latin typeface="맑은 고딕"/>
@@ -6711,7 +7834,7 @@
               <a:rPr lang="ko-KR" altLang="en-US" sz="1300">
                 <a:latin typeface="맑은 고딕"/>
               </a:rPr>
-              <a:t>보이시는 바와 같이 </a:t>
+              <a:t>보시는 바와 같이 </a:t>
             </a:r>
             <a:r>
               <a:rPr lang="en-US" altLang="ko-KR" sz="1300">
@@ -6723,7 +7846,7 @@
               <a:rPr lang="ko-KR" altLang="en-US" sz="1300">
                 <a:latin typeface="맑은 고딕"/>
               </a:rPr>
-              <a:t>개의 스레드는 웨이퍼의 이동을 담당하는 스레드입니다</a:t>
+              <a:t>개의 스레드는 모듈 별 웨이퍼의 이동을 담당하는 스레드입니다</a:t>
             </a:r>
             <a:r>
               <a:rPr lang="en-US" altLang="ko-KR" sz="1300">
@@ -6769,7 +7892,7 @@
               <a:rPr lang="ko-KR" altLang="en-US" sz="1300">
                 <a:latin typeface="맑은 고딕"/>
               </a:rPr>
-              <a:t>실제로 공정장비에서도 웨이퍼는 </a:t>
+              <a:t>실제 공정장비에서 웨이퍼는 크게 </a:t>
             </a:r>
             <a:r>
               <a:rPr lang="en-US" altLang="ko-KR" sz="1300">
@@ -6829,7 +7952,7 @@
               <a:rPr lang="ko-KR" altLang="en-US" sz="1300">
                 <a:latin typeface="맑은 고딕"/>
               </a:rPr>
-              <a:t> 이 </a:t>
+              <a:t> 이렇게 </a:t>
             </a:r>
             <a:r>
               <a:rPr lang="en-US" altLang="ko-KR" sz="1300">
@@ -6841,43 +7964,7 @@
               <a:rPr lang="ko-KR" altLang="en-US" sz="1300">
                 <a:latin typeface="맑은 고딕"/>
               </a:rPr>
-              <a:t>개의 공간으로 </a:t>
-            </a:r>
-            <a:r>
-              <a:rPr lang="en-US" altLang="ko-KR" sz="1300">
-                <a:latin typeface="맑은 고딕"/>
-              </a:rPr>
-              <a:t>ATM</a:t>
-            </a:r>
-            <a:r>
-              <a:rPr lang="ko-KR" altLang="en-US" sz="1300">
-                <a:latin typeface="맑은 고딕"/>
-              </a:rPr>
-              <a:t> </a:t>
-            </a:r>
-            <a:r>
-              <a:rPr lang="en-US" altLang="ko-KR" sz="1300">
-                <a:latin typeface="맑은 고딕"/>
-              </a:rPr>
-              <a:t>ARM</a:t>
-            </a:r>
-            <a:r>
-              <a:rPr lang="ko-KR" altLang="en-US" sz="1300">
-                <a:latin typeface="맑은 고딕"/>
-              </a:rPr>
-              <a:t>과 </a:t>
-            </a:r>
-            <a:r>
-              <a:rPr lang="en-US" altLang="ko-KR" sz="1300">
-                <a:latin typeface="맑은 고딕"/>
-              </a:rPr>
-              <a:t>VAC ARM</a:t>
-            </a:r>
-            <a:r>
-              <a:rPr lang="ko-KR" altLang="en-US" sz="1300">
-                <a:latin typeface="맑은 고딕"/>
-              </a:rPr>
-              <a:t>을 통해서 이동을 하는데요</a:t>
+              <a:t>개의 모듈을 거쳐 이동하게 됩니다</a:t>
             </a:r>
             <a:r>
               <a:rPr lang="en-US" altLang="ko-KR" sz="1300">
@@ -6923,7 +8010,7 @@
               <a:rPr lang="ko-KR" altLang="en-US" sz="1300">
                 <a:latin typeface="맑은 고딕"/>
               </a:rPr>
-              <a:t>위 </a:t>
+              <a:t>그리고 위 </a:t>
             </a:r>
             <a:r>
               <a:rPr lang="en-US" altLang="ko-KR" sz="1300">
@@ -6935,19 +8022,7 @@
               <a:rPr lang="ko-KR" altLang="en-US" sz="1300">
                 <a:latin typeface="맑은 고딕"/>
               </a:rPr>
-              <a:t>개의 스레드가 </a:t>
-            </a:r>
-            <a:r>
-              <a:rPr lang="en-US" altLang="ko-KR" sz="1300">
-                <a:latin typeface="맑은 고딕"/>
-              </a:rPr>
-              <a:t>ARM</a:t>
-            </a:r>
-            <a:r>
-              <a:rPr lang="ko-KR" altLang="en-US" sz="1300">
-                <a:latin typeface="맑은 고딕"/>
-              </a:rPr>
-              <a:t>의 역할을 하고있는 것입니다</a:t>
+              <a:t>개의 스레드가 모듈 간의 연결고리 역할을 하도록 설계하였습니다</a:t>
             </a:r>
             <a:r>
               <a:rPr lang="en-US" altLang="ko-KR" sz="1300">
@@ -13105,7 +14180,7 @@
     <mc:Choice Requires="p14">
       <p:transition/>
     </mc:Choice>
-    <mc:Fallback xmlns:dsp="http://schemas.microsoft.com/office/drawing/2008/diagram" xmlns:dgm="http://schemas.openxmlformats.org/drawingml/2006/diagram" xmlns:c="http://schemas.openxmlformats.org/drawingml/2006/chart" xmlns="">
+    <mc:Fallback xmlns="" xmlns:c="http://schemas.openxmlformats.org/drawingml/2006/chart" xmlns:dgm="http://schemas.openxmlformats.org/drawingml/2006/diagram" xmlns:dsp="http://schemas.microsoft.com/office/drawing/2008/diagram">
       <p:transition/>
     </mc:Fallback>
   </mc:AlternateContent>
@@ -15827,7 +16902,7 @@
     <mc:Choice Requires="p14">
       <p:transition spd="slow"/>
     </mc:Choice>
-    <mc:Fallback xmlns:dsp="http://schemas.microsoft.com/office/drawing/2008/diagram" xmlns:dgm="http://schemas.openxmlformats.org/drawingml/2006/diagram" xmlns:c="http://schemas.openxmlformats.org/drawingml/2006/chart" xmlns="">
+    <mc:Fallback xmlns="" xmlns:c="http://schemas.openxmlformats.org/drawingml/2006/chart" xmlns:dgm="http://schemas.openxmlformats.org/drawingml/2006/diagram" xmlns:dsp="http://schemas.microsoft.com/office/drawing/2008/diagram">
       <p:transition/>
     </mc:Fallback>
   </mc:AlternateContent>
@@ -17628,7 +18703,7 @@
     <mc:Choice Requires="p14">
       <p:transition/>
     </mc:Choice>
-    <mc:Fallback xmlns:dsp="http://schemas.microsoft.com/office/drawing/2008/diagram" xmlns:dgm="http://schemas.openxmlformats.org/drawingml/2006/diagram" xmlns:c="http://schemas.openxmlformats.org/drawingml/2006/chart" xmlns="">
+    <mc:Fallback xmlns="" xmlns:c="http://schemas.openxmlformats.org/drawingml/2006/chart" xmlns:dgm="http://schemas.openxmlformats.org/drawingml/2006/diagram" xmlns:dsp="http://schemas.microsoft.com/office/drawing/2008/diagram">
       <p:transition/>
     </mc:Fallback>
   </mc:AlternateContent>
@@ -17714,7 +18789,7 @@
 </file>
 
 <file path=ppt/slides/slide14.xml><?xml version="1.0" encoding="utf-8"?>
-<p:sld xmlns:a="http://schemas.openxmlformats.org/drawingml/2006/main" xmlns:r="http://schemas.openxmlformats.org/officeDocument/2006/relationships" xmlns:p="http://schemas.openxmlformats.org/presentationml/2006/main">
+<p:sld xmlns:r="http://schemas.openxmlformats.org/officeDocument/2006/relationships" xmlns:c="http://schemas.openxmlformats.org/drawingml/2006/chart" xmlns:a="http://schemas.openxmlformats.org/drawingml/2006/main" xmlns:dgm="http://schemas.openxmlformats.org/drawingml/2006/diagram" xmlns:dsp="http://schemas.microsoft.com/office/drawing/2008/diagram" xmlns:p="http://schemas.openxmlformats.org/presentationml/2006/main">
   <p:cSld>
     <p:spTree>
       <p:nvGrpSpPr>
@@ -17738,7 +18813,7 @@
         </p:nvSpPr>
         <p:spPr>
           <a:xfrm>
-            <a:off x="321421" y="973267"/>
+            <a:off x="321421" y="914652"/>
             <a:ext cx="2509274" cy="870564"/>
           </a:xfrm>
           <a:prstGeom prst="roundRect">
@@ -17748,9 +18823,7 @@
           </a:prstGeom>
           <a:noFill/>
           <a:ln w="38100">
-            <a:solidFill>
-              <a:schemeClr val="tx1"/>
-            </a:solidFill>
+            <a:noFill/>
             <a:miter/>
           </a:ln>
         </p:spPr>
@@ -17758,7 +18831,7 @@
           <a:bodyPr anchor="ctr"/>
           <a:lstStyle/>
           <a:p>
-            <a:pPr algn="ctr">
+            <a:pPr>
               <a:lnSpc>
                 <a:spcPct val="150000"/>
               </a:lnSpc>
@@ -17767,20 +18840,20 @@
               <a:defRPr/>
             </a:pPr>
             <a:r>
-              <a:rPr lang="ko-KR" altLang="en-US" sz="2500">
+              <a:rPr lang="ko-KR" altLang="en-US" sz="3200" b="1">
                 <a:latin typeface="맑은 고딕"/>
                 <a:cs typeface="Arial Unicode MS"/>
               </a:rPr>
               <a:t>기존 </a:t>
             </a:r>
             <a:r>
-              <a:rPr lang="en-US" altLang="ko-KR" sz="2500">
+              <a:rPr lang="en-US" altLang="ko-KR" sz="3200" b="1">
                 <a:latin typeface="맑은 고딕"/>
                 <a:cs typeface="Arial Unicode MS"/>
               </a:rPr>
               <a:t>UI</a:t>
             </a:r>
-            <a:endParaRPr lang="ko-KR" altLang="en-US" sz="2500">
+            <a:endParaRPr lang="ko-KR" altLang="en-US" sz="3200" b="1">
               <a:solidFill>
                 <a:schemeClr val="tx1"/>
               </a:solidFill>
@@ -17807,7 +18880,7 @@
         <p:spPr>
           <a:xfrm>
             <a:off x="321421" y="1877453"/>
-            <a:ext cx="5448272" cy="4130028"/>
+            <a:ext cx="5448272" cy="4315682"/>
           </a:xfrm>
           <a:prstGeom prst="rect">
             <a:avLst/>
@@ -17822,7 +18895,7 @@
         </p:nvSpPr>
         <p:spPr>
           <a:xfrm>
-            <a:off x="6006604" y="931678"/>
+            <a:off x="6006604" y="873063"/>
             <a:ext cx="2509274" cy="870564"/>
           </a:xfrm>
           <a:prstGeom prst="roundRect">
@@ -17832,9 +18905,7 @@
           </a:prstGeom>
           <a:noFill/>
           <a:ln w="38100">
-            <a:solidFill>
-              <a:schemeClr val="tx1"/>
-            </a:solidFill>
+            <a:noFill/>
             <a:miter/>
           </a:ln>
         </p:spPr>
@@ -17842,7 +18913,7 @@
           <a:bodyPr anchor="ctr"/>
           <a:lstStyle/>
           <a:p>
-            <a:pPr algn="ctr">
+            <a:pPr>
               <a:lnSpc>
                 <a:spcPct val="150000"/>
               </a:lnSpc>
@@ -17851,20 +18922,20 @@
               <a:defRPr/>
             </a:pPr>
             <a:r>
-              <a:rPr lang="ko-KR" altLang="en-US" sz="2500">
+              <a:rPr lang="ko-KR" altLang="en-US" sz="3200" b="1">
                 <a:latin typeface="맑은 고딕"/>
                 <a:cs typeface="Arial Unicode MS"/>
               </a:rPr>
               <a:t>신규 </a:t>
             </a:r>
             <a:r>
-              <a:rPr lang="en-US" altLang="ko-KR" sz="2500">
+              <a:rPr lang="en-US" altLang="ko-KR" sz="3200" b="1">
                 <a:latin typeface="맑은 고딕"/>
                 <a:cs typeface="Arial Unicode MS"/>
               </a:rPr>
               <a:t>UI</a:t>
             </a:r>
-            <a:endParaRPr lang="ko-KR" altLang="en-US" sz="2500">
+            <a:endParaRPr lang="ko-KR" altLang="en-US" sz="3200" b="1">
               <a:solidFill>
                 <a:schemeClr val="tx1"/>
               </a:solidFill>
@@ -17910,12 +18981,18 @@
             <a:r>
               <a:rPr kumimoji="0" lang="en-US" altLang="ko-KR" sz="1200" b="0" i="0" u="none" strike="noStrike" kern="1200" cap="none" spc="0" normalizeH="0" baseline="0">
                 <a:solidFill>
-                  <a:srgbClr val="FFFFFF"/>
+                  <a:srgbClr val="ffffff"/>
                 </a:solidFill>
                 <a:latin typeface="맑은 고딕"/>
               </a:rPr>
               <a:t>8</a:t>
             </a:r>
+            <a:endParaRPr kumimoji="0" lang="en-US" altLang="ko-KR" sz="1200" b="0" i="0" u="none" strike="noStrike" kern="1200" cap="none" spc="0" normalizeH="0" baseline="0">
+              <a:solidFill>
+                <a:srgbClr val="ffffff"/>
+              </a:solidFill>
+              <a:latin typeface="맑은 고딕"/>
+            </a:endParaRPr>
           </a:p>
         </p:txBody>
       </p:sp>
@@ -18017,6 +19094,13 @@
               </a:rPr>
               <a:t>구성</a:t>
             </a:r>
+            <a:endParaRPr kumimoji="0" lang="ko-KR" altLang="en-US" sz="2800" b="1" i="0" u="none" strike="noStrike" kern="1200" cap="none" spc="0" normalizeH="0" baseline="0">
+              <a:solidFill>
+                <a:srgbClr val="000000"/>
+              </a:solidFill>
+              <a:latin typeface="맑은 고딕"/>
+              <a:cs typeface="맑은 고딕"/>
+            </a:endParaRPr>
           </a:p>
         </p:txBody>
       </p:sp>
@@ -18025,11 +19109,11 @@
   <p:clrMapOvr>
     <a:masterClrMapping/>
   </p:clrMapOvr>
-  <mc:AlternateContent xmlns:mc="http://schemas.openxmlformats.org/markup-compatibility/2006" xmlns:p14="http://schemas.microsoft.com/office/powerpoint/2010/main">
-    <mc:Choice Requires="p14">
-      <p:transition/>
+  <mc:AlternateContent xmlns:mc="http://schemas.openxmlformats.org/markup-compatibility/2006">
+    <mc:Choice xmlns:p14="http://schemas.microsoft.com/office/powerpoint/2010/main" Requires="p14">
+      <p:transition xmlns:mc="http://schemas.openxmlformats.org/markup-compatibility/2006" xmlns:p14="http://schemas.microsoft.com/office/powerpoint/2010/main" mc:Ignorable="p14" p14:dur="500"/>
     </mc:Choice>
-    <mc:Fallback xmlns:dsp="http://schemas.microsoft.com/office/drawing/2008/diagram" xmlns:dgm="http://schemas.openxmlformats.org/drawingml/2006/diagram" xmlns:c="http://schemas.openxmlformats.org/drawingml/2006/chart" xmlns="">
+    <mc:Fallback>
       <p:transition/>
     </mc:Fallback>
   </mc:AlternateContent>
@@ -19111,7 +20195,7 @@
     <mc:Choice Requires="p14">
       <p:transition/>
     </mc:Choice>
-    <mc:Fallback xmlns:dsp="http://schemas.microsoft.com/office/drawing/2008/diagram" xmlns:dgm="http://schemas.openxmlformats.org/drawingml/2006/diagram" xmlns:c="http://schemas.openxmlformats.org/drawingml/2006/chart" xmlns="">
+    <mc:Fallback xmlns="" xmlns:c="http://schemas.openxmlformats.org/drawingml/2006/chart" xmlns:dgm="http://schemas.openxmlformats.org/drawingml/2006/diagram" xmlns:dsp="http://schemas.microsoft.com/office/drawing/2008/diagram">
       <p:transition/>
     </mc:Fallback>
   </mc:AlternateContent>
@@ -19429,7 +20513,7 @@
     <mc:Choice Requires="p14">
       <p:transition/>
     </mc:Choice>
-    <mc:Fallback xmlns:dsp="http://schemas.microsoft.com/office/drawing/2008/diagram" xmlns:dgm="http://schemas.openxmlformats.org/drawingml/2006/diagram" xmlns:c="http://schemas.openxmlformats.org/drawingml/2006/chart" xmlns="">
+    <mc:Fallback xmlns="" xmlns:c="http://schemas.openxmlformats.org/drawingml/2006/chart" xmlns:dgm="http://schemas.openxmlformats.org/drawingml/2006/diagram" xmlns:dsp="http://schemas.microsoft.com/office/drawing/2008/diagram">
       <p:transition/>
     </mc:Fallback>
   </mc:AlternateContent>
@@ -19887,7 +20971,7 @@
     <mc:Choice Requires="p14">
       <p:transition/>
     </mc:Choice>
-    <mc:Fallback xmlns:dsp="http://schemas.microsoft.com/office/drawing/2008/diagram" xmlns:dgm="http://schemas.openxmlformats.org/drawingml/2006/diagram" xmlns:c="http://schemas.openxmlformats.org/drawingml/2006/chart" xmlns="">
+    <mc:Fallback xmlns="" xmlns:c="http://schemas.openxmlformats.org/drawingml/2006/chart" xmlns:dgm="http://schemas.openxmlformats.org/drawingml/2006/diagram" xmlns:dsp="http://schemas.microsoft.com/office/drawing/2008/diagram">
       <p:transition/>
     </mc:Fallback>
   </mc:AlternateContent>
@@ -20173,7 +21257,7 @@
     <mc:Choice Requires="p14">
       <p:transition p14:dur="10"/>
     </mc:Choice>
-    <mc:Fallback xmlns:dsp="http://schemas.microsoft.com/office/drawing/2008/diagram" xmlns:dgm="http://schemas.openxmlformats.org/drawingml/2006/diagram" xmlns:c="http://schemas.openxmlformats.org/drawingml/2006/chart" xmlns="">
+    <mc:Fallback xmlns="" xmlns:c="http://schemas.openxmlformats.org/drawingml/2006/chart" xmlns:dgm="http://schemas.openxmlformats.org/drawingml/2006/diagram" xmlns:dsp="http://schemas.microsoft.com/office/drawing/2008/diagram">
       <p:transition/>
     </mc:Fallback>
   </mc:AlternateContent>
@@ -20181,7 +21265,7 @@
 </file>
 
 <file path=ppt/slides/slide19.xml><?xml version="1.0" encoding="utf-8"?>
-<p:sld xmlns:a="http://schemas.openxmlformats.org/drawingml/2006/main" xmlns:r="http://schemas.openxmlformats.org/officeDocument/2006/relationships" xmlns:p="http://schemas.openxmlformats.org/presentationml/2006/main">
+<p:sld xmlns:r="http://schemas.openxmlformats.org/officeDocument/2006/relationships" xmlns:c="http://schemas.openxmlformats.org/drawingml/2006/chart" xmlns:a="http://schemas.openxmlformats.org/drawingml/2006/main" xmlns:dgm="http://schemas.openxmlformats.org/drawingml/2006/diagram" xmlns:dsp="http://schemas.microsoft.com/office/drawing/2008/diagram" xmlns:p="http://schemas.openxmlformats.org/presentationml/2006/main">
   <p:cSld>
     <p:spTree>
       <p:nvGrpSpPr>
@@ -20236,7 +21320,7 @@
             <a:avLst/>
           </a:prstGeom>
           <a:solidFill>
-            <a:srgbClr val="1A141C">
+            <a:srgbClr val="1a141c">
               <a:alpha val="55690"/>
             </a:srgbClr>
           </a:solidFill>
@@ -20300,6 +21384,7 @@
               <a:rPr lang="en-US" altLang="ko-KR"/>
               <a:t>12</a:t>
             </a:r>
+            <a:endParaRPr lang="en-US" altLang="ko-KR"/>
           </a:p>
         </p:txBody>
       </p:sp>
@@ -20320,7 +21405,7 @@
           <a:noFill/>
           <a:ln w="63500">
             <a:solidFill>
-              <a:srgbClr val="FF00FF"/>
+              <a:srgbClr val="ff00ff"/>
             </a:solidFill>
             <a:miter/>
           </a:ln>
@@ -20348,233 +21433,218 @@
           </a:p>
         </p:txBody>
       </p:sp>
-      <p:grpSp>
-        <p:nvGrpSpPr>
-          <p:cNvPr id="3" name="그룹 2"/>
-          <p:cNvGrpSpPr/>
+      <p:pic>
+        <p:nvPicPr>
+          <p:cNvPr id="4" name="그림 3"/>
+          <p:cNvPicPr>
+            <a:picLocks noChangeAspect="1"/>
+          </p:cNvPicPr>
           <p:nvPr/>
-        </p:nvGrpSpPr>
-        <p:grpSpPr>
-          <a:xfrm>
-            <a:off x="4593824" y="2919915"/>
-            <a:ext cx="7598176" cy="3258476"/>
-            <a:chOff x="5081929" y="2397607"/>
-            <a:chExt cx="6616735" cy="3258476"/>
-          </a:xfrm>
-        </p:grpSpPr>
-        <p:pic>
-          <p:nvPicPr>
-            <p:cNvPr id="4" name="그림 3"/>
-            <p:cNvPicPr>
-              <a:picLocks noChangeAspect="1"/>
-            </p:cNvPicPr>
-            <p:nvPr/>
-          </p:nvPicPr>
-          <p:blipFill rotWithShape="1">
-            <a:blip r:embed="rId4"/>
-            <a:stretch>
-              <a:fillRect/>
-            </a:stretch>
-          </p:blipFill>
-          <p:spPr>
-            <a:xfrm>
-              <a:off x="5081930" y="2397607"/>
-              <a:ext cx="6616734" cy="3258476"/>
-            </a:xfrm>
-            <a:prstGeom prst="rect">
-              <a:avLst/>
-            </a:prstGeom>
-          </p:spPr>
-        </p:pic>
-        <p:sp>
-          <p:nvSpPr>
-            <p:cNvPr id="27" name="사각형: 둥근 모서리 26"/>
-            <p:cNvSpPr/>
-            <p:nvPr/>
-          </p:nvSpPr>
-          <p:spPr>
-            <a:xfrm>
-              <a:off x="5081930" y="2547258"/>
-              <a:ext cx="898992" cy="401217"/>
-            </a:xfrm>
-            <a:prstGeom prst="roundRect">
-              <a:avLst>
-                <a:gd name="adj" fmla="val 16667"/>
-              </a:avLst>
-            </a:prstGeom>
-            <a:noFill/>
-            <a:ln w="28575">
+        </p:nvPicPr>
+        <p:blipFill rotWithShape="1">
+          <a:blip r:embed="rId4"/>
+          <a:stretch>
+            <a:fillRect/>
+          </a:stretch>
+        </p:blipFill>
+        <p:spPr>
+          <a:xfrm>
+            <a:off x="4593825" y="2919915"/>
+            <a:ext cx="7598175" cy="3258476"/>
+          </a:xfrm>
+          <a:prstGeom prst="rect">
+            <a:avLst/>
+          </a:prstGeom>
+        </p:spPr>
+      </p:pic>
+      <p:sp>
+        <p:nvSpPr>
+          <p:cNvPr id="27" name="사각형: 둥근 모서리 26"/>
+          <p:cNvSpPr/>
+          <p:nvPr/>
+        </p:nvSpPr>
+        <p:spPr>
+          <a:xfrm>
+            <a:off x="4593825" y="3069566"/>
+            <a:ext cx="1032336" cy="401217"/>
+          </a:xfrm>
+          <a:prstGeom prst="roundRect">
+            <a:avLst>
+              <a:gd name="adj" fmla="val 16667"/>
+            </a:avLst>
+          </a:prstGeom>
+          <a:noFill/>
+          <a:ln w="28575">
+            <a:solidFill>
+              <a:srgbClr val="ff0000"/>
+            </a:solidFill>
+            <a:miter/>
+          </a:ln>
+        </p:spPr>
+        <p:txBody>
+          <a:bodyPr anchor="ctr"/>
+          <a:lstStyle/>
+          <a:p>
+            <a:pPr algn="l">
+              <a:lnSpc>
+                <a:spcPct val="150000"/>
+              </a:lnSpc>
+              <a:buFontTx/>
+              <a:buNone/>
+              <a:defRPr/>
+            </a:pPr>
+            <a:endParaRPr lang="ko-KR" altLang="en-US">
               <a:solidFill>
-                <a:srgbClr val="FF0000"/>
+                <a:srgbClr val="000099"/>
               </a:solidFill>
-              <a:miter/>
-            </a:ln>
-          </p:spPr>
-          <p:txBody>
-            <a:bodyPr anchor="ctr"/>
-            <a:lstStyle/>
-            <a:p>
-              <a:pPr algn="l">
-                <a:lnSpc>
-                  <a:spcPct val="150000"/>
-                </a:lnSpc>
-                <a:buFontTx/>
-                <a:buNone/>
-                <a:defRPr/>
-              </a:pPr>
-              <a:endParaRPr lang="ko-KR" altLang="en-US">
-                <a:solidFill>
-                  <a:srgbClr val="000099"/>
-                </a:solidFill>
-                <a:latin typeface="+mn-ea"/>
-                <a:ea typeface="+mn-ea"/>
-                <a:cs typeface="Arial Unicode MS"/>
-              </a:endParaRPr>
-            </a:p>
-          </p:txBody>
-        </p:sp>
-        <p:sp>
-          <p:nvSpPr>
-            <p:cNvPr id="28" name="사각형: 둥근 모서리 27"/>
-            <p:cNvSpPr/>
-            <p:nvPr/>
-          </p:nvSpPr>
-          <p:spPr>
-            <a:xfrm>
-              <a:off x="5980921" y="2550368"/>
-              <a:ext cx="1231641" cy="401217"/>
-            </a:xfrm>
-            <a:prstGeom prst="roundRect">
-              <a:avLst>
-                <a:gd name="adj" fmla="val 16667"/>
-              </a:avLst>
-            </a:prstGeom>
-            <a:noFill/>
-            <a:ln w="28575">
+              <a:latin typeface="+mn-ea"/>
+              <a:ea typeface="+mn-ea"/>
+              <a:cs typeface="Arial Unicode MS"/>
+            </a:endParaRPr>
+          </a:p>
+        </p:txBody>
+      </p:sp>
+      <p:sp>
+        <p:nvSpPr>
+          <p:cNvPr id="28" name="사각형: 둥근 모서리 27"/>
+          <p:cNvSpPr/>
+          <p:nvPr/>
+        </p:nvSpPr>
+        <p:spPr>
+          <a:xfrm>
+            <a:off x="5626161" y="3072676"/>
+            <a:ext cx="1414326" cy="401217"/>
+          </a:xfrm>
+          <a:prstGeom prst="roundRect">
+            <a:avLst>
+              <a:gd name="adj" fmla="val 16667"/>
+            </a:avLst>
+          </a:prstGeom>
+          <a:noFill/>
+          <a:ln w="28575">
+            <a:solidFill>
+              <a:srgbClr val="ff0000"/>
+            </a:solidFill>
+            <a:miter/>
+          </a:ln>
+        </p:spPr>
+        <p:txBody>
+          <a:bodyPr anchor="ctr"/>
+          <a:lstStyle/>
+          <a:p>
+            <a:pPr algn="l">
+              <a:lnSpc>
+                <a:spcPct val="150000"/>
+              </a:lnSpc>
+              <a:buFontTx/>
+              <a:buNone/>
+              <a:defRPr/>
+            </a:pPr>
+            <a:endParaRPr lang="ko-KR" altLang="en-US">
               <a:solidFill>
-                <a:srgbClr val="FF0000"/>
+                <a:srgbClr val="000099"/>
               </a:solidFill>
-              <a:miter/>
-            </a:ln>
-          </p:spPr>
-          <p:txBody>
-            <a:bodyPr anchor="ctr"/>
-            <a:lstStyle/>
-            <a:p>
-              <a:pPr algn="l">
-                <a:lnSpc>
-                  <a:spcPct val="150000"/>
-                </a:lnSpc>
-                <a:buFontTx/>
-                <a:buNone/>
-                <a:defRPr/>
-              </a:pPr>
-              <a:endParaRPr lang="ko-KR" altLang="en-US">
-                <a:solidFill>
-                  <a:srgbClr val="000099"/>
-                </a:solidFill>
-                <a:latin typeface="+mn-ea"/>
-                <a:ea typeface="+mn-ea"/>
-                <a:cs typeface="Arial Unicode MS"/>
-              </a:endParaRPr>
-            </a:p>
-          </p:txBody>
-        </p:sp>
-        <p:sp>
-          <p:nvSpPr>
-            <p:cNvPr id="29" name="사각형: 둥근 모서리 28"/>
-            <p:cNvSpPr/>
-            <p:nvPr/>
-          </p:nvSpPr>
-          <p:spPr>
-            <a:xfrm>
-              <a:off x="5081929" y="2984552"/>
-              <a:ext cx="1085605" cy="401217"/>
-            </a:xfrm>
-            <a:prstGeom prst="roundRect">
-              <a:avLst>
-                <a:gd name="adj" fmla="val 16667"/>
-              </a:avLst>
-            </a:prstGeom>
-            <a:noFill/>
-            <a:ln w="28575">
+              <a:latin typeface="+mn-ea"/>
+              <a:ea typeface="+mn-ea"/>
+              <a:cs typeface="Arial Unicode MS"/>
+            </a:endParaRPr>
+          </a:p>
+        </p:txBody>
+      </p:sp>
+      <p:sp>
+        <p:nvSpPr>
+          <p:cNvPr id="29" name="사각형: 둥근 모서리 28"/>
+          <p:cNvSpPr/>
+          <p:nvPr/>
+        </p:nvSpPr>
+        <p:spPr>
+          <a:xfrm>
+            <a:off x="4593824" y="3506860"/>
+            <a:ext cx="1246629" cy="401217"/>
+          </a:xfrm>
+          <a:prstGeom prst="roundRect">
+            <a:avLst>
+              <a:gd name="adj" fmla="val 16667"/>
+            </a:avLst>
+          </a:prstGeom>
+          <a:noFill/>
+          <a:ln w="28575">
+            <a:solidFill>
+              <a:srgbClr val="ff0000"/>
+            </a:solidFill>
+            <a:miter/>
+          </a:ln>
+        </p:spPr>
+        <p:txBody>
+          <a:bodyPr anchor="ctr"/>
+          <a:lstStyle/>
+          <a:p>
+            <a:pPr algn="l">
+              <a:lnSpc>
+                <a:spcPct val="150000"/>
+              </a:lnSpc>
+              <a:buFontTx/>
+              <a:buNone/>
+              <a:defRPr/>
+            </a:pPr>
+            <a:endParaRPr lang="ko-KR" altLang="en-US">
               <a:solidFill>
-                <a:srgbClr val="FF0000"/>
+                <a:srgbClr val="000099"/>
               </a:solidFill>
-              <a:miter/>
-            </a:ln>
-          </p:spPr>
-          <p:txBody>
-            <a:bodyPr anchor="ctr"/>
-            <a:lstStyle/>
-            <a:p>
-              <a:pPr algn="l">
-                <a:lnSpc>
-                  <a:spcPct val="150000"/>
-                </a:lnSpc>
-                <a:buFontTx/>
-                <a:buNone/>
-                <a:defRPr/>
-              </a:pPr>
-              <a:endParaRPr lang="ko-KR" altLang="en-US">
-                <a:solidFill>
-                  <a:srgbClr val="000099"/>
-                </a:solidFill>
-                <a:latin typeface="+mn-ea"/>
-                <a:ea typeface="+mn-ea"/>
-                <a:cs typeface="Arial Unicode MS"/>
-              </a:endParaRPr>
-            </a:p>
-          </p:txBody>
-        </p:sp>
-        <p:sp>
-          <p:nvSpPr>
-            <p:cNvPr id="32" name="사각형: 둥근 모서리 31"/>
-            <p:cNvSpPr/>
-            <p:nvPr/>
-          </p:nvSpPr>
-          <p:spPr>
-            <a:xfrm>
-              <a:off x="6371467" y="2973050"/>
-              <a:ext cx="841095" cy="401217"/>
-            </a:xfrm>
-            <a:prstGeom prst="roundRect">
-              <a:avLst>
-                <a:gd name="adj" fmla="val 16667"/>
-              </a:avLst>
-            </a:prstGeom>
-            <a:noFill/>
-            <a:ln w="28575">
+              <a:latin typeface="+mn-ea"/>
+              <a:ea typeface="+mn-ea"/>
+              <a:cs typeface="Arial Unicode MS"/>
+            </a:endParaRPr>
+          </a:p>
+        </p:txBody>
+      </p:sp>
+      <p:sp>
+        <p:nvSpPr>
+          <p:cNvPr id="32" name="사각형: 둥근 모서리 31"/>
+          <p:cNvSpPr/>
+          <p:nvPr/>
+        </p:nvSpPr>
+        <p:spPr>
+          <a:xfrm>
+            <a:off x="6074636" y="3495358"/>
+            <a:ext cx="965852" cy="401217"/>
+          </a:xfrm>
+          <a:prstGeom prst="roundRect">
+            <a:avLst>
+              <a:gd name="adj" fmla="val 16667"/>
+            </a:avLst>
+          </a:prstGeom>
+          <a:noFill/>
+          <a:ln w="28575">
+            <a:solidFill>
+              <a:srgbClr val="ff0000"/>
+            </a:solidFill>
+            <a:miter/>
+          </a:ln>
+        </p:spPr>
+        <p:txBody>
+          <a:bodyPr anchor="ctr"/>
+          <a:lstStyle/>
+          <a:p>
+            <a:pPr algn="l">
+              <a:lnSpc>
+                <a:spcPct val="150000"/>
+              </a:lnSpc>
+              <a:buFontTx/>
+              <a:buNone/>
+              <a:defRPr/>
+            </a:pPr>
+            <a:endParaRPr lang="ko-KR" altLang="en-US">
               <a:solidFill>
-                <a:srgbClr val="FF0000"/>
+                <a:srgbClr val="000099"/>
               </a:solidFill>
-              <a:miter/>
-            </a:ln>
-          </p:spPr>
-          <p:txBody>
-            <a:bodyPr anchor="ctr"/>
-            <a:lstStyle/>
-            <a:p>
-              <a:pPr algn="l">
-                <a:lnSpc>
-                  <a:spcPct val="150000"/>
-                </a:lnSpc>
-                <a:buFontTx/>
-                <a:buNone/>
-                <a:defRPr/>
-              </a:pPr>
-              <a:endParaRPr lang="ko-KR" altLang="en-US">
-                <a:solidFill>
-                  <a:srgbClr val="000099"/>
-                </a:solidFill>
-                <a:latin typeface="+mn-ea"/>
-                <a:ea typeface="+mn-ea"/>
-                <a:cs typeface="Arial Unicode MS"/>
-              </a:endParaRPr>
-            </a:p>
-          </p:txBody>
-        </p:sp>
-      </p:grpSp>
+              <a:latin typeface="+mn-ea"/>
+              <a:ea typeface="+mn-ea"/>
+              <a:cs typeface="Arial Unicode MS"/>
+            </a:endParaRPr>
+          </a:p>
+        </p:txBody>
+      </p:sp>
       <p:sp>
         <p:nvSpPr>
           <p:cNvPr id="35" name="TextBox 8"/>
@@ -20649,6 +21719,13 @@
               </a:rPr>
               <a:t>구성</a:t>
             </a:r>
+            <a:endParaRPr kumimoji="0" lang="ko-KR" altLang="en-US" sz="2800" b="1" i="0" u="none" strike="noStrike" kern="1200" cap="none" spc="0" normalizeH="0" baseline="0">
+              <a:solidFill>
+                <a:srgbClr val="000000"/>
+              </a:solidFill>
+              <a:latin typeface="맑은 고딕"/>
+              <a:cs typeface="맑은 고딕"/>
+            </a:endParaRPr>
           </a:p>
         </p:txBody>
       </p:sp>
@@ -20657,14 +21734,230 @@
   <p:clrMapOvr>
     <a:masterClrMapping/>
   </p:clrMapOvr>
-  <mc:AlternateContent xmlns:mc="http://schemas.openxmlformats.org/markup-compatibility/2006" xmlns:p14="http://schemas.microsoft.com/office/powerpoint/2010/main">
-    <mc:Choice Requires="p14">
-      <p:transition/>
+  <mc:AlternateContent xmlns:mc="http://schemas.openxmlformats.org/markup-compatibility/2006">
+    <mc:Choice xmlns:p14="http://schemas.microsoft.com/office/powerpoint/2010/main" Requires="p14">
+      <p:transition xmlns:mc="http://schemas.openxmlformats.org/markup-compatibility/2006" xmlns:p14="http://schemas.microsoft.com/office/powerpoint/2010/main" mc:Ignorable="p14" p14:dur="500"/>
     </mc:Choice>
-    <mc:Fallback xmlns:dsp="http://schemas.microsoft.com/office/drawing/2008/diagram" xmlns:dgm="http://schemas.openxmlformats.org/drawingml/2006/diagram" xmlns:c="http://schemas.openxmlformats.org/drawingml/2006/chart" xmlns="">
+    <mc:Fallback>
       <p:transition/>
     </mc:Fallback>
   </mc:AlternateContent>
+  <p:timing>
+    <p:tnLst>
+      <p:par>
+        <p:cTn id="1" dur="indefinite" restart="never" nodeType="tmRoot">
+          <p:childTnLst>
+            <p:seq concurrent="1" nextAc="seek">
+              <p:cTn id="2" dur="indefinite" nodeType="mainSeq">
+                <p:childTnLst>
+                  <p:par>
+                    <p:cTn id="3" fill="hold">
+                      <p:stCondLst>
+                        <p:cond delay="indefinite"/>
+                      </p:stCondLst>
+                      <p:childTnLst>
+                        <p:par>
+                          <p:cTn id="4" fill="hold">
+                            <p:stCondLst>
+                              <p:cond delay="0"/>
+                            </p:stCondLst>
+                            <p:childTnLst>
+                              <p:par>
+                                <p:cTn id="5" presetID="1" presetClass="entr" presetSubtype="0" fill="hold" grpId="0" nodeType="clickEffect">
+                                  <p:stCondLst>
+                                    <p:cond delay="0"/>
+                                  </p:stCondLst>
+                                  <p:childTnLst>
+                                    <p:set>
+                                      <p:cBhvr>
+                                        <p:cTn id="6" dur="1" fill="hold">
+                                          <p:stCondLst>
+                                            <p:cond delay="0"/>
+                                          </p:stCondLst>
+                                        </p:cTn>
+                                        <p:tgtEl>
+                                          <p:spTgt spid="27"/>
+                                        </p:tgtEl>
+                                        <p:attrNameLst>
+                                          <p:attrName>style.visibility</p:attrName>
+                                        </p:attrNameLst>
+                                      </p:cBhvr>
+                                      <p:to>
+                                        <p:strVal val="visible"/>
+                                      </p:to>
+                                    </p:set>
+                                  </p:childTnLst>
+                                </p:cTn>
+                              </p:par>
+                            </p:childTnLst>
+                          </p:cTn>
+                        </p:par>
+                      </p:childTnLst>
+                    </p:cTn>
+                  </p:par>
+                  <p:par>
+                    <p:cTn id="7" fill="hold">
+                      <p:stCondLst>
+                        <p:cond delay="indefinite"/>
+                      </p:stCondLst>
+                      <p:childTnLst>
+                        <p:par>
+                          <p:cTn id="8" fill="hold">
+                            <p:stCondLst>
+                              <p:cond delay="0"/>
+                            </p:stCondLst>
+                            <p:childTnLst>
+                              <p:par>
+                                <p:cTn id="9" presetID="1" presetClass="entr" presetSubtype="0" fill="hold" grpId="1" nodeType="clickEffect">
+                                  <p:stCondLst>
+                                    <p:cond delay="0"/>
+                                  </p:stCondLst>
+                                  <p:childTnLst>
+                                    <p:set>
+                                      <p:cBhvr>
+                                        <p:cTn id="10" dur="1" fill="hold">
+                                          <p:stCondLst>
+                                            <p:cond delay="0"/>
+                                          </p:stCondLst>
+                                        </p:cTn>
+                                        <p:tgtEl>
+                                          <p:spTgt spid="28"/>
+                                        </p:tgtEl>
+                                        <p:attrNameLst>
+                                          <p:attrName>style.visibility</p:attrName>
+                                        </p:attrNameLst>
+                                      </p:cBhvr>
+                                      <p:to>
+                                        <p:strVal val="visible"/>
+                                      </p:to>
+                                    </p:set>
+                                  </p:childTnLst>
+                                </p:cTn>
+                              </p:par>
+                            </p:childTnLst>
+                          </p:cTn>
+                        </p:par>
+                      </p:childTnLst>
+                    </p:cTn>
+                  </p:par>
+                  <p:par>
+                    <p:cTn id="11" fill="hold">
+                      <p:stCondLst>
+                        <p:cond delay="indefinite"/>
+                      </p:stCondLst>
+                      <p:childTnLst>
+                        <p:par>
+                          <p:cTn id="12" fill="hold">
+                            <p:stCondLst>
+                              <p:cond delay="0"/>
+                            </p:stCondLst>
+                            <p:childTnLst>
+                              <p:par>
+                                <p:cTn id="13" presetID="1" presetClass="entr" presetSubtype="0" fill="hold" grpId="2" nodeType="clickEffect">
+                                  <p:stCondLst>
+                                    <p:cond delay="0"/>
+                                  </p:stCondLst>
+                                  <p:childTnLst>
+                                    <p:set>
+                                      <p:cBhvr>
+                                        <p:cTn id="14" dur="1" fill="hold">
+                                          <p:stCondLst>
+                                            <p:cond delay="0"/>
+                                          </p:stCondLst>
+                                        </p:cTn>
+                                        <p:tgtEl>
+                                          <p:spTgt spid="29"/>
+                                        </p:tgtEl>
+                                        <p:attrNameLst>
+                                          <p:attrName>style.visibility</p:attrName>
+                                        </p:attrNameLst>
+                                      </p:cBhvr>
+                                      <p:to>
+                                        <p:strVal val="visible"/>
+                                      </p:to>
+                                    </p:set>
+                                  </p:childTnLst>
+                                </p:cTn>
+                              </p:par>
+                            </p:childTnLst>
+                          </p:cTn>
+                        </p:par>
+                      </p:childTnLst>
+                    </p:cTn>
+                  </p:par>
+                  <p:par>
+                    <p:cTn id="15" fill="hold">
+                      <p:stCondLst>
+                        <p:cond delay="indefinite"/>
+                      </p:stCondLst>
+                      <p:childTnLst>
+                        <p:par>
+                          <p:cTn id="16" fill="hold">
+                            <p:stCondLst>
+                              <p:cond delay="0"/>
+                            </p:stCondLst>
+                            <p:childTnLst>
+                              <p:par>
+                                <p:cTn id="17" presetID="1" presetClass="entr" presetSubtype="0" fill="hold" grpId="3" nodeType="clickEffect">
+                                  <p:stCondLst>
+                                    <p:cond delay="0"/>
+                                  </p:stCondLst>
+                                  <p:childTnLst>
+                                    <p:set>
+                                      <p:cBhvr>
+                                        <p:cTn id="18" dur="1" fill="hold">
+                                          <p:stCondLst>
+                                            <p:cond delay="0"/>
+                                          </p:stCondLst>
+                                        </p:cTn>
+                                        <p:tgtEl>
+                                          <p:spTgt spid="32"/>
+                                        </p:tgtEl>
+                                        <p:attrNameLst>
+                                          <p:attrName>style.visibility</p:attrName>
+                                        </p:attrNameLst>
+                                      </p:cBhvr>
+                                      <p:to>
+                                        <p:strVal val="visible"/>
+                                      </p:to>
+                                    </p:set>
+                                  </p:childTnLst>
+                                </p:cTn>
+                              </p:par>
+                            </p:childTnLst>
+                          </p:cTn>
+                        </p:par>
+                      </p:childTnLst>
+                    </p:cTn>
+                  </p:par>
+                </p:childTnLst>
+              </p:cTn>
+              <p:prevCondLst>
+                <p:cond evt="onPrev" delay="0">
+                  <p:tgtEl>
+                    <p:sldTgt/>
+                  </p:tgtEl>
+                </p:cond>
+              </p:prevCondLst>
+              <p:nextCondLst>
+                <p:cond evt="onNext" delay="0">
+                  <p:tgtEl>
+                    <p:sldTgt/>
+                  </p:tgtEl>
+                </p:cond>
+              </p:nextCondLst>
+            </p:seq>
+          </p:childTnLst>
+        </p:cTn>
+      </p:par>
+    </p:tnLst>
+    <p:bldLst>
+      <p:bldP spid="27" grpId="0" animBg="1"/>
+      <p:bldP spid="28" grpId="1" animBg="1"/>
+      <p:bldP spid="29" grpId="2" animBg="1"/>
+      <p:bldP spid="32" grpId="3" animBg="1"/>
+    </p:bldLst>
+  </p:timing>
 </p:sld>
 </file>
 
@@ -20687,6 +21980,75 @@
       </p:grpSpPr>
       <p:sp>
         <p:nvSpPr>
+          <p:cNvPr id="16" name="TextBox 15"/>
+          <p:cNvSpPr txBox="1"/>
+          <p:nvPr/>
+        </p:nvSpPr>
+        <p:spPr>
+          <a:xfrm>
+            <a:off x="609600" y="1210664"/>
+            <a:ext cx="10972798" cy="879144"/>
+          </a:xfrm>
+          <a:prstGeom prst="rect">
+            <a:avLst/>
+          </a:prstGeom>
+          <a:ln w="50800" cap="flat" cmpd="sng" algn="ctr">
+            <a:solidFill>
+              <a:srgbClr val="bd3d00"/>
+            </a:solidFill>
+            <a:prstDash val="solid"/>
+            <a:round/>
+            <a:headEnd w="med" len="med"/>
+            <a:tailEnd w="med" len="med"/>
+          </a:ln>
+        </p:spPr>
+        <p:style>
+          <a:lnRef idx="0">
+            <a:schemeClr val="accent1"/>
+          </a:lnRef>
+          <a:fillRef idx="0">
+            <a:schemeClr val="accent1"/>
+          </a:fillRef>
+          <a:effectRef idx="0">
+            <a:schemeClr val="accent1"/>
+          </a:effectRef>
+          <a:fontRef idx="minor">
+            <a:scrgbClr r="0" g="0" b="0"/>
+          </a:fontRef>
+        </p:style>
+        <p:txBody>
+          <a:bodyPr vert="horz" wrap="square" lIns="99060" tIns="99060" rIns="99060" bIns="99060" anchor="t" anchorCtr="0">
+            <a:noAutofit/>
+          </a:bodyPr>
+          <a:lstStyle/>
+          <a:p>
+            <a:pPr marL="0" lvl="0" indent="0" algn="l" defTabSz="1155700">
+              <a:lnSpc>
+                <a:spcPct val="90000"/>
+              </a:lnSpc>
+              <a:spcBef>
+                <a:spcPct val="0"/>
+              </a:spcBef>
+              <a:spcAft>
+                <a:spcPct val="35000"/>
+              </a:spcAft>
+              <a:buNone/>
+              <a:defRPr/>
+            </a:pPr>
+            <a:r>
+              <a:rPr lang="en-US" sz="2800" b="1" i="0" kern="1200" baseline="0"/>
+              <a:t>1.</a:t>
+            </a:r>
+            <a:r>
+              <a:rPr lang="ko-KR" sz="2800" b="1" i="0" kern="1200" baseline="0"/>
+              <a:t> 팀 구성 및 역할</a:t>
+            </a:r>
+            <a:endParaRPr lang="en-US" sz="2800" kern="1200"/>
+          </a:p>
+        </p:txBody>
+      </p:sp>
+      <p:sp>
+        <p:nvSpPr>
           <p:cNvPr id="8" name="슬라이드 번호 개체 틀 5"/>
           <p:cNvSpPr>
             <a:spLocks noGrp="1"/>
@@ -20737,13 +22099,13 @@
       </p:sp>
       <p:sp>
         <p:nvSpPr>
-          <p:cNvPr id="14" name="직선 연결선 13"/>
+          <p:cNvPr id="17" name="직선 연결선 16"/>
           <p:cNvSpPr/>
           <p:nvPr/>
         </p:nvSpPr>
         <p:spPr>
           <a:xfrm>
-            <a:off x="609599" y="1210665"/>
+            <a:off x="609599" y="2089810"/>
             <a:ext cx="10972798" cy="0"/>
           </a:xfrm>
           <a:prstGeom prst="line">
@@ -20795,13 +22157,13 @@
       </p:sp>
       <p:sp>
         <p:nvSpPr>
-          <p:cNvPr id="15" name="직사각형 14"/>
+          <p:cNvPr id="18" name="직사각형 17"/>
           <p:cNvSpPr/>
           <p:nvPr/>
         </p:nvSpPr>
         <p:spPr>
           <a:xfrm>
-            <a:off x="609599" y="1210664"/>
+            <a:off x="609599" y="2089810"/>
             <a:ext cx="10972798" cy="879144"/>
           </a:xfrm>
           <a:prstGeom prst="rect">
@@ -20858,19 +22220,19 @@
       </p:sp>
       <p:sp>
         <p:nvSpPr>
-          <p:cNvPr id="16" name="TextBox 15"/>
+          <p:cNvPr id="19" name="TextBox 18"/>
           <p:cNvSpPr txBox="1"/>
           <p:nvPr/>
         </p:nvSpPr>
         <p:spPr>
           <a:xfrm>
-            <a:off x="609599" y="1210664"/>
+            <a:off x="609599" y="2089809"/>
             <a:ext cx="10972798" cy="879144"/>
           </a:xfrm>
           <a:prstGeom prst="rect">
             <a:avLst/>
           </a:prstGeom>
-          <a:ln cap="flat" cmpd="sng" algn="ctr">
+          <a:ln w="50800" cap="flat" cmpd="sng" algn="ctr">
             <a:solidFill>
               <a:srgbClr val="bd3d00"/>
             </a:solidFill>
@@ -20914,26 +22276,38 @@
               <a:defRPr/>
             </a:pPr>
             <a:r>
-              <a:rPr lang="en-US" sz="2600" b="1" i="0" kern="1200" baseline="0"/>
-              <a:t>1.</a:t>
-            </a:r>
-            <a:r>
-              <a:rPr lang="ko-KR" sz="2600" b="1" i="0" kern="1200" baseline="0"/>
-              <a:t> 팀 구성 및 역할</a:t>
-            </a:r>
-            <a:endParaRPr lang="en-US" sz="2600" kern="1200"/>
-          </a:p>
-        </p:txBody>
-      </p:sp>
-      <p:sp>
-        <p:nvSpPr>
-          <p:cNvPr id="17" name="직선 연결선 16"/>
+              <a:rPr lang="en-US" sz="2800" b="1" i="0" kern="1200" baseline="0"/>
+              <a:t>2.</a:t>
+            </a:r>
+            <a:r>
+              <a:rPr lang="ko-KR" sz="2800" b="1" i="0" kern="1200" baseline="0"/>
+              <a:t> 개</a:t>
+            </a:r>
+            <a:r>
+              <a:rPr lang="ko-KR" altLang="en-US" sz="2800" b="1" i="0" kern="1200" baseline="0"/>
+              <a:t>발 배경 및 개발 도구 </a:t>
+            </a:r>
+            <a:r>
+              <a:rPr lang="en-US" altLang="ko-KR" sz="2800" b="1" i="0" kern="1200" baseline="0"/>
+              <a:t>&amp;</a:t>
+            </a:r>
+            <a:r>
+              <a:rPr lang="ko-KR" altLang="en-US" sz="2800" b="1" i="0" kern="1200" baseline="0"/>
+              <a:t> 환경</a:t>
+            </a:r>
+            <a:endParaRPr lang="ko-KR" altLang="en-US" sz="2800" b="1" i="0" kern="1200" baseline="0"/>
+          </a:p>
+        </p:txBody>
+      </p:sp>
+      <p:sp>
+        <p:nvSpPr>
+          <p:cNvPr id="20" name="직선 연결선 19"/>
           <p:cNvSpPr/>
           <p:nvPr/>
         </p:nvSpPr>
         <p:spPr>
           <a:xfrm>
-            <a:off x="609599" y="2089810"/>
+            <a:off x="609599" y="2968954"/>
             <a:ext cx="10972798" cy="0"/>
           </a:xfrm>
           <a:prstGeom prst="line">
@@ -20985,157 +22359,13 @@
       </p:sp>
       <p:sp>
         <p:nvSpPr>
-          <p:cNvPr id="18" name="직사각형 17"/>
+          <p:cNvPr id="23" name="직선 연결선 22"/>
           <p:cNvSpPr/>
           <p:nvPr/>
         </p:nvSpPr>
         <p:spPr>
           <a:xfrm>
-            <a:off x="609599" y="2089810"/>
-            <a:ext cx="10972798" cy="879144"/>
-          </a:xfrm>
-          <a:prstGeom prst="rect">
-            <a:avLst/>
-          </a:prstGeom>
-          <a:noFill/>
-          <a:ln cap="flat" cmpd="sng" algn="ctr">
-            <a:solidFill>
-              <a:srgbClr val="bd3d00"/>
-            </a:solidFill>
-            <a:prstDash val="solid"/>
-            <a:round/>
-            <a:headEnd w="med" len="med"/>
-            <a:tailEnd w="med" len="med"/>
-          </a:ln>
-          <a:effectLst/>
-        </p:spPr>
-        <p:style>
-          <a:lnRef idx="0">
-            <a:scrgbClr r="0" g="0" b="0"/>
-          </a:lnRef>
-          <a:fillRef idx="0">
-            <a:scrgbClr r="0" g="0" b="0"/>
-          </a:fillRef>
-          <a:effectRef idx="0">
-            <a:scrgbClr r="0" g="0" b="0"/>
-          </a:effectRef>
-          <a:fontRef idx="minor">
-            <a:scrgbClr r="0" g="0" b="0"/>
-          </a:fontRef>
-        </p:style>
-        <p:txBody>
-          <a:bodyPr anchor="ctr"/>
-          <a:lstStyle/>
-          <a:p>
-            <a:pPr algn="l">
-              <a:lnSpc>
-                <a:spcPct val="150000"/>
-              </a:lnSpc>
-              <a:buFontTx/>
-              <a:buNone/>
-              <a:defRPr/>
-            </a:pPr>
-            <a:endParaRPr>
-              <a:solidFill>
-                <a:srgbClr val="000099"/>
-              </a:solidFill>
-              <a:latin typeface="+mn-ea"/>
-              <a:ea typeface="+mn-ea"/>
-              <a:cs typeface="Arial Unicode MS"/>
-            </a:endParaRPr>
-          </a:p>
-        </p:txBody>
-      </p:sp>
-      <p:sp>
-        <p:nvSpPr>
-          <p:cNvPr id="19" name="TextBox 18"/>
-          <p:cNvSpPr txBox="1"/>
-          <p:nvPr/>
-        </p:nvSpPr>
-        <p:spPr>
-          <a:xfrm>
-            <a:off x="609599" y="2089810"/>
-            <a:ext cx="10972798" cy="879144"/>
-          </a:xfrm>
-          <a:prstGeom prst="rect">
-            <a:avLst/>
-          </a:prstGeom>
-          <a:ln cap="flat" cmpd="sng" algn="ctr">
-            <a:solidFill>
-              <a:srgbClr val="bd3d00"/>
-            </a:solidFill>
-            <a:prstDash val="solid"/>
-            <a:round/>
-            <a:headEnd w="med" len="med"/>
-            <a:tailEnd w="med" len="med"/>
-          </a:ln>
-        </p:spPr>
-        <p:style>
-          <a:lnRef idx="0">
-            <a:schemeClr val="accent1"/>
-          </a:lnRef>
-          <a:fillRef idx="0">
-            <a:schemeClr val="accent1"/>
-          </a:fillRef>
-          <a:effectRef idx="0">
-            <a:schemeClr val="accent1"/>
-          </a:effectRef>
-          <a:fontRef idx="minor">
-            <a:scrgbClr r="0" g="0" b="0"/>
-          </a:fontRef>
-        </p:style>
-        <p:txBody>
-          <a:bodyPr vert="horz" wrap="square" lIns="99060" tIns="99060" rIns="99060" bIns="99060" anchor="t" anchorCtr="0">
-            <a:noAutofit/>
-          </a:bodyPr>
-          <a:lstStyle/>
-          <a:p>
-            <a:pPr marL="0" lvl="0" indent="0" algn="l" defTabSz="1155700">
-              <a:lnSpc>
-                <a:spcPct val="90000"/>
-              </a:lnSpc>
-              <a:spcBef>
-                <a:spcPct val="0"/>
-              </a:spcBef>
-              <a:spcAft>
-                <a:spcPct val="35000"/>
-              </a:spcAft>
-              <a:buNone/>
-              <a:defRPr/>
-            </a:pPr>
-            <a:r>
-              <a:rPr lang="en-US" sz="2600" b="1" i="0" kern="1200" baseline="0"/>
-              <a:t>2.</a:t>
-            </a:r>
-            <a:r>
-              <a:rPr lang="ko-KR" sz="2600" b="1" i="0" kern="1200" baseline="0"/>
-              <a:t> 개</a:t>
-            </a:r>
-            <a:r>
-              <a:rPr lang="ko-KR" altLang="en-US" sz="2600" b="1" i="0" kern="1200" baseline="0"/>
-              <a:t>발 배경 및 개발 도구 </a:t>
-            </a:r>
-            <a:r>
-              <a:rPr lang="en-US" altLang="ko-KR" sz="2600" b="1" i="0" kern="1200" baseline="0"/>
-              <a:t>&amp;</a:t>
-            </a:r>
-            <a:r>
-              <a:rPr lang="ko-KR" altLang="en-US" sz="2600" b="1" i="0" kern="1200" baseline="0"/>
-              <a:t> 환경</a:t>
-            </a:r>
-            <a:endParaRPr lang="ko-KR" altLang="en-US" sz="2600" b="1" i="0" kern="1200" baseline="0"/>
-          </a:p>
-        </p:txBody>
-      </p:sp>
-      <p:sp>
-        <p:nvSpPr>
-          <p:cNvPr id="20" name="직선 연결선 19"/>
-          <p:cNvSpPr/>
-          <p:nvPr/>
-        </p:nvSpPr>
-        <p:spPr>
-          <a:xfrm>
-            <a:off x="609599" y="2968954"/>
+            <a:off x="609599" y="3848099"/>
             <a:ext cx="10972798" cy="0"/>
           </a:xfrm>
           <a:prstGeom prst="line">
@@ -21187,13 +22417,157 @@
       </p:sp>
       <p:sp>
         <p:nvSpPr>
-          <p:cNvPr id="23" name="직선 연결선 22"/>
+          <p:cNvPr id="24" name="직사각형 23"/>
           <p:cNvSpPr/>
           <p:nvPr/>
         </p:nvSpPr>
         <p:spPr>
           <a:xfrm>
-            <a:off x="609599" y="3848099"/>
+            <a:off x="609599" y="3848100"/>
+            <a:ext cx="10972798" cy="879144"/>
+          </a:xfrm>
+          <a:prstGeom prst="rect">
+            <a:avLst/>
+          </a:prstGeom>
+          <a:noFill/>
+          <a:ln cap="flat" cmpd="sng" algn="ctr">
+            <a:solidFill>
+              <a:srgbClr val="bd3d00"/>
+            </a:solidFill>
+            <a:prstDash val="solid"/>
+            <a:round/>
+            <a:headEnd w="med" len="med"/>
+            <a:tailEnd w="med" len="med"/>
+          </a:ln>
+          <a:effectLst/>
+        </p:spPr>
+        <p:style>
+          <a:lnRef idx="0">
+            <a:scrgbClr r="0" g="0" b="0"/>
+          </a:lnRef>
+          <a:fillRef idx="0">
+            <a:scrgbClr r="0" g="0" b="0"/>
+          </a:fillRef>
+          <a:effectRef idx="0">
+            <a:scrgbClr r="0" g="0" b="0"/>
+          </a:effectRef>
+          <a:fontRef idx="minor">
+            <a:scrgbClr r="0" g="0" b="0"/>
+          </a:fontRef>
+        </p:style>
+        <p:txBody>
+          <a:bodyPr anchor="ctr"/>
+          <a:lstStyle/>
+          <a:p>
+            <a:pPr algn="l">
+              <a:lnSpc>
+                <a:spcPct val="150000"/>
+              </a:lnSpc>
+              <a:buFontTx/>
+              <a:buNone/>
+              <a:defRPr/>
+            </a:pPr>
+            <a:endParaRPr>
+              <a:solidFill>
+                <a:srgbClr val="000099"/>
+              </a:solidFill>
+              <a:latin typeface="+mn-ea"/>
+              <a:ea typeface="+mn-ea"/>
+              <a:cs typeface="Arial Unicode MS"/>
+            </a:endParaRPr>
+          </a:p>
+        </p:txBody>
+      </p:sp>
+      <p:sp>
+        <p:nvSpPr>
+          <p:cNvPr id="25" name="TextBox 24"/>
+          <p:cNvSpPr txBox="1"/>
+          <p:nvPr/>
+        </p:nvSpPr>
+        <p:spPr>
+          <a:xfrm>
+            <a:off x="609601" y="2968955"/>
+            <a:ext cx="10972798" cy="879144"/>
+          </a:xfrm>
+          <a:prstGeom prst="rect">
+            <a:avLst/>
+          </a:prstGeom>
+          <a:ln w="50800" cap="flat" cmpd="sng" algn="ctr">
+            <a:solidFill>
+              <a:srgbClr val="bd3d00"/>
+            </a:solidFill>
+            <a:prstDash val="solid"/>
+            <a:round/>
+            <a:headEnd w="med" len="med"/>
+            <a:tailEnd w="med" len="med"/>
+          </a:ln>
+        </p:spPr>
+        <p:style>
+          <a:lnRef idx="0">
+            <a:schemeClr val="accent1"/>
+          </a:lnRef>
+          <a:fillRef idx="0">
+            <a:schemeClr val="accent1"/>
+          </a:fillRef>
+          <a:effectRef idx="0">
+            <a:schemeClr val="accent1"/>
+          </a:effectRef>
+          <a:fontRef idx="minor">
+            <a:scrgbClr r="0" g="0" b="0"/>
+          </a:fontRef>
+        </p:style>
+        <p:txBody>
+          <a:bodyPr vert="horz" wrap="square" lIns="99060" tIns="99060" rIns="99060" bIns="99060" anchor="t" anchorCtr="0">
+            <a:noAutofit/>
+          </a:bodyPr>
+          <a:lstStyle/>
+          <a:p>
+            <a:pPr marL="0" lvl="0" indent="0" algn="l" defTabSz="1155700">
+              <a:lnSpc>
+                <a:spcPct val="90000"/>
+              </a:lnSpc>
+              <a:spcBef>
+                <a:spcPct val="0"/>
+              </a:spcBef>
+              <a:spcAft>
+                <a:spcPct val="35000"/>
+              </a:spcAft>
+              <a:buNone/>
+              <a:defRPr/>
+            </a:pPr>
+            <a:r>
+              <a:rPr lang="en-US" altLang="ko-KR" sz="2800" b="1" i="0" kern="1200" baseline="0"/>
+              <a:t>3</a:t>
+            </a:r>
+            <a:r>
+              <a:rPr lang="en-US" sz="2800" b="1" i="0" kern="1200" baseline="0"/>
+              <a:t>.</a:t>
+            </a:r>
+            <a:r>
+              <a:rPr lang="ko-KR" sz="2800" b="1" i="0" kern="1200" baseline="0"/>
+              <a:t> </a:t>
+            </a:r>
+            <a:r>
+              <a:rPr lang="en-US" altLang="ko-KR" sz="2800" b="1" i="0" kern="1200" baseline="0"/>
+              <a:t>Thread </a:t>
+            </a:r>
+            <a:r>
+              <a:rPr lang="ko-KR" altLang="en-US" sz="2800" b="1" i="0" kern="1200" baseline="0"/>
+              <a:t>구성 및 흐름도</a:t>
+            </a:r>
+            <a:endParaRPr lang="ko-KR" altLang="en-US" sz="2800" b="1" i="0" kern="1200" baseline="0"/>
+          </a:p>
+        </p:txBody>
+      </p:sp>
+      <p:sp>
+        <p:nvSpPr>
+          <p:cNvPr id="26" name="직선 연결선 25"/>
+          <p:cNvSpPr/>
+          <p:nvPr/>
+        </p:nvSpPr>
+        <p:spPr>
+          <a:xfrm>
+            <a:off x="609599" y="4727245"/>
             <a:ext cx="10972798" cy="0"/>
           </a:xfrm>
           <a:prstGeom prst="line">
@@ -21245,13 +22619,13 @@
       </p:sp>
       <p:sp>
         <p:nvSpPr>
-          <p:cNvPr id="24" name="직사각형 23"/>
+          <p:cNvPr id="27" name="직사각형 26"/>
           <p:cNvSpPr/>
           <p:nvPr/>
         </p:nvSpPr>
         <p:spPr>
           <a:xfrm>
-            <a:off x="609599" y="3848100"/>
+            <a:off x="609599" y="4727245"/>
             <a:ext cx="10972798" cy="879144"/>
           </a:xfrm>
           <a:prstGeom prst="rect">
@@ -21308,19 +22682,19 @@
       </p:sp>
       <p:sp>
         <p:nvSpPr>
-          <p:cNvPr id="25" name="TextBox 24"/>
+          <p:cNvPr id="28" name="TextBox 27"/>
           <p:cNvSpPr txBox="1"/>
           <p:nvPr/>
         </p:nvSpPr>
         <p:spPr>
           <a:xfrm>
-            <a:off x="609601" y="2968956"/>
+            <a:off x="609601" y="3848100"/>
             <a:ext cx="10972798" cy="879144"/>
           </a:xfrm>
           <a:prstGeom prst="rect">
             <a:avLst/>
           </a:prstGeom>
-          <a:ln cap="flat" cmpd="sng" algn="ctr">
+          <a:ln w="50800" cap="flat" cmpd="sng" algn="ctr">
             <a:solidFill>
               <a:srgbClr val="bd3d00"/>
             </a:solidFill>
@@ -21364,38 +22738,38 @@
               <a:defRPr/>
             </a:pPr>
             <a:r>
-              <a:rPr lang="en-US" altLang="ko-KR" sz="2600" b="1" i="0" kern="1200" baseline="0"/>
-              <a:t>3</a:t>
-            </a:r>
-            <a:r>
-              <a:rPr lang="en-US" sz="2600" b="1" i="0" kern="1200" baseline="0"/>
+              <a:rPr lang="en-US" altLang="ko-KR" sz="2800" b="1" i="0" kern="1200" baseline="0"/>
+              <a:t>4</a:t>
+            </a:r>
+            <a:r>
+              <a:rPr lang="en-US" sz="2800" b="1" i="0" kern="1200" baseline="0"/>
               <a:t>.</a:t>
             </a:r>
             <a:r>
-              <a:rPr lang="ko-KR" sz="2600" b="1" i="0" kern="1200" baseline="0"/>
+              <a:rPr lang="ko-KR" sz="2800" b="1" i="0" kern="1200" baseline="0"/>
               <a:t> </a:t>
             </a:r>
             <a:r>
-              <a:rPr lang="en-US" altLang="ko-KR" sz="2600" b="1" i="0" kern="1200" baseline="0"/>
-              <a:t>Thread </a:t>
-            </a:r>
-            <a:r>
-              <a:rPr lang="ko-KR" altLang="en-US" sz="2600" b="1" i="0" kern="1200" baseline="0"/>
-              <a:t>구성 및 흐름도</a:t>
-            </a:r>
-            <a:endParaRPr lang="ko-KR" altLang="en-US" sz="2600" b="1" i="0" kern="1200" baseline="0"/>
-          </a:p>
-        </p:txBody>
-      </p:sp>
-      <p:sp>
-        <p:nvSpPr>
-          <p:cNvPr id="26" name="직선 연결선 25"/>
+              <a:rPr lang="en-US" sz="2800" b="1" i="0" kern="1200" baseline="0"/>
+              <a:t>UI </a:t>
+            </a:r>
+            <a:r>
+              <a:rPr lang="ko-KR" sz="2800" b="1" i="0" kern="1200" baseline="0"/>
+              <a:t>구성</a:t>
+            </a:r>
+            <a:endParaRPr lang="ko-KR" sz="2800" b="1" i="0" kern="1200" baseline="0"/>
+          </a:p>
+        </p:txBody>
+      </p:sp>
+      <p:sp>
+        <p:nvSpPr>
+          <p:cNvPr id="29" name="직선 연결선 28"/>
           <p:cNvSpPr/>
           <p:nvPr/>
         </p:nvSpPr>
         <p:spPr>
           <a:xfrm>
-            <a:off x="609599" y="4727245"/>
+            <a:off x="609599" y="5606389"/>
             <a:ext cx="10972798" cy="0"/>
           </a:xfrm>
           <a:prstGeom prst="line">
@@ -21447,82 +22821,19 @@
       </p:sp>
       <p:sp>
         <p:nvSpPr>
-          <p:cNvPr id="27" name="직사각형 26"/>
-          <p:cNvSpPr/>
+          <p:cNvPr id="31" name="TextBox 30"/>
+          <p:cNvSpPr txBox="1"/>
           <p:nvPr/>
         </p:nvSpPr>
         <p:spPr>
           <a:xfrm>
-            <a:off x="609599" y="4727245"/>
+            <a:off x="609601" y="4727246"/>
             <a:ext cx="10972798" cy="879144"/>
           </a:xfrm>
           <a:prstGeom prst="rect">
             <a:avLst/>
           </a:prstGeom>
-          <a:noFill/>
-          <a:ln cap="flat" cmpd="sng" algn="ctr">
-            <a:solidFill>
-              <a:srgbClr val="bd3d00"/>
-            </a:solidFill>
-            <a:prstDash val="solid"/>
-            <a:round/>
-            <a:headEnd w="med" len="med"/>
-            <a:tailEnd w="med" len="med"/>
-          </a:ln>
-          <a:effectLst/>
-        </p:spPr>
-        <p:style>
-          <a:lnRef idx="0">
-            <a:scrgbClr r="0" g="0" b="0"/>
-          </a:lnRef>
-          <a:fillRef idx="0">
-            <a:scrgbClr r="0" g="0" b="0"/>
-          </a:fillRef>
-          <a:effectRef idx="0">
-            <a:scrgbClr r="0" g="0" b="0"/>
-          </a:effectRef>
-          <a:fontRef idx="minor">
-            <a:scrgbClr r="0" g="0" b="0"/>
-          </a:fontRef>
-        </p:style>
-        <p:txBody>
-          <a:bodyPr anchor="ctr"/>
-          <a:lstStyle/>
-          <a:p>
-            <a:pPr algn="l">
-              <a:lnSpc>
-                <a:spcPct val="150000"/>
-              </a:lnSpc>
-              <a:buFontTx/>
-              <a:buNone/>
-              <a:defRPr/>
-            </a:pPr>
-            <a:endParaRPr>
-              <a:solidFill>
-                <a:srgbClr val="000099"/>
-              </a:solidFill>
-              <a:latin typeface="+mn-ea"/>
-              <a:ea typeface="+mn-ea"/>
-              <a:cs typeface="Arial Unicode MS"/>
-            </a:endParaRPr>
-          </a:p>
-        </p:txBody>
-      </p:sp>
-      <p:sp>
-        <p:nvSpPr>
-          <p:cNvPr id="28" name="TextBox 27"/>
-          <p:cNvSpPr txBox="1"/>
-          <p:nvPr/>
-        </p:nvSpPr>
-        <p:spPr>
-          <a:xfrm>
-            <a:off x="609601" y="3848101"/>
-            <a:ext cx="10972798" cy="879144"/>
-          </a:xfrm>
-          <a:prstGeom prst="rect">
-            <a:avLst/>
-          </a:prstGeom>
-          <a:ln cap="flat" cmpd="sng" algn="ctr">
+          <a:ln w="50800" cap="flat" cmpd="sng" algn="ctr">
             <a:solidFill>
               <a:srgbClr val="bd3d00"/>
             </a:solidFill>
@@ -21566,161 +22877,22 @@
               <a:defRPr/>
             </a:pPr>
             <a:r>
-              <a:rPr lang="en-US" altLang="ko-KR" sz="2600" b="1" i="0" kern="1200" baseline="0"/>
-              <a:t>4</a:t>
-            </a:r>
-            <a:r>
-              <a:rPr lang="en-US" sz="2600" b="1" i="0" kern="1200" baseline="0"/>
+              <a:rPr lang="en-US" altLang="ko-KR" sz="2800" b="1" i="0" kern="1200" baseline="0"/>
+              <a:t>5</a:t>
+            </a:r>
+            <a:r>
+              <a:rPr lang="en-US" sz="2800" b="1" i="0" kern="1200" baseline="0"/>
               <a:t>.</a:t>
             </a:r>
             <a:r>
-              <a:rPr lang="ko-KR" sz="2600" b="1" i="0" kern="1200" baseline="0"/>
+              <a:rPr lang="ko-KR" sz="2800" b="1" i="0" kern="1200" baseline="0"/>
               <a:t> </a:t>
             </a:r>
             <a:r>
-              <a:rPr lang="en-US" sz="2600" b="1" i="0" kern="1200" baseline="0"/>
-              <a:t>UI </a:t>
-            </a:r>
-            <a:r>
-              <a:rPr lang="ko-KR" sz="2600" b="1" i="0" kern="1200" baseline="0"/>
-              <a:t>구성</a:t>
-            </a:r>
-            <a:endParaRPr lang="ko-KR" sz="2600" b="1" i="0" kern="1200" baseline="0"/>
-          </a:p>
-        </p:txBody>
-      </p:sp>
-      <p:sp>
-        <p:nvSpPr>
-          <p:cNvPr id="29" name="직선 연결선 28"/>
-          <p:cNvSpPr/>
-          <p:nvPr/>
-        </p:nvSpPr>
-        <p:spPr>
-          <a:xfrm>
-            <a:off x="609599" y="5606389"/>
-            <a:ext cx="10972798" cy="0"/>
-          </a:xfrm>
-          <a:prstGeom prst="line">
-            <a:avLst/>
-          </a:prstGeom>
-          <a:solidFill>
-            <a:schemeClr val="accent1">
-              <a:hueOff val="0"/>
-              <a:satOff val="0"/>
-              <a:lumOff val="0"/>
-              <a:alphaOff val="0"/>
-            </a:schemeClr>
-          </a:solidFill>
-          <a:ln w="25400" cap="flat" cmpd="sng" algn="ctr">
-            <a:solidFill>
-              <a:srgbClr val="bd3d00"/>
-            </a:solidFill>
-            <a:prstDash val="solid"/>
-            <a:round/>
-            <a:headEnd w="med" len="med"/>
-            <a:tailEnd w="med" len="med"/>
-          </a:ln>
-          <a:effectLst/>
-        </p:spPr>
-        <p:style>
-          <a:lnRef idx="2">
-            <a:scrgbClr r="0" g="0" b="0"/>
-          </a:lnRef>
-          <a:fillRef idx="1">
-            <a:scrgbClr r="0" g="0" b="0"/>
-          </a:fillRef>
-          <a:effectRef idx="0">
-            <a:scrgbClr r="0" g="0" b="0"/>
-          </a:effectRef>
-          <a:fontRef idx="minor">
-            <a:schemeClr val="lt1"/>
-          </a:fontRef>
-        </p:style>
-        <p:txBody>
-          <a:bodyPr wrap="square"/>
-          <a:lstStyle/>
-          <a:p>
-            <a:pPr>
-              <a:defRPr/>
-            </a:pPr>
-            <a:endParaRPr/>
-          </a:p>
-        </p:txBody>
-      </p:sp>
-      <p:sp>
-        <p:nvSpPr>
-          <p:cNvPr id="31" name="TextBox 30"/>
-          <p:cNvSpPr txBox="1"/>
-          <p:nvPr/>
-        </p:nvSpPr>
-        <p:spPr>
-          <a:xfrm>
-            <a:off x="609601" y="4727246"/>
-            <a:ext cx="10972798" cy="879144"/>
-          </a:xfrm>
-          <a:prstGeom prst="rect">
-            <a:avLst/>
-          </a:prstGeom>
-          <a:ln cap="flat" cmpd="sng" algn="ctr">
-            <a:solidFill>
-              <a:srgbClr val="bd3d00"/>
-            </a:solidFill>
-            <a:prstDash val="solid"/>
-            <a:round/>
-            <a:headEnd w="med" len="med"/>
-            <a:tailEnd w="med" len="med"/>
-          </a:ln>
-        </p:spPr>
-        <p:style>
-          <a:lnRef idx="0">
-            <a:schemeClr val="accent1"/>
-          </a:lnRef>
-          <a:fillRef idx="0">
-            <a:schemeClr val="accent1"/>
-          </a:fillRef>
-          <a:effectRef idx="0">
-            <a:schemeClr val="accent1"/>
-          </a:effectRef>
-          <a:fontRef idx="minor">
-            <a:scrgbClr r="0" g="0" b="0"/>
-          </a:fontRef>
-        </p:style>
-        <p:txBody>
-          <a:bodyPr vert="horz" wrap="square" lIns="99060" tIns="99060" rIns="99060" bIns="99060" anchor="t" anchorCtr="0">
-            <a:noAutofit/>
-          </a:bodyPr>
-          <a:lstStyle/>
-          <a:p>
-            <a:pPr marL="0" lvl="0" indent="0" algn="l" defTabSz="1155700">
-              <a:lnSpc>
-                <a:spcPct val="90000"/>
-              </a:lnSpc>
-              <a:spcBef>
-                <a:spcPct val="0"/>
-              </a:spcBef>
-              <a:spcAft>
-                <a:spcPct val="35000"/>
-              </a:spcAft>
-              <a:buNone/>
-              <a:defRPr/>
-            </a:pPr>
-            <a:r>
-              <a:rPr lang="en-US" altLang="ko-KR" sz="2600" b="1" i="0" kern="1200" baseline="0"/>
-              <a:t>5</a:t>
-            </a:r>
-            <a:r>
-              <a:rPr lang="en-US" sz="2600" b="1" i="0" kern="1200" baseline="0"/>
-              <a:t>.</a:t>
-            </a:r>
-            <a:r>
-              <a:rPr lang="ko-KR" sz="2600" b="1" i="0" kern="1200" baseline="0"/>
-              <a:t> </a:t>
-            </a:r>
-            <a:r>
-              <a:rPr lang="ko-KR" altLang="en-US" sz="2600" b="1" i="0" kern="1200" baseline="0"/>
+              <a:rPr lang="ko-KR" altLang="en-US" sz="2800" b="1" i="0" kern="1200" baseline="0"/>
               <a:t>기대 효과</a:t>
             </a:r>
-            <a:endParaRPr lang="ko-KR" altLang="en-US" sz="2600" b="1" i="0" kern="1200" baseline="0"/>
+            <a:endParaRPr lang="ko-KR" altLang="en-US" sz="2800" b="1" i="0" kern="1200" baseline="0"/>
           </a:p>
         </p:txBody>
       </p:sp>
@@ -21732,13 +22904,13 @@
         </p:nvCxnSpPr>
         <p:spPr>
           <a:xfrm rot="16200000" flipH="1">
-            <a:off x="-1588262" y="3408527"/>
-            <a:ext cx="4395726" cy="0"/>
+            <a:off x="-2050211" y="3437984"/>
+            <a:ext cx="5319622" cy="1"/>
           </a:xfrm>
           <a:prstGeom prst="line">
             <a:avLst/>
           </a:prstGeom>
-          <a:ln>
+          <a:ln w="63500">
             <a:solidFill>
               <a:schemeClr val="lt1"/>
             </a:solidFill>
@@ -21768,15 +22940,15 @@
           <p:nvPr/>
         </p:nvCxnSpPr>
         <p:spPr>
-          <a:xfrm rot="16200000" flipH="1">
-            <a:off x="9384534" y="3429000"/>
-            <a:ext cx="4395726" cy="0"/>
+          <a:xfrm rot="5400000">
+            <a:off x="8913063" y="3428460"/>
+            <a:ext cx="5319622" cy="19050"/>
           </a:xfrm>
           <a:prstGeom prst="line">
             <a:avLst/>
           </a:prstGeom>
           <a:noFill/>
-          <a:ln w="9525" cap="flat" cmpd="sng" algn="ctr">
+          <a:ln w="101600" cap="flat" cmpd="sng" algn="ctr">
             <a:solidFill>
               <a:schemeClr val="lt1">
                 <a:alpha val="100000"/>
@@ -22130,7 +23302,7 @@
     <mc:Choice Requires="p14">
       <p:transition/>
     </mc:Choice>
-    <mc:Fallback xmlns:dsp="http://schemas.microsoft.com/office/drawing/2008/diagram" xmlns:dgm="http://schemas.openxmlformats.org/drawingml/2006/diagram" xmlns:c="http://schemas.openxmlformats.org/drawingml/2006/chart" xmlns="">
+    <mc:Fallback xmlns="" xmlns:c="http://schemas.openxmlformats.org/drawingml/2006/chart" xmlns:dgm="http://schemas.openxmlformats.org/drawingml/2006/diagram" xmlns:dsp="http://schemas.microsoft.com/office/drawing/2008/diagram">
       <p:transition/>
     </mc:Fallback>
   </mc:AlternateContent>
@@ -22138,7 +23310,7 @@
 </file>
 
 <file path=ppt/slides/slide21.xml><?xml version="1.0" encoding="utf-8"?>
-<p:sld xmlns:r="http://schemas.openxmlformats.org/officeDocument/2006/relationships" xmlns:c="http://schemas.openxmlformats.org/drawingml/2006/chart" xmlns:a="http://schemas.openxmlformats.org/drawingml/2006/main" xmlns:dgm="http://schemas.openxmlformats.org/drawingml/2006/diagram" xmlns:dsp="http://schemas.microsoft.com/office/drawing/2008/diagram" xmlns:p="http://schemas.openxmlformats.org/presentationml/2006/main">
+<p:sld xmlns:a="http://schemas.openxmlformats.org/drawingml/2006/main" xmlns:r="http://schemas.openxmlformats.org/officeDocument/2006/relationships" xmlns:p="http://schemas.openxmlformats.org/presentationml/2006/main">
   <p:cSld>
     <p:spTree>
       <p:nvGrpSpPr>
@@ -22170,8 +23342,8 @@
         </p:blipFill>
         <p:spPr>
           <a:xfrm>
-            <a:off x="5949357" y="541020"/>
-            <a:ext cx="5322486" cy="6117485"/>
+            <a:off x="5949357" y="562708"/>
+            <a:ext cx="5322486" cy="6095797"/>
           </a:xfrm>
           <a:prstGeom prst="rect">
             <a:avLst/>
@@ -22200,7 +23372,6 @@
               <a:rPr lang="en-US" altLang="ko-KR"/>
               <a:t>14</a:t>
             </a:r>
-            <a:endParaRPr lang="en-US" altLang="ko-KR"/>
           </a:p>
         </p:txBody>
       </p:sp>
@@ -22211,7 +23382,7 @@
           <p:nvPr/>
         </p:nvGrpSpPr>
         <p:grpSpPr>
-          <a:xfrm rot="0">
+          <a:xfrm>
             <a:off x="10907949" y="707871"/>
             <a:ext cx="363894" cy="400110"/>
             <a:chOff x="5914053" y="975602"/>
@@ -22235,7 +23406,7 @@
             <a:noFill/>
             <a:ln w="38100">
               <a:solidFill>
-                <a:srgbClr val="c00000"/>
+                <a:srgbClr val="C00000"/>
               </a:solidFill>
               <a:miter/>
             </a:ln>
@@ -22308,7 +23479,7 @@
           <p:nvPr/>
         </p:nvGrpSpPr>
         <p:grpSpPr>
-          <a:xfrm rot="0">
+          <a:xfrm>
             <a:off x="10907949" y="1937478"/>
             <a:ext cx="363894" cy="400110"/>
             <a:chOff x="5914053" y="2033070"/>
@@ -22332,7 +23503,7 @@
             <a:noFill/>
             <a:ln w="38100">
               <a:solidFill>
-                <a:srgbClr val="c00000"/>
+                <a:srgbClr val="C00000"/>
               </a:solidFill>
               <a:miter/>
             </a:ln>
@@ -22405,7 +23576,7 @@
           <p:nvPr/>
         </p:nvGrpSpPr>
         <p:grpSpPr>
-          <a:xfrm rot="0">
+          <a:xfrm>
             <a:off x="10904759" y="3251780"/>
             <a:ext cx="363894" cy="400110"/>
             <a:chOff x="5910863" y="3347372"/>
@@ -22429,7 +23600,7 @@
             <a:noFill/>
             <a:ln w="38100">
               <a:solidFill>
-                <a:srgbClr val="c00000"/>
+                <a:srgbClr val="C00000"/>
               </a:solidFill>
               <a:miter/>
             </a:ln>
@@ -22502,7 +23673,7 @@
           <p:nvPr/>
         </p:nvGrpSpPr>
         <p:grpSpPr>
-          <a:xfrm rot="0">
+          <a:xfrm>
             <a:off x="10907949" y="5105335"/>
             <a:ext cx="363894" cy="400110"/>
             <a:chOff x="5914053" y="5200927"/>
@@ -22526,7 +23697,7 @@
             <a:noFill/>
             <a:ln w="38100">
               <a:solidFill>
-                <a:srgbClr val="c00000"/>
+                <a:srgbClr val="C00000"/>
               </a:solidFill>
               <a:miter/>
             </a:ln>
@@ -22599,7 +23770,7 @@
           <p:nvPr/>
         </p:nvGrpSpPr>
         <p:grpSpPr>
-          <a:xfrm rot="0">
+          <a:xfrm>
             <a:off x="1172034" y="1087046"/>
             <a:ext cx="2976776" cy="4683907"/>
             <a:chOff x="754316" y="1992280"/>
@@ -22647,7 +23818,7 @@
             <a:noFill/>
             <a:ln w="57150">
               <a:solidFill>
-                <a:srgbClr val="c00000"/>
+                <a:srgbClr val="C00000"/>
               </a:solidFill>
               <a:miter/>
             </a:ln>
@@ -22684,7 +23855,7 @@
         </p:nvSpPr>
         <p:spPr>
           <a:xfrm>
-            <a:off x="4870788" y="3181184"/>
+            <a:off x="4694943" y="3181184"/>
             <a:ext cx="900112" cy="495631"/>
           </a:xfrm>
           <a:prstGeom prst="rightArrow">
@@ -22696,7 +23867,7 @@
           <a:noFill/>
           <a:ln w="38100">
             <a:solidFill>
-              <a:srgbClr val="bd3d00"/>
+              <a:srgbClr val="BD3D00"/>
             </a:solidFill>
             <a:miter/>
           </a:ln>
@@ -22740,7 +23911,7 @@
           </a:prstGeom>
           <a:ln w="38100">
             <a:solidFill>
-              <a:srgbClr val="be3d00"/>
+              <a:srgbClr val="BE3D00"/>
             </a:solidFill>
             <a:headEnd w="med" len="med"/>
             <a:tailEnd type="arrow" w="med" len="med"/>
@@ -22780,6 +23951,7 @@
           <a:bodyPr wrap="square">
             <a:spAutoFit/>
           </a:bodyPr>
+          <a:lstStyle/>
           <a:p>
             <a:pPr marL="0" indent="0" algn="l" defTabSz="914400" rtl="0" eaLnBrk="1" latinLnBrk="1" hangingPunct="1">
               <a:lnSpc>
@@ -22795,7 +23967,7 @@
               <a:defRPr/>
             </a:pPr>
             <a:r>
-              <a:rPr xmlns:mc="http://schemas.openxmlformats.org/markup-compatibility/2006" xmlns:hp="http://schemas.haansoft.com/office/presentation/8.0" kumimoji="0" lang="en-US" altLang="ko-KR" sz="2800" b="1" i="0" u="none" strike="noStrike" kern="1200" cap="none" spc="0" normalizeH="0" baseline="0" mc:Ignorable="hp" hp:hslEmbossed="0">
+              <a:rPr kumimoji="0" lang="en-US" altLang="ko-KR" sz="2800" b="1" i="0" u="none" strike="noStrike" kern="1200" cap="none" spc="0" normalizeH="0" baseline="0">
                 <a:solidFill>
                   <a:srgbClr val="000000"/>
                 </a:solidFill>
@@ -22805,7 +23977,7 @@
               <a:t>4.</a:t>
             </a:r>
             <a:r>
-              <a:rPr xmlns:mc="http://schemas.openxmlformats.org/markup-compatibility/2006" xmlns:hp="http://schemas.haansoft.com/office/presentation/8.0" kumimoji="0" lang="ko-KR" altLang="en-US" sz="2800" b="1" i="0" u="none" strike="noStrike" kern="1200" cap="none" spc="0" normalizeH="0" baseline="0" mc:Ignorable="hp" hp:hslEmbossed="0">
+              <a:rPr kumimoji="0" lang="ko-KR" altLang="en-US" sz="2800" b="1" i="0" u="none" strike="noStrike" kern="1200" cap="none" spc="0" normalizeH="0" baseline="0">
                 <a:solidFill>
                   <a:srgbClr val="000000"/>
                 </a:solidFill>
@@ -22815,7 +23987,7 @@
               <a:t> </a:t>
             </a:r>
             <a:r>
-              <a:rPr xmlns:mc="http://schemas.openxmlformats.org/markup-compatibility/2006" xmlns:hp="http://schemas.haansoft.com/office/presentation/8.0" kumimoji="0" lang="en-US" altLang="ko-KR" sz="2800" b="1" i="0" u="none" strike="noStrike" kern="1200" cap="none" spc="0" normalizeH="0" baseline="0" mc:Ignorable="hp" hp:hslEmbossed="0">
+              <a:rPr kumimoji="0" lang="en-US" altLang="ko-KR" sz="2800" b="1" i="0" u="none" strike="noStrike" kern="1200" cap="none" spc="0" normalizeH="0" baseline="0">
                 <a:solidFill>
                   <a:srgbClr val="000000"/>
                 </a:solidFill>
@@ -22825,7 +23997,7 @@
               <a:t>UI </a:t>
             </a:r>
             <a:r>
-              <a:rPr xmlns:mc="http://schemas.openxmlformats.org/markup-compatibility/2006" xmlns:hp="http://schemas.haansoft.com/office/presentation/8.0" kumimoji="0" lang="ko-KR" altLang="en-US" sz="2800" b="1" i="0" u="none" strike="noStrike" kern="1200" cap="none" spc="0" normalizeH="0" baseline="0" mc:Ignorable="hp" hp:hslEmbossed="0">
+              <a:rPr kumimoji="0" lang="ko-KR" altLang="en-US" sz="2800" b="1" i="0" u="none" strike="noStrike" kern="1200" cap="none" spc="0" normalizeH="0" baseline="0">
                 <a:solidFill>
                   <a:srgbClr val="000000"/>
                 </a:solidFill>
@@ -22835,7 +24007,7 @@
               <a:t>구성 </a:t>
             </a:r>
             <a:r>
-              <a:rPr xmlns:mc="http://schemas.openxmlformats.org/markup-compatibility/2006" xmlns:hp="http://schemas.haansoft.com/office/presentation/8.0" kumimoji="0" lang="en-US" altLang="ko-KR" sz="2800" b="1" i="0" u="none" strike="noStrike" kern="1200" cap="none" spc="0" normalizeH="0" baseline="0" mc:Ignorable="hp" hp:hslEmbossed="0">
+              <a:rPr kumimoji="0" lang="en-US" altLang="ko-KR" sz="2800" b="1" i="0" u="none" strike="noStrike" kern="1200" cap="none" spc="0" normalizeH="0" baseline="0">
                 <a:solidFill>
                   <a:srgbClr val="000000"/>
                 </a:solidFill>
@@ -22844,13 +24016,6 @@
               </a:rPr>
               <a:t>(System Config)</a:t>
             </a:r>
-            <a:endParaRPr xmlns:mc="http://schemas.openxmlformats.org/markup-compatibility/2006" xmlns:hp="http://schemas.haansoft.com/office/presentation/8.0" kumimoji="0" lang="en-US" altLang="ko-KR" sz="2800" b="1" i="0" u="none" strike="noStrike" kern="1200" cap="none" spc="0" normalizeH="0" baseline="0" mc:Ignorable="hp" hp:hslEmbossed="0">
-              <a:solidFill>
-                <a:srgbClr val="000000"/>
-              </a:solidFill>
-              <a:latin typeface="맑은 고딕"/>
-              <a:cs typeface="맑은 고딕"/>
-            </a:endParaRPr>
           </a:p>
         </p:txBody>
       </p:sp>
@@ -22859,11 +24024,11 @@
   <p:clrMapOvr>
     <a:masterClrMapping/>
   </p:clrMapOvr>
-  <mc:AlternateContent xmlns:mc="http://schemas.openxmlformats.org/markup-compatibility/2006">
-    <mc:Choice xmlns:p14="http://schemas.microsoft.com/office/powerpoint/2010/main" Requires="p14">
-      <p:transition xmlns:mc="http://schemas.openxmlformats.org/markup-compatibility/2006" xmlns:p14="http://schemas.microsoft.com/office/powerpoint/2010/main" mc:Ignorable="p14" p14:dur="500"/>
+  <mc:AlternateContent xmlns:mc="http://schemas.openxmlformats.org/markup-compatibility/2006" xmlns:p14="http://schemas.microsoft.com/office/powerpoint/2010/main">
+    <mc:Choice Requires="p14">
+      <p:transition/>
     </mc:Choice>
-    <mc:Fallback>
+    <mc:Fallback xmlns:dsp="http://schemas.microsoft.com/office/drawing/2008/diagram" xmlns:dgm="http://schemas.openxmlformats.org/drawingml/2006/diagram" xmlns:c="http://schemas.openxmlformats.org/drawingml/2006/chart" xmlns="">
       <p:transition/>
     </mc:Fallback>
   </mc:AlternateContent>
@@ -23061,7 +24226,7 @@
 </file>
 
 <file path=ppt/slides/slide22.xml><?xml version="1.0" encoding="utf-8"?>
-<p:sld xmlns:r="http://schemas.openxmlformats.org/officeDocument/2006/relationships" xmlns:c="http://schemas.openxmlformats.org/drawingml/2006/chart" xmlns:a="http://schemas.openxmlformats.org/drawingml/2006/main" xmlns:dgm="http://schemas.openxmlformats.org/drawingml/2006/diagram" xmlns:dsp="http://schemas.microsoft.com/office/drawing/2008/diagram" xmlns:p="http://schemas.openxmlformats.org/presentationml/2006/main">
+<p:sld xmlns:a="http://schemas.openxmlformats.org/drawingml/2006/main" xmlns:r="http://schemas.openxmlformats.org/officeDocument/2006/relationships" xmlns:p="http://schemas.openxmlformats.org/presentationml/2006/main">
   <p:cSld>
     <p:spTree>
       <p:nvGrpSpPr>
@@ -23099,7 +24264,6 @@
               <a:rPr lang="en-US" altLang="ko-KR"/>
               <a:t>15</a:t>
             </a:r>
-            <a:endParaRPr lang="en-US" altLang="ko-KR"/>
           </a:p>
         </p:txBody>
       </p:sp>
@@ -23168,7 +24332,7 @@
             <a:avLst/>
           </a:prstGeom>
           <a:solidFill>
-            <a:srgbClr val="ffceb0"/>
+            <a:srgbClr val="FFCEB0"/>
           </a:solidFill>
           <a:ln w="9525">
             <a:noFill/>
@@ -23215,7 +24379,7 @@
             <a:avLst/>
           </a:prstGeom>
           <a:solidFill>
-            <a:srgbClr val="ffb589"/>
+            <a:srgbClr val="FFB589"/>
           </a:solidFill>
           <a:ln w="9525">
             <a:noFill/>
@@ -23289,11 +24453,6 @@
               </a:rPr>
               <a:t>사용자가 장비의 흐름을 한눈에 파악 가능</a:t>
             </a:r>
-            <a:endParaRPr lang="ko-KR" altLang="en-US" sz="2400" b="1">
-              <a:latin typeface="+mn-ea"/>
-              <a:ea typeface="+mn-ea"/>
-              <a:cs typeface="Arial Unicode MS"/>
-            </a:endParaRPr>
           </a:p>
         </p:txBody>
       </p:sp>
@@ -23339,11 +24498,6 @@
               </a:rPr>
               <a:t>발생한 문제에 대한 신속한 대응 가능</a:t>
             </a:r>
-            <a:endParaRPr lang="ko-KR" altLang="en-US" sz="2400" b="1">
-              <a:latin typeface="+mn-ea"/>
-              <a:ea typeface="+mn-ea"/>
-              <a:cs typeface="Arial Unicode MS"/>
-            </a:endParaRPr>
           </a:p>
         </p:txBody>
       </p:sp>
@@ -23389,11 +24543,6 @@
               </a:rPr>
               <a:t>최적의 모듈 설정을 통한 효율 좋은 장비 제작</a:t>
             </a:r>
-            <a:endParaRPr lang="ko-KR" altLang="en-US" sz="2400" b="1">
-              <a:latin typeface="+mn-ea"/>
-              <a:ea typeface="+mn-ea"/>
-              <a:cs typeface="Arial Unicode MS"/>
-            </a:endParaRPr>
           </a:p>
         </p:txBody>
       </p:sp>
@@ -23416,6 +24565,7 @@
           <a:bodyPr wrap="square">
             <a:spAutoFit/>
           </a:bodyPr>
+          <a:lstStyle/>
           <a:p>
             <a:pPr marL="0" indent="0" algn="l" defTabSz="914400" rtl="0" eaLnBrk="1" latinLnBrk="1" hangingPunct="1">
               <a:lnSpc>
@@ -23431,7 +24581,7 @@
               <a:defRPr/>
             </a:pPr>
             <a:r>
-              <a:rPr xmlns:mc="http://schemas.openxmlformats.org/markup-compatibility/2006" xmlns:hp="http://schemas.haansoft.com/office/presentation/8.0" kumimoji="0" lang="en-US" altLang="ko-KR" sz="2800" b="1" i="0" u="none" strike="noStrike" kern="1200" cap="none" spc="0" normalizeH="0" baseline="0" mc:Ignorable="hp" hp:hslEmbossed="0">
+              <a:rPr kumimoji="0" lang="en-US" altLang="ko-KR" sz="2800" b="1" i="0" u="none" strike="noStrike" kern="1200" cap="none" spc="0" normalizeH="0" baseline="0">
                 <a:solidFill>
                   <a:srgbClr val="000000"/>
                 </a:solidFill>
@@ -23441,7 +24591,7 @@
               <a:t>5.</a:t>
             </a:r>
             <a:r>
-              <a:rPr xmlns:mc="http://schemas.openxmlformats.org/markup-compatibility/2006" xmlns:hp="http://schemas.haansoft.com/office/presentation/8.0" kumimoji="0" lang="ko-KR" altLang="en-US" sz="2800" b="1" i="0" u="none" strike="noStrike" kern="1200" cap="none" spc="0" normalizeH="0" baseline="0" mc:Ignorable="hp" hp:hslEmbossed="0">
+              <a:rPr kumimoji="0" lang="ko-KR" altLang="en-US" sz="2800" b="1" i="0" u="none" strike="noStrike" kern="1200" cap="none" spc="0" normalizeH="0" baseline="0">
                 <a:solidFill>
                   <a:srgbClr val="000000"/>
                 </a:solidFill>
@@ -23450,13 +24600,6 @@
               </a:rPr>
               <a:t> 기대 효과</a:t>
             </a:r>
-            <a:endParaRPr xmlns:mc="http://schemas.openxmlformats.org/markup-compatibility/2006" xmlns:hp="http://schemas.haansoft.com/office/presentation/8.0" kumimoji="0" lang="ko-KR" altLang="en-US" sz="2800" b="1" i="0" u="none" strike="noStrike" kern="1200" cap="none" spc="0" normalizeH="0" baseline="0" mc:Ignorable="hp" hp:hslEmbossed="0">
-              <a:solidFill>
-                <a:srgbClr val="000000"/>
-              </a:solidFill>
-              <a:latin typeface="맑은 고딕"/>
-              <a:cs typeface="맑은 고딕"/>
-            </a:endParaRPr>
           </a:p>
         </p:txBody>
       </p:sp>
@@ -23465,11 +24608,11 @@
   <p:clrMapOvr>
     <a:masterClrMapping/>
   </p:clrMapOvr>
-  <mc:AlternateContent xmlns:mc="http://schemas.openxmlformats.org/markup-compatibility/2006">
-    <mc:Choice xmlns:p14="http://schemas.microsoft.com/office/powerpoint/2010/main" Requires="p14">
-      <p:transition xmlns:mc="http://schemas.openxmlformats.org/markup-compatibility/2006" xmlns:p14="http://schemas.microsoft.com/office/powerpoint/2010/main" mc:Ignorable="p14" p14:dur="500"/>
+  <mc:AlternateContent xmlns:mc="http://schemas.openxmlformats.org/markup-compatibility/2006" xmlns:p14="http://schemas.microsoft.com/office/powerpoint/2010/main">
+    <mc:Choice Requires="p14">
+      <p:transition/>
     </mc:Choice>
-    <mc:Fallback>
+    <mc:Fallback xmlns:dsp="http://schemas.microsoft.com/office/drawing/2008/diagram" xmlns:dgm="http://schemas.openxmlformats.org/drawingml/2006/diagram" xmlns:c="http://schemas.openxmlformats.org/drawingml/2006/chart" xmlns="">
       <p:transition/>
     </mc:Fallback>
   </mc:AlternateContent>
@@ -23477,7 +24620,7 @@
 </file>
 
 <file path=ppt/slides/slide23.xml><?xml version="1.0" encoding="utf-8"?>
-<p:sld xmlns:r="http://schemas.openxmlformats.org/officeDocument/2006/relationships" xmlns:c="http://schemas.openxmlformats.org/drawingml/2006/chart" xmlns:a="http://schemas.openxmlformats.org/drawingml/2006/main" xmlns:dgm="http://schemas.openxmlformats.org/drawingml/2006/diagram" xmlns:dsp="http://schemas.microsoft.com/office/drawing/2008/diagram" xmlns:p="http://schemas.openxmlformats.org/presentationml/2006/main">
+<p:sld xmlns:a="http://schemas.openxmlformats.org/drawingml/2006/main" xmlns:r="http://schemas.openxmlformats.org/officeDocument/2006/relationships" xmlns:p="http://schemas.openxmlformats.org/presentationml/2006/main">
   <p:cSld>
     <p:spTree>
       <p:nvGrpSpPr>
@@ -23569,13 +24712,6 @@
               </a:rPr>
               <a:t>Thank You:)</a:t>
             </a:r>
-            <a:endParaRPr lang="en-US" altLang="ko-KR" sz="7900" b="1">
-              <a:solidFill>
-                <a:schemeClr val="dk1"/>
-              </a:solidFill>
-              <a:latin typeface="Consolas"/>
-              <a:cs typeface="Arial Unicode MS"/>
-            </a:endParaRPr>
           </a:p>
         </p:txBody>
       </p:sp>
@@ -23584,11 +24720,11 @@
   <p:clrMapOvr>
     <a:masterClrMapping/>
   </p:clrMapOvr>
-  <mc:AlternateContent xmlns:mc="http://schemas.openxmlformats.org/markup-compatibility/2006">
-    <mc:Choice xmlns:p14="http://schemas.microsoft.com/office/powerpoint/2010/main" Requires="p14">
-      <p:transition xmlns:mc="http://schemas.openxmlformats.org/markup-compatibility/2006" xmlns:p14="http://schemas.microsoft.com/office/powerpoint/2010/main" mc:Ignorable="p14" p14:dur="500"/>
+  <mc:AlternateContent xmlns:mc="http://schemas.openxmlformats.org/markup-compatibility/2006" xmlns:p14="http://schemas.microsoft.com/office/powerpoint/2010/main">
+    <mc:Choice Requires="p14">
+      <p:transition/>
     </mc:Choice>
-    <mc:Fallback>
+    <mc:Fallback xmlns:dsp="http://schemas.microsoft.com/office/drawing/2008/diagram" xmlns:dgm="http://schemas.openxmlformats.org/drawingml/2006/diagram" xmlns:c="http://schemas.openxmlformats.org/drawingml/2006/chart" xmlns="">
       <p:transition/>
     </mc:Fallback>
   </mc:AlternateContent>
@@ -23596,7 +24732,7 @@
 </file>
 
 <file path=ppt/slides/slide3.xml><?xml version="1.0" encoding="utf-8"?>
-<p:sld xmlns:r="http://schemas.openxmlformats.org/officeDocument/2006/relationships" xmlns:c="http://schemas.openxmlformats.org/drawingml/2006/chart" xmlns:a="http://schemas.openxmlformats.org/drawingml/2006/main" xmlns:dgm="http://schemas.openxmlformats.org/drawingml/2006/diagram" xmlns:dsp="http://schemas.microsoft.com/office/drawing/2008/diagram" xmlns:p="http://schemas.openxmlformats.org/presentationml/2006/main">
+<p:sld xmlns:a="http://schemas.openxmlformats.org/drawingml/2006/main" xmlns:r="http://schemas.openxmlformats.org/officeDocument/2006/relationships" xmlns:p="http://schemas.openxmlformats.org/presentationml/2006/main">
   <p:cSld>
     <p:spTree>
       <p:nvGrpSpPr>
@@ -23699,13 +24835,6 @@
               </a:rPr>
               <a:t>김재곤</a:t>
             </a:r>
-            <a:endParaRPr kumimoji="0" lang="ko-KR" altLang="en-US" sz="2500" b="0" i="0" u="none" strike="noStrike" kern="1200" cap="none" spc="0" normalizeH="0" baseline="0">
-              <a:solidFill>
-                <a:srgbClr val="000000"/>
-              </a:solidFill>
-              <a:latin typeface="맑은 고딕"/>
-              <a:cs typeface="Arial Unicode MS"/>
-            </a:endParaRPr>
           </a:p>
         </p:txBody>
       </p:sp>
@@ -23763,13 +24892,6 @@
               </a:rPr>
               <a:t>김서윤</a:t>
             </a:r>
-            <a:endParaRPr kumimoji="0" lang="ko-KR" altLang="en-US" sz="2500" b="0" i="0" u="none" strike="noStrike" kern="1200" cap="none" spc="0" normalizeH="0" baseline="0">
-              <a:solidFill>
-                <a:srgbClr val="000000"/>
-              </a:solidFill>
-              <a:latin typeface="맑은 고딕"/>
-              <a:cs typeface="Arial Unicode MS"/>
-            </a:endParaRPr>
           </a:p>
         </p:txBody>
       </p:sp>
@@ -23827,13 +24949,6 @@
               </a:rPr>
               <a:t>한성현</a:t>
             </a:r>
-            <a:endParaRPr kumimoji="0" lang="ko-KR" altLang="en-US" sz="2500" b="0" i="0" u="none" strike="noStrike" kern="1200" cap="none" spc="0" normalizeH="0" baseline="0">
-              <a:solidFill>
-                <a:srgbClr val="000000"/>
-              </a:solidFill>
-              <a:latin typeface="맑은 고딕"/>
-              <a:cs typeface="Arial Unicode MS"/>
-            </a:endParaRPr>
           </a:p>
         </p:txBody>
       </p:sp>
@@ -23891,13 +25006,6 @@
               </a:rPr>
               <a:t>계민석</a:t>
             </a:r>
-            <a:endParaRPr kumimoji="0" lang="ko-KR" altLang="en-US" sz="2500" b="0" i="0" u="none" strike="noStrike" kern="1200" cap="none" spc="0" normalizeH="0" baseline="0">
-              <a:solidFill>
-                <a:srgbClr val="000000"/>
-              </a:solidFill>
-              <a:latin typeface="맑은 고딕"/>
-              <a:cs typeface="Arial Unicode MS"/>
-            </a:endParaRPr>
           </a:p>
         </p:txBody>
       </p:sp>
@@ -23977,13 +25085,6 @@
               </a:rPr>
               <a:t>제작</a:t>
             </a:r>
-            <a:endParaRPr kumimoji="0" lang="ko-KR" altLang="en-US" b="1" i="0" u="none" strike="noStrike" kern="1200" cap="none" spc="0" normalizeH="0" baseline="0">
-              <a:solidFill>
-                <a:srgbClr val="000000"/>
-              </a:solidFill>
-              <a:latin typeface="맑은 고딕"/>
-              <a:cs typeface="Arial Unicode MS"/>
-            </a:endParaRPr>
           </a:p>
           <a:p>
             <a:pPr marL="285750" indent="-285750" algn="l" defTabSz="914400" rtl="0" eaLnBrk="1" latinLnBrk="1" hangingPunct="1">
@@ -24020,13 +25121,6 @@
               </a:rPr>
               <a:t> 그림 제작</a:t>
             </a:r>
-            <a:endParaRPr kumimoji="0" lang="ko-KR" altLang="en-US" b="1" i="0" u="none" strike="noStrike" kern="1200" cap="none" spc="0" normalizeH="0" baseline="0">
-              <a:solidFill>
-                <a:schemeClr val="tx1"/>
-              </a:solidFill>
-              <a:latin typeface="맑은 고딕"/>
-              <a:cs typeface="Arial Unicode MS"/>
-            </a:endParaRPr>
           </a:p>
           <a:p>
             <a:pPr marL="285750" indent="-285750" algn="l" defTabSz="914400" rtl="0" eaLnBrk="1" latinLnBrk="1" hangingPunct="1">
@@ -24150,10 +25244,6 @@
               </a:rPr>
               <a:t> 설계 및 제작</a:t>
             </a:r>
-            <a:endParaRPr lang="ko-KR" altLang="en-US" b="1">
-              <a:latin typeface="맑은 고딕"/>
-              <a:cs typeface="Arial Unicode MS"/>
-            </a:endParaRPr>
           </a:p>
           <a:p>
             <a:pPr marL="285750" indent="-285750" algn="l" defTabSz="914400" rtl="0" eaLnBrk="1" latinLnBrk="1" hangingPunct="1">
@@ -24190,13 +25280,6 @@
               </a:rPr>
               <a:t> 그림 제작</a:t>
             </a:r>
-            <a:endParaRPr lang="ko-KR" altLang="en-US" b="1">
-              <a:solidFill>
-                <a:schemeClr val="tx1"/>
-              </a:solidFill>
-              <a:latin typeface="맑은 고딕"/>
-              <a:cs typeface="Arial Unicode MS"/>
-            </a:endParaRPr>
           </a:p>
           <a:p>
             <a:pPr marL="285750" indent="-285750" algn="l" defTabSz="914400" rtl="0" eaLnBrk="1" latinLnBrk="1" hangingPunct="1">
@@ -24282,10 +25365,6 @@
               </a:rPr>
               <a:t>구현</a:t>
             </a:r>
-            <a:endParaRPr lang="ko-KR" altLang="en-US" b="1">
-              <a:latin typeface="맑은 고딕"/>
-              <a:cs typeface="Arial Unicode MS"/>
-            </a:endParaRPr>
           </a:p>
           <a:p>
             <a:pPr marL="285750" indent="-285750" algn="l" defTabSz="914400" rtl="0" eaLnBrk="1" latinLnBrk="1" hangingPunct="1">
@@ -24393,10 +25472,6 @@
               </a:rPr>
               <a:t>기능 구현</a:t>
             </a:r>
-            <a:endParaRPr kumimoji="0" lang="ko-KR" altLang="en-US" b="1" i="0" u="none" strike="noStrike" kern="1200" cap="none" spc="0" normalizeH="0" baseline="0">
-              <a:latin typeface="맑은 고딕"/>
-              <a:cs typeface="Arial Unicode MS"/>
-            </a:endParaRPr>
           </a:p>
           <a:p>
             <a:pPr marL="285750" indent="-285750">
@@ -24452,10 +25527,6 @@
               </a:rPr>
               <a:t>기능 구현</a:t>
             </a:r>
-            <a:endParaRPr kumimoji="0" lang="ko-KR" altLang="en-US" b="1" i="0" u="none" strike="noStrike" kern="1200" cap="none" spc="0" normalizeH="0" baseline="0">
-              <a:latin typeface="맑은 고딕"/>
-              <a:cs typeface="Arial Unicode MS"/>
-            </a:endParaRPr>
           </a:p>
           <a:p>
             <a:pPr marL="285750" indent="-285750">
@@ -24472,7 +25543,7 @@
             <a:r>
               <a:rPr kumimoji="0" lang="en-US" altLang="ko-KR" b="1" i="0" u="none" strike="noStrike" kern="1200" cap="none" spc="0" normalizeH="0" baseline="0">
                 <a:solidFill>
-                  <a:srgbClr val="ff0000"/>
+                  <a:srgbClr val="FF0000"/>
                 </a:solidFill>
                 <a:latin typeface="맑은 고딕"/>
                 <a:cs typeface="Arial Unicode MS"/>
@@ -24482,20 +25553,13 @@
             <a:r>
               <a:rPr kumimoji="0" lang="ko-KR" altLang="en-US" b="1" i="0" u="none" strike="noStrike" kern="1200" cap="none" spc="0" normalizeH="0" baseline="0">
                 <a:solidFill>
-                  <a:srgbClr val="ff0000"/>
+                  <a:srgbClr val="FF0000"/>
                 </a:solidFill>
                 <a:latin typeface="맑은 고딕"/>
                 <a:cs typeface="Arial Unicode MS"/>
               </a:rPr>
               <a:t>과제 구현</a:t>
             </a:r>
-            <a:endParaRPr kumimoji="0" lang="ko-KR" altLang="en-US" b="1" i="0" u="none" strike="noStrike" kern="1200" cap="none" spc="0" normalizeH="0" baseline="0">
-              <a:solidFill>
-                <a:srgbClr val="ff0000"/>
-              </a:solidFill>
-              <a:latin typeface="맑은 고딕"/>
-              <a:cs typeface="Arial Unicode MS"/>
-            </a:endParaRPr>
           </a:p>
         </p:txBody>
       </p:sp>
@@ -24596,13 +25660,6 @@
               </a:rPr>
               <a:t>Main System</a:t>
             </a:r>
-            <a:endParaRPr lang="en-US" altLang="ko-KR" sz="2300" b="1">
-              <a:solidFill>
-                <a:schemeClr val="dk1"/>
-              </a:solidFill>
-              <a:latin typeface="맑은 고딕"/>
-              <a:cs typeface="Arial Unicode MS"/>
-            </a:endParaRPr>
           </a:p>
         </p:txBody>
       </p:sp>
@@ -24657,13 +25714,6 @@
               </a:rPr>
               <a:t>System </a:t>
             </a:r>
-            <a:endParaRPr kumimoji="0" lang="en-US" altLang="ko-KR" sz="2300" b="1" i="0" u="none" strike="noStrike" kern="1200" cap="none" spc="0" normalizeH="0" baseline="0">
-              <a:solidFill>
-                <a:schemeClr val="dk1"/>
-              </a:solidFill>
-              <a:latin typeface="맑은 고딕"/>
-              <a:cs typeface="Arial Unicode MS"/>
-            </a:endParaRPr>
           </a:p>
           <a:p>
             <a:pPr marL="0" indent="0" algn="ctr" defTabSz="914400" rtl="0" eaLnBrk="1" latinLnBrk="1" hangingPunct="1">
@@ -24687,13 +25737,6 @@
               </a:rPr>
               <a:t>&amp;</a:t>
             </a:r>
-            <a:endParaRPr kumimoji="0" lang="en-US" altLang="ko-KR" sz="1900" b="1" i="0" u="none" strike="noStrike" kern="1200" cap="none" spc="0" normalizeH="0" baseline="0">
-              <a:solidFill>
-                <a:schemeClr val="dk1"/>
-              </a:solidFill>
-              <a:latin typeface="맑은 고딕"/>
-              <a:cs typeface="Arial Unicode MS"/>
-            </a:endParaRPr>
           </a:p>
           <a:p>
             <a:pPr marL="0" indent="0" algn="ctr" defTabSz="914400" rtl="0" eaLnBrk="1" latinLnBrk="1" hangingPunct="1">
@@ -24710,20 +25753,13 @@
             <a:r>
               <a:rPr kumimoji="0" lang="en-US" altLang="ko-KR" sz="2300" b="1" i="0" u="none" strike="noStrike" kern="1200" cap="none" spc="0" normalizeH="0" baseline="0">
                 <a:solidFill>
-                  <a:srgbClr val="ff0000"/>
+                  <a:srgbClr val="FF0000"/>
                 </a:solidFill>
                 <a:latin typeface="맑은 고딕"/>
                 <a:cs typeface="Arial Unicode MS"/>
               </a:rPr>
               <a:t>Sub Project</a:t>
             </a:r>
-            <a:endParaRPr kumimoji="0" lang="en-US" altLang="ko-KR" sz="2300" b="1" i="0" u="none" strike="noStrike" kern="1200" cap="none" spc="0" normalizeH="0" baseline="0">
-              <a:solidFill>
-                <a:srgbClr val="ff0000"/>
-              </a:solidFill>
-              <a:latin typeface="맑은 고딕"/>
-              <a:cs typeface="Arial Unicode MS"/>
-            </a:endParaRPr>
           </a:p>
         </p:txBody>
       </p:sp>
@@ -24797,13 +25833,6 @@
               </a:rPr>
               <a:t>(LPM - LL)</a:t>
             </a:r>
-            <a:endParaRPr kumimoji="0" lang="en-US" altLang="ko-KR" sz="1900" b="1" i="0" u="none" strike="noStrike" kern="1200" cap="none" spc="0" normalizeH="0" baseline="0">
-              <a:solidFill>
-                <a:srgbClr val="000000"/>
-              </a:solidFill>
-              <a:latin typeface="맑은 고딕"/>
-              <a:cs typeface="Arial Unicode MS"/>
-            </a:endParaRPr>
           </a:p>
         </p:txBody>
       </p:sp>
@@ -24877,13 +25906,6 @@
               </a:rPr>
               <a:t>(LL - PM)</a:t>
             </a:r>
-            <a:endParaRPr kumimoji="0" lang="en-US" altLang="ko-KR" sz="1900" b="1" i="0" u="none" strike="noStrike" kern="1200" cap="none" spc="0" normalizeH="0" baseline="0">
-              <a:solidFill>
-                <a:srgbClr val="000000"/>
-              </a:solidFill>
-              <a:latin typeface="맑은 고딕"/>
-              <a:cs typeface="Arial Unicode MS"/>
-            </a:endParaRPr>
           </a:p>
         </p:txBody>
       </p:sp>
@@ -24941,13 +25963,6 @@
               </a:rPr>
               <a:t> 팀 구성 및 역할</a:t>
             </a:r>
-            <a:endParaRPr kumimoji="0" lang="ko-KR" altLang="en-US" sz="2800" b="1" i="0" u="none" strike="noStrike" kern="1200" cap="none" spc="0" normalizeH="0" baseline="0">
-              <a:solidFill>
-                <a:srgbClr val="000000"/>
-              </a:solidFill>
-              <a:latin typeface="맑은 고딕"/>
-              <a:cs typeface="맑은 고딕"/>
-            </a:endParaRPr>
           </a:p>
         </p:txBody>
       </p:sp>
@@ -24956,11 +25971,11 @@
   <p:clrMapOvr>
     <a:masterClrMapping/>
   </p:clrMapOvr>
-  <mc:AlternateContent xmlns:mc="http://schemas.openxmlformats.org/markup-compatibility/2006">
-    <mc:Choice xmlns:p14="http://schemas.microsoft.com/office/powerpoint/2010/main" Requires="p14">
-      <p:transition xmlns:mc="http://schemas.openxmlformats.org/markup-compatibility/2006" xmlns:p14="http://schemas.microsoft.com/office/powerpoint/2010/main" mc:Ignorable="p14" p14:dur="500"/>
+  <mc:AlternateContent xmlns:mc="http://schemas.openxmlformats.org/markup-compatibility/2006" xmlns:p14="http://schemas.microsoft.com/office/powerpoint/2010/main">
+    <mc:Choice Requires="p14">
+      <p:transition/>
     </mc:Choice>
-    <mc:Fallback>
+    <mc:Fallback xmlns:dsp="http://schemas.microsoft.com/office/drawing/2008/diagram" xmlns:dgm="http://schemas.openxmlformats.org/drawingml/2006/diagram" xmlns:c="http://schemas.openxmlformats.org/drawingml/2006/chart" xmlns="">
       <p:transition/>
     </mc:Fallback>
   </mc:AlternateContent>
@@ -24968,7 +25983,7 @@
 </file>
 
 <file path=ppt/slides/slide4.xml><?xml version="1.0" encoding="utf-8"?>
-<p:sld xmlns:r="http://schemas.openxmlformats.org/officeDocument/2006/relationships" xmlns:c="http://schemas.openxmlformats.org/drawingml/2006/chart" xmlns:a="http://schemas.openxmlformats.org/drawingml/2006/main" xmlns:dgm="http://schemas.openxmlformats.org/drawingml/2006/diagram" xmlns:dsp="http://schemas.microsoft.com/office/drawing/2008/diagram" xmlns:p="http://schemas.openxmlformats.org/presentationml/2006/main">
+<p:sld xmlns:a="http://schemas.openxmlformats.org/drawingml/2006/main" xmlns:r="http://schemas.openxmlformats.org/officeDocument/2006/relationships" xmlns:p="http://schemas.openxmlformats.org/presentationml/2006/main">
   <p:cSld>
     <p:spTree>
       <p:nvGrpSpPr>
@@ -25109,13 +26124,6 @@
               </a:rPr>
               <a:t>Tool</a:t>
             </a:r>
-            <a:endParaRPr lang="en-US" altLang="ko-KR" sz="3000" b="1">
-              <a:solidFill>
-                <a:schemeClr val="dk1"/>
-              </a:solidFill>
-              <a:latin typeface="맑은 고딕"/>
-              <a:cs typeface="Arial Unicode MS"/>
-            </a:endParaRPr>
           </a:p>
         </p:txBody>
       </p:sp>
@@ -25169,13 +26177,6 @@
               </a:rPr>
               <a:t>Language &amp; Library</a:t>
             </a:r>
-            <a:endParaRPr kumimoji="0" lang="en-US" altLang="ko-KR" sz="3000" b="1" i="0" u="none" strike="noStrike" kern="1200" cap="none" spc="0" normalizeH="0" baseline="0">
-              <a:solidFill>
-                <a:schemeClr val="dk1"/>
-              </a:solidFill>
-              <a:latin typeface="맑은 고딕"/>
-              <a:cs typeface="Arial Unicode MS"/>
-            </a:endParaRPr>
           </a:p>
         </p:txBody>
       </p:sp>
@@ -25230,12 +26231,12 @@
       </p:sp>
       <p:grpSp>
         <p:nvGrpSpPr>
-          <p:cNvPr id="28" name=""/>
+          <p:cNvPr id="28" name="그룹 27"/>
           <p:cNvGrpSpPr/>
           <p:nvPr/>
         </p:nvGrpSpPr>
         <p:grpSpPr>
-          <a:xfrm rot="0">
+          <a:xfrm>
             <a:off x="6467302" y="2110923"/>
             <a:ext cx="3620804" cy="4547582"/>
             <a:chOff x="6610177" y="2110923"/>
@@ -25420,13 +26421,6 @@
               </a:rPr>
               <a:t> 도구</a:t>
             </a:r>
-            <a:endParaRPr kumimoji="0" lang="ko-KR" altLang="en-US" sz="2800" b="1" i="0" u="none" strike="noStrike" kern="1200" cap="none" spc="0" normalizeH="0" baseline="0">
-              <a:solidFill>
-                <a:srgbClr val="000000"/>
-              </a:solidFill>
-              <a:latin typeface="맑은 고딕"/>
-              <a:cs typeface="맑은 고딕"/>
-            </a:endParaRPr>
           </a:p>
         </p:txBody>
       </p:sp>
@@ -25435,11 +26429,11 @@
   <p:clrMapOvr>
     <a:masterClrMapping/>
   </p:clrMapOvr>
-  <mc:AlternateContent xmlns:mc="http://schemas.openxmlformats.org/markup-compatibility/2006">
-    <mc:Choice xmlns:p14="http://schemas.microsoft.com/office/powerpoint/2010/main" Requires="p14">
-      <p:transition xmlns:mc="http://schemas.openxmlformats.org/markup-compatibility/2006" xmlns:p14="http://schemas.microsoft.com/office/powerpoint/2010/main" mc:Ignorable="p14" p14:dur="500"/>
+  <mc:AlternateContent xmlns:mc="http://schemas.openxmlformats.org/markup-compatibility/2006" xmlns:p14="http://schemas.microsoft.com/office/powerpoint/2010/main">
+    <mc:Choice Requires="p14">
+      <p:transition/>
     </mc:Choice>
-    <mc:Fallback>
+    <mc:Fallback xmlns:dsp="http://schemas.microsoft.com/office/drawing/2008/diagram" xmlns:dgm="http://schemas.openxmlformats.org/drawingml/2006/diagram" xmlns:c="http://schemas.openxmlformats.org/drawingml/2006/chart" xmlns="">
       <p:transition/>
     </mc:Fallback>
   </mc:AlternateContent>
@@ -25447,7 +26441,7 @@
 </file>
 
 <file path=ppt/slides/slide5.xml><?xml version="1.0" encoding="utf-8"?>
-<p:sld xmlns:r="http://schemas.openxmlformats.org/officeDocument/2006/relationships" xmlns:c="http://schemas.openxmlformats.org/drawingml/2006/chart" xmlns:a="http://schemas.openxmlformats.org/drawingml/2006/main" xmlns:dgm="http://schemas.openxmlformats.org/drawingml/2006/diagram" xmlns:dsp="http://schemas.microsoft.com/office/drawing/2008/diagram" xmlns:p="http://schemas.openxmlformats.org/presentationml/2006/main">
+<p:sld xmlns:a="http://schemas.openxmlformats.org/drawingml/2006/main" xmlns:r="http://schemas.openxmlformats.org/officeDocument/2006/relationships" xmlns:p="http://schemas.openxmlformats.org/presentationml/2006/main">
   <p:cSld>
     <p:spTree>
       <p:nvGrpSpPr>
@@ -25820,13 +26814,6 @@
               </a:rPr>
               <a:t> 개발 배경</a:t>
             </a:r>
-            <a:endParaRPr kumimoji="0" lang="ko-KR" altLang="en-US" sz="2800" b="1" i="0" u="none" strike="noStrike" kern="1200" cap="none" spc="0" normalizeH="0" baseline="0">
-              <a:solidFill>
-                <a:srgbClr val="000000"/>
-              </a:solidFill>
-              <a:latin typeface="맑은 고딕"/>
-              <a:cs typeface="맑은 고딕"/>
-            </a:endParaRPr>
           </a:p>
         </p:txBody>
       </p:sp>
@@ -25859,11 +26846,11 @@
   <p:clrMapOvr>
     <a:masterClrMapping/>
   </p:clrMapOvr>
-  <mc:AlternateContent xmlns:mc="http://schemas.openxmlformats.org/markup-compatibility/2006">
-    <mc:Choice xmlns:p14="http://schemas.microsoft.com/office/powerpoint/2010/main" Requires="p14">
-      <p:transition xmlns:mc="http://schemas.openxmlformats.org/markup-compatibility/2006" xmlns:p14="http://schemas.microsoft.com/office/powerpoint/2010/main" mc:Ignorable="p14" p14:dur="500"/>
+  <mc:AlternateContent xmlns:mc="http://schemas.openxmlformats.org/markup-compatibility/2006" xmlns:p14="http://schemas.microsoft.com/office/powerpoint/2010/main">
+    <mc:Choice Requires="p14">
+      <p:transition/>
     </mc:Choice>
-    <mc:Fallback>
+    <mc:Fallback xmlns:dsp="http://schemas.microsoft.com/office/drawing/2008/diagram" xmlns:dgm="http://schemas.openxmlformats.org/drawingml/2006/diagram" xmlns:c="http://schemas.openxmlformats.org/drawingml/2006/chart" xmlns="">
       <p:transition/>
     </mc:Fallback>
   </mc:AlternateContent>
@@ -26813,7 +27800,7 @@
     <mc:Choice Requires="p14">
       <p:transition spd="slow"/>
     </mc:Choice>
-    <mc:Fallback xmlns:dsp="http://schemas.microsoft.com/office/drawing/2008/diagram" xmlns:dgm="http://schemas.openxmlformats.org/drawingml/2006/diagram" xmlns:c="http://schemas.openxmlformats.org/drawingml/2006/chart" xmlns="">
+    <mc:Fallback xmlns="" xmlns:c="http://schemas.openxmlformats.org/drawingml/2006/chart" xmlns:dgm="http://schemas.openxmlformats.org/drawingml/2006/diagram" xmlns:dsp="http://schemas.microsoft.com/office/drawing/2008/diagram">
       <p:transition/>
     </mc:Fallback>
   </mc:AlternateContent>
@@ -27459,7 +28446,7 @@
     <mc:Choice Requires="p14">
       <p:transition spd="slow"/>
     </mc:Choice>
-    <mc:Fallback xmlns:dsp="http://schemas.microsoft.com/office/drawing/2008/diagram" xmlns:dgm="http://schemas.openxmlformats.org/drawingml/2006/diagram" xmlns:c="http://schemas.openxmlformats.org/drawingml/2006/chart" xmlns="">
+    <mc:Fallback xmlns="" xmlns:c="http://schemas.openxmlformats.org/drawingml/2006/chart" xmlns:dgm="http://schemas.openxmlformats.org/drawingml/2006/diagram" xmlns:dsp="http://schemas.microsoft.com/office/drawing/2008/diagram">
       <p:transition/>
     </mc:Fallback>
   </mc:AlternateContent>
@@ -28105,7 +29092,7 @@
     <mc:Choice Requires="p14">
       <p:transition spd="slow"/>
     </mc:Choice>
-    <mc:Fallback xmlns:dsp="http://schemas.microsoft.com/office/drawing/2008/diagram" xmlns:dgm="http://schemas.openxmlformats.org/drawingml/2006/diagram" xmlns:c="http://schemas.openxmlformats.org/drawingml/2006/chart" xmlns="">
+    <mc:Fallback xmlns="" xmlns:c="http://schemas.openxmlformats.org/drawingml/2006/chart" xmlns:dgm="http://schemas.openxmlformats.org/drawingml/2006/diagram" xmlns:dsp="http://schemas.microsoft.com/office/drawing/2008/diagram">
       <p:transition/>
     </mc:Fallback>
   </mc:AlternateContent>
@@ -28937,7 +29924,7 @@
     <mc:Choice Requires="p14">
       <p:transition spd="slow"/>
     </mc:Choice>
-    <mc:Fallback xmlns:dsp="http://schemas.microsoft.com/office/drawing/2008/diagram" xmlns:dgm="http://schemas.openxmlformats.org/drawingml/2006/diagram" xmlns:c="http://schemas.openxmlformats.org/drawingml/2006/chart" xmlns="">
+    <mc:Fallback xmlns="" xmlns:c="http://schemas.openxmlformats.org/drawingml/2006/chart" xmlns:dgm="http://schemas.openxmlformats.org/drawingml/2006/diagram" xmlns:dsp="http://schemas.microsoft.com/office/drawing/2008/diagram">
       <p:transition/>
     </mc:Fallback>
   </mc:AlternateContent>

--- a/A조 발표/A조 발표 최종.pptx
+++ b/A조 발표/A조 발표 최종.pptx
@@ -1,40 +1,40 @@
 
 <file path=ppt/presentation.xml><?xml version="1.0" encoding="utf-8"?>
-<p:presentation xmlns:r="http://schemas.openxmlformats.org/officeDocument/2006/relationships" xmlns:c="http://schemas.openxmlformats.org/drawingml/2006/chart" xmlns:a="http://schemas.openxmlformats.org/drawingml/2006/main" xmlns:dgm="http://schemas.openxmlformats.org/drawingml/2006/diagram" xmlns:dsp="http://schemas.microsoft.com/office/drawing/2008/diagram" xmlns:p="http://schemas.openxmlformats.org/presentationml/2006/main">
+<p:presentation xmlns:a="http://schemas.openxmlformats.org/drawingml/2006/main" xmlns:r="http://schemas.openxmlformats.org/officeDocument/2006/relationships" xmlns:p="http://schemas.openxmlformats.org/presentationml/2006/main">
   <p:sldMasterIdLst>
     <p:sldMasterId id="2147483804" r:id="rId1"/>
     <p:sldMasterId id="2147483805" r:id="rId2"/>
   </p:sldMasterIdLst>
   <p:notesMasterIdLst>
-    <p:notesMasterId r:id="rId3"/>
+    <p:notesMasterId r:id="rId26"/>
   </p:notesMasterIdLst>
   <p:handoutMasterIdLst>
-    <p:handoutMasterId r:id="rId4"/>
+    <p:handoutMasterId r:id="rId27"/>
   </p:handoutMasterIdLst>
   <p:sldIdLst>
-    <p:sldId id="292" r:id="rId5"/>
-    <p:sldId id="280" r:id="rId6"/>
-    <p:sldId id="299" r:id="rId7"/>
-    <p:sldId id="283" r:id="rId8"/>
-    <p:sldId id="259" r:id="rId9"/>
-    <p:sldId id="310" r:id="rId10"/>
-    <p:sldId id="316" r:id="rId11"/>
-    <p:sldId id="317" r:id="rId12"/>
-    <p:sldId id="318" r:id="rId13"/>
-    <p:sldId id="319" r:id="rId14"/>
-    <p:sldId id="320" r:id="rId15"/>
-    <p:sldId id="321" r:id="rId16"/>
-    <p:sldId id="285" r:id="rId17"/>
-    <p:sldId id="279" r:id="rId18"/>
-    <p:sldId id="322" r:id="rId19"/>
-    <p:sldId id="293" r:id="rId20"/>
-    <p:sldId id="294" r:id="rId21"/>
-    <p:sldId id="295" r:id="rId22"/>
-    <p:sldId id="296" r:id="rId23"/>
-    <p:sldId id="315" r:id="rId24"/>
-    <p:sldId id="298" r:id="rId25"/>
-    <p:sldId id="323" r:id="rId26"/>
-    <p:sldId id="308" r:id="rId27"/>
+    <p:sldId id="292" r:id="rId3"/>
+    <p:sldId id="280" r:id="rId4"/>
+    <p:sldId id="299" r:id="rId5"/>
+    <p:sldId id="283" r:id="rId6"/>
+    <p:sldId id="259" r:id="rId7"/>
+    <p:sldId id="310" r:id="rId8"/>
+    <p:sldId id="316" r:id="rId9"/>
+    <p:sldId id="317" r:id="rId10"/>
+    <p:sldId id="318" r:id="rId11"/>
+    <p:sldId id="319" r:id="rId12"/>
+    <p:sldId id="320" r:id="rId13"/>
+    <p:sldId id="321" r:id="rId14"/>
+    <p:sldId id="285" r:id="rId15"/>
+    <p:sldId id="279" r:id="rId16"/>
+    <p:sldId id="322" r:id="rId17"/>
+    <p:sldId id="293" r:id="rId18"/>
+    <p:sldId id="294" r:id="rId19"/>
+    <p:sldId id="295" r:id="rId20"/>
+    <p:sldId id="296" r:id="rId21"/>
+    <p:sldId id="315" r:id="rId22"/>
+    <p:sldId id="298" r:id="rId23"/>
+    <p:sldId id="323" r:id="rId24"/>
+    <p:sldId id="308" r:id="rId25"/>
   </p:sldIdLst>
   <p:sldSz cx="12192000" cy="6858000"/>
   <p:notesSz cx="6858000" cy="9144000"/>
@@ -133,11 +133,27 @@
       </a:defRPr>
     </a:lvl9pPr>
   </p:defaultTextStyle>
+  <p:extLst>
+    <p:ext uri="{EFAFB233-063F-42B5-8137-9DF3F51BA10A}">
+      <p15:sldGuideLst xmlns:p15="http://schemas.microsoft.com/office/powerpoint/2012/main">
+        <p15:guide id="1" orient="horz" pos="2158">
+          <p15:clr>
+            <a:srgbClr val="A4A3A4"/>
+          </p15:clr>
+        </p15:guide>
+        <p15:guide id="2" pos="3839">
+          <p15:clr>
+            <a:srgbClr val="A4A3A4"/>
+          </p15:clr>
+        </p15:guide>
+      </p15:sldGuideLst>
+    </p:ext>
+  </p:extLst>
 </p:presentation>
 </file>
 
 <file path=ppt/handoutMasters/handoutMaster1.xml><?xml version="1.0" encoding="utf-8"?>
-<p:handoutMaster xmlns:r="http://schemas.openxmlformats.org/officeDocument/2006/relationships" xmlns:c="http://schemas.openxmlformats.org/drawingml/2006/chart" xmlns:a="http://schemas.openxmlformats.org/drawingml/2006/main" xmlns:dgm="http://schemas.openxmlformats.org/drawingml/2006/diagram" xmlns:dsp="http://schemas.microsoft.com/office/drawing/2008/diagram" xmlns:p="http://schemas.openxmlformats.org/presentationml/2006/main">
+<p:handoutMaster xmlns:a="http://schemas.openxmlformats.org/drawingml/2006/main" xmlns:r="http://schemas.openxmlformats.org/officeDocument/2006/relationships" xmlns:p="http://schemas.openxmlformats.org/presentationml/2006/main">
   <p:cSld>
     <p:bg>
       <p:bgRef idx="1001">
@@ -165,7 +181,7 @@
             <a:spLocks noGrp="1"/>
           </p:cNvSpPr>
           <p:nvPr>
-            <p:ph type="hdr" sz="quarter" idx="0"/>
+            <p:ph type="hdr" sz="quarter"/>
           </p:nvPr>
         </p:nvSpPr>
         <p:spPr>
@@ -188,10 +204,6 @@
             <a:pPr lvl="0">
               <a:defRPr/>
             </a:pPr>
-            <a:r>
-              <a:rPr lang="ko-KR" altLang="en-US"/>
-              <a:t/>
-            </a:r>
             <a:endParaRPr lang="ko-KR" altLang="en-US"/>
           </a:p>
         </p:txBody>
@@ -267,10 +279,6 @@
             <a:pPr lvl="0">
               <a:defRPr/>
             </a:pPr>
-            <a:r>
-              <a:rPr lang="ko-KR" altLang="en-US"/>
-              <a:t/>
-            </a:r>
             <a:endParaRPr lang="ko-KR" altLang="en-US"/>
           </a:p>
         </p:txBody>
@@ -317,13 +325,18 @@
         </p:txBody>
       </p:sp>
     </p:spTree>
+    <p:extLst>
+      <p:ext uri="{BB962C8B-B14F-4D97-AF65-F5344CB8AC3E}">
+        <p14:creationId xmlns:p14="http://schemas.microsoft.com/office/powerpoint/2010/main" val="1"/>
+      </p:ext>
+    </p:extLst>
   </p:cSld>
   <p:clrMap bg1="lt1" tx1="dk1" bg2="lt2" tx2="dk2" accent1="accent1" accent2="accent2" accent3="accent3" accent4="accent4" accent5="accent5" accent6="accent6" hlink="hlink" folHlink="folHlink"/>
 </p:handoutMaster>
 </file>
 
 <file path=ppt/notesMasters/notesMaster1.xml><?xml version="1.0" encoding="utf-8"?>
-<p:notesMaster xmlns:r="http://schemas.openxmlformats.org/officeDocument/2006/relationships" xmlns:c="http://schemas.openxmlformats.org/drawingml/2006/chart" xmlns:a="http://schemas.openxmlformats.org/drawingml/2006/main" xmlns:dgm="http://schemas.openxmlformats.org/drawingml/2006/diagram" xmlns:dsp="http://schemas.microsoft.com/office/drawing/2008/diagram" xmlns:p="http://schemas.openxmlformats.org/presentationml/2006/main">
+<p:notesMaster xmlns:a="http://schemas.openxmlformats.org/drawingml/2006/main" xmlns:r="http://schemas.openxmlformats.org/officeDocument/2006/relationships" xmlns:p="http://schemas.openxmlformats.org/presentationml/2006/main">
   <p:cSld>
     <p:bg>
       <p:bgRef idx="1001">
@@ -351,7 +364,7 @@
             <a:spLocks noGrp="1"/>
           </p:cNvSpPr>
           <p:nvPr>
-            <p:ph type="hdr" sz="quarter" idx="0"/>
+            <p:ph type="hdr" sz="quarter"/>
           </p:nvPr>
         </p:nvSpPr>
         <p:spPr>
@@ -374,10 +387,6 @@
             <a:pPr lvl="0">
               <a:defRPr/>
             </a:pPr>
-            <a:r>
-              <a:rPr lang="ko-KR" altLang="en-US"/>
-              <a:t/>
-            </a:r>
             <a:endParaRPr lang="ko-KR" altLang="en-US"/>
           </a:p>
         </p:txBody>
@@ -491,7 +500,6 @@
               <a:rPr lang="ko-KR" altLang="en-US"/>
               <a:t>마스터 텍스트 스타일을 편집합니다</a:t>
             </a:r>
-            <a:endParaRPr lang="ko-KR" altLang="en-US"/>
           </a:p>
           <a:p>
             <a:pPr lvl="1">
@@ -501,7 +509,6 @@
               <a:rPr lang="ko-KR" altLang="en-US"/>
               <a:t>둘째 수준</a:t>
             </a:r>
-            <a:endParaRPr lang="ko-KR" altLang="en-US"/>
           </a:p>
           <a:p>
             <a:pPr lvl="2">
@@ -511,7 +518,6 @@
               <a:rPr lang="ko-KR" altLang="en-US"/>
               <a:t>셋째 수준</a:t>
             </a:r>
-            <a:endParaRPr lang="ko-KR" altLang="en-US"/>
           </a:p>
           <a:p>
             <a:pPr lvl="3">
@@ -521,7 +527,6 @@
               <a:rPr lang="ko-KR" altLang="en-US"/>
               <a:t>넷째 수준</a:t>
             </a:r>
-            <a:endParaRPr lang="ko-KR" altLang="en-US"/>
           </a:p>
           <a:p>
             <a:pPr lvl="4">
@@ -531,7 +536,6 @@
               <a:rPr lang="ko-KR" altLang="en-US"/>
               <a:t>다섯째 수준</a:t>
             </a:r>
-            <a:endParaRPr lang="ko-KR" altLang="en-US"/>
           </a:p>
         </p:txBody>
       </p:sp>
@@ -565,10 +569,6 @@
             <a:pPr lvl="0">
               <a:defRPr/>
             </a:pPr>
-            <a:r>
-              <a:rPr lang="ko-KR" altLang="en-US"/>
-              <a:t/>
-            </a:r>
             <a:endParaRPr lang="ko-KR" altLang="en-US"/>
           </a:p>
         </p:txBody>
@@ -714,7 +714,7 @@
 </file>
 
 <file path=ppt/notesSlides/notesSlide1.xml><?xml version="1.0" encoding="utf-8"?>
-<p:notes xmlns:r="http://schemas.openxmlformats.org/officeDocument/2006/relationships" xmlns:c="http://schemas.openxmlformats.org/drawingml/2006/chart" xmlns:a="http://schemas.openxmlformats.org/drawingml/2006/main" xmlns:dgm="http://schemas.openxmlformats.org/drawingml/2006/diagram" xmlns:dsp="http://schemas.microsoft.com/office/drawing/2008/diagram" xmlns:p="http://schemas.openxmlformats.org/presentationml/2006/main">
+<p:notes xmlns:a="http://schemas.openxmlformats.org/drawingml/2006/main" xmlns:r="http://schemas.openxmlformats.org/officeDocument/2006/relationships" xmlns:p="http://schemas.openxmlformats.org/presentationml/2006/main">
   <p:cSld>
     <p:spTree>
       <p:nvGrpSpPr>
@@ -806,6 +806,11 @@
               </a:rPr>
               <a:t>.</a:t>
             </a:r>
+          </a:p>
+          <a:p>
+            <a:pPr>
+              <a:defRPr/>
+            </a:pPr>
             <a:endParaRPr lang="en-US" altLang="ko-KR" sz="1300">
               <a:latin typeface="맑은 고딕"/>
             </a:endParaRPr>
@@ -814,14 +819,6 @@
             <a:pPr>
               <a:defRPr/>
             </a:pPr>
-            <a:endParaRPr lang="en-US" altLang="ko-KR" sz="1300">
-              <a:latin typeface="맑은 고딕"/>
-            </a:endParaRPr>
-          </a:p>
-          <a:p>
-            <a:pPr>
-              <a:defRPr/>
-            </a:pPr>
             <a:r>
               <a:rPr lang="ko-KR" altLang="en-US" sz="1300">
                 <a:latin typeface="맑은 고딕"/>
@@ -858,9 +855,6 @@
               </a:rPr>
               <a:t>.</a:t>
             </a:r>
-            <a:endParaRPr lang="en-US" altLang="ko-KR" sz="1300">
-              <a:latin typeface="맑은 고딕"/>
-            </a:endParaRPr>
           </a:p>
         </p:txBody>
       </p:sp>
@@ -902,7 +896,7 @@
 </file>
 
 <file path=ppt/notesSlides/notesSlide10.xml><?xml version="1.0" encoding="utf-8"?>
-<p:notes xmlns:r="http://schemas.openxmlformats.org/officeDocument/2006/relationships" xmlns:c="http://schemas.openxmlformats.org/drawingml/2006/chart" xmlns:a="http://schemas.openxmlformats.org/drawingml/2006/main" xmlns:dgm="http://schemas.openxmlformats.org/drawingml/2006/diagram" xmlns:dsp="http://schemas.microsoft.com/office/drawing/2008/diagram" xmlns:p="http://schemas.openxmlformats.org/presentationml/2006/main">
+<p:notes xmlns:a="http://schemas.openxmlformats.org/drawingml/2006/main" xmlns:r="http://schemas.openxmlformats.org/officeDocument/2006/relationships" xmlns:p="http://schemas.openxmlformats.org/presentationml/2006/main">
   <p:cSld>
     <p:spTree>
       <p:nvGrpSpPr>
@@ -1021,9 +1015,6 @@
               </a:rPr>
               <a:t> </a:t>
             </a:r>
-            <a:endParaRPr lang="ko-KR" altLang="en-US" sz="1300">
-              <a:latin typeface="맑은 고딕"/>
-            </a:endParaRPr>
           </a:p>
         </p:txBody>
       </p:sp>
@@ -1065,7 +1056,7 @@
 </file>
 
 <file path=ppt/notesSlides/notesSlide11.xml><?xml version="1.0" encoding="utf-8"?>
-<p:notes xmlns:r="http://schemas.openxmlformats.org/officeDocument/2006/relationships" xmlns:c="http://schemas.openxmlformats.org/drawingml/2006/chart" xmlns:a="http://schemas.openxmlformats.org/drawingml/2006/main" xmlns:dgm="http://schemas.openxmlformats.org/drawingml/2006/diagram" xmlns:dsp="http://schemas.microsoft.com/office/drawing/2008/diagram" xmlns:p="http://schemas.openxmlformats.org/presentationml/2006/main">
+<p:notes xmlns:a="http://schemas.openxmlformats.org/drawingml/2006/main" xmlns:r="http://schemas.openxmlformats.org/officeDocument/2006/relationships" xmlns:p="http://schemas.openxmlformats.org/presentationml/2006/main">
   <p:cSld>
     <p:spTree>
       <p:nvGrpSpPr>
@@ -1190,9 +1181,6 @@
               </a:rPr>
               <a:t>.</a:t>
             </a:r>
-            <a:endParaRPr lang="en-US" altLang="ko-KR" sz="1300">
-              <a:latin typeface="맑은 고딕"/>
-            </a:endParaRPr>
           </a:p>
         </p:txBody>
       </p:sp>
@@ -1234,7 +1222,7 @@
 </file>
 
 <file path=ppt/notesSlides/notesSlide12.xml><?xml version="1.0" encoding="utf-8"?>
-<p:notes xmlns:r="http://schemas.openxmlformats.org/officeDocument/2006/relationships" xmlns:c="http://schemas.openxmlformats.org/drawingml/2006/chart" xmlns:a="http://schemas.openxmlformats.org/drawingml/2006/main" xmlns:dgm="http://schemas.openxmlformats.org/drawingml/2006/diagram" xmlns:dsp="http://schemas.microsoft.com/office/drawing/2008/diagram" xmlns:p="http://schemas.openxmlformats.org/presentationml/2006/main">
+<p:notes xmlns:a="http://schemas.openxmlformats.org/drawingml/2006/main" xmlns:r="http://schemas.openxmlformats.org/officeDocument/2006/relationships" xmlns:p="http://schemas.openxmlformats.org/presentationml/2006/main">
   <p:cSld>
     <p:spTree>
       <p:nvGrpSpPr>
@@ -1335,9 +1323,6 @@
               </a:rPr>
               <a:t>.</a:t>
             </a:r>
-            <a:endParaRPr lang="en-US" altLang="ko-KR" sz="1300">
-              <a:latin typeface="맑은 고딕"/>
-            </a:endParaRPr>
           </a:p>
         </p:txBody>
       </p:sp>
@@ -1379,7 +1364,7 @@
 </file>
 
 <file path=ppt/notesSlides/notesSlide13.xml><?xml version="1.0" encoding="utf-8"?>
-<p:notes xmlns:r="http://schemas.openxmlformats.org/officeDocument/2006/relationships" xmlns:c="http://schemas.openxmlformats.org/drawingml/2006/chart" xmlns:a="http://schemas.openxmlformats.org/drawingml/2006/main" xmlns:dgm="http://schemas.openxmlformats.org/drawingml/2006/diagram" xmlns:dsp="http://schemas.microsoft.com/office/drawing/2008/diagram" xmlns:p="http://schemas.openxmlformats.org/presentationml/2006/main">
+<p:notes xmlns:a="http://schemas.openxmlformats.org/drawingml/2006/main" xmlns:r="http://schemas.openxmlformats.org/officeDocument/2006/relationships" xmlns:p="http://schemas.openxmlformats.org/presentationml/2006/main">
   <p:cSld>
     <p:spTree>
       <p:nvGrpSpPr>
@@ -1447,6 +1432,11 @@
               </a:rPr>
               <a:t>.</a:t>
             </a:r>
+          </a:p>
+          <a:p>
+            <a:pPr>
+              <a:defRPr/>
+            </a:pPr>
             <a:endParaRPr lang="en-US" altLang="ko-KR" sz="1300">
               <a:latin typeface="맑은 고딕"/>
             </a:endParaRPr>
@@ -1455,6 +1445,63 @@
             <a:pPr>
               <a:defRPr/>
             </a:pPr>
+            <a:r>
+              <a:rPr lang="ko-KR" altLang="en-US" sz="1300">
+                <a:latin typeface="맑은 고딕"/>
+              </a:rPr>
+              <a:t>보시는 바와 같이</a:t>
+            </a:r>
+            <a:r>
+              <a:rPr lang="en-US" altLang="ko-KR" sz="1300">
+                <a:latin typeface="맑은 고딕"/>
+              </a:rPr>
+              <a:t>,</a:t>
+            </a:r>
+            <a:r>
+              <a:rPr lang="ko-KR" altLang="en-US" sz="1300">
+                <a:latin typeface="맑은 고딕"/>
+              </a:rPr>
+              <a:t> 중앙 제어 스레드는 프로그램 종료 시까지 동작하며</a:t>
+            </a:r>
+            <a:r>
+              <a:rPr lang="en-US" altLang="ko-KR" sz="1300">
+                <a:latin typeface="맑은 고딕"/>
+              </a:rPr>
+              <a:t>,</a:t>
+            </a:r>
+          </a:p>
+          <a:p>
+            <a:pPr>
+              <a:defRPr/>
+            </a:pPr>
+            <a:r>
+              <a:rPr lang="ko-KR" altLang="en-US" sz="1300">
+                <a:latin typeface="맑은 고딕"/>
+              </a:rPr>
+              <a:t> </a:t>
+            </a:r>
+          </a:p>
+          <a:p>
+            <a:pPr>
+              <a:defRPr/>
+            </a:pPr>
+            <a:r>
+              <a:rPr lang="ko-KR" altLang="en-US" sz="1300">
+                <a:latin typeface="맑은 고딕"/>
+              </a:rPr>
+              <a:t>다른 스레드를 순차적으로 동작시키는 역할을 하는 것을 확인할 수 있습니다</a:t>
+            </a:r>
+            <a:r>
+              <a:rPr lang="en-US" altLang="ko-KR" sz="1300">
+                <a:latin typeface="맑은 고딕"/>
+              </a:rPr>
+              <a:t>.</a:t>
+            </a:r>
+          </a:p>
+          <a:p>
+            <a:pPr>
+              <a:defRPr/>
+            </a:pPr>
             <a:endParaRPr lang="en-US" altLang="ko-KR" sz="1300">
               <a:latin typeface="맑은 고딕"/>
             </a:endParaRPr>
@@ -1467,7 +1514,7 @@
               <a:rPr lang="ko-KR" altLang="en-US" sz="1300">
                 <a:latin typeface="맑은 고딕"/>
               </a:rPr>
-              <a:t>보시는 바와 같이</a:t>
+              <a:t>그와 동시에</a:t>
             </a:r>
             <a:r>
               <a:rPr lang="en-US" altLang="ko-KR" sz="1300">
@@ -1479,14 +1526,86 @@
               <a:rPr lang="ko-KR" altLang="en-US" sz="1300">
                 <a:latin typeface="맑은 고딕"/>
               </a:rPr>
-              <a:t> 중앙 제어 스레드는 프로그램 종료 시까지 동작하며</a:t>
+              <a:t> </a:t>
             </a:r>
             <a:r>
               <a:rPr lang="en-US" altLang="ko-KR" sz="1300">
                 <a:latin typeface="맑은 고딕"/>
               </a:rPr>
+              <a:t>‘Time </a:t>
+            </a:r>
+            <a:r>
+              <a:rPr lang="ko-KR" altLang="en-US" sz="1300">
+                <a:latin typeface="맑은 고딕"/>
+              </a:rPr>
+              <a:t>스레드</a:t>
+            </a:r>
+            <a:r>
+              <a:rPr lang="en-US" altLang="ko-KR" sz="1300">
+                <a:latin typeface="맑은 고딕"/>
+              </a:rPr>
+              <a:t>’</a:t>
+            </a:r>
+            <a:r>
+              <a:rPr lang="ko-KR" altLang="en-US" sz="1300">
+                <a:latin typeface="맑은 고딕"/>
+              </a:rPr>
+              <a:t>도 함께 동작하여 시뮬레이터의 구동 시간을 측정하고</a:t>
+            </a:r>
+            <a:r>
+              <a:rPr lang="en-US" altLang="ko-KR" sz="1300">
+                <a:latin typeface="맑은 고딕"/>
+              </a:rPr>
               <a:t>,</a:t>
             </a:r>
+            <a:r>
+              <a:rPr lang="ko-KR" altLang="en-US" sz="1300">
+                <a:latin typeface="맑은 고딕"/>
+              </a:rPr>
+              <a:t> </a:t>
+            </a:r>
+          </a:p>
+          <a:p>
+            <a:pPr>
+              <a:defRPr/>
+            </a:pPr>
+            <a:endParaRPr lang="ko-KR" altLang="en-US" sz="1300">
+              <a:latin typeface="맑은 고딕"/>
+            </a:endParaRPr>
+          </a:p>
+          <a:p>
+            <a:pPr>
+              <a:defRPr/>
+            </a:pPr>
+            <a:r>
+              <a:rPr lang="ko-KR" altLang="en-US" sz="1300">
+                <a:latin typeface="맑은 고딕"/>
+              </a:rPr>
+              <a:t>웨이퍼의 출력과 </a:t>
+            </a:r>
+            <a:r>
+              <a:rPr lang="en-US" altLang="ko-KR" sz="1300">
+                <a:latin typeface="맑은 고딕"/>
+              </a:rPr>
+              <a:t>Throughput</a:t>
+            </a:r>
+            <a:r>
+              <a:rPr lang="ko-KR" altLang="en-US" sz="1300">
+                <a:latin typeface="맑은 고딕"/>
+              </a:rPr>
+              <a:t>을 연산하도록 하였습니다</a:t>
+            </a:r>
+            <a:r>
+              <a:rPr lang="en-US" altLang="ko-KR" sz="1300">
+                <a:latin typeface="맑은 고딕"/>
+              </a:rPr>
+              <a:t>.</a:t>
+            </a:r>
+          </a:p>
+          <a:p>
+            <a:pPr>
+              <a:defRPr/>
+            </a:pPr>
             <a:endParaRPr lang="en-US" altLang="ko-KR" sz="1300">
               <a:latin typeface="맑은 고딕"/>
             </a:endParaRPr>
@@ -1499,28 +1618,67 @@
               <a:rPr lang="ko-KR" altLang="en-US" sz="1300">
                 <a:latin typeface="맑은 고딕"/>
               </a:rPr>
+              <a:t>또한</a:t>
+            </a:r>
+            <a:r>
+              <a:rPr lang="en-US" altLang="ko-KR" sz="1300">
+                <a:latin typeface="맑은 고딕"/>
+              </a:rPr>
+              <a:t>,</a:t>
+            </a:r>
+            <a:r>
+              <a:rPr lang="ko-KR" altLang="en-US" sz="1300">
+                <a:latin typeface="맑은 고딕"/>
+              </a:rPr>
+              <a:t> 스레드는 동시성 확보를 위해 단일 스레드로 동작하는 것이 아닌</a:t>
+            </a:r>
+            <a:r>
+              <a:rPr lang="en-US" altLang="ko-KR" sz="1300">
+                <a:latin typeface="맑은 고딕"/>
+              </a:rPr>
+              <a:t>,</a:t>
+            </a:r>
+            <a:r>
+              <a:rPr lang="ko-KR" altLang="en-US" sz="1300">
+                <a:latin typeface="맑은 고딕"/>
+              </a:rPr>
               <a:t> </a:t>
             </a:r>
-            <a:endParaRPr lang="ko-KR" altLang="en-US" sz="1300">
-              <a:latin typeface="맑은 고딕"/>
-            </a:endParaRPr>
+            <a:r>
+              <a:rPr lang="en-US" altLang="ko-KR" sz="1300">
+                <a:latin typeface="맑은 고딕"/>
+              </a:rPr>
+              <a:t>(</a:t>
+            </a:r>
+            <a:r>
+              <a:rPr lang="ko-KR" altLang="en-US" sz="1300">
+                <a:latin typeface="맑은 고딕"/>
+              </a:rPr>
+              <a:t>클릭</a:t>
+            </a:r>
+            <a:r>
+              <a:rPr lang="en-US" altLang="ko-KR" sz="1300">
+                <a:latin typeface="맑은 고딕"/>
+              </a:rPr>
+              <a:t>)</a:t>
+            </a:r>
+            <a:r>
+              <a:rPr lang="ko-KR" altLang="en-US" sz="1300">
+                <a:latin typeface="맑은 고딕"/>
+              </a:rPr>
+              <a:t>다음과 같이 멀티 스레드로 동작하도록 설계하였습니다</a:t>
+            </a:r>
+            <a:r>
+              <a:rPr lang="en-US" altLang="ko-KR" sz="1300">
+                <a:latin typeface="맑은 고딕"/>
+              </a:rPr>
+              <a:t>.</a:t>
+            </a:r>
           </a:p>
           <a:p>
             <a:pPr>
               <a:defRPr/>
             </a:pPr>
-            <a:r>
-              <a:rPr lang="ko-KR" altLang="en-US" sz="1300">
-                <a:latin typeface="맑은 고딕"/>
-              </a:rPr>
-              <a:t>다른 스레드를 순차적으로 동작시키는 역할을 하는 것을 확인할 수 있습니다</a:t>
-            </a:r>
-            <a:r>
-              <a:rPr lang="en-US" altLang="ko-KR" sz="1300">
-                <a:latin typeface="맑은 고딕"/>
-              </a:rPr>
-              <a:t>.</a:t>
-            </a:r>
             <a:endParaRPr lang="en-US" altLang="ko-KR" sz="1300">
               <a:latin typeface="맑은 고딕"/>
             </a:endParaRPr>
@@ -1529,215 +1687,18 @@
             <a:pPr>
               <a:defRPr/>
             </a:pPr>
-            <a:endParaRPr lang="en-US" altLang="ko-KR" sz="1300">
-              <a:latin typeface="맑은 고딕"/>
-            </a:endParaRPr>
-          </a:p>
-          <a:p>
-            <a:pPr>
-              <a:defRPr/>
-            </a:pPr>
             <a:r>
               <a:rPr lang="ko-KR" altLang="en-US" sz="1300">
                 <a:latin typeface="맑은 고딕"/>
               </a:rPr>
-              <a:t>그와 동시에</a:t>
+              <a:t>자세한 동작의 흐름은 뒤편에서 시연을 통해 보여드리도록 하겠습니다</a:t>
             </a:r>
             <a:r>
               <a:rPr lang="en-US" altLang="ko-KR" sz="1300">
                 <a:latin typeface="맑은 고딕"/>
               </a:rPr>
-              <a:t>,</a:t>
-            </a:r>
-            <a:r>
-              <a:rPr lang="ko-KR" altLang="en-US" sz="1300">
-                <a:latin typeface="맑은 고딕"/>
-              </a:rPr>
-              <a:t> </a:t>
-            </a:r>
-            <a:r>
-              <a:rPr lang="en-US" altLang="ko-KR" sz="1300">
-                <a:latin typeface="맑은 고딕"/>
-              </a:rPr>
-              <a:t>‘Time </a:t>
-            </a:r>
-            <a:r>
-              <a:rPr lang="ko-KR" altLang="en-US" sz="1300">
-                <a:latin typeface="맑은 고딕"/>
-              </a:rPr>
-              <a:t>스레드</a:t>
-            </a:r>
-            <a:r>
-              <a:rPr lang="en-US" altLang="ko-KR" sz="1300">
-                <a:latin typeface="맑은 고딕"/>
-              </a:rPr>
-              <a:t>’</a:t>
-            </a:r>
-            <a:r>
-              <a:rPr lang="ko-KR" altLang="en-US" sz="1300">
-                <a:latin typeface="맑은 고딕"/>
-              </a:rPr>
-              <a:t>도 함께 동작하여 시뮬레이터의 구동 시간을 측정하고</a:t>
-            </a:r>
-            <a:r>
-              <a:rPr lang="en-US" altLang="ko-KR" sz="1300">
-                <a:latin typeface="맑은 고딕"/>
-              </a:rPr>
-              <a:t>,</a:t>
-            </a:r>
-            <a:r>
-              <a:rPr lang="ko-KR" altLang="en-US" sz="1300">
-                <a:latin typeface="맑은 고딕"/>
-              </a:rPr>
-              <a:t> </a:t>
-            </a:r>
-            <a:endParaRPr lang="ko-KR" altLang="en-US" sz="1300">
-              <a:latin typeface="맑은 고딕"/>
-            </a:endParaRPr>
-          </a:p>
-          <a:p>
-            <a:pPr>
-              <a:defRPr/>
-            </a:pPr>
-            <a:endParaRPr lang="ko-KR" altLang="en-US" sz="1300">
-              <a:latin typeface="맑은 고딕"/>
-            </a:endParaRPr>
-          </a:p>
-          <a:p>
-            <a:pPr>
-              <a:defRPr/>
-            </a:pPr>
-            <a:r>
-              <a:rPr lang="ko-KR" altLang="en-US" sz="1300">
-                <a:latin typeface="맑은 고딕"/>
-              </a:rPr>
-              <a:t>웨이퍼의 출력과 </a:t>
-            </a:r>
-            <a:r>
-              <a:rPr lang="en-US" altLang="ko-KR" sz="1300">
-                <a:latin typeface="맑은 고딕"/>
-              </a:rPr>
-              <a:t>Throughput</a:t>
-            </a:r>
-            <a:r>
-              <a:rPr lang="ko-KR" altLang="en-US" sz="1300">
-                <a:latin typeface="맑은 고딕"/>
-              </a:rPr>
-              <a:t>을 연산하도록 하였습니다</a:t>
-            </a:r>
-            <a:r>
-              <a:rPr lang="en-US" altLang="ko-KR" sz="1300">
-                <a:latin typeface="맑은 고딕"/>
-              </a:rPr>
               <a:t>.</a:t>
             </a:r>
-            <a:endParaRPr lang="en-US" altLang="ko-KR" sz="1300">
-              <a:latin typeface="맑은 고딕"/>
-            </a:endParaRPr>
-          </a:p>
-          <a:p>
-            <a:pPr>
-              <a:defRPr/>
-            </a:pPr>
-            <a:endParaRPr lang="en-US" altLang="ko-KR" sz="1300">
-              <a:latin typeface="맑은 고딕"/>
-            </a:endParaRPr>
-          </a:p>
-          <a:p>
-            <a:pPr>
-              <a:defRPr/>
-            </a:pPr>
-            <a:r>
-              <a:rPr lang="ko-KR" altLang="en-US" sz="1300">
-                <a:latin typeface="맑은 고딕"/>
-              </a:rPr>
-              <a:t>또한</a:t>
-            </a:r>
-            <a:r>
-              <a:rPr lang="en-US" altLang="ko-KR" sz="1300">
-                <a:latin typeface="맑은 고딕"/>
-              </a:rPr>
-              <a:t>,</a:t>
-            </a:r>
-            <a:r>
-              <a:rPr lang="ko-KR" altLang="en-US" sz="1300">
-                <a:latin typeface="맑은 고딕"/>
-              </a:rPr>
-              <a:t> 스레드는 동시성 확보를 위해 단일 스레드로 동작하는 것이 아닌</a:t>
-            </a:r>
-            <a:r>
-              <a:rPr lang="en-US" altLang="ko-KR" sz="1300">
-                <a:latin typeface="맑은 고딕"/>
-              </a:rPr>
-              <a:t>,</a:t>
-            </a:r>
-            <a:r>
-              <a:rPr lang="ko-KR" altLang="en-US" sz="1300">
-                <a:latin typeface="맑은 고딕"/>
-              </a:rPr>
-              <a:t> </a:t>
-            </a:r>
-            <a:r>
-              <a:rPr lang="en-US" altLang="ko-KR" sz="1300">
-                <a:latin typeface="맑은 고딕"/>
-              </a:rPr>
-              <a:t>(</a:t>
-            </a:r>
-            <a:r>
-              <a:rPr lang="ko-KR" altLang="en-US" sz="1300">
-                <a:latin typeface="맑은 고딕"/>
-              </a:rPr>
-              <a:t>클릭</a:t>
-            </a:r>
-            <a:r>
-              <a:rPr lang="en-US" altLang="ko-KR" sz="1300">
-                <a:latin typeface="맑은 고딕"/>
-              </a:rPr>
-              <a:t>)</a:t>
-            </a:r>
-            <a:r>
-              <a:rPr lang="ko-KR" altLang="en-US" sz="1300">
-                <a:latin typeface="맑은 고딕"/>
-              </a:rPr>
-              <a:t>다음과 같이 멀티 스레드로 동작하도록 설계하였습니다</a:t>
-            </a:r>
-            <a:r>
-              <a:rPr lang="en-US" altLang="ko-KR" sz="1300">
-                <a:latin typeface="맑은 고딕"/>
-              </a:rPr>
-              <a:t>.</a:t>
-            </a:r>
-            <a:endParaRPr lang="en-US" altLang="ko-KR" sz="1300">
-              <a:latin typeface="맑은 고딕"/>
-            </a:endParaRPr>
-          </a:p>
-          <a:p>
-            <a:pPr>
-              <a:defRPr/>
-            </a:pPr>
-            <a:endParaRPr lang="en-US" altLang="ko-KR" sz="1300">
-              <a:latin typeface="맑은 고딕"/>
-            </a:endParaRPr>
-          </a:p>
-          <a:p>
-            <a:pPr>
-              <a:defRPr/>
-            </a:pPr>
-            <a:r>
-              <a:rPr lang="ko-KR" altLang="en-US" sz="1300">
-                <a:latin typeface="맑은 고딕"/>
-              </a:rPr>
-              <a:t>자세한 동작의 흐름은 뒤편에서 시연을 통해 보여드리도록 하겠습니다</a:t>
-            </a:r>
-            <a:r>
-              <a:rPr lang="en-US" altLang="ko-KR" sz="1300">
-                <a:latin typeface="맑은 고딕"/>
-              </a:rPr>
-              <a:t>.</a:t>
-            </a:r>
-            <a:endParaRPr lang="en-US" altLang="ko-KR" sz="1300">
-              <a:latin typeface="맑은 고딕"/>
-            </a:endParaRPr>
           </a:p>
         </p:txBody>
       </p:sp>
@@ -1779,7 +1740,7 @@
 </file>
 
 <file path=ppt/notesSlides/notesSlide14.xml><?xml version="1.0" encoding="utf-8"?>
-<p:notes xmlns:r="http://schemas.openxmlformats.org/officeDocument/2006/relationships" xmlns:c="http://schemas.openxmlformats.org/drawingml/2006/chart" xmlns:a="http://schemas.openxmlformats.org/drawingml/2006/main" xmlns:dgm="http://schemas.openxmlformats.org/drawingml/2006/diagram" xmlns:dsp="http://schemas.microsoft.com/office/drawing/2008/diagram" xmlns:p="http://schemas.openxmlformats.org/presentationml/2006/main">
+<p:notes xmlns:a="http://schemas.openxmlformats.org/drawingml/2006/main" xmlns:r="http://schemas.openxmlformats.org/officeDocument/2006/relationships" xmlns:p="http://schemas.openxmlformats.org/presentationml/2006/main">
   <p:cSld>
     <p:spTree>
       <p:nvGrpSpPr>
@@ -1802,7 +1763,7 @@
             <a:spLocks noGrp="1" noRot="1" noChangeAspect="1" noTextEdit="1"/>
           </p:cNvSpPr>
           <p:nvPr>
-            <p:ph type="sldImg" idx="0"/>
+            <p:ph type="sldImg"/>
           </p:nvPr>
         </p:nvSpPr>
         <p:spPr/>
@@ -1858,9 +1819,6 @@
               </a:rPr>
               <a:t>.</a:t>
             </a:r>
-            <a:endParaRPr lang="en-US" altLang="ko-KR" sz="1300">
-              <a:latin typeface="맑은 고딕"/>
-            </a:endParaRPr>
           </a:p>
           <a:p>
             <a:pPr>
@@ -1940,9 +1898,6 @@
               </a:rPr>
               <a:t>.</a:t>
             </a:r>
-            <a:endParaRPr lang="en-US" altLang="ko-KR" sz="1300">
-              <a:latin typeface="맑은 고딕"/>
-            </a:endParaRPr>
           </a:p>
           <a:p>
             <a:pPr>
@@ -2016,9 +1971,6 @@
               </a:rPr>
               <a:t> </a:t>
             </a:r>
-            <a:endParaRPr lang="ko-KR" altLang="en-US" sz="1300">
-              <a:latin typeface="맑은 고딕"/>
-            </a:endParaRPr>
           </a:p>
           <a:p>
             <a:pPr>
@@ -2062,9 +2014,6 @@
               </a:rPr>
               <a:t>.</a:t>
             </a:r>
-            <a:endParaRPr lang="en-US" altLang="ko-KR" sz="1300">
-              <a:latin typeface="맑은 고딕"/>
-            </a:endParaRPr>
           </a:p>
           <a:p>
             <a:pPr>
@@ -2120,9 +2069,6 @@
               </a:rPr>
               <a:t>.</a:t>
             </a:r>
-            <a:endParaRPr lang="en-US" altLang="ko-KR" sz="1300">
-              <a:latin typeface="맑은 고딕"/>
-            </a:endParaRPr>
           </a:p>
         </p:txBody>
       </p:sp>
@@ -2164,7 +2110,7 @@
 </file>
 
 <file path=ppt/notesSlides/notesSlide15.xml><?xml version="1.0" encoding="utf-8"?>
-<p:notes xmlns:r="http://schemas.openxmlformats.org/officeDocument/2006/relationships" xmlns:c="http://schemas.openxmlformats.org/drawingml/2006/chart" xmlns:a="http://schemas.openxmlformats.org/drawingml/2006/main" xmlns:dgm="http://schemas.openxmlformats.org/drawingml/2006/diagram" xmlns:dsp="http://schemas.microsoft.com/office/drawing/2008/diagram" xmlns:p="http://schemas.openxmlformats.org/presentationml/2006/main">
+<p:notes xmlns:a="http://schemas.openxmlformats.org/drawingml/2006/main" xmlns:r="http://schemas.openxmlformats.org/officeDocument/2006/relationships" xmlns:p="http://schemas.openxmlformats.org/presentationml/2006/main">
   <p:cSld>
     <p:spTree>
       <p:nvGrpSpPr>
@@ -2187,7 +2133,7 @@
             <a:spLocks noGrp="1" noRot="1" noChangeAspect="1" noTextEdit="1"/>
           </p:cNvSpPr>
           <p:nvPr>
-            <p:ph type="sldImg" idx="0"/>
+            <p:ph type="sldImg"/>
           </p:nvPr>
         </p:nvSpPr>
         <p:spPr/>
@@ -2249,9 +2195,6 @@
               </a:rPr>
               <a:t>.</a:t>
             </a:r>
-            <a:endParaRPr lang="en-US" altLang="ko-KR" sz="1300">
-              <a:latin typeface="맑은 고딕"/>
-            </a:endParaRPr>
           </a:p>
         </p:txBody>
       </p:sp>
@@ -2293,7 +2236,7 @@
 </file>
 
 <file path=ppt/notesSlides/notesSlide16.xml><?xml version="1.0" encoding="utf-8"?>
-<p:notes xmlns:r="http://schemas.openxmlformats.org/officeDocument/2006/relationships" xmlns:c="http://schemas.openxmlformats.org/drawingml/2006/chart" xmlns:a="http://schemas.openxmlformats.org/drawingml/2006/main" xmlns:dgm="http://schemas.openxmlformats.org/drawingml/2006/diagram" xmlns:dsp="http://schemas.microsoft.com/office/drawing/2008/diagram" xmlns:p="http://schemas.openxmlformats.org/presentationml/2006/main">
+<p:notes xmlns:a="http://schemas.openxmlformats.org/drawingml/2006/main" xmlns:r="http://schemas.openxmlformats.org/officeDocument/2006/relationships" xmlns:p="http://schemas.openxmlformats.org/presentationml/2006/main">
   <p:cSld>
     <p:spTree>
       <p:nvGrpSpPr>
@@ -2418,13 +2361,6 @@
               </a:rPr>
               <a:t>.</a:t>
             </a:r>
-            <a:endParaRPr lang="en-US" altLang="ko-KR" sz="1300" b="0" i="0" u="none" strike="noStrike">
-              <a:solidFill>
-                <a:srgbClr val="000000"/>
-              </a:solidFill>
-              <a:latin typeface="맑은 고딕"/>
-              <a:cs typeface="돋움"/>
-            </a:endParaRPr>
           </a:p>
           <a:p>
             <a:pPr>
@@ -2530,13 +2466,6 @@
               </a:rPr>
               <a:t> </a:t>
             </a:r>
-            <a:endParaRPr lang="ko-KR" altLang="en-US" sz="1300" b="0" i="0" u="none" strike="noStrike">
-              <a:solidFill>
-                <a:srgbClr val="000000"/>
-              </a:solidFill>
-              <a:latin typeface="맑은 고딕"/>
-              <a:cs typeface="돋움"/>
-            </a:endParaRPr>
           </a:p>
           <a:p>
             <a:pPr>
@@ -2632,13 +2561,6 @@
               </a:rPr>
               <a:t>.</a:t>
             </a:r>
-            <a:endParaRPr lang="en-US" altLang="ko-KR" sz="1300" b="0" i="0" u="none" strike="noStrike">
-              <a:solidFill>
-                <a:srgbClr val="000000"/>
-              </a:solidFill>
-              <a:latin typeface="맑은 고딕"/>
-              <a:cs typeface="돋움"/>
-            </a:endParaRPr>
           </a:p>
           <a:p>
             <a:pPr>
@@ -2744,13 +2666,6 @@
               </a:rPr>
               <a:t> </a:t>
             </a:r>
-            <a:endParaRPr lang="ko-KR" altLang="en-US" sz="1300" b="0" i="0" u="none" strike="noStrike">
-              <a:solidFill>
-                <a:srgbClr val="000000"/>
-              </a:solidFill>
-              <a:latin typeface="맑은 고딕"/>
-              <a:cs typeface="돋움"/>
-            </a:endParaRPr>
           </a:p>
           <a:p>
             <a:pPr>
@@ -2826,13 +2741,6 @@
               </a:rPr>
               <a:t>.</a:t>
             </a:r>
-            <a:endParaRPr lang="en-US" altLang="ko-KR" sz="1300" b="0" i="0" u="none" strike="noStrike">
-              <a:solidFill>
-                <a:srgbClr val="000000"/>
-              </a:solidFill>
-              <a:latin typeface="맑은 고딕"/>
-              <a:cs typeface="돋움"/>
-            </a:endParaRPr>
           </a:p>
         </p:txBody>
       </p:sp>
@@ -2874,7 +2782,7 @@
 </file>
 
 <file path=ppt/notesSlides/notesSlide17.xml><?xml version="1.0" encoding="utf-8"?>
-<p:notes xmlns:r="http://schemas.openxmlformats.org/officeDocument/2006/relationships" xmlns:c="http://schemas.openxmlformats.org/drawingml/2006/chart" xmlns:a="http://schemas.openxmlformats.org/drawingml/2006/main" xmlns:dgm="http://schemas.openxmlformats.org/drawingml/2006/diagram" xmlns:dsp="http://schemas.microsoft.com/office/drawing/2008/diagram" xmlns:p="http://schemas.openxmlformats.org/presentationml/2006/main">
+<p:notes xmlns:a="http://schemas.openxmlformats.org/drawingml/2006/main" xmlns:r="http://schemas.openxmlformats.org/officeDocument/2006/relationships" xmlns:p="http://schemas.openxmlformats.org/presentationml/2006/main">
   <p:cSld>
     <p:spTree>
       <p:nvGrpSpPr>
@@ -2971,7 +2879,6 @@
               <a:rPr lang="en-US" altLang="ko-KR"/>
               <a:t>.</a:t>
             </a:r>
-            <a:endParaRPr lang="en-US" altLang="ko-KR"/>
           </a:p>
           <a:p>
             <a:pPr>
@@ -3017,7 +2924,6 @@
               <a:rPr lang="en-US" altLang="ko-KR"/>
               <a:t>,</a:t>
             </a:r>
-            <a:endParaRPr lang="en-US" altLang="ko-KR"/>
           </a:p>
           <a:p>
             <a:pPr>
@@ -3063,7 +2969,6 @@
               <a:rPr lang="en-US" altLang="ko-KR"/>
               <a:t>.</a:t>
             </a:r>
-            <a:endParaRPr lang="en-US" altLang="ko-KR"/>
           </a:p>
           <a:p>
             <a:pPr>
@@ -3121,7 +3026,6 @@
               <a:rPr lang="ko-KR" altLang="en-US"/>
               <a:t> </a:t>
             </a:r>
-            <a:endParaRPr lang="ko-KR" altLang="en-US"/>
           </a:p>
           <a:p>
             <a:pPr>
@@ -3163,7 +3067,6 @@
               <a:rPr lang="en-US" altLang="ko-KR"/>
               <a:t>.</a:t>
             </a:r>
-            <a:endParaRPr lang="en-US" altLang="ko-KR"/>
           </a:p>
         </p:txBody>
       </p:sp>
@@ -3205,7 +3108,7 @@
 </file>
 
 <file path=ppt/notesSlides/notesSlide18.xml><?xml version="1.0" encoding="utf-8"?>
-<p:notes xmlns:r="http://schemas.openxmlformats.org/officeDocument/2006/relationships" xmlns:c="http://schemas.openxmlformats.org/drawingml/2006/chart" xmlns:a="http://schemas.openxmlformats.org/drawingml/2006/main" xmlns:dgm="http://schemas.openxmlformats.org/drawingml/2006/diagram" xmlns:dsp="http://schemas.microsoft.com/office/drawing/2008/diagram" xmlns:p="http://schemas.openxmlformats.org/presentationml/2006/main">
+<p:notes xmlns:a="http://schemas.openxmlformats.org/drawingml/2006/main" xmlns:r="http://schemas.openxmlformats.org/officeDocument/2006/relationships" xmlns:p="http://schemas.openxmlformats.org/presentationml/2006/main">
   <p:cSld>
     <p:spTree>
       <p:nvGrpSpPr>
@@ -3286,7 +3189,6 @@
               <a:rPr lang="en-US" altLang="ko-KR"/>
               <a:t>.</a:t>
             </a:r>
-            <a:endParaRPr lang="en-US" altLang="ko-KR"/>
           </a:p>
           <a:p>
             <a:pPr>
@@ -3324,7 +3226,6 @@
               <a:rPr lang="en-US" altLang="ko-KR"/>
               <a:t>,</a:t>
             </a:r>
-            <a:endParaRPr lang="en-US" altLang="ko-KR"/>
           </a:p>
           <a:p>
             <a:pPr>
@@ -3370,7 +3271,6 @@
               <a:rPr lang="en-US" altLang="ko-KR"/>
               <a:t>.</a:t>
             </a:r>
-            <a:endParaRPr lang="en-US" altLang="ko-KR"/>
           </a:p>
           <a:p>
             <a:pPr>
@@ -3424,7 +3324,6 @@
               <a:rPr lang="en-US" altLang="ko-KR"/>
               <a:t>.</a:t>
             </a:r>
-            <a:endParaRPr lang="en-US" altLang="ko-KR"/>
           </a:p>
           <a:p>
             <a:pPr>
@@ -3470,7 +3369,6 @@
               <a:rPr lang="en-US" altLang="ko-KR"/>
               <a:t>.</a:t>
             </a:r>
-            <a:endParaRPr lang="en-US" altLang="ko-KR"/>
           </a:p>
         </p:txBody>
       </p:sp>
@@ -3512,7 +3410,7 @@
 </file>
 
 <file path=ppt/notesSlides/notesSlide19.xml><?xml version="1.0" encoding="utf-8"?>
-<p:notes xmlns:r="http://schemas.openxmlformats.org/officeDocument/2006/relationships" xmlns:c="http://schemas.openxmlformats.org/drawingml/2006/chart" xmlns:a="http://schemas.openxmlformats.org/drawingml/2006/main" xmlns:dgm="http://schemas.openxmlformats.org/drawingml/2006/diagram" xmlns:dsp="http://schemas.microsoft.com/office/drawing/2008/diagram" xmlns:p="http://schemas.openxmlformats.org/presentationml/2006/main">
+<p:notes xmlns:a="http://schemas.openxmlformats.org/drawingml/2006/main" xmlns:r="http://schemas.openxmlformats.org/officeDocument/2006/relationships" xmlns:p="http://schemas.openxmlformats.org/presentationml/2006/main">
   <p:cSld>
     <p:spTree>
       <p:nvGrpSpPr>
@@ -3687,14 +3585,6 @@
               </a:rPr>
               <a:t>.</a:t>
             </a:r>
-            <a:endParaRPr lang="EN-US" b="0" i="0" u="none" strike="noStrike">
-              <a:solidFill>
-                <a:srgbClr val="000000"/>
-              </a:solidFill>
-              <a:latin typeface="돋움"/>
-              <a:ea typeface="돋움"/>
-              <a:cs typeface="돋움"/>
-            </a:endParaRPr>
           </a:p>
           <a:p>
             <a:pPr>
@@ -3775,14 +3665,6 @@
               </a:rPr>
               <a:t>.</a:t>
             </a:r>
-            <a:endParaRPr lang="EN-US" b="0" i="0" u="none" strike="noStrike">
-              <a:solidFill>
-                <a:srgbClr val="000000"/>
-              </a:solidFill>
-              <a:latin typeface="돋움"/>
-              <a:ea typeface="돋움"/>
-              <a:cs typeface="돋움"/>
-            </a:endParaRPr>
           </a:p>
           <a:p>
             <a:pPr>
@@ -3973,14 +3855,6 @@
               </a:rPr>
               <a:t>.</a:t>
             </a:r>
-            <a:endParaRPr lang="EN-US" b="0" i="0" u="none" strike="noStrike">
-              <a:solidFill>
-                <a:srgbClr val="000000"/>
-              </a:solidFill>
-              <a:latin typeface="돋움"/>
-              <a:ea typeface="돋움"/>
-              <a:cs typeface="돋움"/>
-            </a:endParaRPr>
           </a:p>
           <a:p>
             <a:pPr>
@@ -4094,14 +3968,6 @@
               </a:rPr>
               <a:t>.</a:t>
             </a:r>
-            <a:endParaRPr lang="EN-US" b="0" i="0" u="none" strike="noStrike">
-              <a:solidFill>
-                <a:srgbClr val="000000"/>
-              </a:solidFill>
-              <a:latin typeface="돋움"/>
-              <a:ea typeface="돋움"/>
-              <a:cs typeface="돋움"/>
-            </a:endParaRPr>
           </a:p>
           <a:p>
             <a:pPr>
@@ -4314,14 +4180,6 @@
               </a:rPr>
               <a:t>.</a:t>
             </a:r>
-            <a:endParaRPr lang="EN-US" b="0" i="0" u="none" strike="noStrike">
-              <a:solidFill>
-                <a:srgbClr val="000000"/>
-              </a:solidFill>
-              <a:latin typeface="돋움"/>
-              <a:ea typeface="돋움"/>
-              <a:cs typeface="돋움"/>
-            </a:endParaRPr>
           </a:p>
           <a:p>
             <a:pPr>
@@ -4468,14 +4326,6 @@
               </a:rPr>
               <a:t>.</a:t>
             </a:r>
-            <a:endParaRPr lang="en-US" altLang="ko-KR" b="0" i="0" u="none" strike="noStrike">
-              <a:solidFill>
-                <a:srgbClr val="000000"/>
-              </a:solidFill>
-              <a:latin typeface="돋움"/>
-              <a:ea typeface="돋움"/>
-              <a:cs typeface="돋움"/>
-            </a:endParaRPr>
           </a:p>
           <a:p>
             <a:pPr>
@@ -4622,14 +4472,6 @@
               </a:rPr>
               <a:t>.</a:t>
             </a:r>
-            <a:endParaRPr lang="EN-US" b="0" i="0" u="none" strike="noStrike">
-              <a:solidFill>
-                <a:srgbClr val="000000"/>
-              </a:solidFill>
-              <a:latin typeface="돋움"/>
-              <a:ea typeface="돋움"/>
-              <a:cs typeface="돋움"/>
-            </a:endParaRPr>
           </a:p>
         </p:txBody>
       </p:sp>
@@ -4671,7 +4513,7 @@
 </file>
 
 <file path=ppt/notesSlides/notesSlide2.xml><?xml version="1.0" encoding="utf-8"?>
-<p:notes xmlns:r="http://schemas.openxmlformats.org/officeDocument/2006/relationships" xmlns:c="http://schemas.openxmlformats.org/drawingml/2006/chart" xmlns:a="http://schemas.openxmlformats.org/drawingml/2006/main" xmlns:dgm="http://schemas.openxmlformats.org/drawingml/2006/diagram" xmlns:dsp="http://schemas.microsoft.com/office/drawing/2008/diagram" xmlns:p="http://schemas.openxmlformats.org/presentationml/2006/main">
+<p:notes xmlns:a="http://schemas.openxmlformats.org/drawingml/2006/main" xmlns:r="http://schemas.openxmlformats.org/officeDocument/2006/relationships" xmlns:p="http://schemas.openxmlformats.org/presentationml/2006/main">
   <p:cSld>
     <p:spTree>
       <p:nvGrpSpPr>
@@ -4747,7 +4589,6 @@
               <a:rPr lang="en-US" altLang="ko-KR"/>
               <a:t>.</a:t>
             </a:r>
-            <a:endParaRPr lang="en-US" altLang="ko-KR"/>
           </a:p>
         </p:txBody>
       </p:sp>
@@ -4789,7 +4630,7 @@
 </file>
 
 <file path=ppt/notesSlides/notesSlide20.xml><?xml version="1.0" encoding="utf-8"?>
-<p:notes xmlns:r="http://schemas.openxmlformats.org/officeDocument/2006/relationships" xmlns:c="http://schemas.openxmlformats.org/drawingml/2006/chart" xmlns:a="http://schemas.openxmlformats.org/drawingml/2006/main" xmlns:dgm="http://schemas.openxmlformats.org/drawingml/2006/diagram" xmlns:dsp="http://schemas.microsoft.com/office/drawing/2008/diagram" xmlns:p="http://schemas.openxmlformats.org/presentationml/2006/main">
+<p:notes xmlns:a="http://schemas.openxmlformats.org/drawingml/2006/main" xmlns:r="http://schemas.openxmlformats.org/officeDocument/2006/relationships" xmlns:p="http://schemas.openxmlformats.org/presentationml/2006/main">
   <p:cSld>
     <p:spTree>
       <p:nvGrpSpPr>
@@ -4938,14 +4779,6 @@
               </a:rPr>
               <a:t>.</a:t>
             </a:r>
-            <a:endParaRPr lang="EN-US" b="0" i="0" u="none" strike="noStrike">
-              <a:solidFill>
-                <a:srgbClr val="000000"/>
-              </a:solidFill>
-              <a:latin typeface="맑은 고딕"/>
-              <a:ea typeface="맑은 고딕"/>
-              <a:cs typeface="돋움"/>
-            </a:endParaRPr>
           </a:p>
           <a:p>
             <a:pPr>
@@ -5075,14 +4908,6 @@
               </a:rPr>
               <a:t>.</a:t>
             </a:r>
-            <a:endParaRPr lang="EN-US" b="0" i="0" u="none" strike="noStrike">
-              <a:solidFill>
-                <a:srgbClr val="000000"/>
-              </a:solidFill>
-              <a:latin typeface="맑은 고딕"/>
-              <a:ea typeface="맑은 고딕"/>
-              <a:cs typeface="돋움"/>
-            </a:endParaRPr>
           </a:p>
           <a:p>
             <a:pPr>
@@ -5149,14 +4974,6 @@
               </a:rPr>
               <a:t>.</a:t>
             </a:r>
-            <a:endParaRPr lang="EN-US" b="0" i="0" u="none" strike="noStrike">
-              <a:solidFill>
-                <a:srgbClr val="000000"/>
-              </a:solidFill>
-              <a:latin typeface="맑은 고딕"/>
-              <a:ea typeface="맑은 고딕"/>
-              <a:cs typeface="돋움"/>
-            </a:endParaRPr>
           </a:p>
           <a:p>
             <a:pPr>
@@ -5273,14 +5090,6 @@
               </a:rPr>
               <a:t>.</a:t>
             </a:r>
-            <a:endParaRPr lang="EN-US" b="0" i="0" u="none" strike="noStrike">
-              <a:solidFill>
-                <a:srgbClr val="000000"/>
-              </a:solidFill>
-              <a:latin typeface="맑은 고딕"/>
-              <a:ea typeface="맑은 고딕"/>
-              <a:cs typeface="돋움"/>
-            </a:endParaRPr>
           </a:p>
           <a:p>
             <a:pPr>
@@ -5483,7 +5292,7 @@
 </file>
 
 <file path=ppt/notesSlides/notesSlide21.xml><?xml version="1.0" encoding="utf-8"?>
-<p:notes xmlns:r="http://schemas.openxmlformats.org/officeDocument/2006/relationships" xmlns:c="http://schemas.openxmlformats.org/drawingml/2006/chart" xmlns:a="http://schemas.openxmlformats.org/drawingml/2006/main" xmlns:dgm="http://schemas.openxmlformats.org/drawingml/2006/diagram" xmlns:dsp="http://schemas.microsoft.com/office/drawing/2008/diagram" xmlns:p="http://schemas.openxmlformats.org/presentationml/2006/main">
+<p:notes xmlns:a="http://schemas.openxmlformats.org/drawingml/2006/main" xmlns:r="http://schemas.openxmlformats.org/officeDocument/2006/relationships" xmlns:p="http://schemas.openxmlformats.org/presentationml/2006/main">
   <p:cSld>
     <p:spTree>
       <p:nvGrpSpPr>
@@ -5506,7 +5315,7 @@
             <a:spLocks noGrp="1" noRot="1" noChangeAspect="1" noTextEdit="1"/>
           </p:cNvSpPr>
           <p:nvPr>
-            <p:ph type="sldImg" idx="0"/>
+            <p:ph type="sldImg"/>
           </p:nvPr>
         </p:nvSpPr>
         <p:spPr/>
@@ -5559,14 +5368,6 @@
               </a:rPr>
               <a:t>.</a:t>
             </a:r>
-            <a:endParaRPr lang="EN-US" sz="1300" b="0" i="0" u="none" strike="noStrike">
-              <a:solidFill>
-                <a:srgbClr val="000000"/>
-              </a:solidFill>
-              <a:latin typeface="맑은 고딕"/>
-              <a:ea typeface="맑은 고딕"/>
-              <a:cs typeface="돋움"/>
-            </a:endParaRPr>
           </a:p>
           <a:p>
             <a:pPr>
@@ -5644,14 +5445,6 @@
               </a:rPr>
               <a:t>.</a:t>
             </a:r>
-            <a:endParaRPr lang="EN-US" sz="1300" b="0" i="0" u="none" strike="noStrike">
-              <a:solidFill>
-                <a:srgbClr val="000000"/>
-              </a:solidFill>
-              <a:latin typeface="맑은 고딕"/>
-              <a:ea typeface="맑은 고딕"/>
-              <a:cs typeface="돋움"/>
-            </a:endParaRPr>
           </a:p>
           <a:p>
             <a:pPr>
@@ -5799,14 +5592,6 @@
               </a:rPr>
               <a:t>, </a:t>
             </a:r>
-            <a:endParaRPr lang="EN-US" sz="1300" b="0" i="0" u="none" strike="noStrike">
-              <a:solidFill>
-                <a:srgbClr val="000000"/>
-              </a:solidFill>
-              <a:latin typeface="맑은 고딕"/>
-              <a:ea typeface="맑은 고딕"/>
-              <a:cs typeface="돋움"/>
-            </a:endParaRPr>
           </a:p>
           <a:p>
             <a:pPr>
@@ -5904,14 +5689,6 @@
               </a:rPr>
               <a:t>.</a:t>
             </a:r>
-            <a:endParaRPr lang="EN-US" sz="1300" b="0" i="0" u="none" strike="noStrike">
-              <a:solidFill>
-                <a:srgbClr val="000000"/>
-              </a:solidFill>
-              <a:latin typeface="맑은 고딕"/>
-              <a:ea typeface="맑은 고딕"/>
-              <a:cs typeface="돋움"/>
-            </a:endParaRPr>
           </a:p>
           <a:p>
             <a:pPr>
@@ -6071,13 +5848,6 @@
               </a:rPr>
               <a:t>.</a:t>
             </a:r>
-            <a:endParaRPr lang="en-US" altLang="ko-KR" sz="1300" b="0" i="0" u="none" strike="noStrike">
-              <a:solidFill>
-                <a:srgbClr val="000000"/>
-              </a:solidFill>
-              <a:latin typeface="맑은 고딕"/>
-              <a:cs typeface="돋움"/>
-            </a:endParaRPr>
           </a:p>
           <a:p>
             <a:pPr>
@@ -6235,14 +6005,6 @@
               </a:rPr>
               <a:t>.</a:t>
             </a:r>
-            <a:endParaRPr lang="en-US" altLang="ko-KR" sz="1300" b="0" i="0" u="none" strike="noStrike">
-              <a:solidFill>
-                <a:srgbClr val="000000"/>
-              </a:solidFill>
-              <a:latin typeface="맑은 고딕"/>
-              <a:ea typeface="맑은 고딕"/>
-              <a:cs typeface="돋움"/>
-            </a:endParaRPr>
           </a:p>
         </p:txBody>
       </p:sp>
@@ -6284,7 +6046,7 @@
 </file>
 
 <file path=ppt/notesSlides/notesSlide22.xml><?xml version="1.0" encoding="utf-8"?>
-<p:notes xmlns:r="http://schemas.openxmlformats.org/officeDocument/2006/relationships" xmlns:c="http://schemas.openxmlformats.org/drawingml/2006/chart" xmlns:a="http://schemas.openxmlformats.org/drawingml/2006/main" xmlns:dgm="http://schemas.openxmlformats.org/drawingml/2006/diagram" xmlns:dsp="http://schemas.microsoft.com/office/drawing/2008/diagram" xmlns:p="http://schemas.openxmlformats.org/presentationml/2006/main">
+<p:notes xmlns:a="http://schemas.openxmlformats.org/drawingml/2006/main" xmlns:r="http://schemas.openxmlformats.org/officeDocument/2006/relationships" xmlns:p="http://schemas.openxmlformats.org/presentationml/2006/main">
   <p:cSld>
     <p:spTree>
       <p:nvGrpSpPr>
@@ -6344,7 +6106,6 @@
               <a:rPr lang="ko-KR" altLang="en-US"/>
               <a:t>끝으로 이번 프로젝트의 기대 효과입니다.</a:t>
             </a:r>
-            <a:endParaRPr lang="ko-KR" altLang="en-US"/>
           </a:p>
           <a:p>
             <a:pPr>
@@ -6360,7 +6121,6 @@
               <a:rPr lang="ko-KR" altLang="en-US"/>
               <a:t>시뮬레이터를 사용하게 되면 </a:t>
             </a:r>
-            <a:endParaRPr lang="ko-KR" altLang="en-US"/>
           </a:p>
           <a:p>
             <a:pPr>
@@ -6376,7 +6136,6 @@
               <a:rPr lang="ko-KR" altLang="en-US"/>
               <a:t>장비의 흐름을 한눈에 파악할 수 있으며,</a:t>
             </a:r>
-            <a:endParaRPr lang="ko-KR" altLang="en-US"/>
           </a:p>
           <a:p>
             <a:pPr>
@@ -6392,7 +6151,6 @@
               <a:rPr lang="ko-KR" altLang="en-US"/>
               <a:t>발생한 문제에 대한 신속한 대응이 가능할 것으로 예상됩니다.</a:t>
             </a:r>
-            <a:endParaRPr lang="ko-KR" altLang="en-US"/>
           </a:p>
           <a:p>
             <a:pPr>
@@ -6420,7 +6178,6 @@
               <a:rPr lang="en-US" altLang="ko-KR"/>
               <a:t>.</a:t>
             </a:r>
-            <a:endParaRPr lang="en-US" altLang="ko-KR"/>
           </a:p>
           <a:p>
             <a:pPr>
@@ -6474,7 +6231,7 @@
 </file>
 
 <file path=ppt/notesSlides/notesSlide23.xml><?xml version="1.0" encoding="utf-8"?>
-<p:notes xmlns:r="http://schemas.openxmlformats.org/officeDocument/2006/relationships" xmlns:c="http://schemas.openxmlformats.org/drawingml/2006/chart" xmlns:a="http://schemas.openxmlformats.org/drawingml/2006/main" xmlns:dgm="http://schemas.openxmlformats.org/drawingml/2006/diagram" xmlns:dsp="http://schemas.microsoft.com/office/drawing/2008/diagram" xmlns:p="http://schemas.openxmlformats.org/presentationml/2006/main">
+<p:notes xmlns:a="http://schemas.openxmlformats.org/drawingml/2006/main" xmlns:r="http://schemas.openxmlformats.org/officeDocument/2006/relationships" xmlns:p="http://schemas.openxmlformats.org/presentationml/2006/main">
   <p:cSld>
     <p:spTree>
       <p:nvGrpSpPr>
@@ -6554,7 +6311,6 @@
               <a:rPr lang="en-US" altLang="ko-KR"/>
               <a:t>.</a:t>
             </a:r>
-            <a:endParaRPr lang="en-US" altLang="ko-KR"/>
           </a:p>
           <a:p>
             <a:pPr>
@@ -6574,7 +6330,6 @@
               <a:rPr lang="en-US" altLang="ko-KR"/>
               <a:t>.</a:t>
             </a:r>
-            <a:endParaRPr lang="en-US" altLang="ko-KR"/>
           </a:p>
         </p:txBody>
       </p:sp>
@@ -6616,7 +6371,7 @@
 </file>
 
 <file path=ppt/notesSlides/notesSlide3.xml><?xml version="1.0" encoding="utf-8"?>
-<p:notes xmlns:r="http://schemas.openxmlformats.org/officeDocument/2006/relationships" xmlns:c="http://schemas.openxmlformats.org/drawingml/2006/chart" xmlns:a="http://schemas.openxmlformats.org/drawingml/2006/main" xmlns:dgm="http://schemas.openxmlformats.org/drawingml/2006/diagram" xmlns:dsp="http://schemas.microsoft.com/office/drawing/2008/diagram" xmlns:p="http://schemas.openxmlformats.org/presentationml/2006/main">
+<p:notes xmlns:a="http://schemas.openxmlformats.org/drawingml/2006/main" xmlns:r="http://schemas.openxmlformats.org/officeDocument/2006/relationships" xmlns:p="http://schemas.openxmlformats.org/presentationml/2006/main">
   <p:cSld>
     <p:spTree>
       <p:nvGrpSpPr>
@@ -6688,7 +6443,6 @@
               <a:rPr lang="en-US" altLang="ko-KR"/>
               <a:t>.</a:t>
             </a:r>
-            <a:endParaRPr lang="en-US" altLang="ko-KR"/>
           </a:p>
           <a:p>
             <a:pPr>
@@ -6756,7 +6510,6 @@
               <a:rPr lang="en-US" altLang="ko-KR"/>
               <a:t>.</a:t>
             </a:r>
-            <a:endParaRPr lang="en-US" altLang="ko-KR"/>
           </a:p>
           <a:p>
             <a:pPr>
@@ -6792,7 +6545,6 @@
               <a:rPr lang="en-US" altLang="ko-KR"/>
               <a:t>.</a:t>
             </a:r>
-            <a:endParaRPr lang="en-US" altLang="ko-KR"/>
           </a:p>
           <a:p>
             <a:pPr>
@@ -6836,7 +6588,6 @@
               <a:rPr lang="en-US" altLang="ko-KR"/>
               <a:t>.</a:t>
             </a:r>
-            <a:endParaRPr lang="en-US" altLang="ko-KR"/>
           </a:p>
           <a:p>
             <a:pPr>
@@ -6884,7 +6635,6 @@
               <a:rPr lang="ko-KR" altLang="en-US"/>
               <a:t> </a:t>
             </a:r>
-            <a:endParaRPr lang="ko-KR" altLang="en-US"/>
           </a:p>
           <a:p>
             <a:pPr>
@@ -6920,7 +6670,6 @@
               <a:rPr lang="en-US" altLang="ko-KR"/>
               <a:t>.</a:t>
             </a:r>
-            <a:endParaRPr lang="en-US" altLang="ko-KR"/>
           </a:p>
         </p:txBody>
       </p:sp>
@@ -6962,7 +6711,7 @@
 </file>
 
 <file path=ppt/notesSlides/notesSlide4.xml><?xml version="1.0" encoding="utf-8"?>
-<p:notes xmlns:r="http://schemas.openxmlformats.org/officeDocument/2006/relationships" xmlns:c="http://schemas.openxmlformats.org/drawingml/2006/chart" xmlns:a="http://schemas.openxmlformats.org/drawingml/2006/main" xmlns:dgm="http://schemas.openxmlformats.org/drawingml/2006/diagram" xmlns:dsp="http://schemas.microsoft.com/office/drawing/2008/diagram" xmlns:p="http://schemas.openxmlformats.org/presentationml/2006/main">
+<p:notes xmlns:a="http://schemas.openxmlformats.org/drawingml/2006/main" xmlns:r="http://schemas.openxmlformats.org/officeDocument/2006/relationships" xmlns:p="http://schemas.openxmlformats.org/presentationml/2006/main">
   <p:cSld>
     <p:spTree>
       <p:nvGrpSpPr>
@@ -7030,9 +6779,6 @@
               </a:rPr>
               <a:t>.</a:t>
             </a:r>
-            <a:endParaRPr lang="en-US" altLang="ko-KR" sz="1300">
-              <a:latin typeface="맑은 고딕"/>
-            </a:endParaRPr>
           </a:p>
         </p:txBody>
       </p:sp>
@@ -7074,7 +6820,7 @@
 </file>
 
 <file path=ppt/notesSlides/notesSlide5.xml><?xml version="1.0" encoding="utf-8"?>
-<p:notes xmlns:r="http://schemas.openxmlformats.org/officeDocument/2006/relationships" xmlns:c="http://schemas.openxmlformats.org/drawingml/2006/chart" xmlns:a="http://schemas.openxmlformats.org/drawingml/2006/main" xmlns:dgm="http://schemas.openxmlformats.org/drawingml/2006/diagram" xmlns:dsp="http://schemas.microsoft.com/office/drawing/2008/diagram" xmlns:p="http://schemas.openxmlformats.org/presentationml/2006/main">
+<p:notes xmlns:a="http://schemas.openxmlformats.org/drawingml/2006/main" xmlns:r="http://schemas.openxmlformats.org/officeDocument/2006/relationships" xmlns:p="http://schemas.openxmlformats.org/presentationml/2006/main">
   <p:cSld>
     <p:spTree>
       <p:nvGrpSpPr>
@@ -7097,7 +6843,7 @@
             <a:spLocks noGrp="1" noRot="1" noChangeAspect="1" noTextEdit="1"/>
           </p:cNvSpPr>
           <p:nvPr>
-            <p:ph type="sldImg" idx="0"/>
+            <p:ph type="sldImg"/>
           </p:nvPr>
         </p:nvSpPr>
         <p:spPr/>
@@ -7150,9 +6896,6 @@
               </a:rPr>
               <a:t> 고객에게 중요한 사항입니다.</a:t>
             </a:r>
-            <a:endParaRPr lang="ko-KR" altLang="en-US" sz="1300">
-              <a:latin typeface="맑은 고딕"/>
-            </a:endParaRPr>
           </a:p>
           <a:p>
             <a:pPr lvl="0">
@@ -7172,9 +6915,6 @@
               </a:rPr>
               <a:t>(클릭)</a:t>
             </a:r>
-            <a:endParaRPr lang="ko-KR" altLang="en-US" sz="1300">
-              <a:latin typeface="맑은 고딕"/>
-            </a:endParaRPr>
           </a:p>
           <a:p>
             <a:pPr lvl="0">
@@ -7194,9 +6934,6 @@
               </a:rPr>
               <a:t>그렇기에 고객사와 장비사 모두에게 있어 시간과 비용을 절약하고, 향후 발생할 수 있는 리스크를 줄이고자 하여 고안한 것이 시뮬레이터입니다.</a:t>
             </a:r>
-            <a:endParaRPr lang="ko-KR" altLang="en-US" sz="1300">
-              <a:latin typeface="맑은 고딕"/>
-            </a:endParaRPr>
           </a:p>
           <a:p>
             <a:pPr lvl="0">
@@ -7216,9 +6953,6 @@
               </a:rPr>
               <a:t>(클릭)</a:t>
             </a:r>
-            <a:endParaRPr lang="ko-KR" altLang="en-US" sz="1300">
-              <a:latin typeface="맑은 고딕"/>
-            </a:endParaRPr>
           </a:p>
           <a:p>
             <a:pPr lvl="0">
@@ -7250,9 +6984,6 @@
               </a:rPr>
               <a:t> SOLO’ 입니다.</a:t>
             </a:r>
-            <a:endParaRPr lang="ko-KR" altLang="en-US" sz="1300">
-              <a:latin typeface="맑은 고딕"/>
-            </a:endParaRPr>
           </a:p>
           <a:p>
             <a:pPr lvl="0">
@@ -7302,7 +7033,7 @@
 </file>
 
 <file path=ppt/notesSlides/notesSlide6.xml><?xml version="1.0" encoding="utf-8"?>
-<p:notes xmlns:r="http://schemas.openxmlformats.org/officeDocument/2006/relationships" xmlns:c="http://schemas.openxmlformats.org/drawingml/2006/chart" xmlns:a="http://schemas.openxmlformats.org/drawingml/2006/main" xmlns:dgm="http://schemas.openxmlformats.org/drawingml/2006/diagram" xmlns:dsp="http://schemas.microsoft.com/office/drawing/2008/diagram" xmlns:p="http://schemas.openxmlformats.org/presentationml/2006/main">
+<p:notes xmlns:a="http://schemas.openxmlformats.org/drawingml/2006/main" xmlns:r="http://schemas.openxmlformats.org/officeDocument/2006/relationships" xmlns:p="http://schemas.openxmlformats.org/presentationml/2006/main">
   <p:cSld>
     <p:spTree>
       <p:nvGrpSpPr>
@@ -7379,9 +7110,6 @@
               </a:rPr>
               <a:t>.</a:t>
             </a:r>
-            <a:endParaRPr lang="en-US" altLang="ko-KR" sz="1300">
-              <a:latin typeface="맑은 고딕"/>
-            </a:endParaRPr>
           </a:p>
           <a:p>
             <a:pPr>
@@ -7437,9 +7165,6 @@
               </a:rPr>
               <a:t>.</a:t>
             </a:r>
-            <a:endParaRPr lang="en-US" altLang="ko-KR" sz="1300">
-              <a:latin typeface="맑은 고딕"/>
-            </a:endParaRPr>
           </a:p>
         </p:txBody>
       </p:sp>
@@ -7481,7 +7206,7 @@
 </file>
 
 <file path=ppt/notesSlides/notesSlide7.xml><?xml version="1.0" encoding="utf-8"?>
-<p:notes xmlns:r="http://schemas.openxmlformats.org/officeDocument/2006/relationships" xmlns:c="http://schemas.openxmlformats.org/drawingml/2006/chart" xmlns:a="http://schemas.openxmlformats.org/drawingml/2006/main" xmlns:dgm="http://schemas.openxmlformats.org/drawingml/2006/diagram" xmlns:dsp="http://schemas.microsoft.com/office/drawing/2008/diagram" xmlns:p="http://schemas.openxmlformats.org/presentationml/2006/main">
+<p:notes xmlns:a="http://schemas.openxmlformats.org/drawingml/2006/main" xmlns:r="http://schemas.openxmlformats.org/officeDocument/2006/relationships" xmlns:p="http://schemas.openxmlformats.org/presentationml/2006/main">
   <p:cSld>
     <p:spTree>
       <p:nvGrpSpPr>
@@ -7582,9 +7307,6 @@
               </a:rPr>
               <a:t>.</a:t>
             </a:r>
-            <a:endParaRPr lang="en-US" altLang="ko-KR" sz="1300">
-              <a:latin typeface="맑은 고딕"/>
-            </a:endParaRPr>
           </a:p>
         </p:txBody>
       </p:sp>
@@ -7626,7 +7348,7 @@
 </file>
 
 <file path=ppt/notesSlides/notesSlide8.xml><?xml version="1.0" encoding="utf-8"?>
-<p:notes xmlns:r="http://schemas.openxmlformats.org/officeDocument/2006/relationships" xmlns:c="http://schemas.openxmlformats.org/drawingml/2006/chart" xmlns:a="http://schemas.openxmlformats.org/drawingml/2006/main" xmlns:dgm="http://schemas.openxmlformats.org/drawingml/2006/diagram" xmlns:dsp="http://schemas.microsoft.com/office/drawing/2008/diagram" xmlns:p="http://schemas.openxmlformats.org/presentationml/2006/main">
+<p:notes xmlns:a="http://schemas.openxmlformats.org/drawingml/2006/main" xmlns:r="http://schemas.openxmlformats.org/officeDocument/2006/relationships" xmlns:p="http://schemas.openxmlformats.org/presentationml/2006/main">
   <p:cSld>
     <p:spTree>
       <p:nvGrpSpPr>
@@ -7721,9 +7443,6 @@
               </a:rPr>
               <a:t> 최종 Throughput을 연산합니다.</a:t>
             </a:r>
-            <a:endParaRPr lang="ko-KR" altLang="en-US" sz="1300">
-              <a:latin typeface="맑은 고딕"/>
-            </a:endParaRPr>
           </a:p>
         </p:txBody>
       </p:sp>
@@ -7765,7 +7484,7 @@
 </file>
 
 <file path=ppt/notesSlides/notesSlide9.xml><?xml version="1.0" encoding="utf-8"?>
-<p:notes xmlns:r="http://schemas.openxmlformats.org/officeDocument/2006/relationships" xmlns:c="http://schemas.openxmlformats.org/drawingml/2006/chart" xmlns:a="http://schemas.openxmlformats.org/drawingml/2006/main" xmlns:dgm="http://schemas.openxmlformats.org/drawingml/2006/diagram" xmlns:dsp="http://schemas.microsoft.com/office/drawing/2008/diagram" xmlns:p="http://schemas.openxmlformats.org/presentationml/2006/main">
+<p:notes xmlns:a="http://schemas.openxmlformats.org/drawingml/2006/main" xmlns:r="http://schemas.openxmlformats.org/officeDocument/2006/relationships" xmlns:p="http://schemas.openxmlformats.org/presentationml/2006/main">
   <p:cSld>
     <p:spTree>
       <p:nvGrpSpPr>
@@ -7854,9 +7573,6 @@
               </a:rPr>
               <a:t>.</a:t>
             </a:r>
-            <a:endParaRPr lang="en-US" altLang="ko-KR" sz="1300">
-              <a:latin typeface="맑은 고딕"/>
-            </a:endParaRPr>
           </a:p>
           <a:p>
             <a:pPr>
@@ -7972,9 +7688,6 @@
               </a:rPr>
               <a:t>.</a:t>
             </a:r>
-            <a:endParaRPr lang="en-US" altLang="ko-KR" sz="1300">
-              <a:latin typeface="맑은 고딕"/>
-            </a:endParaRPr>
           </a:p>
           <a:p>
             <a:pPr>
@@ -8030,9 +7743,6 @@
               </a:rPr>
               <a:t>.</a:t>
             </a:r>
-            <a:endParaRPr lang="en-US" altLang="ko-KR" sz="1300">
-              <a:latin typeface="맑은 고딕"/>
-            </a:endParaRPr>
           </a:p>
         </p:txBody>
       </p:sp>
@@ -14180,7 +13890,7 @@
     <mc:Choice Requires="p14">
       <p:transition/>
     </mc:Choice>
-    <mc:Fallback xmlns="" xmlns:c="http://schemas.openxmlformats.org/drawingml/2006/chart" xmlns:dgm="http://schemas.openxmlformats.org/drawingml/2006/diagram" xmlns:dsp="http://schemas.microsoft.com/office/drawing/2008/diagram">
+    <mc:Fallback xmlns:dsp="http://schemas.microsoft.com/office/drawing/2008/diagram" xmlns:dgm="http://schemas.openxmlformats.org/drawingml/2006/diagram" xmlns:c="http://schemas.openxmlformats.org/drawingml/2006/chart" xmlns="">
       <p:transition/>
     </mc:Fallback>
   </mc:AlternateContent>
@@ -14188,7 +13898,7 @@
 </file>
 
 <file path=ppt/slides/slide10.xml><?xml version="1.0" encoding="utf-8"?>
-<p:sld xmlns:r="http://schemas.openxmlformats.org/officeDocument/2006/relationships" xmlns:c="http://schemas.openxmlformats.org/drawingml/2006/chart" xmlns:a="http://schemas.openxmlformats.org/drawingml/2006/main" xmlns:dgm="http://schemas.openxmlformats.org/drawingml/2006/diagram" xmlns:dsp="http://schemas.microsoft.com/office/drawing/2008/diagram" xmlns:p="http://schemas.openxmlformats.org/presentationml/2006/main">
+<p:sld xmlns:a="http://schemas.openxmlformats.org/drawingml/2006/main" xmlns:r="http://schemas.openxmlformats.org/officeDocument/2006/relationships" xmlns:p="http://schemas.openxmlformats.org/presentationml/2006/main">
   <p:cSld>
     <p:spTree>
       <p:nvGrpSpPr>
@@ -14261,14 +13971,6 @@
               </a:rPr>
               <a:t>LL</a:t>
             </a:r>
-            <a:endParaRPr kumimoji="0" lang="en-US" altLang="ko-KR" sz="2800" b="0" i="0" u="none" strike="noStrike" kern="1200" cap="none" spc="0" normalizeH="0" baseline="0">
-              <a:solidFill>
-                <a:srgbClr val="000000"/>
-              </a:solidFill>
-              <a:latin typeface="맑은 고딕"/>
-              <a:ea typeface="맑은 고딕"/>
-              <a:cs typeface="Arial Unicode MS"/>
-            </a:endParaRPr>
           </a:p>
         </p:txBody>
       </p:sp>
@@ -14329,14 +14031,6 @@
               </a:rPr>
               <a:t>PM</a:t>
             </a:r>
-            <a:endParaRPr kumimoji="0" lang="en-US" altLang="ko-KR" sz="2800" b="0" i="0" u="none" strike="noStrike" kern="1200" cap="none" spc="0" normalizeH="0" baseline="0">
-              <a:solidFill>
-                <a:srgbClr val="000000"/>
-              </a:solidFill>
-              <a:latin typeface="맑은 고딕"/>
-              <a:ea typeface="맑은 고딕"/>
-              <a:cs typeface="Arial Unicode MS"/>
-            </a:endParaRPr>
           </a:p>
         </p:txBody>
       </p:sp>
@@ -14389,14 +14083,6 @@
               </a:rPr>
               <a:t>Central Control</a:t>
             </a:r>
-            <a:endParaRPr lang="en-US" altLang="ko-KR" sz="2800">
-              <a:solidFill>
-                <a:schemeClr val="tx1"/>
-              </a:solidFill>
-              <a:latin typeface="+mn-ea"/>
-              <a:ea typeface="+mn-ea"/>
-              <a:cs typeface="Arial Unicode MS"/>
-            </a:endParaRPr>
           </a:p>
         </p:txBody>
       </p:sp>
@@ -14457,14 +14143,6 @@
               </a:rPr>
               <a:t>Time</a:t>
             </a:r>
-            <a:endParaRPr kumimoji="0" lang="en-US" altLang="ko-KR" sz="2800" b="0" i="0" u="none" strike="noStrike" kern="1200" cap="none" spc="0" normalizeH="0" baseline="0">
-              <a:solidFill>
-                <a:srgbClr val="000000"/>
-              </a:solidFill>
-              <a:latin typeface="맑은 고딕"/>
-              <a:ea typeface="맑은 고딕"/>
-              <a:cs typeface="Arial Unicode MS"/>
-            </a:endParaRPr>
           </a:p>
         </p:txBody>
       </p:sp>
@@ -14483,7 +14161,7 @@
             <a:avLst/>
           </a:prstGeom>
           <a:solidFill>
-            <a:srgbClr val="1a141c">
+            <a:srgbClr val="1A141C">
               <a:alpha val="55690"/>
             </a:srgbClr>
           </a:solidFill>
@@ -14546,7 +14224,7 @@
           </a:solidFill>
           <a:ln w="50800">
             <a:solidFill>
-              <a:srgbClr val="ff0000">
+              <a:srgbClr val="FF0000">
                 <a:alpha val="100000"/>
               </a:srgbClr>
             </a:solidFill>
@@ -14582,14 +14260,6 @@
               </a:rPr>
               <a:t>LL to OUT</a:t>
             </a:r>
-            <a:endParaRPr kumimoji="0" lang="en-US" altLang="ko-KR" sz="3200" b="1" i="0" u="none" strike="noStrike" kern="1200" cap="none" spc="0" normalizeH="0" baseline="0">
-              <a:solidFill>
-                <a:srgbClr val="000000"/>
-              </a:solidFill>
-              <a:latin typeface="맑은 고딕"/>
-              <a:ea typeface="맑은 고딕"/>
-              <a:cs typeface="Arial Unicode MS"/>
-            </a:endParaRPr>
           </a:p>
         </p:txBody>
       </p:sp>
@@ -14610,13 +14280,13 @@
             </a:avLst>
           </a:prstGeom>
           <a:solidFill>
-            <a:srgbClr val="ff996b">
+            <a:srgbClr val="FF996B">
               <a:alpha val="100000"/>
             </a:srgbClr>
           </a:solidFill>
           <a:ln w="50800">
             <a:solidFill>
-              <a:srgbClr val="ff0000">
+              <a:srgbClr val="FF0000">
                 <a:alpha val="100000"/>
               </a:srgbClr>
             </a:solidFill>
@@ -14652,14 +14322,6 @@
               </a:rPr>
               <a:t>LPM to LL</a:t>
             </a:r>
-            <a:endParaRPr kumimoji="0" lang="en-US" altLang="ko-KR" sz="3200" b="1" i="0" u="none" strike="noStrike" kern="1200" cap="none" spc="0" normalizeH="0" baseline="0">
-              <a:solidFill>
-                <a:schemeClr val="lt1"/>
-              </a:solidFill>
-              <a:latin typeface="맑은 고딕"/>
-              <a:ea typeface="맑은 고딕"/>
-              <a:cs typeface="Arial Unicode MS"/>
-            </a:endParaRPr>
           </a:p>
         </p:txBody>
       </p:sp>
@@ -14684,7 +14346,7 @@
           </a:solidFill>
           <a:ln w="50800">
             <a:solidFill>
-              <a:srgbClr val="ff0000">
+              <a:srgbClr val="FF0000">
                 <a:alpha val="100000"/>
               </a:srgbClr>
             </a:solidFill>
@@ -14720,14 +14382,6 @@
               </a:rPr>
               <a:t>PM to LL</a:t>
             </a:r>
-            <a:endParaRPr kumimoji="0" lang="en-US" altLang="ko-KR" sz="3200" b="1" i="0" u="none" strike="noStrike" kern="1200" cap="none" spc="0" normalizeH="0" baseline="0">
-              <a:solidFill>
-                <a:srgbClr val="000000"/>
-              </a:solidFill>
-              <a:latin typeface="맑은 고딕"/>
-              <a:ea typeface="맑은 고딕"/>
-              <a:cs typeface="Arial Unicode MS"/>
-            </a:endParaRPr>
           </a:p>
         </p:txBody>
       </p:sp>
@@ -14748,11 +14402,11 @@
             </a:avLst>
           </a:prstGeom>
           <a:solidFill>
-            <a:srgbClr val="ff996b"/>
+            <a:srgbClr val="FF996B"/>
           </a:solidFill>
           <a:ln w="50800">
             <a:solidFill>
-              <a:srgbClr val="ff0000">
+              <a:srgbClr val="FF0000">
                 <a:alpha val="100000"/>
               </a:srgbClr>
             </a:solidFill>
@@ -14788,14 +14442,6 @@
               </a:rPr>
               <a:t>LL to PM</a:t>
             </a:r>
-            <a:endParaRPr kumimoji="0" lang="en-US" altLang="ko-KR" sz="3200" b="1" i="0" u="none" strike="noStrike" kern="1200" cap="none" spc="0" normalizeH="0" baseline="0">
-              <a:solidFill>
-                <a:schemeClr val="lt1"/>
-              </a:solidFill>
-              <a:latin typeface="맑은 고딕"/>
-              <a:ea typeface="맑은 고딕"/>
-              <a:cs typeface="Arial Unicode MS"/>
-            </a:endParaRPr>
           </a:p>
         </p:txBody>
       </p:sp>
@@ -14821,7 +14467,6 @@
               <a:rPr lang="en-US" altLang="ko-KR"/>
               <a:t>6</a:t>
             </a:r>
-            <a:endParaRPr lang="en-US" altLang="ko-KR"/>
           </a:p>
         </p:txBody>
       </p:sp>
@@ -14879,13 +14524,6 @@
               </a:rPr>
               <a:t>구성</a:t>
             </a:r>
-            <a:endParaRPr kumimoji="0" lang="ko-KR" altLang="en-US" sz="2800" b="1" i="0" u="none" strike="noStrike" kern="1200" cap="none" spc="0" normalizeH="0" baseline="0">
-              <a:solidFill>
-                <a:srgbClr val="000000"/>
-              </a:solidFill>
-              <a:latin typeface="맑은 고딕"/>
-              <a:cs typeface="맑은 고딕"/>
-            </a:endParaRPr>
           </a:p>
         </p:txBody>
       </p:sp>
@@ -14906,7 +14544,7 @@
             </a:avLst>
           </a:prstGeom>
           <a:solidFill>
-            <a:srgbClr val="ffffff">
+            <a:srgbClr val="FFFFFF">
               <a:alpha val="100000"/>
             </a:srgbClr>
           </a:solidFill>
@@ -14948,14 +14586,6 @@
               </a:rPr>
               <a:t>LPM</a:t>
             </a:r>
-            <a:endParaRPr kumimoji="0" lang="en-US" altLang="ko-KR" sz="2800" b="1" i="0" u="none" strike="noStrike" kern="1200" cap="none" spc="0" normalizeH="0" baseline="0">
-              <a:solidFill>
-                <a:srgbClr val="000000"/>
-              </a:solidFill>
-              <a:latin typeface="맑은 고딕"/>
-              <a:ea typeface="맑은 고딕"/>
-              <a:cs typeface="Arial Unicode MS"/>
-            </a:endParaRPr>
           </a:p>
         </p:txBody>
       </p:sp>
@@ -14976,7 +14606,7 @@
             </a:avLst>
           </a:prstGeom>
           <a:solidFill>
-            <a:srgbClr val="ffffff">
+            <a:srgbClr val="FFFFFF">
               <a:alpha val="100000"/>
             </a:srgbClr>
           </a:solidFill>
@@ -15018,14 +14648,6 @@
               </a:rPr>
               <a:t>Load Lock</a:t>
             </a:r>
-            <a:endParaRPr kumimoji="0" lang="en-US" altLang="ko-KR" sz="2800" b="1" i="0" u="none" strike="noStrike" kern="1200" cap="none" spc="0" normalizeH="0" baseline="0">
-              <a:solidFill>
-                <a:srgbClr val="000000"/>
-              </a:solidFill>
-              <a:latin typeface="맑은 고딕"/>
-              <a:ea typeface="맑은 고딕"/>
-              <a:cs typeface="Arial Unicode MS"/>
-            </a:endParaRPr>
           </a:p>
         </p:txBody>
       </p:sp>
@@ -15046,7 +14668,7 @@
             </a:avLst>
           </a:prstGeom>
           <a:solidFill>
-            <a:srgbClr val="ffffff">
+            <a:srgbClr val="FFFFFF">
               <a:alpha val="100000"/>
             </a:srgbClr>
           </a:solidFill>
@@ -15088,14 +14710,6 @@
               </a:rPr>
               <a:t>Process</a:t>
             </a:r>
-            <a:endParaRPr kumimoji="0" lang="en-US" altLang="ko-KR" sz="2800" b="1" i="0" u="none" strike="noStrike" kern="1200" cap="none" spc="0" normalizeH="0" baseline="0">
-              <a:solidFill>
-                <a:srgbClr val="000000"/>
-              </a:solidFill>
-              <a:latin typeface="맑은 고딕"/>
-              <a:ea typeface="맑은 고딕"/>
-              <a:cs typeface="Arial Unicode MS"/>
-            </a:endParaRPr>
           </a:p>
         </p:txBody>
       </p:sp>
@@ -15167,7 +14781,7 @@
             </a:avLst>
           </a:prstGeom>
           <a:solidFill>
-            <a:srgbClr val="ffffff">
+            <a:srgbClr val="FFFFFF">
               <a:alpha val="100000"/>
             </a:srgbClr>
           </a:solidFill>
@@ -15214,11 +14828,11 @@
   <p:clrMapOvr>
     <a:masterClrMapping/>
   </p:clrMapOvr>
-  <mc:AlternateContent xmlns:mc="http://schemas.openxmlformats.org/markup-compatibility/2006">
-    <mc:Choice xmlns:p14="http://schemas.microsoft.com/office/powerpoint/2010/main" Requires="p14">
-      <p:transition xmlns:mc="http://schemas.openxmlformats.org/markup-compatibility/2006" xmlns:p14="http://schemas.microsoft.com/office/powerpoint/2010/main" spd="med" mc:Ignorable="p14" p14:dur="1000"/>
+  <mc:AlternateContent xmlns:mc="http://schemas.openxmlformats.org/markup-compatibility/2006" xmlns:p14="http://schemas.microsoft.com/office/powerpoint/2010/main">
+    <mc:Choice Requires="p14">
+      <p:transition spd="slow"/>
     </mc:Choice>
-    <mc:Fallback>
+    <mc:Fallback xmlns:dsp="http://schemas.microsoft.com/office/drawing/2008/diagram" xmlns:dgm="http://schemas.openxmlformats.org/drawingml/2006/diagram" xmlns:c="http://schemas.openxmlformats.org/drawingml/2006/chart" xmlns="">
       <p:transition/>
     </mc:Fallback>
   </mc:AlternateContent>
@@ -15226,7 +14840,7 @@
 </file>
 
 <file path=ppt/slides/slide11.xml><?xml version="1.0" encoding="utf-8"?>
-<p:sld xmlns:r="http://schemas.openxmlformats.org/officeDocument/2006/relationships" xmlns:c="http://schemas.openxmlformats.org/drawingml/2006/chart" xmlns:a="http://schemas.openxmlformats.org/drawingml/2006/main" xmlns:dgm="http://schemas.openxmlformats.org/drawingml/2006/diagram" xmlns:dsp="http://schemas.microsoft.com/office/drawing/2008/diagram" xmlns:p="http://schemas.openxmlformats.org/presentationml/2006/main">
+<p:sld xmlns:a="http://schemas.openxmlformats.org/drawingml/2006/main" xmlns:r="http://schemas.openxmlformats.org/officeDocument/2006/relationships" xmlns:p="http://schemas.openxmlformats.org/presentationml/2006/main">
   <p:cSld>
     <p:spTree>
       <p:nvGrpSpPr>
@@ -15299,14 +14913,6 @@
               </a:rPr>
               <a:t>LL</a:t>
             </a:r>
-            <a:endParaRPr kumimoji="0" lang="en-US" altLang="ko-KR" sz="2800" b="0" i="0" u="none" strike="noStrike" kern="1200" cap="none" spc="0" normalizeH="0" baseline="0">
-              <a:solidFill>
-                <a:srgbClr val="000000"/>
-              </a:solidFill>
-              <a:latin typeface="맑은 고딕"/>
-              <a:ea typeface="맑은 고딕"/>
-              <a:cs typeface="Arial Unicode MS"/>
-            </a:endParaRPr>
           </a:p>
         </p:txBody>
       </p:sp>
@@ -15367,14 +14973,6 @@
               </a:rPr>
               <a:t>PM</a:t>
             </a:r>
-            <a:endParaRPr kumimoji="0" lang="en-US" altLang="ko-KR" sz="2800" b="0" i="0" u="none" strike="noStrike" kern="1200" cap="none" spc="0" normalizeH="0" baseline="0">
-              <a:solidFill>
-                <a:srgbClr val="000000"/>
-              </a:solidFill>
-              <a:latin typeface="맑은 고딕"/>
-              <a:ea typeface="맑은 고딕"/>
-              <a:cs typeface="Arial Unicode MS"/>
-            </a:endParaRPr>
           </a:p>
         </p:txBody>
       </p:sp>
@@ -15427,14 +15025,6 @@
               </a:rPr>
               <a:t>Central Control</a:t>
             </a:r>
-            <a:endParaRPr lang="en-US" altLang="ko-KR" sz="2800">
-              <a:solidFill>
-                <a:schemeClr val="tx1"/>
-              </a:solidFill>
-              <a:latin typeface="+mn-ea"/>
-              <a:ea typeface="+mn-ea"/>
-              <a:cs typeface="Arial Unicode MS"/>
-            </a:endParaRPr>
           </a:p>
         </p:txBody>
       </p:sp>
@@ -15495,14 +15085,6 @@
               </a:rPr>
               <a:t>Time</a:t>
             </a:r>
-            <a:endParaRPr kumimoji="0" lang="en-US" altLang="ko-KR" sz="2800" b="0" i="0" u="none" strike="noStrike" kern="1200" cap="none" spc="0" normalizeH="0" baseline="0">
-              <a:solidFill>
-                <a:srgbClr val="000000"/>
-              </a:solidFill>
-              <a:latin typeface="맑은 고딕"/>
-              <a:ea typeface="맑은 고딕"/>
-              <a:cs typeface="Arial Unicode MS"/>
-            </a:endParaRPr>
           </a:p>
         </p:txBody>
       </p:sp>
@@ -15521,7 +15103,7 @@
             <a:avLst/>
           </a:prstGeom>
           <a:solidFill>
-            <a:srgbClr val="1a141c">
+            <a:srgbClr val="1A141C">
               <a:alpha val="55690"/>
             </a:srgbClr>
           </a:solidFill>
@@ -15580,11 +15162,11 @@
             </a:avLst>
           </a:prstGeom>
           <a:solidFill>
-            <a:srgbClr val="ff996b"/>
+            <a:srgbClr val="FF996B"/>
           </a:solidFill>
           <a:ln w="50800">
             <a:solidFill>
-              <a:srgbClr val="ff0000">
+              <a:srgbClr val="FF0000">
                 <a:alpha val="100000"/>
               </a:srgbClr>
             </a:solidFill>
@@ -15620,14 +15202,6 @@
               </a:rPr>
               <a:t>LL to OUT</a:t>
             </a:r>
-            <a:endParaRPr kumimoji="0" lang="en-US" altLang="ko-KR" sz="3200" b="1" i="0" u="none" strike="noStrike" kern="1200" cap="none" spc="0" normalizeH="0" baseline="0">
-              <a:solidFill>
-                <a:schemeClr val="lt1"/>
-              </a:solidFill>
-              <a:latin typeface="맑은 고딕"/>
-              <a:ea typeface="맑은 고딕"/>
-              <a:cs typeface="Arial Unicode MS"/>
-            </a:endParaRPr>
           </a:p>
         </p:txBody>
       </p:sp>
@@ -15648,13 +15222,13 @@
             </a:avLst>
           </a:prstGeom>
           <a:solidFill>
-            <a:srgbClr val="ffffff">
+            <a:srgbClr val="FFFFFF">
               <a:alpha val="100000"/>
             </a:srgbClr>
           </a:solidFill>
           <a:ln w="50800">
             <a:solidFill>
-              <a:srgbClr val="ff0000">
+              <a:srgbClr val="FF0000">
                 <a:alpha val="100000"/>
               </a:srgbClr>
             </a:solidFill>
@@ -15690,14 +15264,6 @@
               </a:rPr>
               <a:t>LPM to LL</a:t>
             </a:r>
-            <a:endParaRPr kumimoji="0" lang="en-US" altLang="ko-KR" sz="3200" b="1" i="0" u="none" strike="noStrike" kern="1200" cap="none" spc="0" normalizeH="0" baseline="0">
-              <a:solidFill>
-                <a:srgbClr val="000000"/>
-              </a:solidFill>
-              <a:latin typeface="맑은 고딕"/>
-              <a:ea typeface="맑은 고딕"/>
-              <a:cs typeface="Arial Unicode MS"/>
-            </a:endParaRPr>
           </a:p>
         </p:txBody>
       </p:sp>
@@ -15718,11 +15284,11 @@
             </a:avLst>
           </a:prstGeom>
           <a:solidFill>
-            <a:srgbClr val="ff996b"/>
+            <a:srgbClr val="FF996B"/>
           </a:solidFill>
           <a:ln w="50800">
             <a:solidFill>
-              <a:srgbClr val="ff0000">
+              <a:srgbClr val="FF0000">
                 <a:alpha val="100000"/>
               </a:srgbClr>
             </a:solidFill>
@@ -15758,14 +15324,6 @@
               </a:rPr>
               <a:t>PM to LL</a:t>
             </a:r>
-            <a:endParaRPr kumimoji="0" lang="en-US" altLang="ko-KR" sz="3200" b="1" i="0" u="none" strike="noStrike" kern="1200" cap="none" spc="0" normalizeH="0" baseline="0">
-              <a:solidFill>
-                <a:schemeClr val="lt1"/>
-              </a:solidFill>
-              <a:latin typeface="맑은 고딕"/>
-              <a:ea typeface="맑은 고딕"/>
-              <a:cs typeface="Arial Unicode MS"/>
-            </a:endParaRPr>
           </a:p>
         </p:txBody>
       </p:sp>
@@ -15790,7 +15348,7 @@
           </a:solidFill>
           <a:ln w="50800">
             <a:solidFill>
-              <a:srgbClr val="ff0000">
+              <a:srgbClr val="FF0000">
                 <a:alpha val="100000"/>
               </a:srgbClr>
             </a:solidFill>
@@ -15826,14 +15384,6 @@
               </a:rPr>
               <a:t>LL to PM</a:t>
             </a:r>
-            <a:endParaRPr kumimoji="0" lang="en-US" altLang="ko-KR" sz="3200" b="1" i="0" u="none" strike="noStrike" kern="1200" cap="none" spc="0" normalizeH="0" baseline="0">
-              <a:solidFill>
-                <a:srgbClr val="000000"/>
-              </a:solidFill>
-              <a:latin typeface="맑은 고딕"/>
-              <a:ea typeface="맑은 고딕"/>
-              <a:cs typeface="Arial Unicode MS"/>
-            </a:endParaRPr>
           </a:p>
         </p:txBody>
       </p:sp>
@@ -15859,7 +15409,6 @@
               <a:rPr lang="en-US" altLang="ko-KR"/>
               <a:t>6</a:t>
             </a:r>
-            <a:endParaRPr lang="en-US" altLang="ko-KR"/>
           </a:p>
         </p:txBody>
       </p:sp>
@@ -15917,13 +15466,6 @@
               </a:rPr>
               <a:t>구성</a:t>
             </a:r>
-            <a:endParaRPr kumimoji="0" lang="ko-KR" altLang="en-US" sz="2800" b="1" i="0" u="none" strike="noStrike" kern="1200" cap="none" spc="0" normalizeH="0" baseline="0">
-              <a:solidFill>
-                <a:srgbClr val="000000"/>
-              </a:solidFill>
-              <a:latin typeface="맑은 고딕"/>
-              <a:cs typeface="맑은 고딕"/>
-            </a:endParaRPr>
           </a:p>
         </p:txBody>
       </p:sp>
@@ -15944,7 +15486,7 @@
             </a:avLst>
           </a:prstGeom>
           <a:solidFill>
-            <a:srgbClr val="ffffff">
+            <a:srgbClr val="FFFFFF">
               <a:alpha val="100000"/>
             </a:srgbClr>
           </a:solidFill>
@@ -15986,14 +15528,6 @@
               </a:rPr>
               <a:t>LPM</a:t>
             </a:r>
-            <a:endParaRPr kumimoji="0" lang="en-US" altLang="ko-KR" sz="2800" b="1" i="0" u="none" strike="noStrike" kern="1200" cap="none" spc="0" normalizeH="0" baseline="0">
-              <a:solidFill>
-                <a:srgbClr val="000000"/>
-              </a:solidFill>
-              <a:latin typeface="맑은 고딕"/>
-              <a:ea typeface="맑은 고딕"/>
-              <a:cs typeface="Arial Unicode MS"/>
-            </a:endParaRPr>
           </a:p>
         </p:txBody>
       </p:sp>
@@ -16014,7 +15548,7 @@
             </a:avLst>
           </a:prstGeom>
           <a:solidFill>
-            <a:srgbClr val="ffffff">
+            <a:srgbClr val="FFFFFF">
               <a:alpha val="100000"/>
             </a:srgbClr>
           </a:solidFill>
@@ -16056,14 +15590,6 @@
               </a:rPr>
               <a:t>Load Lock</a:t>
             </a:r>
-            <a:endParaRPr kumimoji="0" lang="en-US" altLang="ko-KR" sz="2800" b="1" i="0" u="none" strike="noStrike" kern="1200" cap="none" spc="0" normalizeH="0" baseline="0">
-              <a:solidFill>
-                <a:srgbClr val="000000"/>
-              </a:solidFill>
-              <a:latin typeface="맑은 고딕"/>
-              <a:ea typeface="맑은 고딕"/>
-              <a:cs typeface="Arial Unicode MS"/>
-            </a:endParaRPr>
           </a:p>
         </p:txBody>
       </p:sp>
@@ -16084,7 +15610,7 @@
             </a:avLst>
           </a:prstGeom>
           <a:solidFill>
-            <a:srgbClr val="ffffff">
+            <a:srgbClr val="FFFFFF">
               <a:alpha val="100000"/>
             </a:srgbClr>
           </a:solidFill>
@@ -16126,14 +15652,6 @@
               </a:rPr>
               <a:t>Process</a:t>
             </a:r>
-            <a:endParaRPr kumimoji="0" lang="en-US" altLang="ko-KR" sz="2800" b="1" i="0" u="none" strike="noStrike" kern="1200" cap="none" spc="0" normalizeH="0" baseline="0">
-              <a:solidFill>
-                <a:srgbClr val="000000"/>
-              </a:solidFill>
-              <a:latin typeface="맑은 고딕"/>
-              <a:ea typeface="맑은 고딕"/>
-              <a:cs typeface="Arial Unicode MS"/>
-            </a:endParaRPr>
           </a:p>
         </p:txBody>
       </p:sp>
@@ -16205,7 +15723,7 @@
             </a:avLst>
           </a:prstGeom>
           <a:solidFill>
-            <a:srgbClr val="ffffff">
+            <a:srgbClr val="FFFFFF">
               <a:alpha val="100000"/>
             </a:srgbClr>
           </a:solidFill>
@@ -16252,11 +15770,11 @@
   <p:clrMapOvr>
     <a:masterClrMapping/>
   </p:clrMapOvr>
-  <mc:AlternateContent xmlns:mc="http://schemas.openxmlformats.org/markup-compatibility/2006">
-    <mc:Choice xmlns:p14="http://schemas.microsoft.com/office/powerpoint/2010/main" Requires="p14">
-      <p:transition xmlns:mc="http://schemas.openxmlformats.org/markup-compatibility/2006" xmlns:p14="http://schemas.microsoft.com/office/powerpoint/2010/main" spd="med" mc:Ignorable="p14" p14:dur="1000"/>
+  <mc:AlternateContent xmlns:mc="http://schemas.openxmlformats.org/markup-compatibility/2006" xmlns:p14="http://schemas.microsoft.com/office/powerpoint/2010/main">
+    <mc:Choice Requires="p14">
+      <p:transition spd="slow"/>
     </mc:Choice>
-    <mc:Fallback>
+    <mc:Fallback xmlns:dsp="http://schemas.microsoft.com/office/drawing/2008/diagram" xmlns:dgm="http://schemas.openxmlformats.org/drawingml/2006/diagram" xmlns:c="http://schemas.openxmlformats.org/drawingml/2006/chart" xmlns="">
       <p:transition/>
     </mc:Fallback>
   </mc:AlternateContent>
@@ -16902,7 +16420,7 @@
     <mc:Choice Requires="p14">
       <p:transition spd="slow"/>
     </mc:Choice>
-    <mc:Fallback xmlns="" xmlns:c="http://schemas.openxmlformats.org/drawingml/2006/chart" xmlns:dgm="http://schemas.openxmlformats.org/drawingml/2006/diagram" xmlns:dsp="http://schemas.microsoft.com/office/drawing/2008/diagram">
+    <mc:Fallback xmlns:dsp="http://schemas.microsoft.com/office/drawing/2008/diagram" xmlns:dgm="http://schemas.openxmlformats.org/drawingml/2006/diagram" xmlns:c="http://schemas.openxmlformats.org/drawingml/2006/chart" xmlns="">
       <p:transition/>
     </mc:Fallback>
   </mc:AlternateContent>
@@ -18703,7 +18221,7 @@
     <mc:Choice Requires="p14">
       <p:transition/>
     </mc:Choice>
-    <mc:Fallback xmlns="" xmlns:c="http://schemas.openxmlformats.org/drawingml/2006/chart" xmlns:dgm="http://schemas.openxmlformats.org/drawingml/2006/diagram" xmlns:dsp="http://schemas.microsoft.com/office/drawing/2008/diagram">
+    <mc:Fallback xmlns:dsp="http://schemas.microsoft.com/office/drawing/2008/diagram" xmlns:dgm="http://schemas.openxmlformats.org/drawingml/2006/diagram" xmlns:c="http://schemas.openxmlformats.org/drawingml/2006/chart" xmlns="">
       <p:transition/>
     </mc:Fallback>
   </mc:AlternateContent>
@@ -18789,7 +18307,7 @@
 </file>
 
 <file path=ppt/slides/slide14.xml><?xml version="1.0" encoding="utf-8"?>
-<p:sld xmlns:r="http://schemas.openxmlformats.org/officeDocument/2006/relationships" xmlns:c="http://schemas.openxmlformats.org/drawingml/2006/chart" xmlns:a="http://schemas.openxmlformats.org/drawingml/2006/main" xmlns:dgm="http://schemas.openxmlformats.org/drawingml/2006/diagram" xmlns:dsp="http://schemas.microsoft.com/office/drawing/2008/diagram" xmlns:p="http://schemas.openxmlformats.org/presentationml/2006/main">
+<p:sld xmlns:a="http://schemas.openxmlformats.org/drawingml/2006/main" xmlns:r="http://schemas.openxmlformats.org/officeDocument/2006/relationships" xmlns:p="http://schemas.openxmlformats.org/presentationml/2006/main">
   <p:cSld>
     <p:spTree>
       <p:nvGrpSpPr>
@@ -18981,18 +18499,12 @@
             <a:r>
               <a:rPr kumimoji="0" lang="en-US" altLang="ko-KR" sz="1200" b="0" i="0" u="none" strike="noStrike" kern="1200" cap="none" spc="0" normalizeH="0" baseline="0">
                 <a:solidFill>
-                  <a:srgbClr val="ffffff"/>
+                  <a:srgbClr val="FFFFFF"/>
                 </a:solidFill>
                 <a:latin typeface="맑은 고딕"/>
               </a:rPr>
               <a:t>8</a:t>
             </a:r>
-            <a:endParaRPr kumimoji="0" lang="en-US" altLang="ko-KR" sz="1200" b="0" i="0" u="none" strike="noStrike" kern="1200" cap="none" spc="0" normalizeH="0" baseline="0">
-              <a:solidFill>
-                <a:srgbClr val="ffffff"/>
-              </a:solidFill>
-              <a:latin typeface="맑은 고딕"/>
-            </a:endParaRPr>
           </a:p>
         </p:txBody>
       </p:sp>
@@ -19094,13 +18606,6 @@
               </a:rPr>
               <a:t>구성</a:t>
             </a:r>
-            <a:endParaRPr kumimoji="0" lang="ko-KR" altLang="en-US" sz="2800" b="1" i="0" u="none" strike="noStrike" kern="1200" cap="none" spc="0" normalizeH="0" baseline="0">
-              <a:solidFill>
-                <a:srgbClr val="000000"/>
-              </a:solidFill>
-              <a:latin typeface="맑은 고딕"/>
-              <a:cs typeface="맑은 고딕"/>
-            </a:endParaRPr>
           </a:p>
         </p:txBody>
       </p:sp>
@@ -19109,11 +18614,11 @@
   <p:clrMapOvr>
     <a:masterClrMapping/>
   </p:clrMapOvr>
-  <mc:AlternateContent xmlns:mc="http://schemas.openxmlformats.org/markup-compatibility/2006">
-    <mc:Choice xmlns:p14="http://schemas.microsoft.com/office/powerpoint/2010/main" Requires="p14">
-      <p:transition xmlns:mc="http://schemas.openxmlformats.org/markup-compatibility/2006" xmlns:p14="http://schemas.microsoft.com/office/powerpoint/2010/main" mc:Ignorable="p14" p14:dur="500"/>
+  <mc:AlternateContent xmlns:mc="http://schemas.openxmlformats.org/markup-compatibility/2006" xmlns:p14="http://schemas.microsoft.com/office/powerpoint/2010/main">
+    <mc:Choice Requires="p14">
+      <p:transition/>
     </mc:Choice>
-    <mc:Fallback>
+    <mc:Fallback xmlns:dsp="http://schemas.microsoft.com/office/drawing/2008/diagram" xmlns:dgm="http://schemas.openxmlformats.org/drawingml/2006/diagram" xmlns:c="http://schemas.openxmlformats.org/drawingml/2006/chart" xmlns="">
       <p:transition/>
     </mc:Fallback>
   </mc:AlternateContent>
@@ -20195,7 +19700,7 @@
     <mc:Choice Requires="p14">
       <p:transition/>
     </mc:Choice>
-    <mc:Fallback xmlns="" xmlns:c="http://schemas.openxmlformats.org/drawingml/2006/chart" xmlns:dgm="http://schemas.openxmlformats.org/drawingml/2006/diagram" xmlns:dsp="http://schemas.microsoft.com/office/drawing/2008/diagram">
+    <mc:Fallback xmlns:dsp="http://schemas.microsoft.com/office/drawing/2008/diagram" xmlns:dgm="http://schemas.openxmlformats.org/drawingml/2006/diagram" xmlns:c="http://schemas.openxmlformats.org/drawingml/2006/chart" xmlns="">
       <p:transition/>
     </mc:Fallback>
   </mc:AlternateContent>
@@ -20513,7 +20018,7 @@
     <mc:Choice Requires="p14">
       <p:transition/>
     </mc:Choice>
-    <mc:Fallback xmlns="" xmlns:c="http://schemas.openxmlformats.org/drawingml/2006/chart" xmlns:dgm="http://schemas.openxmlformats.org/drawingml/2006/diagram" xmlns:dsp="http://schemas.microsoft.com/office/drawing/2008/diagram">
+    <mc:Fallback xmlns:dsp="http://schemas.microsoft.com/office/drawing/2008/diagram" xmlns:dgm="http://schemas.openxmlformats.org/drawingml/2006/diagram" xmlns:c="http://schemas.openxmlformats.org/drawingml/2006/chart" xmlns="">
       <p:transition/>
     </mc:Fallback>
   </mc:AlternateContent>
@@ -20971,7 +20476,7 @@
     <mc:Choice Requires="p14">
       <p:transition/>
     </mc:Choice>
-    <mc:Fallback xmlns="" xmlns:c="http://schemas.openxmlformats.org/drawingml/2006/chart" xmlns:dgm="http://schemas.openxmlformats.org/drawingml/2006/diagram" xmlns:dsp="http://schemas.microsoft.com/office/drawing/2008/diagram">
+    <mc:Fallback xmlns:dsp="http://schemas.microsoft.com/office/drawing/2008/diagram" xmlns:dgm="http://schemas.openxmlformats.org/drawingml/2006/diagram" xmlns:c="http://schemas.openxmlformats.org/drawingml/2006/chart" xmlns="">
       <p:transition/>
     </mc:Fallback>
   </mc:AlternateContent>
@@ -21257,7 +20762,7 @@
     <mc:Choice Requires="p14">
       <p:transition p14:dur="10"/>
     </mc:Choice>
-    <mc:Fallback xmlns="" xmlns:c="http://schemas.openxmlformats.org/drawingml/2006/chart" xmlns:dgm="http://schemas.openxmlformats.org/drawingml/2006/diagram" xmlns:dsp="http://schemas.microsoft.com/office/drawing/2008/diagram">
+    <mc:Fallback xmlns:dsp="http://schemas.microsoft.com/office/drawing/2008/diagram" xmlns:dgm="http://schemas.openxmlformats.org/drawingml/2006/diagram" xmlns:c="http://schemas.openxmlformats.org/drawingml/2006/chart" xmlns="">
       <p:transition/>
     </mc:Fallback>
   </mc:AlternateContent>
@@ -21265,7 +20770,7 @@
 </file>
 
 <file path=ppt/slides/slide19.xml><?xml version="1.0" encoding="utf-8"?>
-<p:sld xmlns:r="http://schemas.openxmlformats.org/officeDocument/2006/relationships" xmlns:c="http://schemas.openxmlformats.org/drawingml/2006/chart" xmlns:a="http://schemas.openxmlformats.org/drawingml/2006/main" xmlns:dgm="http://schemas.openxmlformats.org/drawingml/2006/diagram" xmlns:dsp="http://schemas.microsoft.com/office/drawing/2008/diagram" xmlns:p="http://schemas.openxmlformats.org/presentationml/2006/main">
+<p:sld xmlns:a="http://schemas.openxmlformats.org/drawingml/2006/main" xmlns:r="http://schemas.openxmlformats.org/officeDocument/2006/relationships" xmlns:p="http://schemas.openxmlformats.org/presentationml/2006/main">
   <p:cSld>
     <p:spTree>
       <p:nvGrpSpPr>
@@ -21320,7 +20825,7 @@
             <a:avLst/>
           </a:prstGeom>
           <a:solidFill>
-            <a:srgbClr val="1a141c">
+            <a:srgbClr val="1A141C">
               <a:alpha val="55690"/>
             </a:srgbClr>
           </a:solidFill>
@@ -21384,7 +20889,6 @@
               <a:rPr lang="en-US" altLang="ko-KR"/>
               <a:t>12</a:t>
             </a:r>
-            <a:endParaRPr lang="en-US" altLang="ko-KR"/>
           </a:p>
         </p:txBody>
       </p:sp>
@@ -21405,7 +20909,7 @@
           <a:noFill/>
           <a:ln w="63500">
             <a:solidFill>
-              <a:srgbClr val="ff00ff"/>
+              <a:srgbClr val="FF00FF"/>
             </a:solidFill>
             <a:miter/>
           </a:ln>
@@ -21476,7 +20980,7 @@
           <a:noFill/>
           <a:ln w="28575">
             <a:solidFill>
-              <a:srgbClr val="ff0000"/>
+              <a:srgbClr val="FF0000"/>
             </a:solidFill>
             <a:miter/>
           </a:ln>
@@ -21523,7 +21027,7 @@
           <a:noFill/>
           <a:ln w="28575">
             <a:solidFill>
-              <a:srgbClr val="ff0000"/>
+              <a:srgbClr val="FF0000"/>
             </a:solidFill>
             <a:miter/>
           </a:ln>
@@ -21570,7 +21074,7 @@
           <a:noFill/>
           <a:ln w="28575">
             <a:solidFill>
-              <a:srgbClr val="ff0000"/>
+              <a:srgbClr val="FF0000"/>
             </a:solidFill>
             <a:miter/>
           </a:ln>
@@ -21617,7 +21121,7 @@
           <a:noFill/>
           <a:ln w="28575">
             <a:solidFill>
-              <a:srgbClr val="ff0000"/>
+              <a:srgbClr val="FF0000"/>
             </a:solidFill>
             <a:miter/>
           </a:ln>
@@ -21719,13 +21223,6 @@
               </a:rPr>
               <a:t>구성</a:t>
             </a:r>
-            <a:endParaRPr kumimoji="0" lang="ko-KR" altLang="en-US" sz="2800" b="1" i="0" u="none" strike="noStrike" kern="1200" cap="none" spc="0" normalizeH="0" baseline="0">
-              <a:solidFill>
-                <a:srgbClr val="000000"/>
-              </a:solidFill>
-              <a:latin typeface="맑은 고딕"/>
-              <a:cs typeface="맑은 고딕"/>
-            </a:endParaRPr>
           </a:p>
         </p:txBody>
       </p:sp>
@@ -21734,11 +21231,11 @@
   <p:clrMapOvr>
     <a:masterClrMapping/>
   </p:clrMapOvr>
-  <mc:AlternateContent xmlns:mc="http://schemas.openxmlformats.org/markup-compatibility/2006">
-    <mc:Choice xmlns:p14="http://schemas.microsoft.com/office/powerpoint/2010/main" Requires="p14">
-      <p:transition xmlns:mc="http://schemas.openxmlformats.org/markup-compatibility/2006" xmlns:p14="http://schemas.microsoft.com/office/powerpoint/2010/main" mc:Ignorable="p14" p14:dur="500"/>
+  <mc:AlternateContent xmlns:mc="http://schemas.openxmlformats.org/markup-compatibility/2006" xmlns:p14="http://schemas.microsoft.com/office/powerpoint/2010/main">
+    <mc:Choice Requires="p14">
+      <p:transition/>
     </mc:Choice>
-    <mc:Fallback>
+    <mc:Fallback xmlns:dsp="http://schemas.microsoft.com/office/drawing/2008/diagram" xmlns:dgm="http://schemas.openxmlformats.org/drawingml/2006/diagram" xmlns:c="http://schemas.openxmlformats.org/drawingml/2006/chart" xmlns="">
       <p:transition/>
     </mc:Fallback>
   </mc:AlternateContent>
@@ -21962,7 +21459,7 @@
 </file>
 
 <file path=ppt/slides/slide2.xml><?xml version="1.0" encoding="utf-8"?>
-<p:sld xmlns:r="http://schemas.openxmlformats.org/officeDocument/2006/relationships" xmlns:c="http://schemas.openxmlformats.org/drawingml/2006/chart" xmlns:a="http://schemas.openxmlformats.org/drawingml/2006/main" xmlns:dgm="http://schemas.openxmlformats.org/drawingml/2006/diagram" xmlns:dsp="http://schemas.microsoft.com/office/drawing/2008/diagram" xmlns:p="http://schemas.openxmlformats.org/presentationml/2006/main">
+<p:sld xmlns:a="http://schemas.openxmlformats.org/drawingml/2006/main" xmlns:r="http://schemas.openxmlformats.org/officeDocument/2006/relationships" xmlns:p="http://schemas.openxmlformats.org/presentationml/2006/main">
   <p:cSld>
     <p:spTree>
       <p:nvGrpSpPr>
@@ -21994,7 +21491,7 @@
           </a:prstGeom>
           <a:ln w="50800" cap="flat" cmpd="sng" algn="ctr">
             <a:solidFill>
-              <a:srgbClr val="bd3d00"/>
+              <a:srgbClr val="BD3D00"/>
             </a:solidFill>
             <a:prstDash val="solid"/>
             <a:round/>
@@ -22121,7 +21618,7 @@
           </a:solidFill>
           <a:ln w="25400" cap="flat" cmpd="sng" algn="ctr">
             <a:solidFill>
-              <a:srgbClr val="bd3d00"/>
+              <a:srgbClr val="BD3D00"/>
             </a:solidFill>
             <a:prstDash val="solid"/>
             <a:round/>
@@ -22172,7 +21669,7 @@
           <a:noFill/>
           <a:ln cap="flat" cmpd="sng" algn="ctr">
             <a:solidFill>
-              <a:srgbClr val="bd3d00"/>
+              <a:srgbClr val="BD3D00"/>
             </a:solidFill>
             <a:prstDash val="solid"/>
             <a:round/>
@@ -22234,7 +21731,7 @@
           </a:prstGeom>
           <a:ln w="50800" cap="flat" cmpd="sng" algn="ctr">
             <a:solidFill>
-              <a:srgbClr val="bd3d00"/>
+              <a:srgbClr val="BD3D00"/>
             </a:solidFill>
             <a:prstDash val="solid"/>
             <a:round/>
@@ -22295,7 +21792,6 @@
               <a:rPr lang="ko-KR" altLang="en-US" sz="2800" b="1" i="0" kern="1200" baseline="0"/>
               <a:t> 환경</a:t>
             </a:r>
-            <a:endParaRPr lang="ko-KR" altLang="en-US" sz="2800" b="1" i="0" kern="1200" baseline="0"/>
           </a:p>
         </p:txBody>
       </p:sp>
@@ -22323,7 +21819,7 @@
           </a:solidFill>
           <a:ln w="25400" cap="flat" cmpd="sng" algn="ctr">
             <a:solidFill>
-              <a:srgbClr val="bd3d00"/>
+              <a:srgbClr val="BD3D00"/>
             </a:solidFill>
             <a:prstDash val="solid"/>
             <a:round/>
@@ -22381,7 +21877,7 @@
           </a:solidFill>
           <a:ln w="25400" cap="flat" cmpd="sng" algn="ctr">
             <a:solidFill>
-              <a:srgbClr val="bd3d00"/>
+              <a:srgbClr val="BD3D00"/>
             </a:solidFill>
             <a:prstDash val="solid"/>
             <a:round/>
@@ -22432,7 +21928,7 @@
           <a:noFill/>
           <a:ln cap="flat" cmpd="sng" algn="ctr">
             <a:solidFill>
-              <a:srgbClr val="bd3d00"/>
+              <a:srgbClr val="BD3D00"/>
             </a:solidFill>
             <a:prstDash val="solid"/>
             <a:round/>
@@ -22494,7 +21990,7 @@
           </a:prstGeom>
           <a:ln w="50800" cap="flat" cmpd="sng" algn="ctr">
             <a:solidFill>
-              <a:srgbClr val="bd3d00"/>
+              <a:srgbClr val="BD3D00"/>
             </a:solidFill>
             <a:prstDash val="solid"/>
             <a:round/>
@@ -22555,7 +22051,6 @@
               <a:rPr lang="ko-KR" altLang="en-US" sz="2800" b="1" i="0" kern="1200" baseline="0"/>
               <a:t>구성 및 흐름도</a:t>
             </a:r>
-            <a:endParaRPr lang="ko-KR" altLang="en-US" sz="2800" b="1" i="0" kern="1200" baseline="0"/>
           </a:p>
         </p:txBody>
       </p:sp>
@@ -22583,7 +22078,7 @@
           </a:solidFill>
           <a:ln w="25400" cap="flat" cmpd="sng" algn="ctr">
             <a:solidFill>
-              <a:srgbClr val="bd3d00"/>
+              <a:srgbClr val="BD3D00"/>
             </a:solidFill>
             <a:prstDash val="solid"/>
             <a:round/>
@@ -22634,7 +22129,7 @@
           <a:noFill/>
           <a:ln cap="flat" cmpd="sng" algn="ctr">
             <a:solidFill>
-              <a:srgbClr val="bd3d00"/>
+              <a:srgbClr val="BD3D00"/>
             </a:solidFill>
             <a:prstDash val="solid"/>
             <a:round/>
@@ -22696,7 +22191,7 @@
           </a:prstGeom>
           <a:ln w="50800" cap="flat" cmpd="sng" algn="ctr">
             <a:solidFill>
-              <a:srgbClr val="bd3d00"/>
+              <a:srgbClr val="BD3D00"/>
             </a:solidFill>
             <a:prstDash val="solid"/>
             <a:round/>
@@ -22757,7 +22252,6 @@
               <a:rPr lang="ko-KR" sz="2800" b="1" i="0" kern="1200" baseline="0"/>
               <a:t>구성</a:t>
             </a:r>
-            <a:endParaRPr lang="ko-KR" sz="2800" b="1" i="0" kern="1200" baseline="0"/>
           </a:p>
         </p:txBody>
       </p:sp>
@@ -22785,7 +22279,7 @@
           </a:solidFill>
           <a:ln w="25400" cap="flat" cmpd="sng" algn="ctr">
             <a:solidFill>
-              <a:srgbClr val="bd3d00"/>
+              <a:srgbClr val="BD3D00"/>
             </a:solidFill>
             <a:prstDash val="solid"/>
             <a:round/>
@@ -22835,7 +22329,7 @@
           </a:prstGeom>
           <a:ln w="50800" cap="flat" cmpd="sng" algn="ctr">
             <a:solidFill>
-              <a:srgbClr val="bd3d00"/>
+              <a:srgbClr val="BD3D00"/>
             </a:solidFill>
             <a:prstDash val="solid"/>
             <a:round/>
@@ -22892,7 +22386,6 @@
               <a:rPr lang="ko-KR" altLang="en-US" sz="2800" b="1" i="0" kern="1200" baseline="0"/>
               <a:t>기대 효과</a:t>
             </a:r>
-            <a:endParaRPr lang="ko-KR" altLang="en-US" sz="2800" b="1" i="0" kern="1200" baseline="0"/>
           </a:p>
         </p:txBody>
       </p:sp>
@@ -22941,7 +22434,7 @@
         </p:nvCxnSpPr>
         <p:spPr>
           <a:xfrm rot="5400000">
-            <a:off x="8913063" y="3428460"/>
+            <a:off x="8928829" y="3428460"/>
             <a:ext cx="5319622" cy="19050"/>
           </a:xfrm>
           <a:prstGeom prst="line">
@@ -22965,11 +22458,11 @@
   <p:clrMapOvr>
     <a:masterClrMapping/>
   </p:clrMapOvr>
-  <mc:AlternateContent xmlns:mc="http://schemas.openxmlformats.org/markup-compatibility/2006">
-    <mc:Choice xmlns:p14="http://schemas.microsoft.com/office/powerpoint/2010/main" Requires="p14">
-      <p:transition xmlns:mc="http://schemas.openxmlformats.org/markup-compatibility/2006" xmlns:p14="http://schemas.microsoft.com/office/powerpoint/2010/main" mc:Ignorable="p14" p14:dur="500"/>
+  <mc:AlternateContent xmlns:mc="http://schemas.openxmlformats.org/markup-compatibility/2006" xmlns:p14="http://schemas.microsoft.com/office/powerpoint/2010/main">
+    <mc:Choice Requires="p14">
+      <p:transition/>
     </mc:Choice>
-    <mc:Fallback>
+    <mc:Fallback xmlns:dsp="http://schemas.microsoft.com/office/drawing/2008/diagram" xmlns:dgm="http://schemas.openxmlformats.org/drawingml/2006/diagram" xmlns:c="http://schemas.openxmlformats.org/drawingml/2006/chart" xmlns="">
       <p:transition/>
     </mc:Fallback>
   </mc:AlternateContent>
@@ -23302,7 +22795,7 @@
     <mc:Choice Requires="p14">
       <p:transition/>
     </mc:Choice>
-    <mc:Fallback xmlns="" xmlns:c="http://schemas.openxmlformats.org/drawingml/2006/chart" xmlns:dgm="http://schemas.openxmlformats.org/drawingml/2006/diagram" xmlns:dsp="http://schemas.microsoft.com/office/drawing/2008/diagram">
+    <mc:Fallback xmlns:dsp="http://schemas.microsoft.com/office/drawing/2008/diagram" xmlns:dgm="http://schemas.openxmlformats.org/drawingml/2006/diagram" xmlns:c="http://schemas.openxmlformats.org/drawingml/2006/chart" xmlns="">
       <p:transition/>
     </mc:Fallback>
   </mc:AlternateContent>
@@ -24028,7 +23521,7 @@
     <mc:Choice Requires="p14">
       <p:transition/>
     </mc:Choice>
-    <mc:Fallback xmlns:dsp="http://schemas.microsoft.com/office/drawing/2008/diagram" xmlns:dgm="http://schemas.openxmlformats.org/drawingml/2006/diagram" xmlns:c="http://schemas.openxmlformats.org/drawingml/2006/chart" xmlns="">
+    <mc:Fallback xmlns="" xmlns:c="http://schemas.openxmlformats.org/drawingml/2006/chart" xmlns:dgm="http://schemas.openxmlformats.org/drawingml/2006/diagram" xmlns:dsp="http://schemas.microsoft.com/office/drawing/2008/diagram">
       <p:transition/>
     </mc:Fallback>
   </mc:AlternateContent>
@@ -24612,7 +24105,7 @@
     <mc:Choice Requires="p14">
       <p:transition/>
     </mc:Choice>
-    <mc:Fallback xmlns:dsp="http://schemas.microsoft.com/office/drawing/2008/diagram" xmlns:dgm="http://schemas.openxmlformats.org/drawingml/2006/diagram" xmlns:c="http://schemas.openxmlformats.org/drawingml/2006/chart" xmlns="">
+    <mc:Fallback xmlns="" xmlns:c="http://schemas.openxmlformats.org/drawingml/2006/chart" xmlns:dgm="http://schemas.openxmlformats.org/drawingml/2006/diagram" xmlns:dsp="http://schemas.microsoft.com/office/drawing/2008/diagram">
       <p:transition/>
     </mc:Fallback>
   </mc:AlternateContent>
@@ -24724,7 +24217,7 @@
     <mc:Choice Requires="p14">
       <p:transition/>
     </mc:Choice>
-    <mc:Fallback xmlns:dsp="http://schemas.microsoft.com/office/drawing/2008/diagram" xmlns:dgm="http://schemas.openxmlformats.org/drawingml/2006/diagram" xmlns:c="http://schemas.openxmlformats.org/drawingml/2006/chart" xmlns="">
+    <mc:Fallback xmlns="" xmlns:c="http://schemas.openxmlformats.org/drawingml/2006/chart" xmlns:dgm="http://schemas.openxmlformats.org/drawingml/2006/diagram" xmlns:dsp="http://schemas.microsoft.com/office/drawing/2008/diagram">
       <p:transition/>
     </mc:Fallback>
   </mc:AlternateContent>
@@ -25975,7 +25468,7 @@
     <mc:Choice Requires="p14">
       <p:transition/>
     </mc:Choice>
-    <mc:Fallback xmlns:dsp="http://schemas.microsoft.com/office/drawing/2008/diagram" xmlns:dgm="http://schemas.openxmlformats.org/drawingml/2006/diagram" xmlns:c="http://schemas.openxmlformats.org/drawingml/2006/chart" xmlns="">
+    <mc:Fallback xmlns="" xmlns:c="http://schemas.openxmlformats.org/drawingml/2006/chart" xmlns:dgm="http://schemas.openxmlformats.org/drawingml/2006/diagram" xmlns:dsp="http://schemas.microsoft.com/office/drawing/2008/diagram">
       <p:transition/>
     </mc:Fallback>
   </mc:AlternateContent>
@@ -26433,7 +25926,7 @@
     <mc:Choice Requires="p14">
       <p:transition/>
     </mc:Choice>
-    <mc:Fallback xmlns:dsp="http://schemas.microsoft.com/office/drawing/2008/diagram" xmlns:dgm="http://schemas.openxmlformats.org/drawingml/2006/diagram" xmlns:c="http://schemas.openxmlformats.org/drawingml/2006/chart" xmlns="">
+    <mc:Fallback xmlns="" xmlns:c="http://schemas.openxmlformats.org/drawingml/2006/chart" xmlns:dgm="http://schemas.openxmlformats.org/drawingml/2006/diagram" xmlns:dsp="http://schemas.microsoft.com/office/drawing/2008/diagram">
       <p:transition/>
     </mc:Fallback>
   </mc:AlternateContent>
@@ -26850,7 +26343,7 @@
     <mc:Choice Requires="p14">
       <p:transition/>
     </mc:Choice>
-    <mc:Fallback xmlns:dsp="http://schemas.microsoft.com/office/drawing/2008/diagram" xmlns:dgm="http://schemas.openxmlformats.org/drawingml/2006/diagram" xmlns:c="http://schemas.openxmlformats.org/drawingml/2006/chart" xmlns="">
+    <mc:Fallback xmlns="" xmlns:c="http://schemas.openxmlformats.org/drawingml/2006/chart" xmlns:dgm="http://schemas.openxmlformats.org/drawingml/2006/diagram" xmlns:dsp="http://schemas.microsoft.com/office/drawing/2008/diagram">
       <p:transition/>
     </mc:Fallback>
   </mc:AlternateContent>
@@ -27800,7 +27293,7 @@
     <mc:Choice Requires="p14">
       <p:transition spd="slow"/>
     </mc:Choice>
-    <mc:Fallback xmlns="" xmlns:c="http://schemas.openxmlformats.org/drawingml/2006/chart" xmlns:dgm="http://schemas.openxmlformats.org/drawingml/2006/diagram" xmlns:dsp="http://schemas.microsoft.com/office/drawing/2008/diagram">
+    <mc:Fallback xmlns:dsp="http://schemas.microsoft.com/office/drawing/2008/diagram" xmlns:dgm="http://schemas.openxmlformats.org/drawingml/2006/diagram" xmlns:c="http://schemas.openxmlformats.org/drawingml/2006/chart" xmlns="">
       <p:transition/>
     </mc:Fallback>
   </mc:AlternateContent>
@@ -28446,7 +27939,7 @@
     <mc:Choice Requires="p14">
       <p:transition spd="slow"/>
     </mc:Choice>
-    <mc:Fallback xmlns="" xmlns:c="http://schemas.openxmlformats.org/drawingml/2006/chart" xmlns:dgm="http://schemas.openxmlformats.org/drawingml/2006/diagram" xmlns:dsp="http://schemas.microsoft.com/office/drawing/2008/diagram">
+    <mc:Fallback xmlns:dsp="http://schemas.microsoft.com/office/drawing/2008/diagram" xmlns:dgm="http://schemas.openxmlformats.org/drawingml/2006/diagram" xmlns:c="http://schemas.openxmlformats.org/drawingml/2006/chart" xmlns="">
       <p:transition/>
     </mc:Fallback>
   </mc:AlternateContent>
@@ -29092,7 +28585,7 @@
     <mc:Choice Requires="p14">
       <p:transition spd="slow"/>
     </mc:Choice>
-    <mc:Fallback xmlns="" xmlns:c="http://schemas.openxmlformats.org/drawingml/2006/chart" xmlns:dgm="http://schemas.openxmlformats.org/drawingml/2006/diagram" xmlns:dsp="http://schemas.microsoft.com/office/drawing/2008/diagram">
+    <mc:Fallback xmlns:dsp="http://schemas.microsoft.com/office/drawing/2008/diagram" xmlns:dgm="http://schemas.openxmlformats.org/drawingml/2006/diagram" xmlns:c="http://schemas.openxmlformats.org/drawingml/2006/chart" xmlns="">
       <p:transition/>
     </mc:Fallback>
   </mc:AlternateContent>
@@ -29924,7 +29417,7 @@
     <mc:Choice Requires="p14">
       <p:transition spd="slow"/>
     </mc:Choice>
-    <mc:Fallback xmlns="" xmlns:c="http://schemas.openxmlformats.org/drawingml/2006/chart" xmlns:dgm="http://schemas.openxmlformats.org/drawingml/2006/diagram" xmlns:dsp="http://schemas.microsoft.com/office/drawing/2008/diagram">
+    <mc:Fallback xmlns:dsp="http://schemas.microsoft.com/office/drawing/2008/diagram" xmlns:dgm="http://schemas.openxmlformats.org/drawingml/2006/diagram" xmlns:c="http://schemas.openxmlformats.org/drawingml/2006/chart" xmlns="">
       <p:transition/>
     </mc:Fallback>
   </mc:AlternateContent>
@@ -30102,41 +29595,41 @@
 </file>
 
 <file path=ppt/theme/theme1.xml><?xml version="1.0" encoding="utf-8"?>
-<a:theme xmlns:r="http://schemas.openxmlformats.org/officeDocument/2006/relationships" xmlns:c="http://schemas.openxmlformats.org/drawingml/2006/chart" xmlns:dgm="http://schemas.openxmlformats.org/drawingml/2006/diagram" xmlns:dsp="http://schemas.microsoft.com/office/drawing/2008/diagram" xmlns:a="http://schemas.openxmlformats.org/drawingml/2006/main" xmlns:pic="http://schemas.openxmlformats.org/drawingml/2006/picture" xmlns:wp="http://schemas.openxmlformats.org/drawingml/2006/wordprocessingDrawing" xmlns:xdr="http://schemas.openxmlformats.org/drawingml/2006/spreadsheetDrawing" xmlns:lc="http://schemas.openxmlformats.org/drawingml/2006/lockedCanvas" xmlns:p="http://schemas.openxmlformats.org/presentationml/2006/main" name="사용자 테마1">
+<a:theme xmlns:a="http://schemas.openxmlformats.org/drawingml/2006/main" name="사용자 테마1">
   <a:themeElements>
     <a:clrScheme name="한컴오피스">
       <a:dk1>
         <a:sysClr val="windowText" lastClr="000000"/>
       </a:dk1>
       <a:lt1>
-        <a:sysClr val="window" lastClr="ffffff"/>
+        <a:sysClr val="window" lastClr="FFFFFF"/>
       </a:lt1>
       <a:dk2>
-        <a:srgbClr val="3a3c84"/>
+        <a:srgbClr val="3A3C84"/>
       </a:dk2>
       <a:lt2>
-        <a:srgbClr val="faf3db"/>
+        <a:srgbClr val="FAF3DB"/>
       </a:lt2>
       <a:accent1>
-        <a:srgbClr val="6182d6"/>
+        <a:srgbClr val="6182D6"/>
       </a:accent1>
       <a:accent2>
-        <a:srgbClr val="ff843a"/>
+        <a:srgbClr val="FF843A"/>
       </a:accent2>
       <a:accent3>
-        <a:srgbClr val="b2b2b2"/>
+        <a:srgbClr val="B2B2B2"/>
       </a:accent3>
       <a:accent4>
-        <a:srgbClr val="ffd700"/>
+        <a:srgbClr val="FFD700"/>
       </a:accent4>
       <a:accent5>
-        <a:srgbClr val="289b6e"/>
+        <a:srgbClr val="289B6E"/>
       </a:accent5>
       <a:accent6>
-        <a:srgbClr val="9d5cbb"/>
+        <a:srgbClr val="9D5CBB"/>
       </a:accent6>
       <a:hlink>
-        <a:srgbClr val="0000ff"/>
+        <a:srgbClr val="0000FF"/>
       </a:hlink>
       <a:folHlink>
         <a:srgbClr val="800080"/>
@@ -30395,45 +29888,46 @@
       </a:lstStyle>
     </a:txDef>
   </a:objectDefaults>
+  <a:extraClrSchemeLst/>
 </a:theme>
 </file>
 
 <file path=ppt/theme/theme2.xml><?xml version="1.0" encoding="utf-8"?>
-<a:theme xmlns:r="http://schemas.openxmlformats.org/officeDocument/2006/relationships" xmlns:c="http://schemas.openxmlformats.org/drawingml/2006/chart" xmlns:dgm="http://schemas.openxmlformats.org/drawingml/2006/diagram" xmlns:dsp="http://schemas.microsoft.com/office/drawing/2008/diagram" xmlns:a="http://schemas.openxmlformats.org/drawingml/2006/main" xmlns:pic="http://schemas.openxmlformats.org/drawingml/2006/picture" xmlns:wp="http://schemas.openxmlformats.org/drawingml/2006/wordprocessingDrawing" xmlns:xdr="http://schemas.openxmlformats.org/drawingml/2006/spreadsheetDrawing" xmlns:lc="http://schemas.openxmlformats.org/drawingml/2006/lockedCanvas" xmlns:p="http://schemas.openxmlformats.org/presentationml/2006/main" name="1_사용자 테마1">
+<a:theme xmlns:a="http://schemas.openxmlformats.org/drawingml/2006/main" name="1_사용자 테마1">
   <a:themeElements>
     <a:clrScheme name="한컴오피스">
       <a:dk1>
         <a:sysClr val="windowText" lastClr="000000"/>
       </a:dk1>
       <a:lt1>
-        <a:sysClr val="window" lastClr="ffffff"/>
+        <a:sysClr val="window" lastClr="FFFFFF"/>
       </a:lt1>
       <a:dk2>
-        <a:srgbClr val="3a3c84"/>
+        <a:srgbClr val="3A3C84"/>
       </a:dk2>
       <a:lt2>
-        <a:srgbClr val="faf3db"/>
+        <a:srgbClr val="FAF3DB"/>
       </a:lt2>
       <a:accent1>
-        <a:srgbClr val="6182d6"/>
+        <a:srgbClr val="6182D6"/>
       </a:accent1>
       <a:accent2>
-        <a:srgbClr val="ff843a"/>
+        <a:srgbClr val="FF843A"/>
       </a:accent2>
       <a:accent3>
-        <a:srgbClr val="b2b2b2"/>
+        <a:srgbClr val="B2B2B2"/>
       </a:accent3>
       <a:accent4>
-        <a:srgbClr val="ffd700"/>
+        <a:srgbClr val="FFD700"/>
       </a:accent4>
       <a:accent5>
-        <a:srgbClr val="289b6e"/>
+        <a:srgbClr val="289B6E"/>
       </a:accent5>
       <a:accent6>
-        <a:srgbClr val="9d5cbb"/>
+        <a:srgbClr val="9D5CBB"/>
       </a:accent6>
       <a:hlink>
-        <a:srgbClr val="0000ff"/>
+        <a:srgbClr val="0000FF"/>
       </a:hlink>
       <a:folHlink>
         <a:srgbClr val="800080"/>
@@ -30692,45 +30186,46 @@
       </a:lstStyle>
     </a:txDef>
   </a:objectDefaults>
+  <a:extraClrSchemeLst/>
 </a:theme>
 </file>
 
 <file path=ppt/theme/theme3.xml><?xml version="1.0" encoding="utf-8"?>
-<a:theme xmlns:r="http://schemas.openxmlformats.org/officeDocument/2006/relationships" xmlns:c="http://schemas.openxmlformats.org/drawingml/2006/chart" xmlns:dgm="http://schemas.openxmlformats.org/drawingml/2006/diagram" xmlns:dsp="http://schemas.microsoft.com/office/drawing/2008/diagram" xmlns:a="http://schemas.openxmlformats.org/drawingml/2006/main" xmlns:pic="http://schemas.openxmlformats.org/drawingml/2006/picture" xmlns:wp="http://schemas.openxmlformats.org/drawingml/2006/wordprocessingDrawing" xmlns:xdr="http://schemas.openxmlformats.org/drawingml/2006/spreadsheetDrawing" xmlns:lc="http://schemas.openxmlformats.org/drawingml/2006/lockedCanvas" xmlns:p="http://schemas.openxmlformats.org/presentationml/2006/main" name="한컴오피스">
+<a:theme xmlns:a="http://schemas.openxmlformats.org/drawingml/2006/main" name="한컴오피스">
   <a:themeElements>
     <a:clrScheme name="한컴오피스">
       <a:dk1>
         <a:sysClr val="windowText" lastClr="000000"/>
       </a:dk1>
       <a:lt1>
-        <a:sysClr val="window" lastClr="ffffff"/>
+        <a:sysClr val="window" lastClr="FFFFFF"/>
       </a:lt1>
       <a:dk2>
-        <a:srgbClr val="3a3c84"/>
+        <a:srgbClr val="3A3C84"/>
       </a:dk2>
       <a:lt2>
-        <a:srgbClr val="faf3db"/>
+        <a:srgbClr val="FAF3DB"/>
       </a:lt2>
       <a:accent1>
-        <a:srgbClr val="6182d6"/>
+        <a:srgbClr val="6182D6"/>
       </a:accent1>
       <a:accent2>
-        <a:srgbClr val="ff843a"/>
+        <a:srgbClr val="FF843A"/>
       </a:accent2>
       <a:accent3>
-        <a:srgbClr val="b2b2b2"/>
+        <a:srgbClr val="B2B2B2"/>
       </a:accent3>
       <a:accent4>
-        <a:srgbClr val="ffd700"/>
+        <a:srgbClr val="FFD700"/>
       </a:accent4>
       <a:accent5>
-        <a:srgbClr val="289b6e"/>
+        <a:srgbClr val="289B6E"/>
       </a:accent5>
       <a:accent6>
-        <a:srgbClr val="9d5cbb"/>
+        <a:srgbClr val="9D5CBB"/>
       </a:accent6>
       <a:hlink>
-        <a:srgbClr val="0000ff"/>
+        <a:srgbClr val="0000FF"/>
       </a:hlink>
       <a:folHlink>
         <a:srgbClr val="800080"/>
@@ -30959,45 +30454,47 @@
       </a:bgFillStyleLst>
     </a:fmtScheme>
   </a:themeElements>
+  <a:objectDefaults/>
+  <a:extraClrSchemeLst/>
 </a:theme>
 </file>
 
 <file path=ppt/theme/theme4.xml><?xml version="1.0" encoding="utf-8"?>
-<a:theme xmlns:r="http://schemas.openxmlformats.org/officeDocument/2006/relationships" xmlns:c="http://schemas.openxmlformats.org/drawingml/2006/chart" xmlns:dgm="http://schemas.openxmlformats.org/drawingml/2006/diagram" xmlns:dsp="http://schemas.microsoft.com/office/drawing/2008/diagram" xmlns:a="http://schemas.openxmlformats.org/drawingml/2006/main" xmlns:pic="http://schemas.openxmlformats.org/drawingml/2006/picture" xmlns:wp="http://schemas.openxmlformats.org/drawingml/2006/wordprocessingDrawing" xmlns:xdr="http://schemas.openxmlformats.org/drawingml/2006/spreadsheetDrawing" xmlns:lc="http://schemas.openxmlformats.org/drawingml/2006/lockedCanvas" xmlns:p="http://schemas.openxmlformats.org/presentationml/2006/main" name="한컴오피스">
+<a:theme xmlns:a="http://schemas.openxmlformats.org/drawingml/2006/main" name="한컴오피스">
   <a:themeElements>
     <a:clrScheme name="한컴오피스">
       <a:dk1>
         <a:sysClr val="windowText" lastClr="000000"/>
       </a:dk1>
       <a:lt1>
-        <a:sysClr val="window" lastClr="ffffff"/>
+        <a:sysClr val="window" lastClr="FFFFFF"/>
       </a:lt1>
       <a:dk2>
-        <a:srgbClr val="3a3c84"/>
+        <a:srgbClr val="3A3C84"/>
       </a:dk2>
       <a:lt2>
-        <a:srgbClr val="faf3db"/>
+        <a:srgbClr val="FAF3DB"/>
       </a:lt2>
       <a:accent1>
-        <a:srgbClr val="6182d6"/>
+        <a:srgbClr val="6182D6"/>
       </a:accent1>
       <a:accent2>
-        <a:srgbClr val="ff843a"/>
+        <a:srgbClr val="FF843A"/>
       </a:accent2>
       <a:accent3>
-        <a:srgbClr val="b2b2b2"/>
+        <a:srgbClr val="B2B2B2"/>
       </a:accent3>
       <a:accent4>
-        <a:srgbClr val="ffd700"/>
+        <a:srgbClr val="FFD700"/>
       </a:accent4>
       <a:accent5>
-        <a:srgbClr val="289b6e"/>
+        <a:srgbClr val="289B6E"/>
       </a:accent5>
       <a:accent6>
-        <a:srgbClr val="9d5cbb"/>
+        <a:srgbClr val="9D5CBB"/>
       </a:accent6>
       <a:hlink>
-        <a:srgbClr val="0000ff"/>
+        <a:srgbClr val="0000FF"/>
       </a:hlink>
       <a:folHlink>
         <a:srgbClr val="800080"/>
@@ -31226,5 +30723,7 @@
       </a:bgFillStyleLst>
     </a:fmtScheme>
   </a:themeElements>
+  <a:objectDefaults/>
+  <a:extraClrSchemeLst/>
 </a:theme>
 </file>
--- a/A조 발표/A조 발표 최종.pptx
+++ b/A조 발표/A조 발표 최종.pptx
@@ -1,40 +1,40 @@
 
 <file path=ppt/presentation.xml><?xml version="1.0" encoding="utf-8"?>
-<p:presentation xmlns:r="http://schemas.openxmlformats.org/officeDocument/2006/relationships" xmlns:c="http://schemas.openxmlformats.org/drawingml/2006/chart" xmlns:a="http://schemas.openxmlformats.org/drawingml/2006/main" xmlns:dgm="http://schemas.openxmlformats.org/drawingml/2006/diagram" xmlns:dsp="http://schemas.microsoft.com/office/drawing/2008/diagram" xmlns:p="http://schemas.openxmlformats.org/presentationml/2006/main">
+<p:presentation xmlns:a="http://schemas.openxmlformats.org/drawingml/2006/main" xmlns:r="http://schemas.openxmlformats.org/officeDocument/2006/relationships" xmlns:p="http://schemas.openxmlformats.org/presentationml/2006/main">
   <p:sldMasterIdLst>
     <p:sldMasterId id="2147483804" r:id="rId1"/>
     <p:sldMasterId id="2147483805" r:id="rId2"/>
   </p:sldMasterIdLst>
   <p:notesMasterIdLst>
-    <p:notesMasterId r:id="rId3"/>
+    <p:notesMasterId r:id="rId26"/>
   </p:notesMasterIdLst>
   <p:handoutMasterIdLst>
-    <p:handoutMasterId r:id="rId4"/>
+    <p:handoutMasterId r:id="rId27"/>
   </p:handoutMasterIdLst>
   <p:sldIdLst>
-    <p:sldId id="292" r:id="rId5"/>
-    <p:sldId id="280" r:id="rId6"/>
-    <p:sldId id="299" r:id="rId7"/>
-    <p:sldId id="283" r:id="rId8"/>
-    <p:sldId id="259" r:id="rId9"/>
-    <p:sldId id="310" r:id="rId10"/>
-    <p:sldId id="316" r:id="rId11"/>
-    <p:sldId id="317" r:id="rId12"/>
-    <p:sldId id="318" r:id="rId13"/>
-    <p:sldId id="319" r:id="rId14"/>
-    <p:sldId id="320" r:id="rId15"/>
-    <p:sldId id="321" r:id="rId16"/>
-    <p:sldId id="285" r:id="rId17"/>
-    <p:sldId id="279" r:id="rId18"/>
-    <p:sldId id="322" r:id="rId19"/>
-    <p:sldId id="293" r:id="rId20"/>
-    <p:sldId id="294" r:id="rId21"/>
-    <p:sldId id="295" r:id="rId22"/>
-    <p:sldId id="296" r:id="rId23"/>
-    <p:sldId id="315" r:id="rId24"/>
-    <p:sldId id="298" r:id="rId25"/>
-    <p:sldId id="323" r:id="rId26"/>
-    <p:sldId id="308" r:id="rId27"/>
+    <p:sldId id="292" r:id="rId3"/>
+    <p:sldId id="280" r:id="rId4"/>
+    <p:sldId id="299" r:id="rId5"/>
+    <p:sldId id="283" r:id="rId6"/>
+    <p:sldId id="259" r:id="rId7"/>
+    <p:sldId id="310" r:id="rId8"/>
+    <p:sldId id="316" r:id="rId9"/>
+    <p:sldId id="317" r:id="rId10"/>
+    <p:sldId id="318" r:id="rId11"/>
+    <p:sldId id="319" r:id="rId12"/>
+    <p:sldId id="320" r:id="rId13"/>
+    <p:sldId id="321" r:id="rId14"/>
+    <p:sldId id="285" r:id="rId15"/>
+    <p:sldId id="279" r:id="rId16"/>
+    <p:sldId id="322" r:id="rId17"/>
+    <p:sldId id="293" r:id="rId18"/>
+    <p:sldId id="294" r:id="rId19"/>
+    <p:sldId id="295" r:id="rId20"/>
+    <p:sldId id="296" r:id="rId21"/>
+    <p:sldId id="315" r:id="rId22"/>
+    <p:sldId id="298" r:id="rId23"/>
+    <p:sldId id="323" r:id="rId24"/>
+    <p:sldId id="308" r:id="rId25"/>
   </p:sldIdLst>
   <p:sldSz cx="12192000" cy="6858000"/>
   <p:notesSz cx="6858000" cy="9144000"/>
@@ -133,11 +133,27 @@
       </a:defRPr>
     </a:lvl9pPr>
   </p:defaultTextStyle>
+  <p:extLst>
+    <p:ext uri="{EFAFB233-063F-42B5-8137-9DF3F51BA10A}">
+      <p15:sldGuideLst xmlns:p15="http://schemas.microsoft.com/office/powerpoint/2012/main">
+        <p15:guide id="1" orient="horz" pos="2158">
+          <p15:clr>
+            <a:srgbClr val="A4A3A4"/>
+          </p15:clr>
+        </p15:guide>
+        <p15:guide id="2" pos="3839">
+          <p15:clr>
+            <a:srgbClr val="A4A3A4"/>
+          </p15:clr>
+        </p15:guide>
+      </p15:sldGuideLst>
+    </p:ext>
+  </p:extLst>
 </p:presentation>
 </file>
 
 <file path=ppt/handoutMasters/handoutMaster1.xml><?xml version="1.0" encoding="utf-8"?>
-<p:handoutMaster xmlns:r="http://schemas.openxmlformats.org/officeDocument/2006/relationships" xmlns:c="http://schemas.openxmlformats.org/drawingml/2006/chart" xmlns:a="http://schemas.openxmlformats.org/drawingml/2006/main" xmlns:dgm="http://schemas.openxmlformats.org/drawingml/2006/diagram" xmlns:dsp="http://schemas.microsoft.com/office/drawing/2008/diagram" xmlns:p="http://schemas.openxmlformats.org/presentationml/2006/main">
+<p:handoutMaster xmlns:a="http://schemas.openxmlformats.org/drawingml/2006/main" xmlns:r="http://schemas.openxmlformats.org/officeDocument/2006/relationships" xmlns:p="http://schemas.openxmlformats.org/presentationml/2006/main">
   <p:cSld>
     <p:bg>
       <p:bgRef idx="1001">
@@ -165,7 +181,7 @@
             <a:spLocks noGrp="1"/>
           </p:cNvSpPr>
           <p:nvPr>
-            <p:ph type="hdr" sz="quarter" idx="0"/>
+            <p:ph type="hdr" sz="quarter"/>
           </p:nvPr>
         </p:nvSpPr>
         <p:spPr>
@@ -188,10 +204,6 @@
             <a:pPr lvl="0">
               <a:defRPr/>
             </a:pPr>
-            <a:r>
-              <a:rPr lang="ko-KR" altLang="en-US"/>
-              <a:t/>
-            </a:r>
             <a:endParaRPr lang="ko-KR" altLang="en-US"/>
           </a:p>
         </p:txBody>
@@ -267,10 +279,6 @@
             <a:pPr lvl="0">
               <a:defRPr/>
             </a:pPr>
-            <a:r>
-              <a:rPr lang="ko-KR" altLang="en-US"/>
-              <a:t/>
-            </a:r>
             <a:endParaRPr lang="ko-KR" altLang="en-US"/>
           </a:p>
         </p:txBody>
@@ -317,13 +325,18 @@
         </p:txBody>
       </p:sp>
     </p:spTree>
+    <p:extLst>
+      <p:ext uri="{BB962C8B-B14F-4D97-AF65-F5344CB8AC3E}">
+        <p14:creationId xmlns:p14="http://schemas.microsoft.com/office/powerpoint/2010/main" val="1"/>
+      </p:ext>
+    </p:extLst>
   </p:cSld>
   <p:clrMap bg1="lt1" tx1="dk1" bg2="lt2" tx2="dk2" accent1="accent1" accent2="accent2" accent3="accent3" accent4="accent4" accent5="accent5" accent6="accent6" hlink="hlink" folHlink="folHlink"/>
 </p:handoutMaster>
 </file>
 
 <file path=ppt/notesMasters/notesMaster1.xml><?xml version="1.0" encoding="utf-8"?>
-<p:notesMaster xmlns:r="http://schemas.openxmlformats.org/officeDocument/2006/relationships" xmlns:c="http://schemas.openxmlformats.org/drawingml/2006/chart" xmlns:a="http://schemas.openxmlformats.org/drawingml/2006/main" xmlns:dgm="http://schemas.openxmlformats.org/drawingml/2006/diagram" xmlns:dsp="http://schemas.microsoft.com/office/drawing/2008/diagram" xmlns:p="http://schemas.openxmlformats.org/presentationml/2006/main">
+<p:notesMaster xmlns:a="http://schemas.openxmlformats.org/drawingml/2006/main" xmlns:r="http://schemas.openxmlformats.org/officeDocument/2006/relationships" xmlns:p="http://schemas.openxmlformats.org/presentationml/2006/main">
   <p:cSld>
     <p:bg>
       <p:bgRef idx="1001">
@@ -351,7 +364,7 @@
             <a:spLocks noGrp="1"/>
           </p:cNvSpPr>
           <p:nvPr>
-            <p:ph type="hdr" sz="quarter" idx="0"/>
+            <p:ph type="hdr" sz="quarter"/>
           </p:nvPr>
         </p:nvSpPr>
         <p:spPr>
@@ -374,10 +387,6 @@
             <a:pPr lvl="0">
               <a:defRPr/>
             </a:pPr>
-            <a:r>
-              <a:rPr lang="ko-KR" altLang="en-US"/>
-              <a:t/>
-            </a:r>
             <a:endParaRPr lang="ko-KR" altLang="en-US"/>
           </a:p>
         </p:txBody>
@@ -491,7 +500,6 @@
               <a:rPr lang="ko-KR" altLang="en-US"/>
               <a:t>마스터 텍스트 스타일을 편집합니다</a:t>
             </a:r>
-            <a:endParaRPr lang="ko-KR" altLang="en-US"/>
           </a:p>
           <a:p>
             <a:pPr lvl="1">
@@ -501,7 +509,6 @@
               <a:rPr lang="ko-KR" altLang="en-US"/>
               <a:t>둘째 수준</a:t>
             </a:r>
-            <a:endParaRPr lang="ko-KR" altLang="en-US"/>
           </a:p>
           <a:p>
             <a:pPr lvl="2">
@@ -511,7 +518,6 @@
               <a:rPr lang="ko-KR" altLang="en-US"/>
               <a:t>셋째 수준</a:t>
             </a:r>
-            <a:endParaRPr lang="ko-KR" altLang="en-US"/>
           </a:p>
           <a:p>
             <a:pPr lvl="3">
@@ -521,7 +527,6 @@
               <a:rPr lang="ko-KR" altLang="en-US"/>
               <a:t>넷째 수준</a:t>
             </a:r>
-            <a:endParaRPr lang="ko-KR" altLang="en-US"/>
           </a:p>
           <a:p>
             <a:pPr lvl="4">
@@ -531,7 +536,6 @@
               <a:rPr lang="ko-KR" altLang="en-US"/>
               <a:t>다섯째 수준</a:t>
             </a:r>
-            <a:endParaRPr lang="ko-KR" altLang="en-US"/>
           </a:p>
         </p:txBody>
       </p:sp>
@@ -565,10 +569,6 @@
             <a:pPr lvl="0">
               <a:defRPr/>
             </a:pPr>
-            <a:r>
-              <a:rPr lang="ko-KR" altLang="en-US"/>
-              <a:t/>
-            </a:r>
             <a:endParaRPr lang="ko-KR" altLang="en-US"/>
           </a:p>
         </p:txBody>
@@ -714,7 +714,7 @@
 </file>
 
 <file path=ppt/notesSlides/notesSlide1.xml><?xml version="1.0" encoding="utf-8"?>
-<p:notes xmlns:r="http://schemas.openxmlformats.org/officeDocument/2006/relationships" xmlns:c="http://schemas.openxmlformats.org/drawingml/2006/chart" xmlns:a="http://schemas.openxmlformats.org/drawingml/2006/main" xmlns:dgm="http://schemas.openxmlformats.org/drawingml/2006/diagram" xmlns:dsp="http://schemas.microsoft.com/office/drawing/2008/diagram" xmlns:p="http://schemas.openxmlformats.org/presentationml/2006/main">
+<p:notes xmlns:a="http://schemas.openxmlformats.org/drawingml/2006/main" xmlns:r="http://schemas.openxmlformats.org/officeDocument/2006/relationships" xmlns:p="http://schemas.openxmlformats.org/presentationml/2006/main">
   <p:cSld>
     <p:spTree>
       <p:nvGrpSpPr>
@@ -806,6 +806,11 @@
               </a:rPr>
               <a:t>.</a:t>
             </a:r>
+          </a:p>
+          <a:p>
+            <a:pPr>
+              <a:defRPr/>
+            </a:pPr>
             <a:endParaRPr lang="en-US" altLang="ko-KR" sz="1300">
               <a:latin typeface="맑은 고딕"/>
             </a:endParaRPr>
@@ -814,14 +819,6 @@
             <a:pPr>
               <a:defRPr/>
             </a:pPr>
-            <a:endParaRPr lang="en-US" altLang="ko-KR" sz="1300">
-              <a:latin typeface="맑은 고딕"/>
-            </a:endParaRPr>
-          </a:p>
-          <a:p>
-            <a:pPr>
-              <a:defRPr/>
-            </a:pPr>
             <a:r>
               <a:rPr lang="ko-KR" altLang="en-US" sz="1300">
                 <a:latin typeface="맑은 고딕"/>
@@ -858,9 +855,6 @@
               </a:rPr>
               <a:t>.</a:t>
             </a:r>
-            <a:endParaRPr lang="en-US" altLang="ko-KR" sz="1300">
-              <a:latin typeface="맑은 고딕"/>
-            </a:endParaRPr>
           </a:p>
         </p:txBody>
       </p:sp>
@@ -902,7 +896,7 @@
 </file>
 
 <file path=ppt/notesSlides/notesSlide10.xml><?xml version="1.0" encoding="utf-8"?>
-<p:notes xmlns:r="http://schemas.openxmlformats.org/officeDocument/2006/relationships" xmlns:c="http://schemas.openxmlformats.org/drawingml/2006/chart" xmlns:a="http://schemas.openxmlformats.org/drawingml/2006/main" xmlns:dgm="http://schemas.openxmlformats.org/drawingml/2006/diagram" xmlns:dsp="http://schemas.microsoft.com/office/drawing/2008/diagram" xmlns:p="http://schemas.openxmlformats.org/presentationml/2006/main">
+<p:notes xmlns:a="http://schemas.openxmlformats.org/drawingml/2006/main" xmlns:r="http://schemas.openxmlformats.org/officeDocument/2006/relationships" xmlns:p="http://schemas.openxmlformats.org/presentationml/2006/main">
   <p:cSld>
     <p:spTree>
       <p:nvGrpSpPr>
@@ -1021,9 +1015,6 @@
               </a:rPr>
               <a:t> </a:t>
             </a:r>
-            <a:endParaRPr lang="ko-KR" altLang="en-US" sz="1300">
-              <a:latin typeface="맑은 고딕"/>
-            </a:endParaRPr>
           </a:p>
         </p:txBody>
       </p:sp>
@@ -1065,7 +1056,7 @@
 </file>
 
 <file path=ppt/notesSlides/notesSlide11.xml><?xml version="1.0" encoding="utf-8"?>
-<p:notes xmlns:r="http://schemas.openxmlformats.org/officeDocument/2006/relationships" xmlns:c="http://schemas.openxmlformats.org/drawingml/2006/chart" xmlns:a="http://schemas.openxmlformats.org/drawingml/2006/main" xmlns:dgm="http://schemas.openxmlformats.org/drawingml/2006/diagram" xmlns:dsp="http://schemas.microsoft.com/office/drawing/2008/diagram" xmlns:p="http://schemas.openxmlformats.org/presentationml/2006/main">
+<p:notes xmlns:a="http://schemas.openxmlformats.org/drawingml/2006/main" xmlns:r="http://schemas.openxmlformats.org/officeDocument/2006/relationships" xmlns:p="http://schemas.openxmlformats.org/presentationml/2006/main">
   <p:cSld>
     <p:spTree>
       <p:nvGrpSpPr>
@@ -1190,9 +1181,6 @@
               </a:rPr>
               <a:t>.</a:t>
             </a:r>
-            <a:endParaRPr lang="en-US" altLang="ko-KR" sz="1300">
-              <a:latin typeface="맑은 고딕"/>
-            </a:endParaRPr>
           </a:p>
         </p:txBody>
       </p:sp>
@@ -1234,7 +1222,7 @@
 </file>
 
 <file path=ppt/notesSlides/notesSlide12.xml><?xml version="1.0" encoding="utf-8"?>
-<p:notes xmlns:r="http://schemas.openxmlformats.org/officeDocument/2006/relationships" xmlns:c="http://schemas.openxmlformats.org/drawingml/2006/chart" xmlns:a="http://schemas.openxmlformats.org/drawingml/2006/main" xmlns:dgm="http://schemas.openxmlformats.org/drawingml/2006/diagram" xmlns:dsp="http://schemas.microsoft.com/office/drawing/2008/diagram" xmlns:p="http://schemas.openxmlformats.org/presentationml/2006/main">
+<p:notes xmlns:a="http://schemas.openxmlformats.org/drawingml/2006/main" xmlns:r="http://schemas.openxmlformats.org/officeDocument/2006/relationships" xmlns:p="http://schemas.openxmlformats.org/presentationml/2006/main">
   <p:cSld>
     <p:spTree>
       <p:nvGrpSpPr>
@@ -1335,9 +1323,6 @@
               </a:rPr>
               <a:t>.</a:t>
             </a:r>
-            <a:endParaRPr lang="en-US" altLang="ko-KR" sz="1300">
-              <a:latin typeface="맑은 고딕"/>
-            </a:endParaRPr>
           </a:p>
         </p:txBody>
       </p:sp>
@@ -1379,7 +1364,7 @@
 </file>
 
 <file path=ppt/notesSlides/notesSlide13.xml><?xml version="1.0" encoding="utf-8"?>
-<p:notes xmlns:r="http://schemas.openxmlformats.org/officeDocument/2006/relationships" xmlns:c="http://schemas.openxmlformats.org/drawingml/2006/chart" xmlns:a="http://schemas.openxmlformats.org/drawingml/2006/main" xmlns:dgm="http://schemas.openxmlformats.org/drawingml/2006/diagram" xmlns:dsp="http://schemas.microsoft.com/office/drawing/2008/diagram" xmlns:p="http://schemas.openxmlformats.org/presentationml/2006/main">
+<p:notes xmlns:a="http://schemas.openxmlformats.org/drawingml/2006/main" xmlns:r="http://schemas.openxmlformats.org/officeDocument/2006/relationships" xmlns:p="http://schemas.openxmlformats.org/presentationml/2006/main">
   <p:cSld>
     <p:spTree>
       <p:nvGrpSpPr>
@@ -1447,6 +1432,11 @@
               </a:rPr>
               <a:t>.</a:t>
             </a:r>
+          </a:p>
+          <a:p>
+            <a:pPr>
+              <a:defRPr/>
+            </a:pPr>
             <a:endParaRPr lang="en-US" altLang="ko-KR" sz="1300">
               <a:latin typeface="맑은 고딕"/>
             </a:endParaRPr>
@@ -1455,6 +1445,63 @@
             <a:pPr>
               <a:defRPr/>
             </a:pPr>
+            <a:r>
+              <a:rPr lang="ko-KR" altLang="en-US" sz="1300">
+                <a:latin typeface="맑은 고딕"/>
+              </a:rPr>
+              <a:t>보시는 바와 같이</a:t>
+            </a:r>
+            <a:r>
+              <a:rPr lang="en-US" altLang="ko-KR" sz="1300">
+                <a:latin typeface="맑은 고딕"/>
+              </a:rPr>
+              <a:t>,</a:t>
+            </a:r>
+            <a:r>
+              <a:rPr lang="ko-KR" altLang="en-US" sz="1300">
+                <a:latin typeface="맑은 고딕"/>
+              </a:rPr>
+              <a:t> 중앙 제어 스레드는 프로그램 종료 시까지 동작하며</a:t>
+            </a:r>
+            <a:r>
+              <a:rPr lang="en-US" altLang="ko-KR" sz="1300">
+                <a:latin typeface="맑은 고딕"/>
+              </a:rPr>
+              <a:t>,</a:t>
+            </a:r>
+          </a:p>
+          <a:p>
+            <a:pPr>
+              <a:defRPr/>
+            </a:pPr>
+            <a:r>
+              <a:rPr lang="ko-KR" altLang="en-US" sz="1300">
+                <a:latin typeface="맑은 고딕"/>
+              </a:rPr>
+              <a:t> </a:t>
+            </a:r>
+          </a:p>
+          <a:p>
+            <a:pPr>
+              <a:defRPr/>
+            </a:pPr>
+            <a:r>
+              <a:rPr lang="ko-KR" altLang="en-US" sz="1300">
+                <a:latin typeface="맑은 고딕"/>
+              </a:rPr>
+              <a:t>다른 스레드를 순차적으로 동작시키는 역할을 하는 것을 확인할 수 있습니다</a:t>
+            </a:r>
+            <a:r>
+              <a:rPr lang="en-US" altLang="ko-KR" sz="1300">
+                <a:latin typeface="맑은 고딕"/>
+              </a:rPr>
+              <a:t>.</a:t>
+            </a:r>
+          </a:p>
+          <a:p>
+            <a:pPr>
+              <a:defRPr/>
+            </a:pPr>
             <a:endParaRPr lang="en-US" altLang="ko-KR" sz="1300">
               <a:latin typeface="맑은 고딕"/>
             </a:endParaRPr>
@@ -1467,7 +1514,7 @@
               <a:rPr lang="ko-KR" altLang="en-US" sz="1300">
                 <a:latin typeface="맑은 고딕"/>
               </a:rPr>
-              <a:t>보시는 바와 같이</a:t>
+              <a:t>그와 동시에</a:t>
             </a:r>
             <a:r>
               <a:rPr lang="en-US" altLang="ko-KR" sz="1300">
@@ -1479,14 +1526,86 @@
               <a:rPr lang="ko-KR" altLang="en-US" sz="1300">
                 <a:latin typeface="맑은 고딕"/>
               </a:rPr>
-              <a:t> 중앙 제어 스레드는 프로그램 종료 시까지 동작하며</a:t>
+              <a:t> </a:t>
             </a:r>
             <a:r>
               <a:rPr lang="en-US" altLang="ko-KR" sz="1300">
                 <a:latin typeface="맑은 고딕"/>
               </a:rPr>
+              <a:t>‘Time </a:t>
+            </a:r>
+            <a:r>
+              <a:rPr lang="ko-KR" altLang="en-US" sz="1300">
+                <a:latin typeface="맑은 고딕"/>
+              </a:rPr>
+              <a:t>스레드</a:t>
+            </a:r>
+            <a:r>
+              <a:rPr lang="en-US" altLang="ko-KR" sz="1300">
+                <a:latin typeface="맑은 고딕"/>
+              </a:rPr>
+              <a:t>’</a:t>
+            </a:r>
+            <a:r>
+              <a:rPr lang="ko-KR" altLang="en-US" sz="1300">
+                <a:latin typeface="맑은 고딕"/>
+              </a:rPr>
+              <a:t>도 함께 동작하여 시뮬레이터의 구동 시간을 측정하고</a:t>
+            </a:r>
+            <a:r>
+              <a:rPr lang="en-US" altLang="ko-KR" sz="1300">
+                <a:latin typeface="맑은 고딕"/>
+              </a:rPr>
               <a:t>,</a:t>
             </a:r>
+            <a:r>
+              <a:rPr lang="ko-KR" altLang="en-US" sz="1300">
+                <a:latin typeface="맑은 고딕"/>
+              </a:rPr>
+              <a:t> </a:t>
+            </a:r>
+          </a:p>
+          <a:p>
+            <a:pPr>
+              <a:defRPr/>
+            </a:pPr>
+            <a:endParaRPr lang="ko-KR" altLang="en-US" sz="1300">
+              <a:latin typeface="맑은 고딕"/>
+            </a:endParaRPr>
+          </a:p>
+          <a:p>
+            <a:pPr>
+              <a:defRPr/>
+            </a:pPr>
+            <a:r>
+              <a:rPr lang="ko-KR" altLang="en-US" sz="1300">
+                <a:latin typeface="맑은 고딕"/>
+              </a:rPr>
+              <a:t>웨이퍼의 출력과 </a:t>
+            </a:r>
+            <a:r>
+              <a:rPr lang="en-US" altLang="ko-KR" sz="1300">
+                <a:latin typeface="맑은 고딕"/>
+              </a:rPr>
+              <a:t>Throughput</a:t>
+            </a:r>
+            <a:r>
+              <a:rPr lang="ko-KR" altLang="en-US" sz="1300">
+                <a:latin typeface="맑은 고딕"/>
+              </a:rPr>
+              <a:t>을 연산하도록 하였습니다</a:t>
+            </a:r>
+            <a:r>
+              <a:rPr lang="en-US" altLang="ko-KR" sz="1300">
+                <a:latin typeface="맑은 고딕"/>
+              </a:rPr>
+              <a:t>.</a:t>
+            </a:r>
+          </a:p>
+          <a:p>
+            <a:pPr>
+              <a:defRPr/>
+            </a:pPr>
             <a:endParaRPr lang="en-US" altLang="ko-KR" sz="1300">
               <a:latin typeface="맑은 고딕"/>
             </a:endParaRPr>
@@ -1499,28 +1618,67 @@
               <a:rPr lang="ko-KR" altLang="en-US" sz="1300">
                 <a:latin typeface="맑은 고딕"/>
               </a:rPr>
+              <a:t>또한</a:t>
+            </a:r>
+            <a:r>
+              <a:rPr lang="en-US" altLang="ko-KR" sz="1300">
+                <a:latin typeface="맑은 고딕"/>
+              </a:rPr>
+              <a:t>,</a:t>
+            </a:r>
+            <a:r>
+              <a:rPr lang="ko-KR" altLang="en-US" sz="1300">
+                <a:latin typeface="맑은 고딕"/>
+              </a:rPr>
+              <a:t> 스레드는 동시성 확보를 위해 단일 스레드로 동작하는 것이 아닌</a:t>
+            </a:r>
+            <a:r>
+              <a:rPr lang="en-US" altLang="ko-KR" sz="1300">
+                <a:latin typeface="맑은 고딕"/>
+              </a:rPr>
+              <a:t>,</a:t>
+            </a:r>
+            <a:r>
+              <a:rPr lang="ko-KR" altLang="en-US" sz="1300">
+                <a:latin typeface="맑은 고딕"/>
+              </a:rPr>
               <a:t> </a:t>
             </a:r>
-            <a:endParaRPr lang="ko-KR" altLang="en-US" sz="1300">
-              <a:latin typeface="맑은 고딕"/>
-            </a:endParaRPr>
+            <a:r>
+              <a:rPr lang="en-US" altLang="ko-KR" sz="1300">
+                <a:latin typeface="맑은 고딕"/>
+              </a:rPr>
+              <a:t>(</a:t>
+            </a:r>
+            <a:r>
+              <a:rPr lang="ko-KR" altLang="en-US" sz="1300">
+                <a:latin typeface="맑은 고딕"/>
+              </a:rPr>
+              <a:t>클릭</a:t>
+            </a:r>
+            <a:r>
+              <a:rPr lang="en-US" altLang="ko-KR" sz="1300">
+                <a:latin typeface="맑은 고딕"/>
+              </a:rPr>
+              <a:t>)</a:t>
+            </a:r>
+            <a:r>
+              <a:rPr lang="ko-KR" altLang="en-US" sz="1300">
+                <a:latin typeface="맑은 고딕"/>
+              </a:rPr>
+              <a:t>다음과 같이 멀티 스레드로 동작하도록 설계하였습니다</a:t>
+            </a:r>
+            <a:r>
+              <a:rPr lang="en-US" altLang="ko-KR" sz="1300">
+                <a:latin typeface="맑은 고딕"/>
+              </a:rPr>
+              <a:t>.</a:t>
+            </a:r>
           </a:p>
           <a:p>
             <a:pPr>
               <a:defRPr/>
             </a:pPr>
-            <a:r>
-              <a:rPr lang="ko-KR" altLang="en-US" sz="1300">
-                <a:latin typeface="맑은 고딕"/>
-              </a:rPr>
-              <a:t>다른 스레드를 순차적으로 동작시키는 역할을 하는 것을 확인할 수 있습니다</a:t>
-            </a:r>
-            <a:r>
-              <a:rPr lang="en-US" altLang="ko-KR" sz="1300">
-                <a:latin typeface="맑은 고딕"/>
-              </a:rPr>
-              <a:t>.</a:t>
-            </a:r>
             <a:endParaRPr lang="en-US" altLang="ko-KR" sz="1300">
               <a:latin typeface="맑은 고딕"/>
             </a:endParaRPr>
@@ -1529,215 +1687,18 @@
             <a:pPr>
               <a:defRPr/>
             </a:pPr>
-            <a:endParaRPr lang="en-US" altLang="ko-KR" sz="1300">
-              <a:latin typeface="맑은 고딕"/>
-            </a:endParaRPr>
-          </a:p>
-          <a:p>
-            <a:pPr>
-              <a:defRPr/>
-            </a:pPr>
             <a:r>
               <a:rPr lang="ko-KR" altLang="en-US" sz="1300">
                 <a:latin typeface="맑은 고딕"/>
               </a:rPr>
-              <a:t>그와 동시에</a:t>
+              <a:t>자세한 동작의 흐름은 뒤편에서 시연을 통해 보여드리도록 하겠습니다</a:t>
             </a:r>
             <a:r>
               <a:rPr lang="en-US" altLang="ko-KR" sz="1300">
                 <a:latin typeface="맑은 고딕"/>
               </a:rPr>
-              <a:t>,</a:t>
-            </a:r>
-            <a:r>
-              <a:rPr lang="ko-KR" altLang="en-US" sz="1300">
-                <a:latin typeface="맑은 고딕"/>
-              </a:rPr>
-              <a:t> </a:t>
-            </a:r>
-            <a:r>
-              <a:rPr lang="en-US" altLang="ko-KR" sz="1300">
-                <a:latin typeface="맑은 고딕"/>
-              </a:rPr>
-              <a:t>‘Time </a:t>
-            </a:r>
-            <a:r>
-              <a:rPr lang="ko-KR" altLang="en-US" sz="1300">
-                <a:latin typeface="맑은 고딕"/>
-              </a:rPr>
-              <a:t>스레드</a:t>
-            </a:r>
-            <a:r>
-              <a:rPr lang="en-US" altLang="ko-KR" sz="1300">
-                <a:latin typeface="맑은 고딕"/>
-              </a:rPr>
-              <a:t>’</a:t>
-            </a:r>
-            <a:r>
-              <a:rPr lang="ko-KR" altLang="en-US" sz="1300">
-                <a:latin typeface="맑은 고딕"/>
-              </a:rPr>
-              <a:t>도 함께 동작하여 시뮬레이터의 구동 시간을 측정하고</a:t>
-            </a:r>
-            <a:r>
-              <a:rPr lang="en-US" altLang="ko-KR" sz="1300">
-                <a:latin typeface="맑은 고딕"/>
-              </a:rPr>
-              <a:t>,</a:t>
-            </a:r>
-            <a:r>
-              <a:rPr lang="ko-KR" altLang="en-US" sz="1300">
-                <a:latin typeface="맑은 고딕"/>
-              </a:rPr>
-              <a:t> </a:t>
-            </a:r>
-            <a:endParaRPr lang="ko-KR" altLang="en-US" sz="1300">
-              <a:latin typeface="맑은 고딕"/>
-            </a:endParaRPr>
-          </a:p>
-          <a:p>
-            <a:pPr>
-              <a:defRPr/>
-            </a:pPr>
-            <a:endParaRPr lang="ko-KR" altLang="en-US" sz="1300">
-              <a:latin typeface="맑은 고딕"/>
-            </a:endParaRPr>
-          </a:p>
-          <a:p>
-            <a:pPr>
-              <a:defRPr/>
-            </a:pPr>
-            <a:r>
-              <a:rPr lang="ko-KR" altLang="en-US" sz="1300">
-                <a:latin typeface="맑은 고딕"/>
-              </a:rPr>
-              <a:t>웨이퍼의 출력과 </a:t>
-            </a:r>
-            <a:r>
-              <a:rPr lang="en-US" altLang="ko-KR" sz="1300">
-                <a:latin typeface="맑은 고딕"/>
-              </a:rPr>
-              <a:t>Throughput</a:t>
-            </a:r>
-            <a:r>
-              <a:rPr lang="ko-KR" altLang="en-US" sz="1300">
-                <a:latin typeface="맑은 고딕"/>
-              </a:rPr>
-              <a:t>을 연산하도록 하였습니다</a:t>
-            </a:r>
-            <a:r>
-              <a:rPr lang="en-US" altLang="ko-KR" sz="1300">
-                <a:latin typeface="맑은 고딕"/>
-              </a:rPr>
               <a:t>.</a:t>
             </a:r>
-            <a:endParaRPr lang="en-US" altLang="ko-KR" sz="1300">
-              <a:latin typeface="맑은 고딕"/>
-            </a:endParaRPr>
-          </a:p>
-          <a:p>
-            <a:pPr>
-              <a:defRPr/>
-            </a:pPr>
-            <a:endParaRPr lang="en-US" altLang="ko-KR" sz="1300">
-              <a:latin typeface="맑은 고딕"/>
-            </a:endParaRPr>
-          </a:p>
-          <a:p>
-            <a:pPr>
-              <a:defRPr/>
-            </a:pPr>
-            <a:r>
-              <a:rPr lang="ko-KR" altLang="en-US" sz="1300">
-                <a:latin typeface="맑은 고딕"/>
-              </a:rPr>
-              <a:t>또한</a:t>
-            </a:r>
-            <a:r>
-              <a:rPr lang="en-US" altLang="ko-KR" sz="1300">
-                <a:latin typeface="맑은 고딕"/>
-              </a:rPr>
-              <a:t>,</a:t>
-            </a:r>
-            <a:r>
-              <a:rPr lang="ko-KR" altLang="en-US" sz="1300">
-                <a:latin typeface="맑은 고딕"/>
-              </a:rPr>
-              <a:t> 스레드는 동시성 확보를 위해 단일 스레드로 동작하는 것이 아닌</a:t>
-            </a:r>
-            <a:r>
-              <a:rPr lang="en-US" altLang="ko-KR" sz="1300">
-                <a:latin typeface="맑은 고딕"/>
-              </a:rPr>
-              <a:t>,</a:t>
-            </a:r>
-            <a:r>
-              <a:rPr lang="ko-KR" altLang="en-US" sz="1300">
-                <a:latin typeface="맑은 고딕"/>
-              </a:rPr>
-              <a:t> </a:t>
-            </a:r>
-            <a:r>
-              <a:rPr lang="en-US" altLang="ko-KR" sz="1300">
-                <a:latin typeface="맑은 고딕"/>
-              </a:rPr>
-              <a:t>(</a:t>
-            </a:r>
-            <a:r>
-              <a:rPr lang="ko-KR" altLang="en-US" sz="1300">
-                <a:latin typeface="맑은 고딕"/>
-              </a:rPr>
-              <a:t>클릭</a:t>
-            </a:r>
-            <a:r>
-              <a:rPr lang="en-US" altLang="ko-KR" sz="1300">
-                <a:latin typeface="맑은 고딕"/>
-              </a:rPr>
-              <a:t>)</a:t>
-            </a:r>
-            <a:r>
-              <a:rPr lang="ko-KR" altLang="en-US" sz="1300">
-                <a:latin typeface="맑은 고딕"/>
-              </a:rPr>
-              <a:t>다음과 같이 멀티 스레드로 동작하도록 설계하였습니다</a:t>
-            </a:r>
-            <a:r>
-              <a:rPr lang="en-US" altLang="ko-KR" sz="1300">
-                <a:latin typeface="맑은 고딕"/>
-              </a:rPr>
-              <a:t>.</a:t>
-            </a:r>
-            <a:endParaRPr lang="en-US" altLang="ko-KR" sz="1300">
-              <a:latin typeface="맑은 고딕"/>
-            </a:endParaRPr>
-          </a:p>
-          <a:p>
-            <a:pPr>
-              <a:defRPr/>
-            </a:pPr>
-            <a:endParaRPr lang="en-US" altLang="ko-KR" sz="1300">
-              <a:latin typeface="맑은 고딕"/>
-            </a:endParaRPr>
-          </a:p>
-          <a:p>
-            <a:pPr>
-              <a:defRPr/>
-            </a:pPr>
-            <a:r>
-              <a:rPr lang="ko-KR" altLang="en-US" sz="1300">
-                <a:latin typeface="맑은 고딕"/>
-              </a:rPr>
-              <a:t>자세한 동작의 흐름은 뒤편에서 시연을 통해 보여드리도록 하겠습니다</a:t>
-            </a:r>
-            <a:r>
-              <a:rPr lang="en-US" altLang="ko-KR" sz="1300">
-                <a:latin typeface="맑은 고딕"/>
-              </a:rPr>
-              <a:t>.</a:t>
-            </a:r>
-            <a:endParaRPr lang="en-US" altLang="ko-KR" sz="1300">
-              <a:latin typeface="맑은 고딕"/>
-            </a:endParaRPr>
           </a:p>
         </p:txBody>
       </p:sp>
@@ -1779,7 +1740,7 @@
 </file>
 
 <file path=ppt/notesSlides/notesSlide14.xml><?xml version="1.0" encoding="utf-8"?>
-<p:notes xmlns:r="http://schemas.openxmlformats.org/officeDocument/2006/relationships" xmlns:c="http://schemas.openxmlformats.org/drawingml/2006/chart" xmlns:a="http://schemas.openxmlformats.org/drawingml/2006/main" xmlns:dgm="http://schemas.openxmlformats.org/drawingml/2006/diagram" xmlns:dsp="http://schemas.microsoft.com/office/drawing/2008/diagram" xmlns:p="http://schemas.openxmlformats.org/presentationml/2006/main">
+<p:notes xmlns:a="http://schemas.openxmlformats.org/drawingml/2006/main" xmlns:r="http://schemas.openxmlformats.org/officeDocument/2006/relationships" xmlns:p="http://schemas.openxmlformats.org/presentationml/2006/main">
   <p:cSld>
     <p:spTree>
       <p:nvGrpSpPr>
@@ -1802,7 +1763,7 @@
             <a:spLocks noGrp="1" noRot="1" noChangeAspect="1" noTextEdit="1"/>
           </p:cNvSpPr>
           <p:nvPr>
-            <p:ph type="sldImg" idx="0"/>
+            <p:ph type="sldImg"/>
           </p:nvPr>
         </p:nvSpPr>
         <p:spPr/>
@@ -1858,9 +1819,6 @@
               </a:rPr>
               <a:t>.</a:t>
             </a:r>
-            <a:endParaRPr lang="en-US" altLang="ko-KR" sz="1300">
-              <a:latin typeface="맑은 고딕"/>
-            </a:endParaRPr>
           </a:p>
           <a:p>
             <a:pPr>
@@ -1940,9 +1898,6 @@
               </a:rPr>
               <a:t>.</a:t>
             </a:r>
-            <a:endParaRPr lang="en-US" altLang="ko-KR" sz="1300">
-              <a:latin typeface="맑은 고딕"/>
-            </a:endParaRPr>
           </a:p>
           <a:p>
             <a:pPr>
@@ -2016,9 +1971,6 @@
               </a:rPr>
               <a:t> </a:t>
             </a:r>
-            <a:endParaRPr lang="ko-KR" altLang="en-US" sz="1300">
-              <a:latin typeface="맑은 고딕"/>
-            </a:endParaRPr>
           </a:p>
           <a:p>
             <a:pPr>
@@ -2062,9 +2014,6 @@
               </a:rPr>
               <a:t>.</a:t>
             </a:r>
-            <a:endParaRPr lang="en-US" altLang="ko-KR" sz="1300">
-              <a:latin typeface="맑은 고딕"/>
-            </a:endParaRPr>
           </a:p>
           <a:p>
             <a:pPr>
@@ -2120,9 +2069,6 @@
               </a:rPr>
               <a:t>.</a:t>
             </a:r>
-            <a:endParaRPr lang="en-US" altLang="ko-KR" sz="1300">
-              <a:latin typeface="맑은 고딕"/>
-            </a:endParaRPr>
           </a:p>
         </p:txBody>
       </p:sp>
@@ -2164,7 +2110,7 @@
 </file>
 
 <file path=ppt/notesSlides/notesSlide15.xml><?xml version="1.0" encoding="utf-8"?>
-<p:notes xmlns:r="http://schemas.openxmlformats.org/officeDocument/2006/relationships" xmlns:c="http://schemas.openxmlformats.org/drawingml/2006/chart" xmlns:a="http://schemas.openxmlformats.org/drawingml/2006/main" xmlns:dgm="http://schemas.openxmlformats.org/drawingml/2006/diagram" xmlns:dsp="http://schemas.microsoft.com/office/drawing/2008/diagram" xmlns:p="http://schemas.openxmlformats.org/presentationml/2006/main">
+<p:notes xmlns:a="http://schemas.openxmlformats.org/drawingml/2006/main" xmlns:r="http://schemas.openxmlformats.org/officeDocument/2006/relationships" xmlns:p="http://schemas.openxmlformats.org/presentationml/2006/main">
   <p:cSld>
     <p:spTree>
       <p:nvGrpSpPr>
@@ -2187,7 +2133,7 @@
             <a:spLocks noGrp="1" noRot="1" noChangeAspect="1" noTextEdit="1"/>
           </p:cNvSpPr>
           <p:nvPr>
-            <p:ph type="sldImg" idx="0"/>
+            <p:ph type="sldImg"/>
           </p:nvPr>
         </p:nvSpPr>
         <p:spPr/>
@@ -2249,9 +2195,6 @@
               </a:rPr>
               <a:t>.</a:t>
             </a:r>
-            <a:endParaRPr lang="en-US" altLang="ko-KR" sz="1300">
-              <a:latin typeface="맑은 고딕"/>
-            </a:endParaRPr>
           </a:p>
         </p:txBody>
       </p:sp>
@@ -2293,7 +2236,7 @@
 </file>
 
 <file path=ppt/notesSlides/notesSlide16.xml><?xml version="1.0" encoding="utf-8"?>
-<p:notes xmlns:r="http://schemas.openxmlformats.org/officeDocument/2006/relationships" xmlns:c="http://schemas.openxmlformats.org/drawingml/2006/chart" xmlns:a="http://schemas.openxmlformats.org/drawingml/2006/main" xmlns:dgm="http://schemas.openxmlformats.org/drawingml/2006/diagram" xmlns:dsp="http://schemas.microsoft.com/office/drawing/2008/diagram" xmlns:p="http://schemas.openxmlformats.org/presentationml/2006/main">
+<p:notes xmlns:a="http://schemas.openxmlformats.org/drawingml/2006/main" xmlns:r="http://schemas.openxmlformats.org/officeDocument/2006/relationships" xmlns:p="http://schemas.openxmlformats.org/presentationml/2006/main">
   <p:cSld>
     <p:spTree>
       <p:nvGrpSpPr>
@@ -2418,13 +2361,6 @@
               </a:rPr>
               <a:t>.</a:t>
             </a:r>
-            <a:endParaRPr lang="en-US" altLang="ko-KR" sz="1300" b="0" i="0" u="none" strike="noStrike">
-              <a:solidFill>
-                <a:srgbClr val="000000"/>
-              </a:solidFill>
-              <a:latin typeface="맑은 고딕"/>
-              <a:cs typeface="돋움"/>
-            </a:endParaRPr>
           </a:p>
           <a:p>
             <a:pPr>
@@ -2530,13 +2466,6 @@
               </a:rPr>
               <a:t> </a:t>
             </a:r>
-            <a:endParaRPr lang="ko-KR" altLang="en-US" sz="1300" b="0" i="0" u="none" strike="noStrike">
-              <a:solidFill>
-                <a:srgbClr val="000000"/>
-              </a:solidFill>
-              <a:latin typeface="맑은 고딕"/>
-              <a:cs typeface="돋움"/>
-            </a:endParaRPr>
           </a:p>
           <a:p>
             <a:pPr>
@@ -2632,13 +2561,6 @@
               </a:rPr>
               <a:t>.</a:t>
             </a:r>
-            <a:endParaRPr lang="en-US" altLang="ko-KR" sz="1300" b="0" i="0" u="none" strike="noStrike">
-              <a:solidFill>
-                <a:srgbClr val="000000"/>
-              </a:solidFill>
-              <a:latin typeface="맑은 고딕"/>
-              <a:cs typeface="돋움"/>
-            </a:endParaRPr>
           </a:p>
           <a:p>
             <a:pPr>
@@ -2744,13 +2666,6 @@
               </a:rPr>
               <a:t> </a:t>
             </a:r>
-            <a:endParaRPr lang="ko-KR" altLang="en-US" sz="1300" b="0" i="0" u="none" strike="noStrike">
-              <a:solidFill>
-                <a:srgbClr val="000000"/>
-              </a:solidFill>
-              <a:latin typeface="맑은 고딕"/>
-              <a:cs typeface="돋움"/>
-            </a:endParaRPr>
           </a:p>
           <a:p>
             <a:pPr>
@@ -2826,13 +2741,6 @@
               </a:rPr>
               <a:t>.</a:t>
             </a:r>
-            <a:endParaRPr lang="en-US" altLang="ko-KR" sz="1300" b="0" i="0" u="none" strike="noStrike">
-              <a:solidFill>
-                <a:srgbClr val="000000"/>
-              </a:solidFill>
-              <a:latin typeface="맑은 고딕"/>
-              <a:cs typeface="돋움"/>
-            </a:endParaRPr>
           </a:p>
         </p:txBody>
       </p:sp>
@@ -2874,7 +2782,7 @@
 </file>
 
 <file path=ppt/notesSlides/notesSlide17.xml><?xml version="1.0" encoding="utf-8"?>
-<p:notes xmlns:r="http://schemas.openxmlformats.org/officeDocument/2006/relationships" xmlns:c="http://schemas.openxmlformats.org/drawingml/2006/chart" xmlns:a="http://schemas.openxmlformats.org/drawingml/2006/main" xmlns:dgm="http://schemas.openxmlformats.org/drawingml/2006/diagram" xmlns:dsp="http://schemas.microsoft.com/office/drawing/2008/diagram" xmlns:p="http://schemas.openxmlformats.org/presentationml/2006/main">
+<p:notes xmlns:a="http://schemas.openxmlformats.org/drawingml/2006/main" xmlns:r="http://schemas.openxmlformats.org/officeDocument/2006/relationships" xmlns:p="http://schemas.openxmlformats.org/presentationml/2006/main">
   <p:cSld>
     <p:spTree>
       <p:nvGrpSpPr>
@@ -2940,38 +2848,37 @@
               <a:defRPr/>
             </a:pPr>
             <a:r>
-              <a:rPr lang="ko-KR" altLang="en-US"/>
+              <a:rPr lang="ko-KR" altLang="en-US" dirty="0"/>
               <a:t>다음 </a:t>
             </a:r>
             <a:r>
-              <a:rPr lang="en-US" altLang="ko-KR"/>
+              <a:rPr lang="en-US" altLang="ko-KR" dirty="0"/>
               <a:t>Load Port</a:t>
             </a:r>
             <a:r>
-              <a:rPr lang="ko-KR" altLang="en-US"/>
+              <a:rPr lang="ko-KR" altLang="en-US" dirty="0"/>
               <a:t>와 </a:t>
             </a:r>
             <a:r>
-              <a:rPr lang="en-US" altLang="ko-KR"/>
+              <a:rPr lang="en-US" altLang="ko-KR" dirty="0"/>
               <a:t>Load Lock</a:t>
             </a:r>
             <a:r>
-              <a:rPr lang="ko-KR" altLang="en-US"/>
+              <a:rPr lang="ko-KR" altLang="en-US" dirty="0"/>
               <a:t>을 표현한</a:t>
             </a:r>
             <a:r>
-              <a:rPr lang="en-US" altLang="ko-KR"/>
+              <a:rPr lang="en-US" altLang="ko-KR" dirty="0"/>
               <a:t> UI</a:t>
             </a:r>
             <a:r>
-              <a:rPr lang="ko-KR" altLang="en-US"/>
+              <a:rPr lang="ko-KR" altLang="en-US" dirty="0"/>
               <a:t> 입니다</a:t>
             </a:r>
             <a:r>
-              <a:rPr lang="en-US" altLang="ko-KR"/>
+              <a:rPr lang="en-US" altLang="ko-KR" dirty="0"/>
               <a:t>.</a:t>
             </a:r>
-            <a:endParaRPr lang="en-US" altLang="ko-KR"/>
           </a:p>
           <a:p>
             <a:pPr>
@@ -2986,7 +2893,7 @@
               </a:spcAft>
               <a:defRPr/>
             </a:pPr>
-            <a:endParaRPr lang="en-US" altLang="ko-KR"/>
+            <a:endParaRPr lang="en-US" altLang="ko-KR" dirty="0"/>
           </a:p>
           <a:p>
             <a:pPr>
@@ -3002,22 +2909,21 @@
               <a:defRPr/>
             </a:pPr>
             <a:r>
-              <a:rPr lang="ko-KR" altLang="en-US"/>
+              <a:rPr lang="ko-KR" altLang="en-US" dirty="0"/>
               <a:t>우선 공정 전의 웨이퍼를 초록색</a:t>
             </a:r>
             <a:r>
-              <a:rPr lang="en-US" altLang="ko-KR"/>
+              <a:rPr lang="en-US" altLang="ko-KR" dirty="0"/>
               <a:t>,</a:t>
             </a:r>
             <a:r>
-              <a:rPr lang="ko-KR" altLang="en-US"/>
+              <a:rPr lang="ko-KR" altLang="en-US" dirty="0"/>
               <a:t> 공정을 완료한 웨이퍼를 파란색으로 구분하였으며</a:t>
             </a:r>
             <a:r>
-              <a:rPr lang="en-US" altLang="ko-KR"/>
+              <a:rPr lang="en-US" altLang="ko-KR" dirty="0"/>
               <a:t>,</a:t>
             </a:r>
-            <a:endParaRPr lang="en-US" altLang="ko-KR"/>
           </a:p>
           <a:p>
             <a:pPr>
@@ -3032,7 +2938,7 @@
               </a:spcAft>
               <a:defRPr/>
             </a:pPr>
-            <a:endParaRPr lang="en-US" altLang="ko-KR"/>
+            <a:endParaRPr lang="en-US" altLang="ko-KR" dirty="0"/>
           </a:p>
           <a:p>
             <a:pPr>
@@ -3048,22 +2954,21 @@
               <a:defRPr/>
             </a:pPr>
             <a:r>
-              <a:rPr lang="ko-KR" altLang="en-US"/>
+              <a:rPr lang="ko-KR" altLang="en-US" dirty="0"/>
               <a:t>스택 구조를 통해 해당 모듈의 슬롯 개수와 웨이퍼의 입</a:t>
             </a:r>
             <a:r>
-              <a:rPr lang="en-US" altLang="ko-KR"/>
+              <a:rPr lang="en-US" altLang="ko-KR" dirty="0"/>
               <a:t>/</a:t>
             </a:r>
             <a:r>
-              <a:rPr lang="ko-KR" altLang="en-US"/>
+              <a:rPr lang="ko-KR" altLang="en-US" dirty="0"/>
               <a:t>출력을 쉽게 확인할 수 있도록 설계하였습니다</a:t>
             </a:r>
             <a:r>
-              <a:rPr lang="en-US" altLang="ko-KR"/>
+              <a:rPr lang="en-US" altLang="ko-KR" dirty="0"/>
               <a:t>.</a:t>
             </a:r>
-            <a:endParaRPr lang="en-US" altLang="ko-KR"/>
           </a:p>
           <a:p>
             <a:pPr>
@@ -3078,7 +2983,7 @@
               </a:spcAft>
               <a:defRPr/>
             </a:pPr>
-            <a:endParaRPr lang="en-US" altLang="ko-KR"/>
+            <a:endParaRPr lang="en-US" altLang="ko-KR" dirty="0"/>
           </a:p>
           <a:p>
             <a:pPr>
@@ -3094,34 +2999,41 @@
               <a:defRPr/>
             </a:pPr>
             <a:r>
-              <a:rPr lang="ko-KR" altLang="en-US"/>
+              <a:rPr lang="ko-KR" altLang="en-US" dirty="0"/>
               <a:t>또한</a:t>
             </a:r>
             <a:r>
-              <a:rPr lang="en-US" altLang="ko-KR"/>
+              <a:rPr lang="en-US" altLang="ko-KR" dirty="0"/>
               <a:t>,</a:t>
             </a:r>
             <a:r>
-              <a:rPr lang="ko-KR" altLang="en-US"/>
+              <a:rPr lang="ko-KR" altLang="en-US" dirty="0"/>
               <a:t> </a:t>
             </a:r>
             <a:r>
-              <a:rPr lang="en-US" altLang="ko-KR"/>
+              <a:rPr lang="en-US" altLang="ko-KR" dirty="0"/>
               <a:t>Load Lock</a:t>
             </a:r>
             <a:r>
-              <a:rPr lang="ko-KR" altLang="en-US"/>
-              <a:t> 모듈 하단부에 위치한 프로그레스 바를 추가함으로써</a:t>
-            </a:r>
-            <a:r>
-              <a:rPr lang="en-US" altLang="ko-KR"/>
+              <a:rPr lang="ko-KR" altLang="en-US" dirty="0"/>
+              <a:t> 모듈 하단부에 위치한 </a:t>
+            </a:r>
+            <a:r>
+              <a:rPr lang="ko-KR" altLang="en-US" dirty="0" err="1"/>
+              <a:t>프로그레스</a:t>
+            </a:r>
+            <a:r>
+              <a:rPr lang="ko-KR" altLang="en-US" dirty="0"/>
+              <a:t> 바를 추가함으로써</a:t>
+            </a:r>
+            <a:r>
+              <a:rPr lang="en-US" altLang="ko-KR" dirty="0"/>
               <a:t>,</a:t>
             </a:r>
             <a:r>
-              <a:rPr lang="ko-KR" altLang="en-US"/>
+              <a:rPr lang="ko-KR" altLang="en-US" dirty="0"/>
               <a:t> </a:t>
             </a:r>
-            <a:endParaRPr lang="ko-KR" altLang="en-US"/>
           </a:p>
           <a:p>
             <a:pPr>
@@ -3136,7 +3048,7 @@
               </a:spcAft>
               <a:defRPr/>
             </a:pPr>
-            <a:endParaRPr lang="en-US" altLang="ko-KR"/>
+            <a:endParaRPr lang="en-US" altLang="ko-KR" dirty="0"/>
           </a:p>
           <a:p>
             <a:pPr>
@@ -3152,18 +3064,17 @@
               <a:defRPr/>
             </a:pPr>
             <a:r>
-              <a:rPr lang="en-US" altLang="ko-KR"/>
+              <a:rPr lang="en-US" altLang="ko-KR" dirty="0"/>
               <a:t>Load Lock</a:t>
             </a:r>
             <a:r>
-              <a:rPr lang="ko-KR" altLang="en-US"/>
+              <a:rPr lang="ko-KR" altLang="en-US" dirty="0"/>
               <a:t>이 수행하는 진공 및 대기 상태 변환을 확인 할 수 있도록 하였습니다</a:t>
             </a:r>
             <a:r>
-              <a:rPr lang="en-US" altLang="ko-KR"/>
+              <a:rPr lang="en-US" altLang="ko-KR" dirty="0"/>
               <a:t>.</a:t>
             </a:r>
-            <a:endParaRPr lang="en-US" altLang="ko-KR"/>
           </a:p>
         </p:txBody>
       </p:sp>
@@ -3205,7 +3116,7 @@
 </file>
 
 <file path=ppt/notesSlides/notesSlide18.xml><?xml version="1.0" encoding="utf-8"?>
-<p:notes xmlns:r="http://schemas.openxmlformats.org/officeDocument/2006/relationships" xmlns:c="http://schemas.openxmlformats.org/drawingml/2006/chart" xmlns:a="http://schemas.openxmlformats.org/drawingml/2006/main" xmlns:dgm="http://schemas.openxmlformats.org/drawingml/2006/diagram" xmlns:dsp="http://schemas.microsoft.com/office/drawing/2008/diagram" xmlns:p="http://schemas.openxmlformats.org/presentationml/2006/main">
+<p:notes xmlns:a="http://schemas.openxmlformats.org/drawingml/2006/main" xmlns:r="http://schemas.openxmlformats.org/officeDocument/2006/relationships" xmlns:p="http://schemas.openxmlformats.org/presentationml/2006/main">
   <p:cSld>
     <p:spTree>
       <p:nvGrpSpPr>
@@ -3286,7 +3197,6 @@
               <a:rPr lang="en-US" altLang="ko-KR"/>
               <a:t>.</a:t>
             </a:r>
-            <a:endParaRPr lang="en-US" altLang="ko-KR"/>
           </a:p>
           <a:p>
             <a:pPr>
@@ -3324,7 +3234,6 @@
               <a:rPr lang="en-US" altLang="ko-KR"/>
               <a:t>,</a:t>
             </a:r>
-            <a:endParaRPr lang="en-US" altLang="ko-KR"/>
           </a:p>
           <a:p>
             <a:pPr>
@@ -3370,7 +3279,6 @@
               <a:rPr lang="en-US" altLang="ko-KR"/>
               <a:t>.</a:t>
             </a:r>
-            <a:endParaRPr lang="en-US" altLang="ko-KR"/>
           </a:p>
           <a:p>
             <a:pPr>
@@ -3424,7 +3332,6 @@
               <a:rPr lang="en-US" altLang="ko-KR"/>
               <a:t>.</a:t>
             </a:r>
-            <a:endParaRPr lang="en-US" altLang="ko-KR"/>
           </a:p>
           <a:p>
             <a:pPr>
@@ -3470,7 +3377,6 @@
               <a:rPr lang="en-US" altLang="ko-KR"/>
               <a:t>.</a:t>
             </a:r>
-            <a:endParaRPr lang="en-US" altLang="ko-KR"/>
           </a:p>
         </p:txBody>
       </p:sp>
@@ -3512,7 +3418,7 @@
 </file>
 
 <file path=ppt/notesSlides/notesSlide19.xml><?xml version="1.0" encoding="utf-8"?>
-<p:notes xmlns:r="http://schemas.openxmlformats.org/officeDocument/2006/relationships" xmlns:c="http://schemas.openxmlformats.org/drawingml/2006/chart" xmlns:a="http://schemas.openxmlformats.org/drawingml/2006/main" xmlns:dgm="http://schemas.openxmlformats.org/drawingml/2006/diagram" xmlns:dsp="http://schemas.microsoft.com/office/drawing/2008/diagram" xmlns:p="http://schemas.openxmlformats.org/presentationml/2006/main">
+<p:notes xmlns:a="http://schemas.openxmlformats.org/drawingml/2006/main" xmlns:r="http://schemas.openxmlformats.org/officeDocument/2006/relationships" xmlns:p="http://schemas.openxmlformats.org/presentationml/2006/main">
   <p:cSld>
     <p:spTree>
       <p:nvGrpSpPr>
@@ -3687,14 +3593,6 @@
               </a:rPr>
               <a:t>.</a:t>
             </a:r>
-            <a:endParaRPr lang="EN-US" b="0" i="0" u="none" strike="noStrike">
-              <a:solidFill>
-                <a:srgbClr val="000000"/>
-              </a:solidFill>
-              <a:latin typeface="돋움"/>
-              <a:ea typeface="돋움"/>
-              <a:cs typeface="돋움"/>
-            </a:endParaRPr>
           </a:p>
           <a:p>
             <a:pPr>
@@ -3775,14 +3673,6 @@
               </a:rPr>
               <a:t>.</a:t>
             </a:r>
-            <a:endParaRPr lang="EN-US" b="0" i="0" u="none" strike="noStrike">
-              <a:solidFill>
-                <a:srgbClr val="000000"/>
-              </a:solidFill>
-              <a:latin typeface="돋움"/>
-              <a:ea typeface="돋움"/>
-              <a:cs typeface="돋움"/>
-            </a:endParaRPr>
           </a:p>
           <a:p>
             <a:pPr>
@@ -3973,14 +3863,6 @@
               </a:rPr>
               <a:t>.</a:t>
             </a:r>
-            <a:endParaRPr lang="EN-US" b="0" i="0" u="none" strike="noStrike">
-              <a:solidFill>
-                <a:srgbClr val="000000"/>
-              </a:solidFill>
-              <a:latin typeface="돋움"/>
-              <a:ea typeface="돋움"/>
-              <a:cs typeface="돋움"/>
-            </a:endParaRPr>
           </a:p>
           <a:p>
             <a:pPr>
@@ -4094,14 +3976,6 @@
               </a:rPr>
               <a:t>.</a:t>
             </a:r>
-            <a:endParaRPr lang="EN-US" b="0" i="0" u="none" strike="noStrike">
-              <a:solidFill>
-                <a:srgbClr val="000000"/>
-              </a:solidFill>
-              <a:latin typeface="돋움"/>
-              <a:ea typeface="돋움"/>
-              <a:cs typeface="돋움"/>
-            </a:endParaRPr>
           </a:p>
           <a:p>
             <a:pPr>
@@ -4314,14 +4188,6 @@
               </a:rPr>
               <a:t>.</a:t>
             </a:r>
-            <a:endParaRPr lang="EN-US" b="0" i="0" u="none" strike="noStrike">
-              <a:solidFill>
-                <a:srgbClr val="000000"/>
-              </a:solidFill>
-              <a:latin typeface="돋움"/>
-              <a:ea typeface="돋움"/>
-              <a:cs typeface="돋움"/>
-            </a:endParaRPr>
           </a:p>
           <a:p>
             <a:pPr>
@@ -4468,14 +4334,6 @@
               </a:rPr>
               <a:t>.</a:t>
             </a:r>
-            <a:endParaRPr lang="en-US" altLang="ko-KR" b="0" i="0" u="none" strike="noStrike">
-              <a:solidFill>
-                <a:srgbClr val="000000"/>
-              </a:solidFill>
-              <a:latin typeface="돋움"/>
-              <a:ea typeface="돋움"/>
-              <a:cs typeface="돋움"/>
-            </a:endParaRPr>
           </a:p>
           <a:p>
             <a:pPr>
@@ -4622,14 +4480,6 @@
               </a:rPr>
               <a:t>.</a:t>
             </a:r>
-            <a:endParaRPr lang="EN-US" b="0" i="0" u="none" strike="noStrike">
-              <a:solidFill>
-                <a:srgbClr val="000000"/>
-              </a:solidFill>
-              <a:latin typeface="돋움"/>
-              <a:ea typeface="돋움"/>
-              <a:cs typeface="돋움"/>
-            </a:endParaRPr>
           </a:p>
         </p:txBody>
       </p:sp>
@@ -4671,7 +4521,7 @@
 </file>
 
 <file path=ppt/notesSlides/notesSlide2.xml><?xml version="1.0" encoding="utf-8"?>
-<p:notes xmlns:r="http://schemas.openxmlformats.org/officeDocument/2006/relationships" xmlns:c="http://schemas.openxmlformats.org/drawingml/2006/chart" xmlns:a="http://schemas.openxmlformats.org/drawingml/2006/main" xmlns:dgm="http://schemas.openxmlformats.org/drawingml/2006/diagram" xmlns:dsp="http://schemas.microsoft.com/office/drawing/2008/diagram" xmlns:p="http://schemas.openxmlformats.org/presentationml/2006/main">
+<p:notes xmlns:a="http://schemas.openxmlformats.org/drawingml/2006/main" xmlns:r="http://schemas.openxmlformats.org/officeDocument/2006/relationships" xmlns:p="http://schemas.openxmlformats.org/presentationml/2006/main">
   <p:cSld>
     <p:spTree>
       <p:nvGrpSpPr>
@@ -4747,7 +4597,6 @@
               <a:rPr lang="en-US" altLang="ko-KR"/>
               <a:t>.</a:t>
             </a:r>
-            <a:endParaRPr lang="en-US" altLang="ko-KR"/>
           </a:p>
         </p:txBody>
       </p:sp>
@@ -4789,7 +4638,7 @@
 </file>
 
 <file path=ppt/notesSlides/notesSlide20.xml><?xml version="1.0" encoding="utf-8"?>
-<p:notes xmlns:r="http://schemas.openxmlformats.org/officeDocument/2006/relationships" xmlns:c="http://schemas.openxmlformats.org/drawingml/2006/chart" xmlns:a="http://schemas.openxmlformats.org/drawingml/2006/main" xmlns:dgm="http://schemas.openxmlformats.org/drawingml/2006/diagram" xmlns:dsp="http://schemas.microsoft.com/office/drawing/2008/diagram" xmlns:p="http://schemas.openxmlformats.org/presentationml/2006/main">
+<p:notes xmlns:a="http://schemas.openxmlformats.org/drawingml/2006/main" xmlns:r="http://schemas.openxmlformats.org/officeDocument/2006/relationships" xmlns:p="http://schemas.openxmlformats.org/presentationml/2006/main">
   <p:cSld>
     <p:spTree>
       <p:nvGrpSpPr>
@@ -4938,14 +4787,6 @@
               </a:rPr>
               <a:t>.</a:t>
             </a:r>
-            <a:endParaRPr lang="EN-US" b="0" i="0" u="none" strike="noStrike">
-              <a:solidFill>
-                <a:srgbClr val="000000"/>
-              </a:solidFill>
-              <a:latin typeface="맑은 고딕"/>
-              <a:ea typeface="맑은 고딕"/>
-              <a:cs typeface="돋움"/>
-            </a:endParaRPr>
           </a:p>
           <a:p>
             <a:pPr>
@@ -5075,14 +4916,6 @@
               </a:rPr>
               <a:t>.</a:t>
             </a:r>
-            <a:endParaRPr lang="EN-US" b="0" i="0" u="none" strike="noStrike">
-              <a:solidFill>
-                <a:srgbClr val="000000"/>
-              </a:solidFill>
-              <a:latin typeface="맑은 고딕"/>
-              <a:ea typeface="맑은 고딕"/>
-              <a:cs typeface="돋움"/>
-            </a:endParaRPr>
           </a:p>
           <a:p>
             <a:pPr>
@@ -5149,14 +4982,6 @@
               </a:rPr>
               <a:t>.</a:t>
             </a:r>
-            <a:endParaRPr lang="EN-US" b="0" i="0" u="none" strike="noStrike">
-              <a:solidFill>
-                <a:srgbClr val="000000"/>
-              </a:solidFill>
-              <a:latin typeface="맑은 고딕"/>
-              <a:ea typeface="맑은 고딕"/>
-              <a:cs typeface="돋움"/>
-            </a:endParaRPr>
           </a:p>
           <a:p>
             <a:pPr>
@@ -5273,14 +5098,6 @@
               </a:rPr>
               <a:t>.</a:t>
             </a:r>
-            <a:endParaRPr lang="EN-US" b="0" i="0" u="none" strike="noStrike">
-              <a:solidFill>
-                <a:srgbClr val="000000"/>
-              </a:solidFill>
-              <a:latin typeface="맑은 고딕"/>
-              <a:ea typeface="맑은 고딕"/>
-              <a:cs typeface="돋움"/>
-            </a:endParaRPr>
           </a:p>
           <a:p>
             <a:pPr>
@@ -5483,7 +5300,7 @@
 </file>
 
 <file path=ppt/notesSlides/notesSlide21.xml><?xml version="1.0" encoding="utf-8"?>
-<p:notes xmlns:r="http://schemas.openxmlformats.org/officeDocument/2006/relationships" xmlns:c="http://schemas.openxmlformats.org/drawingml/2006/chart" xmlns:a="http://schemas.openxmlformats.org/drawingml/2006/main" xmlns:dgm="http://schemas.openxmlformats.org/drawingml/2006/diagram" xmlns:dsp="http://schemas.microsoft.com/office/drawing/2008/diagram" xmlns:p="http://schemas.openxmlformats.org/presentationml/2006/main">
+<p:notes xmlns:a="http://schemas.openxmlformats.org/drawingml/2006/main" xmlns:r="http://schemas.openxmlformats.org/officeDocument/2006/relationships" xmlns:p="http://schemas.openxmlformats.org/presentationml/2006/main">
   <p:cSld>
     <p:spTree>
       <p:nvGrpSpPr>
@@ -5506,7 +5323,7 @@
             <a:spLocks noGrp="1" noRot="1" noChangeAspect="1" noTextEdit="1"/>
           </p:cNvSpPr>
           <p:nvPr>
-            <p:ph type="sldImg" idx="0"/>
+            <p:ph type="sldImg"/>
           </p:nvPr>
         </p:nvSpPr>
         <p:spPr/>
@@ -5559,14 +5376,6 @@
               </a:rPr>
               <a:t>.</a:t>
             </a:r>
-            <a:endParaRPr lang="EN-US" sz="1300" b="0" i="0" u="none" strike="noStrike">
-              <a:solidFill>
-                <a:srgbClr val="000000"/>
-              </a:solidFill>
-              <a:latin typeface="맑은 고딕"/>
-              <a:ea typeface="맑은 고딕"/>
-              <a:cs typeface="돋움"/>
-            </a:endParaRPr>
           </a:p>
           <a:p>
             <a:pPr>
@@ -5644,14 +5453,6 @@
               </a:rPr>
               <a:t>.</a:t>
             </a:r>
-            <a:endParaRPr lang="EN-US" sz="1300" b="0" i="0" u="none" strike="noStrike">
-              <a:solidFill>
-                <a:srgbClr val="000000"/>
-              </a:solidFill>
-              <a:latin typeface="맑은 고딕"/>
-              <a:ea typeface="맑은 고딕"/>
-              <a:cs typeface="돋움"/>
-            </a:endParaRPr>
           </a:p>
           <a:p>
             <a:pPr>
@@ -5799,14 +5600,6 @@
               </a:rPr>
               <a:t>, </a:t>
             </a:r>
-            <a:endParaRPr lang="EN-US" sz="1300" b="0" i="0" u="none" strike="noStrike">
-              <a:solidFill>
-                <a:srgbClr val="000000"/>
-              </a:solidFill>
-              <a:latin typeface="맑은 고딕"/>
-              <a:ea typeface="맑은 고딕"/>
-              <a:cs typeface="돋움"/>
-            </a:endParaRPr>
           </a:p>
           <a:p>
             <a:pPr>
@@ -5904,14 +5697,6 @@
               </a:rPr>
               <a:t>.</a:t>
             </a:r>
-            <a:endParaRPr lang="EN-US" sz="1300" b="0" i="0" u="none" strike="noStrike">
-              <a:solidFill>
-                <a:srgbClr val="000000"/>
-              </a:solidFill>
-              <a:latin typeface="맑은 고딕"/>
-              <a:ea typeface="맑은 고딕"/>
-              <a:cs typeface="돋움"/>
-            </a:endParaRPr>
           </a:p>
           <a:p>
             <a:pPr>
@@ -6071,13 +5856,6 @@
               </a:rPr>
               <a:t>.</a:t>
             </a:r>
-            <a:endParaRPr lang="en-US" altLang="ko-KR" sz="1300" b="0" i="0" u="none" strike="noStrike">
-              <a:solidFill>
-                <a:srgbClr val="000000"/>
-              </a:solidFill>
-              <a:latin typeface="맑은 고딕"/>
-              <a:cs typeface="돋움"/>
-            </a:endParaRPr>
           </a:p>
           <a:p>
             <a:pPr>
@@ -6235,14 +6013,6 @@
               </a:rPr>
               <a:t>.</a:t>
             </a:r>
-            <a:endParaRPr lang="en-US" altLang="ko-KR" sz="1300" b="0" i="0" u="none" strike="noStrike">
-              <a:solidFill>
-                <a:srgbClr val="000000"/>
-              </a:solidFill>
-              <a:latin typeface="맑은 고딕"/>
-              <a:ea typeface="맑은 고딕"/>
-              <a:cs typeface="돋움"/>
-            </a:endParaRPr>
           </a:p>
         </p:txBody>
       </p:sp>
@@ -6284,7 +6054,7 @@
 </file>
 
 <file path=ppt/notesSlides/notesSlide22.xml><?xml version="1.0" encoding="utf-8"?>
-<p:notes xmlns:r="http://schemas.openxmlformats.org/officeDocument/2006/relationships" xmlns:c="http://schemas.openxmlformats.org/drawingml/2006/chart" xmlns:a="http://schemas.openxmlformats.org/drawingml/2006/main" xmlns:dgm="http://schemas.openxmlformats.org/drawingml/2006/diagram" xmlns:dsp="http://schemas.microsoft.com/office/drawing/2008/diagram" xmlns:p="http://schemas.openxmlformats.org/presentationml/2006/main">
+<p:notes xmlns:a="http://schemas.openxmlformats.org/drawingml/2006/main" xmlns:r="http://schemas.openxmlformats.org/officeDocument/2006/relationships" xmlns:p="http://schemas.openxmlformats.org/presentationml/2006/main">
   <p:cSld>
     <p:spTree>
       <p:nvGrpSpPr>
@@ -6344,7 +6114,6 @@
               <a:rPr lang="ko-KR" altLang="en-US"/>
               <a:t>끝으로 이번 프로젝트의 기대 효과입니다.</a:t>
             </a:r>
-            <a:endParaRPr lang="ko-KR" altLang="en-US"/>
           </a:p>
           <a:p>
             <a:pPr>
@@ -6360,7 +6129,6 @@
               <a:rPr lang="ko-KR" altLang="en-US"/>
               <a:t>시뮬레이터를 사용하게 되면 </a:t>
             </a:r>
-            <a:endParaRPr lang="ko-KR" altLang="en-US"/>
           </a:p>
           <a:p>
             <a:pPr>
@@ -6376,7 +6144,6 @@
               <a:rPr lang="ko-KR" altLang="en-US"/>
               <a:t>장비의 흐름을 한눈에 파악할 수 있으며,</a:t>
             </a:r>
-            <a:endParaRPr lang="ko-KR" altLang="en-US"/>
           </a:p>
           <a:p>
             <a:pPr>
@@ -6392,7 +6159,6 @@
               <a:rPr lang="ko-KR" altLang="en-US"/>
               <a:t>발생한 문제에 대한 신속한 대응이 가능할 것으로 예상됩니다.</a:t>
             </a:r>
-            <a:endParaRPr lang="ko-KR" altLang="en-US"/>
           </a:p>
           <a:p>
             <a:pPr>
@@ -6420,7 +6186,6 @@
               <a:rPr lang="en-US" altLang="ko-KR"/>
               <a:t>.</a:t>
             </a:r>
-            <a:endParaRPr lang="en-US" altLang="ko-KR"/>
           </a:p>
           <a:p>
             <a:pPr>
@@ -6474,7 +6239,7 @@
 </file>
 
 <file path=ppt/notesSlides/notesSlide23.xml><?xml version="1.0" encoding="utf-8"?>
-<p:notes xmlns:r="http://schemas.openxmlformats.org/officeDocument/2006/relationships" xmlns:c="http://schemas.openxmlformats.org/drawingml/2006/chart" xmlns:a="http://schemas.openxmlformats.org/drawingml/2006/main" xmlns:dgm="http://schemas.openxmlformats.org/drawingml/2006/diagram" xmlns:dsp="http://schemas.microsoft.com/office/drawing/2008/diagram" xmlns:p="http://schemas.openxmlformats.org/presentationml/2006/main">
+<p:notes xmlns:a="http://schemas.openxmlformats.org/drawingml/2006/main" xmlns:r="http://schemas.openxmlformats.org/officeDocument/2006/relationships" xmlns:p="http://schemas.openxmlformats.org/presentationml/2006/main">
   <p:cSld>
     <p:spTree>
       <p:nvGrpSpPr>
@@ -6554,7 +6319,6 @@
               <a:rPr lang="en-US" altLang="ko-KR"/>
               <a:t>.</a:t>
             </a:r>
-            <a:endParaRPr lang="en-US" altLang="ko-KR"/>
           </a:p>
           <a:p>
             <a:pPr>
@@ -6574,7 +6338,6 @@
               <a:rPr lang="en-US" altLang="ko-KR"/>
               <a:t>.</a:t>
             </a:r>
-            <a:endParaRPr lang="en-US" altLang="ko-KR"/>
           </a:p>
         </p:txBody>
       </p:sp>
@@ -6616,7 +6379,7 @@
 </file>
 
 <file path=ppt/notesSlides/notesSlide3.xml><?xml version="1.0" encoding="utf-8"?>
-<p:notes xmlns:r="http://schemas.openxmlformats.org/officeDocument/2006/relationships" xmlns:c="http://schemas.openxmlformats.org/drawingml/2006/chart" xmlns:a="http://schemas.openxmlformats.org/drawingml/2006/main" xmlns:dgm="http://schemas.openxmlformats.org/drawingml/2006/diagram" xmlns:dsp="http://schemas.microsoft.com/office/drawing/2008/diagram" xmlns:p="http://schemas.openxmlformats.org/presentationml/2006/main">
+<p:notes xmlns:a="http://schemas.openxmlformats.org/drawingml/2006/main" xmlns:r="http://schemas.openxmlformats.org/officeDocument/2006/relationships" xmlns:p="http://schemas.openxmlformats.org/presentationml/2006/main">
   <p:cSld>
     <p:spTree>
       <p:nvGrpSpPr>
@@ -6688,7 +6451,6 @@
               <a:rPr lang="en-US" altLang="ko-KR"/>
               <a:t>.</a:t>
             </a:r>
-            <a:endParaRPr lang="en-US" altLang="ko-KR"/>
           </a:p>
           <a:p>
             <a:pPr>
@@ -6756,7 +6518,6 @@
               <a:rPr lang="en-US" altLang="ko-KR"/>
               <a:t>.</a:t>
             </a:r>
-            <a:endParaRPr lang="en-US" altLang="ko-KR"/>
           </a:p>
           <a:p>
             <a:pPr>
@@ -6792,7 +6553,6 @@
               <a:rPr lang="en-US" altLang="ko-KR"/>
               <a:t>.</a:t>
             </a:r>
-            <a:endParaRPr lang="en-US" altLang="ko-KR"/>
           </a:p>
           <a:p>
             <a:pPr>
@@ -6836,7 +6596,6 @@
               <a:rPr lang="en-US" altLang="ko-KR"/>
               <a:t>.</a:t>
             </a:r>
-            <a:endParaRPr lang="en-US" altLang="ko-KR"/>
           </a:p>
           <a:p>
             <a:pPr>
@@ -6884,7 +6643,6 @@
               <a:rPr lang="ko-KR" altLang="en-US"/>
               <a:t> </a:t>
             </a:r>
-            <a:endParaRPr lang="ko-KR" altLang="en-US"/>
           </a:p>
           <a:p>
             <a:pPr>
@@ -6920,7 +6678,6 @@
               <a:rPr lang="en-US" altLang="ko-KR"/>
               <a:t>.</a:t>
             </a:r>
-            <a:endParaRPr lang="en-US" altLang="ko-KR"/>
           </a:p>
         </p:txBody>
       </p:sp>
@@ -6962,7 +6719,7 @@
 </file>
 
 <file path=ppt/notesSlides/notesSlide4.xml><?xml version="1.0" encoding="utf-8"?>
-<p:notes xmlns:r="http://schemas.openxmlformats.org/officeDocument/2006/relationships" xmlns:c="http://schemas.openxmlformats.org/drawingml/2006/chart" xmlns:a="http://schemas.openxmlformats.org/drawingml/2006/main" xmlns:dgm="http://schemas.openxmlformats.org/drawingml/2006/diagram" xmlns:dsp="http://schemas.microsoft.com/office/drawing/2008/diagram" xmlns:p="http://schemas.openxmlformats.org/presentationml/2006/main">
+<p:notes xmlns:a="http://schemas.openxmlformats.org/drawingml/2006/main" xmlns:r="http://schemas.openxmlformats.org/officeDocument/2006/relationships" xmlns:p="http://schemas.openxmlformats.org/presentationml/2006/main">
   <p:cSld>
     <p:spTree>
       <p:nvGrpSpPr>
@@ -7030,9 +6787,6 @@
               </a:rPr>
               <a:t>.</a:t>
             </a:r>
-            <a:endParaRPr lang="en-US" altLang="ko-KR" sz="1300">
-              <a:latin typeface="맑은 고딕"/>
-            </a:endParaRPr>
           </a:p>
         </p:txBody>
       </p:sp>
@@ -7074,7 +6828,7 @@
 </file>
 
 <file path=ppt/notesSlides/notesSlide5.xml><?xml version="1.0" encoding="utf-8"?>
-<p:notes xmlns:r="http://schemas.openxmlformats.org/officeDocument/2006/relationships" xmlns:c="http://schemas.openxmlformats.org/drawingml/2006/chart" xmlns:a="http://schemas.openxmlformats.org/drawingml/2006/main" xmlns:dgm="http://schemas.openxmlformats.org/drawingml/2006/diagram" xmlns:dsp="http://schemas.microsoft.com/office/drawing/2008/diagram" xmlns:p="http://schemas.openxmlformats.org/presentationml/2006/main">
+<p:notes xmlns:a="http://schemas.openxmlformats.org/drawingml/2006/main" xmlns:r="http://schemas.openxmlformats.org/officeDocument/2006/relationships" xmlns:p="http://schemas.openxmlformats.org/presentationml/2006/main">
   <p:cSld>
     <p:spTree>
       <p:nvGrpSpPr>
@@ -7097,7 +6851,7 @@
             <a:spLocks noGrp="1" noRot="1" noChangeAspect="1" noTextEdit="1"/>
           </p:cNvSpPr>
           <p:nvPr>
-            <p:ph type="sldImg" idx="0"/>
+            <p:ph type="sldImg"/>
           </p:nvPr>
         </p:nvSpPr>
         <p:spPr/>
@@ -7150,9 +6904,6 @@
               </a:rPr>
               <a:t> 고객에게 중요한 사항입니다.</a:t>
             </a:r>
-            <a:endParaRPr lang="ko-KR" altLang="en-US" sz="1300">
-              <a:latin typeface="맑은 고딕"/>
-            </a:endParaRPr>
           </a:p>
           <a:p>
             <a:pPr lvl="0">
@@ -7172,9 +6923,6 @@
               </a:rPr>
               <a:t>(클릭)</a:t>
             </a:r>
-            <a:endParaRPr lang="ko-KR" altLang="en-US" sz="1300">
-              <a:latin typeface="맑은 고딕"/>
-            </a:endParaRPr>
           </a:p>
           <a:p>
             <a:pPr lvl="0">
@@ -7194,9 +6942,6 @@
               </a:rPr>
               <a:t>그렇기에 고객사와 장비사 모두에게 있어 시간과 비용을 절약하고, 향후 발생할 수 있는 리스크를 줄이고자 하여 고안한 것이 시뮬레이터입니다.</a:t>
             </a:r>
-            <a:endParaRPr lang="ko-KR" altLang="en-US" sz="1300">
-              <a:latin typeface="맑은 고딕"/>
-            </a:endParaRPr>
           </a:p>
           <a:p>
             <a:pPr lvl="0">
@@ -7216,9 +6961,6 @@
               </a:rPr>
               <a:t>(클릭)</a:t>
             </a:r>
-            <a:endParaRPr lang="ko-KR" altLang="en-US" sz="1300">
-              <a:latin typeface="맑은 고딕"/>
-            </a:endParaRPr>
           </a:p>
           <a:p>
             <a:pPr lvl="0">
@@ -7250,9 +6992,6 @@
               </a:rPr>
               <a:t> SOLO’ 입니다.</a:t>
             </a:r>
-            <a:endParaRPr lang="ko-KR" altLang="en-US" sz="1300">
-              <a:latin typeface="맑은 고딕"/>
-            </a:endParaRPr>
           </a:p>
           <a:p>
             <a:pPr lvl="0">
@@ -7302,7 +7041,7 @@
 </file>
 
 <file path=ppt/notesSlides/notesSlide6.xml><?xml version="1.0" encoding="utf-8"?>
-<p:notes xmlns:r="http://schemas.openxmlformats.org/officeDocument/2006/relationships" xmlns:c="http://schemas.openxmlformats.org/drawingml/2006/chart" xmlns:a="http://schemas.openxmlformats.org/drawingml/2006/main" xmlns:dgm="http://schemas.openxmlformats.org/drawingml/2006/diagram" xmlns:dsp="http://schemas.microsoft.com/office/drawing/2008/diagram" xmlns:p="http://schemas.openxmlformats.org/presentationml/2006/main">
+<p:notes xmlns:a="http://schemas.openxmlformats.org/drawingml/2006/main" xmlns:r="http://schemas.openxmlformats.org/officeDocument/2006/relationships" xmlns:p="http://schemas.openxmlformats.org/presentationml/2006/main">
   <p:cSld>
     <p:spTree>
       <p:nvGrpSpPr>
@@ -7379,9 +7118,6 @@
               </a:rPr>
               <a:t>.</a:t>
             </a:r>
-            <a:endParaRPr lang="en-US" altLang="ko-KR" sz="1300">
-              <a:latin typeface="맑은 고딕"/>
-            </a:endParaRPr>
           </a:p>
           <a:p>
             <a:pPr>
@@ -7437,9 +7173,6 @@
               </a:rPr>
               <a:t>.</a:t>
             </a:r>
-            <a:endParaRPr lang="en-US" altLang="ko-KR" sz="1300">
-              <a:latin typeface="맑은 고딕"/>
-            </a:endParaRPr>
           </a:p>
         </p:txBody>
       </p:sp>
@@ -7481,7 +7214,7 @@
 </file>
 
 <file path=ppt/notesSlides/notesSlide7.xml><?xml version="1.0" encoding="utf-8"?>
-<p:notes xmlns:r="http://schemas.openxmlformats.org/officeDocument/2006/relationships" xmlns:c="http://schemas.openxmlformats.org/drawingml/2006/chart" xmlns:a="http://schemas.openxmlformats.org/drawingml/2006/main" xmlns:dgm="http://schemas.openxmlformats.org/drawingml/2006/diagram" xmlns:dsp="http://schemas.microsoft.com/office/drawing/2008/diagram" xmlns:p="http://schemas.openxmlformats.org/presentationml/2006/main">
+<p:notes xmlns:a="http://schemas.openxmlformats.org/drawingml/2006/main" xmlns:r="http://schemas.openxmlformats.org/officeDocument/2006/relationships" xmlns:p="http://schemas.openxmlformats.org/presentationml/2006/main">
   <p:cSld>
     <p:spTree>
       <p:nvGrpSpPr>
@@ -7582,9 +7315,6 @@
               </a:rPr>
               <a:t>.</a:t>
             </a:r>
-            <a:endParaRPr lang="en-US" altLang="ko-KR" sz="1300">
-              <a:latin typeface="맑은 고딕"/>
-            </a:endParaRPr>
           </a:p>
         </p:txBody>
       </p:sp>
@@ -7626,7 +7356,7 @@
 </file>
 
 <file path=ppt/notesSlides/notesSlide8.xml><?xml version="1.0" encoding="utf-8"?>
-<p:notes xmlns:r="http://schemas.openxmlformats.org/officeDocument/2006/relationships" xmlns:c="http://schemas.openxmlformats.org/drawingml/2006/chart" xmlns:a="http://schemas.openxmlformats.org/drawingml/2006/main" xmlns:dgm="http://schemas.openxmlformats.org/drawingml/2006/diagram" xmlns:dsp="http://schemas.microsoft.com/office/drawing/2008/diagram" xmlns:p="http://schemas.openxmlformats.org/presentationml/2006/main">
+<p:notes xmlns:a="http://schemas.openxmlformats.org/drawingml/2006/main" xmlns:r="http://schemas.openxmlformats.org/officeDocument/2006/relationships" xmlns:p="http://schemas.openxmlformats.org/presentationml/2006/main">
   <p:cSld>
     <p:spTree>
       <p:nvGrpSpPr>
@@ -7721,9 +7451,6 @@
               </a:rPr>
               <a:t> 최종 Throughput을 연산합니다.</a:t>
             </a:r>
-            <a:endParaRPr lang="ko-KR" altLang="en-US" sz="1300">
-              <a:latin typeface="맑은 고딕"/>
-            </a:endParaRPr>
           </a:p>
         </p:txBody>
       </p:sp>
@@ -7765,7 +7492,7 @@
 </file>
 
 <file path=ppt/notesSlides/notesSlide9.xml><?xml version="1.0" encoding="utf-8"?>
-<p:notes xmlns:r="http://schemas.openxmlformats.org/officeDocument/2006/relationships" xmlns:c="http://schemas.openxmlformats.org/drawingml/2006/chart" xmlns:a="http://schemas.openxmlformats.org/drawingml/2006/main" xmlns:dgm="http://schemas.openxmlformats.org/drawingml/2006/diagram" xmlns:dsp="http://schemas.microsoft.com/office/drawing/2008/diagram" xmlns:p="http://schemas.openxmlformats.org/presentationml/2006/main">
+<p:notes xmlns:a="http://schemas.openxmlformats.org/drawingml/2006/main" xmlns:r="http://schemas.openxmlformats.org/officeDocument/2006/relationships" xmlns:p="http://schemas.openxmlformats.org/presentationml/2006/main">
   <p:cSld>
     <p:spTree>
       <p:nvGrpSpPr>
@@ -7854,9 +7581,6 @@
               </a:rPr>
               <a:t>.</a:t>
             </a:r>
-            <a:endParaRPr lang="en-US" altLang="ko-KR" sz="1300">
-              <a:latin typeface="맑은 고딕"/>
-            </a:endParaRPr>
           </a:p>
           <a:p>
             <a:pPr>
@@ -7972,9 +7696,6 @@
               </a:rPr>
               <a:t>.</a:t>
             </a:r>
-            <a:endParaRPr lang="en-US" altLang="ko-KR" sz="1300">
-              <a:latin typeface="맑은 고딕"/>
-            </a:endParaRPr>
           </a:p>
           <a:p>
             <a:pPr>
@@ -8030,9 +7751,6 @@
               </a:rPr>
               <a:t>.</a:t>
             </a:r>
-            <a:endParaRPr lang="en-US" altLang="ko-KR" sz="1300">
-              <a:latin typeface="맑은 고딕"/>
-            </a:endParaRPr>
           </a:p>
         </p:txBody>
       </p:sp>
@@ -14180,7 +13898,7 @@
     <mc:Choice Requires="p14">
       <p:transition/>
     </mc:Choice>
-    <mc:Fallback xmlns="" xmlns:c="http://schemas.openxmlformats.org/drawingml/2006/chart" xmlns:dgm="http://schemas.openxmlformats.org/drawingml/2006/diagram" xmlns:dsp="http://schemas.microsoft.com/office/drawing/2008/diagram">
+    <mc:Fallback xmlns:dsp="http://schemas.microsoft.com/office/drawing/2008/diagram" xmlns:dgm="http://schemas.openxmlformats.org/drawingml/2006/diagram" xmlns:c="http://schemas.openxmlformats.org/drawingml/2006/chart" xmlns="">
       <p:transition/>
     </mc:Fallback>
   </mc:AlternateContent>
@@ -14188,7 +13906,7 @@
 </file>
 
 <file path=ppt/slides/slide10.xml><?xml version="1.0" encoding="utf-8"?>
-<p:sld xmlns:r="http://schemas.openxmlformats.org/officeDocument/2006/relationships" xmlns:c="http://schemas.openxmlformats.org/drawingml/2006/chart" xmlns:a="http://schemas.openxmlformats.org/drawingml/2006/main" xmlns:dgm="http://schemas.openxmlformats.org/drawingml/2006/diagram" xmlns:dsp="http://schemas.microsoft.com/office/drawing/2008/diagram" xmlns:p="http://schemas.openxmlformats.org/presentationml/2006/main">
+<p:sld xmlns:a="http://schemas.openxmlformats.org/drawingml/2006/main" xmlns:r="http://schemas.openxmlformats.org/officeDocument/2006/relationships" xmlns:p="http://schemas.openxmlformats.org/presentationml/2006/main">
   <p:cSld>
     <p:spTree>
       <p:nvGrpSpPr>
@@ -14261,14 +13979,6 @@
               </a:rPr>
               <a:t>LL</a:t>
             </a:r>
-            <a:endParaRPr kumimoji="0" lang="en-US" altLang="ko-KR" sz="2800" b="0" i="0" u="none" strike="noStrike" kern="1200" cap="none" spc="0" normalizeH="0" baseline="0">
-              <a:solidFill>
-                <a:srgbClr val="000000"/>
-              </a:solidFill>
-              <a:latin typeface="맑은 고딕"/>
-              <a:ea typeface="맑은 고딕"/>
-              <a:cs typeface="Arial Unicode MS"/>
-            </a:endParaRPr>
           </a:p>
         </p:txBody>
       </p:sp>
@@ -14329,14 +14039,6 @@
               </a:rPr>
               <a:t>PM</a:t>
             </a:r>
-            <a:endParaRPr kumimoji="0" lang="en-US" altLang="ko-KR" sz="2800" b="0" i="0" u="none" strike="noStrike" kern="1200" cap="none" spc="0" normalizeH="0" baseline="0">
-              <a:solidFill>
-                <a:srgbClr val="000000"/>
-              </a:solidFill>
-              <a:latin typeface="맑은 고딕"/>
-              <a:ea typeface="맑은 고딕"/>
-              <a:cs typeface="Arial Unicode MS"/>
-            </a:endParaRPr>
           </a:p>
         </p:txBody>
       </p:sp>
@@ -14389,14 +14091,6 @@
               </a:rPr>
               <a:t>Central Control</a:t>
             </a:r>
-            <a:endParaRPr lang="en-US" altLang="ko-KR" sz="2800">
-              <a:solidFill>
-                <a:schemeClr val="tx1"/>
-              </a:solidFill>
-              <a:latin typeface="+mn-ea"/>
-              <a:ea typeface="+mn-ea"/>
-              <a:cs typeface="Arial Unicode MS"/>
-            </a:endParaRPr>
           </a:p>
         </p:txBody>
       </p:sp>
@@ -14457,14 +14151,6 @@
               </a:rPr>
               <a:t>Time</a:t>
             </a:r>
-            <a:endParaRPr kumimoji="0" lang="en-US" altLang="ko-KR" sz="2800" b="0" i="0" u="none" strike="noStrike" kern="1200" cap="none" spc="0" normalizeH="0" baseline="0">
-              <a:solidFill>
-                <a:srgbClr val="000000"/>
-              </a:solidFill>
-              <a:latin typeface="맑은 고딕"/>
-              <a:ea typeface="맑은 고딕"/>
-              <a:cs typeface="Arial Unicode MS"/>
-            </a:endParaRPr>
           </a:p>
         </p:txBody>
       </p:sp>
@@ -14483,7 +14169,7 @@
             <a:avLst/>
           </a:prstGeom>
           <a:solidFill>
-            <a:srgbClr val="1a141c">
+            <a:srgbClr val="1A141C">
               <a:alpha val="55690"/>
             </a:srgbClr>
           </a:solidFill>
@@ -14546,7 +14232,7 @@
           </a:solidFill>
           <a:ln w="50800">
             <a:solidFill>
-              <a:srgbClr val="ff0000">
+              <a:srgbClr val="FF0000">
                 <a:alpha val="100000"/>
               </a:srgbClr>
             </a:solidFill>
@@ -14582,14 +14268,6 @@
               </a:rPr>
               <a:t>LL to OUT</a:t>
             </a:r>
-            <a:endParaRPr kumimoji="0" lang="en-US" altLang="ko-KR" sz="3200" b="1" i="0" u="none" strike="noStrike" kern="1200" cap="none" spc="0" normalizeH="0" baseline="0">
-              <a:solidFill>
-                <a:srgbClr val="000000"/>
-              </a:solidFill>
-              <a:latin typeface="맑은 고딕"/>
-              <a:ea typeface="맑은 고딕"/>
-              <a:cs typeface="Arial Unicode MS"/>
-            </a:endParaRPr>
           </a:p>
         </p:txBody>
       </p:sp>
@@ -14610,13 +14288,13 @@
             </a:avLst>
           </a:prstGeom>
           <a:solidFill>
-            <a:srgbClr val="ff996b">
+            <a:srgbClr val="FF996B">
               <a:alpha val="100000"/>
             </a:srgbClr>
           </a:solidFill>
           <a:ln w="50800">
             <a:solidFill>
-              <a:srgbClr val="ff0000">
+              <a:srgbClr val="FF0000">
                 <a:alpha val="100000"/>
               </a:srgbClr>
             </a:solidFill>
@@ -14652,14 +14330,6 @@
               </a:rPr>
               <a:t>LPM to LL</a:t>
             </a:r>
-            <a:endParaRPr kumimoji="0" lang="en-US" altLang="ko-KR" sz="3200" b="1" i="0" u="none" strike="noStrike" kern="1200" cap="none" spc="0" normalizeH="0" baseline="0">
-              <a:solidFill>
-                <a:schemeClr val="lt1"/>
-              </a:solidFill>
-              <a:latin typeface="맑은 고딕"/>
-              <a:ea typeface="맑은 고딕"/>
-              <a:cs typeface="Arial Unicode MS"/>
-            </a:endParaRPr>
           </a:p>
         </p:txBody>
       </p:sp>
@@ -14684,7 +14354,7 @@
           </a:solidFill>
           <a:ln w="50800">
             <a:solidFill>
-              <a:srgbClr val="ff0000">
+              <a:srgbClr val="FF0000">
                 <a:alpha val="100000"/>
               </a:srgbClr>
             </a:solidFill>
@@ -14720,14 +14390,6 @@
               </a:rPr>
               <a:t>PM to LL</a:t>
             </a:r>
-            <a:endParaRPr kumimoji="0" lang="en-US" altLang="ko-KR" sz="3200" b="1" i="0" u="none" strike="noStrike" kern="1200" cap="none" spc="0" normalizeH="0" baseline="0">
-              <a:solidFill>
-                <a:srgbClr val="000000"/>
-              </a:solidFill>
-              <a:latin typeface="맑은 고딕"/>
-              <a:ea typeface="맑은 고딕"/>
-              <a:cs typeface="Arial Unicode MS"/>
-            </a:endParaRPr>
           </a:p>
         </p:txBody>
       </p:sp>
@@ -14748,11 +14410,11 @@
             </a:avLst>
           </a:prstGeom>
           <a:solidFill>
-            <a:srgbClr val="ff996b"/>
+            <a:srgbClr val="FF996B"/>
           </a:solidFill>
           <a:ln w="50800">
             <a:solidFill>
-              <a:srgbClr val="ff0000">
+              <a:srgbClr val="FF0000">
                 <a:alpha val="100000"/>
               </a:srgbClr>
             </a:solidFill>
@@ -14788,14 +14450,6 @@
               </a:rPr>
               <a:t>LL to PM</a:t>
             </a:r>
-            <a:endParaRPr kumimoji="0" lang="en-US" altLang="ko-KR" sz="3200" b="1" i="0" u="none" strike="noStrike" kern="1200" cap="none" spc="0" normalizeH="0" baseline="0">
-              <a:solidFill>
-                <a:schemeClr val="lt1"/>
-              </a:solidFill>
-              <a:latin typeface="맑은 고딕"/>
-              <a:ea typeface="맑은 고딕"/>
-              <a:cs typeface="Arial Unicode MS"/>
-            </a:endParaRPr>
           </a:p>
         </p:txBody>
       </p:sp>
@@ -14821,7 +14475,6 @@
               <a:rPr lang="en-US" altLang="ko-KR"/>
               <a:t>6</a:t>
             </a:r>
-            <a:endParaRPr lang="en-US" altLang="ko-KR"/>
           </a:p>
         </p:txBody>
       </p:sp>
@@ -14879,13 +14532,6 @@
               </a:rPr>
               <a:t>구성</a:t>
             </a:r>
-            <a:endParaRPr kumimoji="0" lang="ko-KR" altLang="en-US" sz="2800" b="1" i="0" u="none" strike="noStrike" kern="1200" cap="none" spc="0" normalizeH="0" baseline="0">
-              <a:solidFill>
-                <a:srgbClr val="000000"/>
-              </a:solidFill>
-              <a:latin typeface="맑은 고딕"/>
-              <a:cs typeface="맑은 고딕"/>
-            </a:endParaRPr>
           </a:p>
         </p:txBody>
       </p:sp>
@@ -14906,7 +14552,7 @@
             </a:avLst>
           </a:prstGeom>
           <a:solidFill>
-            <a:srgbClr val="ffffff">
+            <a:srgbClr val="FFFFFF">
               <a:alpha val="100000"/>
             </a:srgbClr>
           </a:solidFill>
@@ -14948,14 +14594,6 @@
               </a:rPr>
               <a:t>LPM</a:t>
             </a:r>
-            <a:endParaRPr kumimoji="0" lang="en-US" altLang="ko-KR" sz="2800" b="1" i="0" u="none" strike="noStrike" kern="1200" cap="none" spc="0" normalizeH="0" baseline="0">
-              <a:solidFill>
-                <a:srgbClr val="000000"/>
-              </a:solidFill>
-              <a:latin typeface="맑은 고딕"/>
-              <a:ea typeface="맑은 고딕"/>
-              <a:cs typeface="Arial Unicode MS"/>
-            </a:endParaRPr>
           </a:p>
         </p:txBody>
       </p:sp>
@@ -14976,7 +14614,7 @@
             </a:avLst>
           </a:prstGeom>
           <a:solidFill>
-            <a:srgbClr val="ffffff">
+            <a:srgbClr val="FFFFFF">
               <a:alpha val="100000"/>
             </a:srgbClr>
           </a:solidFill>
@@ -15018,14 +14656,6 @@
               </a:rPr>
               <a:t>Load Lock</a:t>
             </a:r>
-            <a:endParaRPr kumimoji="0" lang="en-US" altLang="ko-KR" sz="2800" b="1" i="0" u="none" strike="noStrike" kern="1200" cap="none" spc="0" normalizeH="0" baseline="0">
-              <a:solidFill>
-                <a:srgbClr val="000000"/>
-              </a:solidFill>
-              <a:latin typeface="맑은 고딕"/>
-              <a:ea typeface="맑은 고딕"/>
-              <a:cs typeface="Arial Unicode MS"/>
-            </a:endParaRPr>
           </a:p>
         </p:txBody>
       </p:sp>
@@ -15046,7 +14676,7 @@
             </a:avLst>
           </a:prstGeom>
           <a:solidFill>
-            <a:srgbClr val="ffffff">
+            <a:srgbClr val="FFFFFF">
               <a:alpha val="100000"/>
             </a:srgbClr>
           </a:solidFill>
@@ -15088,14 +14718,6 @@
               </a:rPr>
               <a:t>Process</a:t>
             </a:r>
-            <a:endParaRPr kumimoji="0" lang="en-US" altLang="ko-KR" sz="2800" b="1" i="0" u="none" strike="noStrike" kern="1200" cap="none" spc="0" normalizeH="0" baseline="0">
-              <a:solidFill>
-                <a:srgbClr val="000000"/>
-              </a:solidFill>
-              <a:latin typeface="맑은 고딕"/>
-              <a:ea typeface="맑은 고딕"/>
-              <a:cs typeface="Arial Unicode MS"/>
-            </a:endParaRPr>
           </a:p>
         </p:txBody>
       </p:sp>
@@ -15167,7 +14789,7 @@
             </a:avLst>
           </a:prstGeom>
           <a:solidFill>
-            <a:srgbClr val="ffffff">
+            <a:srgbClr val="FFFFFF">
               <a:alpha val="100000"/>
             </a:srgbClr>
           </a:solidFill>
@@ -15214,11 +14836,11 @@
   <p:clrMapOvr>
     <a:masterClrMapping/>
   </p:clrMapOvr>
-  <mc:AlternateContent xmlns:mc="http://schemas.openxmlformats.org/markup-compatibility/2006">
-    <mc:Choice xmlns:p14="http://schemas.microsoft.com/office/powerpoint/2010/main" Requires="p14">
-      <p:transition xmlns:mc="http://schemas.openxmlformats.org/markup-compatibility/2006" xmlns:p14="http://schemas.microsoft.com/office/powerpoint/2010/main" spd="med" mc:Ignorable="p14" p14:dur="1000"/>
+  <mc:AlternateContent xmlns:mc="http://schemas.openxmlformats.org/markup-compatibility/2006" xmlns:p14="http://schemas.microsoft.com/office/powerpoint/2010/main">
+    <mc:Choice Requires="p14">
+      <p:transition spd="slow"/>
     </mc:Choice>
-    <mc:Fallback>
+    <mc:Fallback xmlns:dsp="http://schemas.microsoft.com/office/drawing/2008/diagram" xmlns:dgm="http://schemas.openxmlformats.org/drawingml/2006/diagram" xmlns:c="http://schemas.openxmlformats.org/drawingml/2006/chart" xmlns="">
       <p:transition/>
     </mc:Fallback>
   </mc:AlternateContent>
@@ -15226,7 +14848,7 @@
 </file>
 
 <file path=ppt/slides/slide11.xml><?xml version="1.0" encoding="utf-8"?>
-<p:sld xmlns:r="http://schemas.openxmlformats.org/officeDocument/2006/relationships" xmlns:c="http://schemas.openxmlformats.org/drawingml/2006/chart" xmlns:a="http://schemas.openxmlformats.org/drawingml/2006/main" xmlns:dgm="http://schemas.openxmlformats.org/drawingml/2006/diagram" xmlns:dsp="http://schemas.microsoft.com/office/drawing/2008/diagram" xmlns:p="http://schemas.openxmlformats.org/presentationml/2006/main">
+<p:sld xmlns:a="http://schemas.openxmlformats.org/drawingml/2006/main" xmlns:r="http://schemas.openxmlformats.org/officeDocument/2006/relationships" xmlns:p="http://schemas.openxmlformats.org/presentationml/2006/main">
   <p:cSld>
     <p:spTree>
       <p:nvGrpSpPr>
@@ -15299,14 +14921,6 @@
               </a:rPr>
               <a:t>LL</a:t>
             </a:r>
-            <a:endParaRPr kumimoji="0" lang="en-US" altLang="ko-KR" sz="2800" b="0" i="0" u="none" strike="noStrike" kern="1200" cap="none" spc="0" normalizeH="0" baseline="0">
-              <a:solidFill>
-                <a:srgbClr val="000000"/>
-              </a:solidFill>
-              <a:latin typeface="맑은 고딕"/>
-              <a:ea typeface="맑은 고딕"/>
-              <a:cs typeface="Arial Unicode MS"/>
-            </a:endParaRPr>
           </a:p>
         </p:txBody>
       </p:sp>
@@ -15367,14 +14981,6 @@
               </a:rPr>
               <a:t>PM</a:t>
             </a:r>
-            <a:endParaRPr kumimoji="0" lang="en-US" altLang="ko-KR" sz="2800" b="0" i="0" u="none" strike="noStrike" kern="1200" cap="none" spc="0" normalizeH="0" baseline="0">
-              <a:solidFill>
-                <a:srgbClr val="000000"/>
-              </a:solidFill>
-              <a:latin typeface="맑은 고딕"/>
-              <a:ea typeface="맑은 고딕"/>
-              <a:cs typeface="Arial Unicode MS"/>
-            </a:endParaRPr>
           </a:p>
         </p:txBody>
       </p:sp>
@@ -15427,14 +15033,6 @@
               </a:rPr>
               <a:t>Central Control</a:t>
             </a:r>
-            <a:endParaRPr lang="en-US" altLang="ko-KR" sz="2800">
-              <a:solidFill>
-                <a:schemeClr val="tx1"/>
-              </a:solidFill>
-              <a:latin typeface="+mn-ea"/>
-              <a:ea typeface="+mn-ea"/>
-              <a:cs typeface="Arial Unicode MS"/>
-            </a:endParaRPr>
           </a:p>
         </p:txBody>
       </p:sp>
@@ -15495,14 +15093,6 @@
               </a:rPr>
               <a:t>Time</a:t>
             </a:r>
-            <a:endParaRPr kumimoji="0" lang="en-US" altLang="ko-KR" sz="2800" b="0" i="0" u="none" strike="noStrike" kern="1200" cap="none" spc="0" normalizeH="0" baseline="0">
-              <a:solidFill>
-                <a:srgbClr val="000000"/>
-              </a:solidFill>
-              <a:latin typeface="맑은 고딕"/>
-              <a:ea typeface="맑은 고딕"/>
-              <a:cs typeface="Arial Unicode MS"/>
-            </a:endParaRPr>
           </a:p>
         </p:txBody>
       </p:sp>
@@ -15521,7 +15111,7 @@
             <a:avLst/>
           </a:prstGeom>
           <a:solidFill>
-            <a:srgbClr val="1a141c">
+            <a:srgbClr val="1A141C">
               <a:alpha val="55690"/>
             </a:srgbClr>
           </a:solidFill>
@@ -15580,11 +15170,11 @@
             </a:avLst>
           </a:prstGeom>
           <a:solidFill>
-            <a:srgbClr val="ff996b"/>
+            <a:srgbClr val="FF996B"/>
           </a:solidFill>
           <a:ln w="50800">
             <a:solidFill>
-              <a:srgbClr val="ff0000">
+              <a:srgbClr val="FF0000">
                 <a:alpha val="100000"/>
               </a:srgbClr>
             </a:solidFill>
@@ -15620,14 +15210,6 @@
               </a:rPr>
               <a:t>LL to OUT</a:t>
             </a:r>
-            <a:endParaRPr kumimoji="0" lang="en-US" altLang="ko-KR" sz="3200" b="1" i="0" u="none" strike="noStrike" kern="1200" cap="none" spc="0" normalizeH="0" baseline="0">
-              <a:solidFill>
-                <a:schemeClr val="lt1"/>
-              </a:solidFill>
-              <a:latin typeface="맑은 고딕"/>
-              <a:ea typeface="맑은 고딕"/>
-              <a:cs typeface="Arial Unicode MS"/>
-            </a:endParaRPr>
           </a:p>
         </p:txBody>
       </p:sp>
@@ -15648,13 +15230,13 @@
             </a:avLst>
           </a:prstGeom>
           <a:solidFill>
-            <a:srgbClr val="ffffff">
+            <a:srgbClr val="FFFFFF">
               <a:alpha val="100000"/>
             </a:srgbClr>
           </a:solidFill>
           <a:ln w="50800">
             <a:solidFill>
-              <a:srgbClr val="ff0000">
+              <a:srgbClr val="FF0000">
                 <a:alpha val="100000"/>
               </a:srgbClr>
             </a:solidFill>
@@ -15690,14 +15272,6 @@
               </a:rPr>
               <a:t>LPM to LL</a:t>
             </a:r>
-            <a:endParaRPr kumimoji="0" lang="en-US" altLang="ko-KR" sz="3200" b="1" i="0" u="none" strike="noStrike" kern="1200" cap="none" spc="0" normalizeH="0" baseline="0">
-              <a:solidFill>
-                <a:srgbClr val="000000"/>
-              </a:solidFill>
-              <a:latin typeface="맑은 고딕"/>
-              <a:ea typeface="맑은 고딕"/>
-              <a:cs typeface="Arial Unicode MS"/>
-            </a:endParaRPr>
           </a:p>
         </p:txBody>
       </p:sp>
@@ -15718,11 +15292,11 @@
             </a:avLst>
           </a:prstGeom>
           <a:solidFill>
-            <a:srgbClr val="ff996b"/>
+            <a:srgbClr val="FF996B"/>
           </a:solidFill>
           <a:ln w="50800">
             <a:solidFill>
-              <a:srgbClr val="ff0000">
+              <a:srgbClr val="FF0000">
                 <a:alpha val="100000"/>
               </a:srgbClr>
             </a:solidFill>
@@ -15758,14 +15332,6 @@
               </a:rPr>
               <a:t>PM to LL</a:t>
             </a:r>
-            <a:endParaRPr kumimoji="0" lang="en-US" altLang="ko-KR" sz="3200" b="1" i="0" u="none" strike="noStrike" kern="1200" cap="none" spc="0" normalizeH="0" baseline="0">
-              <a:solidFill>
-                <a:schemeClr val="lt1"/>
-              </a:solidFill>
-              <a:latin typeface="맑은 고딕"/>
-              <a:ea typeface="맑은 고딕"/>
-              <a:cs typeface="Arial Unicode MS"/>
-            </a:endParaRPr>
           </a:p>
         </p:txBody>
       </p:sp>
@@ -15790,7 +15356,7 @@
           </a:solidFill>
           <a:ln w="50800">
             <a:solidFill>
-              <a:srgbClr val="ff0000">
+              <a:srgbClr val="FF0000">
                 <a:alpha val="100000"/>
               </a:srgbClr>
             </a:solidFill>
@@ -15826,14 +15392,6 @@
               </a:rPr>
               <a:t>LL to PM</a:t>
             </a:r>
-            <a:endParaRPr kumimoji="0" lang="en-US" altLang="ko-KR" sz="3200" b="1" i="0" u="none" strike="noStrike" kern="1200" cap="none" spc="0" normalizeH="0" baseline="0">
-              <a:solidFill>
-                <a:srgbClr val="000000"/>
-              </a:solidFill>
-              <a:latin typeface="맑은 고딕"/>
-              <a:ea typeface="맑은 고딕"/>
-              <a:cs typeface="Arial Unicode MS"/>
-            </a:endParaRPr>
           </a:p>
         </p:txBody>
       </p:sp>
@@ -15859,7 +15417,6 @@
               <a:rPr lang="en-US" altLang="ko-KR"/>
               <a:t>6</a:t>
             </a:r>
-            <a:endParaRPr lang="en-US" altLang="ko-KR"/>
           </a:p>
         </p:txBody>
       </p:sp>
@@ -15917,13 +15474,6 @@
               </a:rPr>
               <a:t>구성</a:t>
             </a:r>
-            <a:endParaRPr kumimoji="0" lang="ko-KR" altLang="en-US" sz="2800" b="1" i="0" u="none" strike="noStrike" kern="1200" cap="none" spc="0" normalizeH="0" baseline="0">
-              <a:solidFill>
-                <a:srgbClr val="000000"/>
-              </a:solidFill>
-              <a:latin typeface="맑은 고딕"/>
-              <a:cs typeface="맑은 고딕"/>
-            </a:endParaRPr>
           </a:p>
         </p:txBody>
       </p:sp>
@@ -15944,7 +15494,7 @@
             </a:avLst>
           </a:prstGeom>
           <a:solidFill>
-            <a:srgbClr val="ffffff">
+            <a:srgbClr val="FFFFFF">
               <a:alpha val="100000"/>
             </a:srgbClr>
           </a:solidFill>
@@ -15986,14 +15536,6 @@
               </a:rPr>
               <a:t>LPM</a:t>
             </a:r>
-            <a:endParaRPr kumimoji="0" lang="en-US" altLang="ko-KR" sz="2800" b="1" i="0" u="none" strike="noStrike" kern="1200" cap="none" spc="0" normalizeH="0" baseline="0">
-              <a:solidFill>
-                <a:srgbClr val="000000"/>
-              </a:solidFill>
-              <a:latin typeface="맑은 고딕"/>
-              <a:ea typeface="맑은 고딕"/>
-              <a:cs typeface="Arial Unicode MS"/>
-            </a:endParaRPr>
           </a:p>
         </p:txBody>
       </p:sp>
@@ -16014,7 +15556,7 @@
             </a:avLst>
           </a:prstGeom>
           <a:solidFill>
-            <a:srgbClr val="ffffff">
+            <a:srgbClr val="FFFFFF">
               <a:alpha val="100000"/>
             </a:srgbClr>
           </a:solidFill>
@@ -16056,14 +15598,6 @@
               </a:rPr>
               <a:t>Load Lock</a:t>
             </a:r>
-            <a:endParaRPr kumimoji="0" lang="en-US" altLang="ko-KR" sz="2800" b="1" i="0" u="none" strike="noStrike" kern="1200" cap="none" spc="0" normalizeH="0" baseline="0">
-              <a:solidFill>
-                <a:srgbClr val="000000"/>
-              </a:solidFill>
-              <a:latin typeface="맑은 고딕"/>
-              <a:ea typeface="맑은 고딕"/>
-              <a:cs typeface="Arial Unicode MS"/>
-            </a:endParaRPr>
           </a:p>
         </p:txBody>
       </p:sp>
@@ -16084,7 +15618,7 @@
             </a:avLst>
           </a:prstGeom>
           <a:solidFill>
-            <a:srgbClr val="ffffff">
+            <a:srgbClr val="FFFFFF">
               <a:alpha val="100000"/>
             </a:srgbClr>
           </a:solidFill>
@@ -16126,14 +15660,6 @@
               </a:rPr>
               <a:t>Process</a:t>
             </a:r>
-            <a:endParaRPr kumimoji="0" lang="en-US" altLang="ko-KR" sz="2800" b="1" i="0" u="none" strike="noStrike" kern="1200" cap="none" spc="0" normalizeH="0" baseline="0">
-              <a:solidFill>
-                <a:srgbClr val="000000"/>
-              </a:solidFill>
-              <a:latin typeface="맑은 고딕"/>
-              <a:ea typeface="맑은 고딕"/>
-              <a:cs typeface="Arial Unicode MS"/>
-            </a:endParaRPr>
           </a:p>
         </p:txBody>
       </p:sp>
@@ -16205,7 +15731,7 @@
             </a:avLst>
           </a:prstGeom>
           <a:solidFill>
-            <a:srgbClr val="ffffff">
+            <a:srgbClr val="FFFFFF">
               <a:alpha val="100000"/>
             </a:srgbClr>
           </a:solidFill>
@@ -16252,11 +15778,11 @@
   <p:clrMapOvr>
     <a:masterClrMapping/>
   </p:clrMapOvr>
-  <mc:AlternateContent xmlns:mc="http://schemas.openxmlformats.org/markup-compatibility/2006">
-    <mc:Choice xmlns:p14="http://schemas.microsoft.com/office/powerpoint/2010/main" Requires="p14">
-      <p:transition xmlns:mc="http://schemas.openxmlformats.org/markup-compatibility/2006" xmlns:p14="http://schemas.microsoft.com/office/powerpoint/2010/main" spd="med" mc:Ignorable="p14" p14:dur="1000"/>
+  <mc:AlternateContent xmlns:mc="http://schemas.openxmlformats.org/markup-compatibility/2006" xmlns:p14="http://schemas.microsoft.com/office/powerpoint/2010/main">
+    <mc:Choice Requires="p14">
+      <p:transition spd="slow"/>
     </mc:Choice>
-    <mc:Fallback>
+    <mc:Fallback xmlns:dsp="http://schemas.microsoft.com/office/drawing/2008/diagram" xmlns:dgm="http://schemas.openxmlformats.org/drawingml/2006/diagram" xmlns:c="http://schemas.openxmlformats.org/drawingml/2006/chart" xmlns="">
       <p:transition/>
     </mc:Fallback>
   </mc:AlternateContent>
@@ -16902,7 +16428,7 @@
     <mc:Choice Requires="p14">
       <p:transition spd="slow"/>
     </mc:Choice>
-    <mc:Fallback xmlns="" xmlns:c="http://schemas.openxmlformats.org/drawingml/2006/chart" xmlns:dgm="http://schemas.openxmlformats.org/drawingml/2006/diagram" xmlns:dsp="http://schemas.microsoft.com/office/drawing/2008/diagram">
+    <mc:Fallback xmlns:dsp="http://schemas.microsoft.com/office/drawing/2008/diagram" xmlns:dgm="http://schemas.openxmlformats.org/drawingml/2006/diagram" xmlns:c="http://schemas.openxmlformats.org/drawingml/2006/chart" xmlns="">
       <p:transition/>
     </mc:Fallback>
   </mc:AlternateContent>
@@ -18703,7 +18229,7 @@
     <mc:Choice Requires="p14">
       <p:transition/>
     </mc:Choice>
-    <mc:Fallback xmlns="" xmlns:c="http://schemas.openxmlformats.org/drawingml/2006/chart" xmlns:dgm="http://schemas.openxmlformats.org/drawingml/2006/diagram" xmlns:dsp="http://schemas.microsoft.com/office/drawing/2008/diagram">
+    <mc:Fallback xmlns:dsp="http://schemas.microsoft.com/office/drawing/2008/diagram" xmlns:dgm="http://schemas.openxmlformats.org/drawingml/2006/diagram" xmlns:c="http://schemas.openxmlformats.org/drawingml/2006/chart" xmlns="">
       <p:transition/>
     </mc:Fallback>
   </mc:AlternateContent>
@@ -18789,7 +18315,7 @@
 </file>
 
 <file path=ppt/slides/slide14.xml><?xml version="1.0" encoding="utf-8"?>
-<p:sld xmlns:r="http://schemas.openxmlformats.org/officeDocument/2006/relationships" xmlns:c="http://schemas.openxmlformats.org/drawingml/2006/chart" xmlns:a="http://schemas.openxmlformats.org/drawingml/2006/main" xmlns:dgm="http://schemas.openxmlformats.org/drawingml/2006/diagram" xmlns:dsp="http://schemas.microsoft.com/office/drawing/2008/diagram" xmlns:p="http://schemas.openxmlformats.org/presentationml/2006/main">
+<p:sld xmlns:a="http://schemas.openxmlformats.org/drawingml/2006/main" xmlns:r="http://schemas.openxmlformats.org/officeDocument/2006/relationships" xmlns:p="http://schemas.openxmlformats.org/presentationml/2006/main">
   <p:cSld>
     <p:spTree>
       <p:nvGrpSpPr>
@@ -18981,18 +18507,12 @@
             <a:r>
               <a:rPr kumimoji="0" lang="en-US" altLang="ko-KR" sz="1200" b="0" i="0" u="none" strike="noStrike" kern="1200" cap="none" spc="0" normalizeH="0" baseline="0">
                 <a:solidFill>
-                  <a:srgbClr val="ffffff"/>
+                  <a:srgbClr val="FFFFFF"/>
                 </a:solidFill>
                 <a:latin typeface="맑은 고딕"/>
               </a:rPr>
               <a:t>8</a:t>
             </a:r>
-            <a:endParaRPr kumimoji="0" lang="en-US" altLang="ko-KR" sz="1200" b="0" i="0" u="none" strike="noStrike" kern="1200" cap="none" spc="0" normalizeH="0" baseline="0">
-              <a:solidFill>
-                <a:srgbClr val="ffffff"/>
-              </a:solidFill>
-              <a:latin typeface="맑은 고딕"/>
-            </a:endParaRPr>
           </a:p>
         </p:txBody>
       </p:sp>
@@ -19094,13 +18614,6 @@
               </a:rPr>
               <a:t>구성</a:t>
             </a:r>
-            <a:endParaRPr kumimoji="0" lang="ko-KR" altLang="en-US" sz="2800" b="1" i="0" u="none" strike="noStrike" kern="1200" cap="none" spc="0" normalizeH="0" baseline="0">
-              <a:solidFill>
-                <a:srgbClr val="000000"/>
-              </a:solidFill>
-              <a:latin typeface="맑은 고딕"/>
-              <a:cs typeface="맑은 고딕"/>
-            </a:endParaRPr>
           </a:p>
         </p:txBody>
       </p:sp>
@@ -19109,11 +18622,11 @@
   <p:clrMapOvr>
     <a:masterClrMapping/>
   </p:clrMapOvr>
-  <mc:AlternateContent xmlns:mc="http://schemas.openxmlformats.org/markup-compatibility/2006">
-    <mc:Choice xmlns:p14="http://schemas.microsoft.com/office/powerpoint/2010/main" Requires="p14">
-      <p:transition xmlns:mc="http://schemas.openxmlformats.org/markup-compatibility/2006" xmlns:p14="http://schemas.microsoft.com/office/powerpoint/2010/main" mc:Ignorable="p14" p14:dur="500"/>
+  <mc:AlternateContent xmlns:mc="http://schemas.openxmlformats.org/markup-compatibility/2006" xmlns:p14="http://schemas.microsoft.com/office/powerpoint/2010/main">
+    <mc:Choice Requires="p14">
+      <p:transition/>
     </mc:Choice>
-    <mc:Fallback>
+    <mc:Fallback xmlns:dsp="http://schemas.microsoft.com/office/drawing/2008/diagram" xmlns:dgm="http://schemas.openxmlformats.org/drawingml/2006/diagram" xmlns:c="http://schemas.openxmlformats.org/drawingml/2006/chart" xmlns="">
       <p:transition/>
     </mc:Fallback>
   </mc:AlternateContent>
@@ -20195,7 +19708,7 @@
     <mc:Choice Requires="p14">
       <p:transition/>
     </mc:Choice>
-    <mc:Fallback xmlns="" xmlns:c="http://schemas.openxmlformats.org/drawingml/2006/chart" xmlns:dgm="http://schemas.openxmlformats.org/drawingml/2006/diagram" xmlns:dsp="http://schemas.microsoft.com/office/drawing/2008/diagram">
+    <mc:Fallback xmlns:dsp="http://schemas.microsoft.com/office/drawing/2008/diagram" xmlns:dgm="http://schemas.openxmlformats.org/drawingml/2006/diagram" xmlns:c="http://schemas.openxmlformats.org/drawingml/2006/chart" xmlns="">
       <p:transition/>
     </mc:Fallback>
   </mc:AlternateContent>
@@ -20513,7 +20026,7 @@
     <mc:Choice Requires="p14">
       <p:transition/>
     </mc:Choice>
-    <mc:Fallback xmlns="" xmlns:c="http://schemas.openxmlformats.org/drawingml/2006/chart" xmlns:dgm="http://schemas.openxmlformats.org/drawingml/2006/diagram" xmlns:dsp="http://schemas.microsoft.com/office/drawing/2008/diagram">
+    <mc:Fallback xmlns:dsp="http://schemas.microsoft.com/office/drawing/2008/diagram" xmlns:dgm="http://schemas.openxmlformats.org/drawingml/2006/diagram" xmlns:c="http://schemas.openxmlformats.org/drawingml/2006/chart" xmlns="">
       <p:transition/>
     </mc:Fallback>
   </mc:AlternateContent>
@@ -20962,6 +20475,66 @@
           </a:p>
         </p:txBody>
       </p:sp>
+      <p:pic>
+        <p:nvPicPr>
+          <p:cNvPr id="3" name="그림 2">
+            <a:extLst>
+              <a:ext uri="{FF2B5EF4-FFF2-40B4-BE49-F238E27FC236}">
+                <a16:creationId xmlns:a16="http://schemas.microsoft.com/office/drawing/2014/main" id="{9DC282D3-C192-BA58-FDE8-D47F355816DB}"/>
+              </a:ext>
+            </a:extLst>
+          </p:cNvPr>
+          <p:cNvPicPr>
+            <a:picLocks noChangeAspect="1"/>
+          </p:cNvPicPr>
+          <p:nvPr/>
+        </p:nvPicPr>
+        <p:blipFill>
+          <a:blip r:embed="rId7"/>
+          <a:stretch>
+            <a:fillRect/>
+          </a:stretch>
+        </p:blipFill>
+        <p:spPr>
+          <a:xfrm>
+            <a:off x="10709090" y="4216400"/>
+            <a:ext cx="487229" cy="193040"/>
+          </a:xfrm>
+          <a:prstGeom prst="rect">
+            <a:avLst/>
+          </a:prstGeom>
+        </p:spPr>
+      </p:pic>
+      <p:pic>
+        <p:nvPicPr>
+          <p:cNvPr id="5" name="그림 4">
+            <a:extLst>
+              <a:ext uri="{FF2B5EF4-FFF2-40B4-BE49-F238E27FC236}">
+                <a16:creationId xmlns:a16="http://schemas.microsoft.com/office/drawing/2014/main" id="{65B96DCE-126C-18D8-4C4B-61F3643167A5}"/>
+              </a:ext>
+            </a:extLst>
+          </p:cNvPr>
+          <p:cNvPicPr>
+            <a:picLocks noChangeAspect="1"/>
+          </p:cNvPicPr>
+          <p:nvPr/>
+        </p:nvPicPr>
+        <p:blipFill>
+          <a:blip r:embed="rId8"/>
+          <a:stretch>
+            <a:fillRect/>
+          </a:stretch>
+        </p:blipFill>
+        <p:spPr>
+          <a:xfrm>
+            <a:off x="9691370" y="5909627"/>
+            <a:ext cx="266700" cy="200025"/>
+          </a:xfrm>
+          <a:prstGeom prst="rect">
+            <a:avLst/>
+          </a:prstGeom>
+        </p:spPr>
+      </p:pic>
     </p:spTree>
   </p:cSld>
   <p:clrMapOvr>
@@ -20971,7 +20544,7 @@
     <mc:Choice Requires="p14">
       <p:transition/>
     </mc:Choice>
-    <mc:Fallback xmlns="" xmlns:c="http://schemas.openxmlformats.org/drawingml/2006/chart" xmlns:dgm="http://schemas.openxmlformats.org/drawingml/2006/diagram" xmlns:dsp="http://schemas.microsoft.com/office/drawing/2008/diagram">
+    <mc:Fallback xmlns:dsp="http://schemas.microsoft.com/office/drawing/2008/diagram" xmlns:dgm="http://schemas.openxmlformats.org/drawingml/2006/diagram" xmlns:c="http://schemas.openxmlformats.org/drawingml/2006/chart" xmlns="">
       <p:transition/>
     </mc:Fallback>
   </mc:AlternateContent>
@@ -21257,7 +20830,7 @@
     <mc:Choice Requires="p14">
       <p:transition p14:dur="10"/>
     </mc:Choice>
-    <mc:Fallback xmlns="" xmlns:c="http://schemas.openxmlformats.org/drawingml/2006/chart" xmlns:dgm="http://schemas.openxmlformats.org/drawingml/2006/diagram" xmlns:dsp="http://schemas.microsoft.com/office/drawing/2008/diagram">
+    <mc:Fallback xmlns:dsp="http://schemas.microsoft.com/office/drawing/2008/diagram" xmlns:dgm="http://schemas.openxmlformats.org/drawingml/2006/diagram" xmlns:c="http://schemas.openxmlformats.org/drawingml/2006/chart" xmlns="">
       <p:transition/>
     </mc:Fallback>
   </mc:AlternateContent>
@@ -21265,7 +20838,7 @@
 </file>
 
 <file path=ppt/slides/slide19.xml><?xml version="1.0" encoding="utf-8"?>
-<p:sld xmlns:r="http://schemas.openxmlformats.org/officeDocument/2006/relationships" xmlns:c="http://schemas.openxmlformats.org/drawingml/2006/chart" xmlns:a="http://schemas.openxmlformats.org/drawingml/2006/main" xmlns:dgm="http://schemas.openxmlformats.org/drawingml/2006/diagram" xmlns:dsp="http://schemas.microsoft.com/office/drawing/2008/diagram" xmlns:p="http://schemas.openxmlformats.org/presentationml/2006/main">
+<p:sld xmlns:a="http://schemas.openxmlformats.org/drawingml/2006/main" xmlns:r="http://schemas.openxmlformats.org/officeDocument/2006/relationships" xmlns:p="http://schemas.openxmlformats.org/presentationml/2006/main">
   <p:cSld>
     <p:spTree>
       <p:nvGrpSpPr>
@@ -21320,7 +20893,7 @@
             <a:avLst/>
           </a:prstGeom>
           <a:solidFill>
-            <a:srgbClr val="1a141c">
+            <a:srgbClr val="1A141C">
               <a:alpha val="55690"/>
             </a:srgbClr>
           </a:solidFill>
@@ -21384,7 +20957,6 @@
               <a:rPr lang="en-US" altLang="ko-KR"/>
               <a:t>12</a:t>
             </a:r>
-            <a:endParaRPr lang="en-US" altLang="ko-KR"/>
           </a:p>
         </p:txBody>
       </p:sp>
@@ -21405,7 +20977,7 @@
           <a:noFill/>
           <a:ln w="63500">
             <a:solidFill>
-              <a:srgbClr val="ff00ff"/>
+              <a:srgbClr val="FF00FF"/>
             </a:solidFill>
             <a:miter/>
           </a:ln>
@@ -21476,7 +21048,7 @@
           <a:noFill/>
           <a:ln w="28575">
             <a:solidFill>
-              <a:srgbClr val="ff0000"/>
+              <a:srgbClr val="FF0000"/>
             </a:solidFill>
             <a:miter/>
           </a:ln>
@@ -21523,7 +21095,7 @@
           <a:noFill/>
           <a:ln w="28575">
             <a:solidFill>
-              <a:srgbClr val="ff0000"/>
+              <a:srgbClr val="FF0000"/>
             </a:solidFill>
             <a:miter/>
           </a:ln>
@@ -21570,7 +21142,7 @@
           <a:noFill/>
           <a:ln w="28575">
             <a:solidFill>
-              <a:srgbClr val="ff0000"/>
+              <a:srgbClr val="FF0000"/>
             </a:solidFill>
             <a:miter/>
           </a:ln>
@@ -21617,7 +21189,7 @@
           <a:noFill/>
           <a:ln w="28575">
             <a:solidFill>
-              <a:srgbClr val="ff0000"/>
+              <a:srgbClr val="FF0000"/>
             </a:solidFill>
             <a:miter/>
           </a:ln>
@@ -21719,13 +21291,6 @@
               </a:rPr>
               <a:t>구성</a:t>
             </a:r>
-            <a:endParaRPr kumimoji="0" lang="ko-KR" altLang="en-US" sz="2800" b="1" i="0" u="none" strike="noStrike" kern="1200" cap="none" spc="0" normalizeH="0" baseline="0">
-              <a:solidFill>
-                <a:srgbClr val="000000"/>
-              </a:solidFill>
-              <a:latin typeface="맑은 고딕"/>
-              <a:cs typeface="맑은 고딕"/>
-            </a:endParaRPr>
           </a:p>
         </p:txBody>
       </p:sp>
@@ -21734,11 +21299,11 @@
   <p:clrMapOvr>
     <a:masterClrMapping/>
   </p:clrMapOvr>
-  <mc:AlternateContent xmlns:mc="http://schemas.openxmlformats.org/markup-compatibility/2006">
-    <mc:Choice xmlns:p14="http://schemas.microsoft.com/office/powerpoint/2010/main" Requires="p14">
-      <p:transition xmlns:mc="http://schemas.openxmlformats.org/markup-compatibility/2006" xmlns:p14="http://schemas.microsoft.com/office/powerpoint/2010/main" mc:Ignorable="p14" p14:dur="500"/>
+  <mc:AlternateContent xmlns:mc="http://schemas.openxmlformats.org/markup-compatibility/2006" xmlns:p14="http://schemas.microsoft.com/office/powerpoint/2010/main">
+    <mc:Choice Requires="p14">
+      <p:transition/>
     </mc:Choice>
-    <mc:Fallback>
+    <mc:Fallback xmlns:dsp="http://schemas.microsoft.com/office/drawing/2008/diagram" xmlns:dgm="http://schemas.openxmlformats.org/drawingml/2006/diagram" xmlns:c="http://schemas.openxmlformats.org/drawingml/2006/chart" xmlns="">
       <p:transition/>
     </mc:Fallback>
   </mc:AlternateContent>
@@ -21962,7 +21527,7 @@
 </file>
 
 <file path=ppt/slides/slide2.xml><?xml version="1.0" encoding="utf-8"?>
-<p:sld xmlns:r="http://schemas.openxmlformats.org/officeDocument/2006/relationships" xmlns:c="http://schemas.openxmlformats.org/drawingml/2006/chart" xmlns:a="http://schemas.openxmlformats.org/drawingml/2006/main" xmlns:dgm="http://schemas.openxmlformats.org/drawingml/2006/diagram" xmlns:dsp="http://schemas.microsoft.com/office/drawing/2008/diagram" xmlns:p="http://schemas.openxmlformats.org/presentationml/2006/main">
+<p:sld xmlns:a="http://schemas.openxmlformats.org/drawingml/2006/main" xmlns:r="http://schemas.openxmlformats.org/officeDocument/2006/relationships" xmlns:p="http://schemas.openxmlformats.org/presentationml/2006/main">
   <p:cSld>
     <p:spTree>
       <p:nvGrpSpPr>
@@ -21994,7 +21559,7 @@
           </a:prstGeom>
           <a:ln w="50800" cap="flat" cmpd="sng" algn="ctr">
             <a:solidFill>
-              <a:srgbClr val="bd3d00"/>
+              <a:srgbClr val="BD3D00"/>
             </a:solidFill>
             <a:prstDash val="solid"/>
             <a:round/>
@@ -22121,7 +21686,7 @@
           </a:solidFill>
           <a:ln w="25400" cap="flat" cmpd="sng" algn="ctr">
             <a:solidFill>
-              <a:srgbClr val="bd3d00"/>
+              <a:srgbClr val="BD3D00"/>
             </a:solidFill>
             <a:prstDash val="solid"/>
             <a:round/>
@@ -22172,7 +21737,7 @@
           <a:noFill/>
           <a:ln cap="flat" cmpd="sng" algn="ctr">
             <a:solidFill>
-              <a:srgbClr val="bd3d00"/>
+              <a:srgbClr val="BD3D00"/>
             </a:solidFill>
             <a:prstDash val="solid"/>
             <a:round/>
@@ -22234,7 +21799,7 @@
           </a:prstGeom>
           <a:ln w="50800" cap="flat" cmpd="sng" algn="ctr">
             <a:solidFill>
-              <a:srgbClr val="bd3d00"/>
+              <a:srgbClr val="BD3D00"/>
             </a:solidFill>
             <a:prstDash val="solid"/>
             <a:round/>
@@ -22295,7 +21860,6 @@
               <a:rPr lang="ko-KR" altLang="en-US" sz="2800" b="1" i="0" kern="1200" baseline="0"/>
               <a:t> 환경</a:t>
             </a:r>
-            <a:endParaRPr lang="ko-KR" altLang="en-US" sz="2800" b="1" i="0" kern="1200" baseline="0"/>
           </a:p>
         </p:txBody>
       </p:sp>
@@ -22323,7 +21887,7 @@
           </a:solidFill>
           <a:ln w="25400" cap="flat" cmpd="sng" algn="ctr">
             <a:solidFill>
-              <a:srgbClr val="bd3d00"/>
+              <a:srgbClr val="BD3D00"/>
             </a:solidFill>
             <a:prstDash val="solid"/>
             <a:round/>
@@ -22381,7 +21945,7 @@
           </a:solidFill>
           <a:ln w="25400" cap="flat" cmpd="sng" algn="ctr">
             <a:solidFill>
-              <a:srgbClr val="bd3d00"/>
+              <a:srgbClr val="BD3D00"/>
             </a:solidFill>
             <a:prstDash val="solid"/>
             <a:round/>
@@ -22432,7 +21996,7 @@
           <a:noFill/>
           <a:ln cap="flat" cmpd="sng" algn="ctr">
             <a:solidFill>
-              <a:srgbClr val="bd3d00"/>
+              <a:srgbClr val="BD3D00"/>
             </a:solidFill>
             <a:prstDash val="solid"/>
             <a:round/>
@@ -22494,7 +22058,7 @@
           </a:prstGeom>
           <a:ln w="50800" cap="flat" cmpd="sng" algn="ctr">
             <a:solidFill>
-              <a:srgbClr val="bd3d00"/>
+              <a:srgbClr val="BD3D00"/>
             </a:solidFill>
             <a:prstDash val="solid"/>
             <a:round/>
@@ -22555,7 +22119,6 @@
               <a:rPr lang="ko-KR" altLang="en-US" sz="2800" b="1" i="0" kern="1200" baseline="0"/>
               <a:t>구성 및 흐름도</a:t>
             </a:r>
-            <a:endParaRPr lang="ko-KR" altLang="en-US" sz="2800" b="1" i="0" kern="1200" baseline="0"/>
           </a:p>
         </p:txBody>
       </p:sp>
@@ -22583,7 +22146,7 @@
           </a:solidFill>
           <a:ln w="25400" cap="flat" cmpd="sng" algn="ctr">
             <a:solidFill>
-              <a:srgbClr val="bd3d00"/>
+              <a:srgbClr val="BD3D00"/>
             </a:solidFill>
             <a:prstDash val="solid"/>
             <a:round/>
@@ -22634,7 +22197,7 @@
           <a:noFill/>
           <a:ln cap="flat" cmpd="sng" algn="ctr">
             <a:solidFill>
-              <a:srgbClr val="bd3d00"/>
+              <a:srgbClr val="BD3D00"/>
             </a:solidFill>
             <a:prstDash val="solid"/>
             <a:round/>
@@ -22696,7 +22259,7 @@
           </a:prstGeom>
           <a:ln w="50800" cap="flat" cmpd="sng" algn="ctr">
             <a:solidFill>
-              <a:srgbClr val="bd3d00"/>
+              <a:srgbClr val="BD3D00"/>
             </a:solidFill>
             <a:prstDash val="solid"/>
             <a:round/>
@@ -22757,7 +22320,6 @@
               <a:rPr lang="ko-KR" sz="2800" b="1" i="0" kern="1200" baseline="0"/>
               <a:t>구성</a:t>
             </a:r>
-            <a:endParaRPr lang="ko-KR" sz="2800" b="1" i="0" kern="1200" baseline="0"/>
           </a:p>
         </p:txBody>
       </p:sp>
@@ -22785,7 +22347,7 @@
           </a:solidFill>
           <a:ln w="25400" cap="flat" cmpd="sng" algn="ctr">
             <a:solidFill>
-              <a:srgbClr val="bd3d00"/>
+              <a:srgbClr val="BD3D00"/>
             </a:solidFill>
             <a:prstDash val="solid"/>
             <a:round/>
@@ -22835,7 +22397,7 @@
           </a:prstGeom>
           <a:ln w="50800" cap="flat" cmpd="sng" algn="ctr">
             <a:solidFill>
-              <a:srgbClr val="bd3d00"/>
+              <a:srgbClr val="BD3D00"/>
             </a:solidFill>
             <a:prstDash val="solid"/>
             <a:round/>
@@ -22892,7 +22454,6 @@
               <a:rPr lang="ko-KR" altLang="en-US" sz="2800" b="1" i="0" kern="1200" baseline="0"/>
               <a:t>기대 효과</a:t>
             </a:r>
-            <a:endParaRPr lang="ko-KR" altLang="en-US" sz="2800" b="1" i="0" kern="1200" baseline="0"/>
           </a:p>
         </p:txBody>
       </p:sp>
@@ -22965,11 +22526,11 @@
   <p:clrMapOvr>
     <a:masterClrMapping/>
   </p:clrMapOvr>
-  <mc:AlternateContent xmlns:mc="http://schemas.openxmlformats.org/markup-compatibility/2006">
-    <mc:Choice xmlns:p14="http://schemas.microsoft.com/office/powerpoint/2010/main" Requires="p14">
-      <p:transition xmlns:mc="http://schemas.openxmlformats.org/markup-compatibility/2006" xmlns:p14="http://schemas.microsoft.com/office/powerpoint/2010/main" mc:Ignorable="p14" p14:dur="500"/>
+  <mc:AlternateContent xmlns:mc="http://schemas.openxmlformats.org/markup-compatibility/2006" xmlns:p14="http://schemas.microsoft.com/office/powerpoint/2010/main">
+    <mc:Choice Requires="p14">
+      <p:transition/>
     </mc:Choice>
-    <mc:Fallback>
+    <mc:Fallback xmlns:dsp="http://schemas.microsoft.com/office/drawing/2008/diagram" xmlns:dgm="http://schemas.openxmlformats.org/drawingml/2006/diagram" xmlns:c="http://schemas.openxmlformats.org/drawingml/2006/chart" xmlns="">
       <p:transition/>
     </mc:Fallback>
   </mc:AlternateContent>
@@ -23302,7 +22863,7 @@
     <mc:Choice Requires="p14">
       <p:transition/>
     </mc:Choice>
-    <mc:Fallback xmlns="" xmlns:c="http://schemas.openxmlformats.org/drawingml/2006/chart" xmlns:dgm="http://schemas.openxmlformats.org/drawingml/2006/diagram" xmlns:dsp="http://schemas.microsoft.com/office/drawing/2008/diagram">
+    <mc:Fallback xmlns:dsp="http://schemas.microsoft.com/office/drawing/2008/diagram" xmlns:dgm="http://schemas.openxmlformats.org/drawingml/2006/diagram" xmlns:c="http://schemas.openxmlformats.org/drawingml/2006/chart" xmlns="">
       <p:transition/>
     </mc:Fallback>
   </mc:AlternateContent>
@@ -24028,7 +23589,7 @@
     <mc:Choice Requires="p14">
       <p:transition/>
     </mc:Choice>
-    <mc:Fallback xmlns:dsp="http://schemas.microsoft.com/office/drawing/2008/diagram" xmlns:dgm="http://schemas.openxmlformats.org/drawingml/2006/diagram" xmlns:c="http://schemas.openxmlformats.org/drawingml/2006/chart" xmlns="">
+    <mc:Fallback xmlns="" xmlns:c="http://schemas.openxmlformats.org/drawingml/2006/chart" xmlns:dgm="http://schemas.openxmlformats.org/drawingml/2006/diagram" xmlns:dsp="http://schemas.microsoft.com/office/drawing/2008/diagram">
       <p:transition/>
     </mc:Fallback>
   </mc:AlternateContent>
@@ -24612,7 +24173,7 @@
     <mc:Choice Requires="p14">
       <p:transition/>
     </mc:Choice>
-    <mc:Fallback xmlns:dsp="http://schemas.microsoft.com/office/drawing/2008/diagram" xmlns:dgm="http://schemas.openxmlformats.org/drawingml/2006/diagram" xmlns:c="http://schemas.openxmlformats.org/drawingml/2006/chart" xmlns="">
+    <mc:Fallback xmlns="" xmlns:c="http://schemas.openxmlformats.org/drawingml/2006/chart" xmlns:dgm="http://schemas.openxmlformats.org/drawingml/2006/diagram" xmlns:dsp="http://schemas.microsoft.com/office/drawing/2008/diagram">
       <p:transition/>
     </mc:Fallback>
   </mc:AlternateContent>
@@ -24724,7 +24285,7 @@
     <mc:Choice Requires="p14">
       <p:transition/>
     </mc:Choice>
-    <mc:Fallback xmlns:dsp="http://schemas.microsoft.com/office/drawing/2008/diagram" xmlns:dgm="http://schemas.openxmlformats.org/drawingml/2006/diagram" xmlns:c="http://schemas.openxmlformats.org/drawingml/2006/chart" xmlns="">
+    <mc:Fallback xmlns="" xmlns:c="http://schemas.openxmlformats.org/drawingml/2006/chart" xmlns:dgm="http://schemas.openxmlformats.org/drawingml/2006/diagram" xmlns:dsp="http://schemas.microsoft.com/office/drawing/2008/diagram">
       <p:transition/>
     </mc:Fallback>
   </mc:AlternateContent>
@@ -25975,7 +25536,7 @@
     <mc:Choice Requires="p14">
       <p:transition/>
     </mc:Choice>
-    <mc:Fallback xmlns:dsp="http://schemas.microsoft.com/office/drawing/2008/diagram" xmlns:dgm="http://schemas.openxmlformats.org/drawingml/2006/diagram" xmlns:c="http://schemas.openxmlformats.org/drawingml/2006/chart" xmlns="">
+    <mc:Fallback xmlns="" xmlns:c="http://schemas.openxmlformats.org/drawingml/2006/chart" xmlns:dgm="http://schemas.openxmlformats.org/drawingml/2006/diagram" xmlns:dsp="http://schemas.microsoft.com/office/drawing/2008/diagram">
       <p:transition/>
     </mc:Fallback>
   </mc:AlternateContent>
@@ -26433,7 +25994,7 @@
     <mc:Choice Requires="p14">
       <p:transition/>
     </mc:Choice>
-    <mc:Fallback xmlns:dsp="http://schemas.microsoft.com/office/drawing/2008/diagram" xmlns:dgm="http://schemas.openxmlformats.org/drawingml/2006/diagram" xmlns:c="http://schemas.openxmlformats.org/drawingml/2006/chart" xmlns="">
+    <mc:Fallback xmlns="" xmlns:c="http://schemas.openxmlformats.org/drawingml/2006/chart" xmlns:dgm="http://schemas.openxmlformats.org/drawingml/2006/diagram" xmlns:dsp="http://schemas.microsoft.com/office/drawing/2008/diagram">
       <p:transition/>
     </mc:Fallback>
   </mc:AlternateContent>
@@ -26850,7 +26411,7 @@
     <mc:Choice Requires="p14">
       <p:transition/>
     </mc:Choice>
-    <mc:Fallback xmlns:dsp="http://schemas.microsoft.com/office/drawing/2008/diagram" xmlns:dgm="http://schemas.openxmlformats.org/drawingml/2006/diagram" xmlns:c="http://schemas.openxmlformats.org/drawingml/2006/chart" xmlns="">
+    <mc:Fallback xmlns="" xmlns:c="http://schemas.openxmlformats.org/drawingml/2006/chart" xmlns:dgm="http://schemas.openxmlformats.org/drawingml/2006/diagram" xmlns:dsp="http://schemas.microsoft.com/office/drawing/2008/diagram">
       <p:transition/>
     </mc:Fallback>
   </mc:AlternateContent>
@@ -27800,7 +27361,7 @@
     <mc:Choice Requires="p14">
       <p:transition spd="slow"/>
     </mc:Choice>
-    <mc:Fallback xmlns="" xmlns:c="http://schemas.openxmlformats.org/drawingml/2006/chart" xmlns:dgm="http://schemas.openxmlformats.org/drawingml/2006/diagram" xmlns:dsp="http://schemas.microsoft.com/office/drawing/2008/diagram">
+    <mc:Fallback xmlns:dsp="http://schemas.microsoft.com/office/drawing/2008/diagram" xmlns:dgm="http://schemas.openxmlformats.org/drawingml/2006/diagram" xmlns:c="http://schemas.openxmlformats.org/drawingml/2006/chart" xmlns="">
       <p:transition/>
     </mc:Fallback>
   </mc:AlternateContent>
@@ -28446,7 +28007,7 @@
     <mc:Choice Requires="p14">
       <p:transition spd="slow"/>
     </mc:Choice>
-    <mc:Fallback xmlns="" xmlns:c="http://schemas.openxmlformats.org/drawingml/2006/chart" xmlns:dgm="http://schemas.openxmlformats.org/drawingml/2006/diagram" xmlns:dsp="http://schemas.microsoft.com/office/drawing/2008/diagram">
+    <mc:Fallback xmlns:dsp="http://schemas.microsoft.com/office/drawing/2008/diagram" xmlns:dgm="http://schemas.openxmlformats.org/drawingml/2006/diagram" xmlns:c="http://schemas.openxmlformats.org/drawingml/2006/chart" xmlns="">
       <p:transition/>
     </mc:Fallback>
   </mc:AlternateContent>
@@ -29092,7 +28653,7 @@
     <mc:Choice Requires="p14">
       <p:transition spd="slow"/>
     </mc:Choice>
-    <mc:Fallback xmlns="" xmlns:c="http://schemas.openxmlformats.org/drawingml/2006/chart" xmlns:dgm="http://schemas.openxmlformats.org/drawingml/2006/diagram" xmlns:dsp="http://schemas.microsoft.com/office/drawing/2008/diagram">
+    <mc:Fallback xmlns:dsp="http://schemas.microsoft.com/office/drawing/2008/diagram" xmlns:dgm="http://schemas.openxmlformats.org/drawingml/2006/diagram" xmlns:c="http://schemas.openxmlformats.org/drawingml/2006/chart" xmlns="">
       <p:transition/>
     </mc:Fallback>
   </mc:AlternateContent>
@@ -29924,7 +29485,7 @@
     <mc:Choice Requires="p14">
       <p:transition spd="slow"/>
     </mc:Choice>
-    <mc:Fallback xmlns="" xmlns:c="http://schemas.openxmlformats.org/drawingml/2006/chart" xmlns:dgm="http://schemas.openxmlformats.org/drawingml/2006/diagram" xmlns:dsp="http://schemas.microsoft.com/office/drawing/2008/diagram">
+    <mc:Fallback xmlns:dsp="http://schemas.microsoft.com/office/drawing/2008/diagram" xmlns:dgm="http://schemas.openxmlformats.org/drawingml/2006/diagram" xmlns:c="http://schemas.openxmlformats.org/drawingml/2006/chart" xmlns="">
       <p:transition/>
     </mc:Fallback>
   </mc:AlternateContent>
@@ -30102,41 +29663,41 @@
 </file>
 
 <file path=ppt/theme/theme1.xml><?xml version="1.0" encoding="utf-8"?>
-<a:theme xmlns:r="http://schemas.openxmlformats.org/officeDocument/2006/relationships" xmlns:c="http://schemas.openxmlformats.org/drawingml/2006/chart" xmlns:dgm="http://schemas.openxmlformats.org/drawingml/2006/diagram" xmlns:dsp="http://schemas.microsoft.com/office/drawing/2008/diagram" xmlns:a="http://schemas.openxmlformats.org/drawingml/2006/main" xmlns:pic="http://schemas.openxmlformats.org/drawingml/2006/picture" xmlns:wp="http://schemas.openxmlformats.org/drawingml/2006/wordprocessingDrawing" xmlns:xdr="http://schemas.openxmlformats.org/drawingml/2006/spreadsheetDrawing" xmlns:lc="http://schemas.openxmlformats.org/drawingml/2006/lockedCanvas" xmlns:p="http://schemas.openxmlformats.org/presentationml/2006/main" name="사용자 테마1">
+<a:theme xmlns:a="http://schemas.openxmlformats.org/drawingml/2006/main" name="사용자 테마1">
   <a:themeElements>
     <a:clrScheme name="한컴오피스">
       <a:dk1>
         <a:sysClr val="windowText" lastClr="000000"/>
       </a:dk1>
       <a:lt1>
-        <a:sysClr val="window" lastClr="ffffff"/>
+        <a:sysClr val="window" lastClr="FFFFFF"/>
       </a:lt1>
       <a:dk2>
-        <a:srgbClr val="3a3c84"/>
+        <a:srgbClr val="3A3C84"/>
       </a:dk2>
       <a:lt2>
-        <a:srgbClr val="faf3db"/>
+        <a:srgbClr val="FAF3DB"/>
       </a:lt2>
       <a:accent1>
-        <a:srgbClr val="6182d6"/>
+        <a:srgbClr val="6182D6"/>
       </a:accent1>
       <a:accent2>
-        <a:srgbClr val="ff843a"/>
+        <a:srgbClr val="FF843A"/>
       </a:accent2>
       <a:accent3>
-        <a:srgbClr val="b2b2b2"/>
+        <a:srgbClr val="B2B2B2"/>
       </a:accent3>
       <a:accent4>
-        <a:srgbClr val="ffd700"/>
+        <a:srgbClr val="FFD700"/>
       </a:accent4>
       <a:accent5>
-        <a:srgbClr val="289b6e"/>
+        <a:srgbClr val="289B6E"/>
       </a:accent5>
       <a:accent6>
-        <a:srgbClr val="9d5cbb"/>
+        <a:srgbClr val="9D5CBB"/>
       </a:accent6>
       <a:hlink>
-        <a:srgbClr val="0000ff"/>
+        <a:srgbClr val="0000FF"/>
       </a:hlink>
       <a:folHlink>
         <a:srgbClr val="800080"/>
@@ -30395,45 +29956,46 @@
       </a:lstStyle>
     </a:txDef>
   </a:objectDefaults>
+  <a:extraClrSchemeLst/>
 </a:theme>
 </file>
 
 <file path=ppt/theme/theme2.xml><?xml version="1.0" encoding="utf-8"?>
-<a:theme xmlns:r="http://schemas.openxmlformats.org/officeDocument/2006/relationships" xmlns:c="http://schemas.openxmlformats.org/drawingml/2006/chart" xmlns:dgm="http://schemas.openxmlformats.org/drawingml/2006/diagram" xmlns:dsp="http://schemas.microsoft.com/office/drawing/2008/diagram" xmlns:a="http://schemas.openxmlformats.org/drawingml/2006/main" xmlns:pic="http://schemas.openxmlformats.org/drawingml/2006/picture" xmlns:wp="http://schemas.openxmlformats.org/drawingml/2006/wordprocessingDrawing" xmlns:xdr="http://schemas.openxmlformats.org/drawingml/2006/spreadsheetDrawing" xmlns:lc="http://schemas.openxmlformats.org/drawingml/2006/lockedCanvas" xmlns:p="http://schemas.openxmlformats.org/presentationml/2006/main" name="1_사용자 테마1">
+<a:theme xmlns:a="http://schemas.openxmlformats.org/drawingml/2006/main" name="1_사용자 테마1">
   <a:themeElements>
     <a:clrScheme name="한컴오피스">
       <a:dk1>
         <a:sysClr val="windowText" lastClr="000000"/>
       </a:dk1>
       <a:lt1>
-        <a:sysClr val="window" lastClr="ffffff"/>
+        <a:sysClr val="window" lastClr="FFFFFF"/>
       </a:lt1>
       <a:dk2>
-        <a:srgbClr val="3a3c84"/>
+        <a:srgbClr val="3A3C84"/>
       </a:dk2>
       <a:lt2>
-        <a:srgbClr val="faf3db"/>
+        <a:srgbClr val="FAF3DB"/>
       </a:lt2>
       <a:accent1>
-        <a:srgbClr val="6182d6"/>
+        <a:srgbClr val="6182D6"/>
       </a:accent1>
       <a:accent2>
-        <a:srgbClr val="ff843a"/>
+        <a:srgbClr val="FF843A"/>
       </a:accent2>
       <a:accent3>
-        <a:srgbClr val="b2b2b2"/>
+        <a:srgbClr val="B2B2B2"/>
       </a:accent3>
       <a:accent4>
-        <a:srgbClr val="ffd700"/>
+        <a:srgbClr val="FFD700"/>
       </a:accent4>
       <a:accent5>
-        <a:srgbClr val="289b6e"/>
+        <a:srgbClr val="289B6E"/>
       </a:accent5>
       <a:accent6>
-        <a:srgbClr val="9d5cbb"/>
+        <a:srgbClr val="9D5CBB"/>
       </a:accent6>
       <a:hlink>
-        <a:srgbClr val="0000ff"/>
+        <a:srgbClr val="0000FF"/>
       </a:hlink>
       <a:folHlink>
         <a:srgbClr val="800080"/>
@@ -30692,45 +30254,46 @@
       </a:lstStyle>
     </a:txDef>
   </a:objectDefaults>
+  <a:extraClrSchemeLst/>
 </a:theme>
 </file>
 
 <file path=ppt/theme/theme3.xml><?xml version="1.0" encoding="utf-8"?>
-<a:theme xmlns:r="http://schemas.openxmlformats.org/officeDocument/2006/relationships" xmlns:c="http://schemas.openxmlformats.org/drawingml/2006/chart" xmlns:dgm="http://schemas.openxmlformats.org/drawingml/2006/diagram" xmlns:dsp="http://schemas.microsoft.com/office/drawing/2008/diagram" xmlns:a="http://schemas.openxmlformats.org/drawingml/2006/main" xmlns:pic="http://schemas.openxmlformats.org/drawingml/2006/picture" xmlns:wp="http://schemas.openxmlformats.org/drawingml/2006/wordprocessingDrawing" xmlns:xdr="http://schemas.openxmlformats.org/drawingml/2006/spreadsheetDrawing" xmlns:lc="http://schemas.openxmlformats.org/drawingml/2006/lockedCanvas" xmlns:p="http://schemas.openxmlformats.org/presentationml/2006/main" name="한컴오피스">
+<a:theme xmlns:a="http://schemas.openxmlformats.org/drawingml/2006/main" name="한컴오피스">
   <a:themeElements>
     <a:clrScheme name="한컴오피스">
       <a:dk1>
         <a:sysClr val="windowText" lastClr="000000"/>
       </a:dk1>
       <a:lt1>
-        <a:sysClr val="window" lastClr="ffffff"/>
+        <a:sysClr val="window" lastClr="FFFFFF"/>
       </a:lt1>
       <a:dk2>
-        <a:srgbClr val="3a3c84"/>
+        <a:srgbClr val="3A3C84"/>
       </a:dk2>
       <a:lt2>
-        <a:srgbClr val="faf3db"/>
+        <a:srgbClr val="FAF3DB"/>
       </a:lt2>
       <a:accent1>
-        <a:srgbClr val="6182d6"/>
+        <a:srgbClr val="6182D6"/>
       </a:accent1>
       <a:accent2>
-        <a:srgbClr val="ff843a"/>
+        <a:srgbClr val="FF843A"/>
       </a:accent2>
       <a:accent3>
-        <a:srgbClr val="b2b2b2"/>
+        <a:srgbClr val="B2B2B2"/>
       </a:accent3>
       <a:accent4>
-        <a:srgbClr val="ffd700"/>
+        <a:srgbClr val="FFD700"/>
       </a:accent4>
       <a:accent5>
-        <a:srgbClr val="289b6e"/>
+        <a:srgbClr val="289B6E"/>
       </a:accent5>
       <a:accent6>
-        <a:srgbClr val="9d5cbb"/>
+        <a:srgbClr val="9D5CBB"/>
       </a:accent6>
       <a:hlink>
-        <a:srgbClr val="0000ff"/>
+        <a:srgbClr val="0000FF"/>
       </a:hlink>
       <a:folHlink>
         <a:srgbClr val="800080"/>
@@ -30959,45 +30522,47 @@
       </a:bgFillStyleLst>
     </a:fmtScheme>
   </a:themeElements>
+  <a:objectDefaults/>
+  <a:extraClrSchemeLst/>
 </a:theme>
 </file>
 
 <file path=ppt/theme/theme4.xml><?xml version="1.0" encoding="utf-8"?>
-<a:theme xmlns:r="http://schemas.openxmlformats.org/officeDocument/2006/relationships" xmlns:c="http://schemas.openxmlformats.org/drawingml/2006/chart" xmlns:dgm="http://schemas.openxmlformats.org/drawingml/2006/diagram" xmlns:dsp="http://schemas.microsoft.com/office/drawing/2008/diagram" xmlns:a="http://schemas.openxmlformats.org/drawingml/2006/main" xmlns:pic="http://schemas.openxmlformats.org/drawingml/2006/picture" xmlns:wp="http://schemas.openxmlformats.org/drawingml/2006/wordprocessingDrawing" xmlns:xdr="http://schemas.openxmlformats.org/drawingml/2006/spreadsheetDrawing" xmlns:lc="http://schemas.openxmlformats.org/drawingml/2006/lockedCanvas" xmlns:p="http://schemas.openxmlformats.org/presentationml/2006/main" name="한컴오피스">
+<a:theme xmlns:a="http://schemas.openxmlformats.org/drawingml/2006/main" name="한컴오피스">
   <a:themeElements>
     <a:clrScheme name="한컴오피스">
       <a:dk1>
         <a:sysClr val="windowText" lastClr="000000"/>
       </a:dk1>
       <a:lt1>
-        <a:sysClr val="window" lastClr="ffffff"/>
+        <a:sysClr val="window" lastClr="FFFFFF"/>
       </a:lt1>
       <a:dk2>
-        <a:srgbClr val="3a3c84"/>
+        <a:srgbClr val="3A3C84"/>
       </a:dk2>
       <a:lt2>
-        <a:srgbClr val="faf3db"/>
+        <a:srgbClr val="FAF3DB"/>
       </a:lt2>
       <a:accent1>
-        <a:srgbClr val="6182d6"/>
+        <a:srgbClr val="6182D6"/>
       </a:accent1>
       <a:accent2>
-        <a:srgbClr val="ff843a"/>
+        <a:srgbClr val="FF843A"/>
       </a:accent2>
       <a:accent3>
-        <a:srgbClr val="b2b2b2"/>
+        <a:srgbClr val="B2B2B2"/>
       </a:accent3>
       <a:accent4>
-        <a:srgbClr val="ffd700"/>
+        <a:srgbClr val="FFD700"/>
       </a:accent4>
       <a:accent5>
-        <a:srgbClr val="289b6e"/>
+        <a:srgbClr val="289B6E"/>
       </a:accent5>
       <a:accent6>
-        <a:srgbClr val="9d5cbb"/>
+        <a:srgbClr val="9D5CBB"/>
       </a:accent6>
       <a:hlink>
-        <a:srgbClr val="0000ff"/>
+        <a:srgbClr val="0000FF"/>
       </a:hlink>
       <a:folHlink>
         <a:srgbClr val="800080"/>
@@ -31226,5 +30791,7 @@
       </a:bgFillStyleLst>
     </a:fmtScheme>
   </a:themeElements>
+  <a:objectDefaults/>
+  <a:extraClrSchemeLst/>
 </a:theme>
 </file>
--- a/A조 발표/A조 발표 최종.pptx
+++ b/A조 발표/A조 발표 최종.pptx
@@ -2,8 +2,8 @@
 <file path=ppt/presentation.xml><?xml version="1.0" encoding="utf-8"?>
 <p:presentation xmlns:r="http://schemas.openxmlformats.org/officeDocument/2006/relationships" xmlns:c="http://schemas.openxmlformats.org/drawingml/2006/chart" xmlns:a="http://schemas.openxmlformats.org/drawingml/2006/main" xmlns:dgm="http://schemas.openxmlformats.org/drawingml/2006/diagram" xmlns:dsp="http://schemas.microsoft.com/office/drawing/2008/diagram" xmlns:p="http://schemas.openxmlformats.org/presentationml/2006/main">
   <p:sldMasterIdLst>
-    <p:sldMasterId id="2147483810" r:id="rId1"/>
-    <p:sldMasterId id="2147483811" r:id="rId2"/>
+    <p:sldMasterId id="2147483792" r:id="rId1"/>
+    <p:sldMasterId id="2147483793" r:id="rId2"/>
   </p:sldMasterIdLst>
   <p:notesMasterIdLst>
     <p:notesMasterId r:id="rId3"/>
@@ -236,7 +236,7 @@
               <a:pPr lvl="0">
                 <a:defRPr/>
               </a:pPr>
-              <a:t>2022-10-28</a:t>
+              <a:t>2022-10-30</a:t>
             </a:fld>
             <a:endParaRPr lang="ko-KR" altLang="en-US"/>
           </a:p>
@@ -422,7 +422,7 @@
               <a:pPr lvl="0">
                 <a:defRPr/>
               </a:pPr>
-              <a:t>2022-10-28</a:t>
+              <a:t>2022-10-30</a:t>
             </a:fld>
             <a:endParaRPr lang="ko-KR" altLang="en-US"/>
           </a:p>
@@ -2264,13 +2264,13 @@
               <a:rPr lang="en-US" altLang="ko-KR" sz="1300">
                 <a:latin typeface="맑은 고딕"/>
               </a:rPr>
-              <a:t>UI</a:t>
+              <a:t>Main </a:t>
             </a:r>
             <a:r>
               <a:rPr lang="ko-KR" altLang="en-US" sz="1300">
                 <a:latin typeface="맑은 고딕"/>
               </a:rPr>
-              <a:t>에 대한 설명은 다음과 같이 총 </a:t>
+              <a:t>화면에 대한 설명은 다음과 같이 </a:t>
             </a:r>
             <a:r>
               <a:rPr lang="en-US" altLang="ko-KR" sz="1300">
@@ -2282,7 +2282,7 @@
               <a:rPr lang="ko-KR" altLang="en-US" sz="1300">
                 <a:latin typeface="맑은 고딕"/>
               </a:rPr>
-              <a:t>개의 파트로 구분하여 진행할 예정입니다</a:t>
+              <a:t>개의 부분으로 나뉘어 진행되겠습니다</a:t>
             </a:r>
             <a:r>
               <a:rPr lang="en-US" altLang="ko-KR" sz="1300">
@@ -2407,7 +2407,7 @@
                 <a:latin typeface="맑은 고딕"/>
                 <a:cs typeface="돋움"/>
               </a:rPr>
-              <a:t>첫번째 </a:t>
+              <a:t>첫번째 부분</a:t>
             </a:r>
             <a:r>
               <a:rPr lang="en-US" altLang="ko-KR" sz="1300" b="0" i="0" u="none" strike="noStrike">
@@ -2417,7 +2417,7 @@
                 <a:latin typeface="맑은 고딕"/>
                 <a:cs typeface="돋움"/>
               </a:rPr>
-              <a:t>UI </a:t>
+              <a:t> </a:t>
             </a:r>
             <a:r>
               <a:rPr lang="ko-KR" altLang="en-US" sz="1300" b="0" i="0" u="none" strike="noStrike">
@@ -3133,15 +3133,15 @@
             </a:pPr>
             <a:r>
               <a:rPr lang="ko-KR" altLang="en-US"/>
-              <a:t>두번째 </a:t>
+              <a:t>두번째</a:t>
             </a:r>
             <a:r>
               <a:rPr lang="en-US" altLang="ko-KR"/>
-              <a:t>UI </a:t>
+              <a:t> </a:t>
             </a:r>
             <a:r>
               <a:rPr lang="ko-KR" altLang="en-US"/>
-              <a:t>입니다</a:t>
+              <a:t>부분 입니다</a:t>
             </a:r>
             <a:r>
               <a:rPr lang="en-US" altLang="ko-KR"/>
@@ -3783,11 +3783,11 @@
             </a:pPr>
             <a:r>
               <a:rPr lang="ko-KR" altLang="en-US"/>
-              <a:t>세번째 </a:t>
+              <a:t>세번째 부분</a:t>
             </a:r>
             <a:r>
               <a:rPr lang="en-US" altLang="ko-KR"/>
-              <a:t>UI </a:t>
+              <a:t> </a:t>
             </a:r>
             <a:r>
               <a:rPr lang="ko-KR" altLang="en-US"/>
@@ -4174,7 +4174,7 @@
                 <a:ea typeface="돋움"/>
                 <a:cs typeface="돋움"/>
               </a:rPr>
-              <a:t>네번째 </a:t>
+              <a:t>네번째 부분</a:t>
             </a:r>
             <a:r>
               <a:rPr lang="en-US" altLang="ko-KR" b="0" i="0" u="none" strike="noStrike">
@@ -4185,7 +4185,7 @@
                 <a:ea typeface="돋움"/>
                 <a:cs typeface="돋움"/>
               </a:rPr>
-              <a:t>UI </a:t>
+              <a:t> </a:t>
             </a:r>
             <a:r>
               <a:rPr lang="ko-KR" altLang="en-US" b="0" i="0" u="none" strike="noStrike">
@@ -4209,7 +4209,7 @@
               </a:rPr>
               <a:t>.</a:t>
             </a:r>
-            <a:endParaRPr lang="EN-US" b="0" i="0" u="none" strike="noStrike">
+            <a:endParaRPr lang="en-US" altLang="ko-KR" b="0" i="0" u="none" strike="noStrike">
               <a:solidFill>
                 <a:srgbClr val="000000"/>
               </a:solidFill>
@@ -5281,7 +5281,7 @@
                 <a:latin typeface="맑은 고딕"/>
                 <a:cs typeface="돋움"/>
               </a:rPr>
-              <a:t>다섯 번째 </a:t>
+              <a:t>다섯 번째 부분 입니다</a:t>
             </a:r>
             <a:r>
               <a:rPr lang="en-US" altLang="ko-KR" b="0" i="0" u="none" strike="noStrike">
@@ -5291,29 +5291,15 @@
                 <a:latin typeface="맑은 고딕"/>
                 <a:cs typeface="돋움"/>
               </a:rPr>
-              <a:t>UI </a:t>
-            </a:r>
-            <a:r>
-              <a:rPr lang="ko-KR" altLang="en-US" b="0" i="0" u="none" strike="noStrike">
-                <a:solidFill>
-                  <a:srgbClr val="000000"/>
-                </a:solidFill>
-                <a:latin typeface="맑은 고딕"/>
-                <a:cs typeface="돋움"/>
-              </a:rPr>
-              <a:t>입니다</a:t>
-            </a:r>
-            <a:r>
-              <a:rPr lang="en-US" altLang="ko-KR" b="0" i="0" u="none" strike="noStrike">
-                <a:solidFill>
-                  <a:srgbClr val="000000"/>
-                </a:solidFill>
-                <a:latin typeface="맑은 고딕"/>
-                <a:cs typeface="돋움"/>
-              </a:rPr>
               <a:t>.</a:t>
             </a:r>
-            <a:endParaRPr lang="ko-KR" altLang="en-US"/>
+            <a:endParaRPr lang="en-US" altLang="ko-KR" b="0" i="0" u="none" strike="noStrike">
+              <a:solidFill>
+                <a:srgbClr val="000000"/>
+              </a:solidFill>
+              <a:latin typeface="맑은 고딕"/>
+              <a:cs typeface="돋움"/>
+            </a:endParaRPr>
           </a:p>
         </p:txBody>
       </p:sp>
@@ -5428,7 +5414,7 @@
                 <a:latin typeface="맑은 고딕"/>
                 <a:cs typeface="돋움"/>
               </a:rPr>
-              <a:t>첫번째는</a:t>
+              <a:t>첫번째로</a:t>
             </a:r>
             <a:r>
               <a:rPr lang="en-US" altLang="ko-KR" b="0" i="0" u="none" strike="noStrike">
@@ -5888,7 +5874,6 @@
                 <a:srgbClr val="000000"/>
               </a:solidFill>
               <a:latin typeface="맑은 고딕"/>
-              <a:ea typeface="맑은 고딕"/>
               <a:cs typeface="돋움"/>
             </a:endParaRPr>
           </a:p>
@@ -7349,11 +7334,11 @@
             </a:r>
             <a:r>
               <a:rPr lang="ko-KR" altLang="en-US"/>
-              <a:t> </a:t>
+              <a:t> 시스템 설정</a:t>
             </a:r>
             <a:r>
               <a:rPr lang="en-US" altLang="ko-KR"/>
-              <a:t>System Config UI</a:t>
+              <a:t> UI</a:t>
             </a:r>
             <a:r>
               <a:rPr lang="ko-KR" altLang="en-US"/>
@@ -7465,15 +7450,15 @@
             </a:r>
             <a:r>
               <a:rPr lang="ko-KR" altLang="en-US"/>
-              <a:t> </a:t>
+              <a:t> 시스템 설정</a:t>
             </a:r>
             <a:r>
               <a:rPr lang="en-US" altLang="ko-KR"/>
-              <a:t>System Config UI</a:t>
+              <a:t>  UI</a:t>
             </a:r>
             <a:r>
               <a:rPr lang="ko-KR" altLang="en-US"/>
-              <a:t>기능과 환경설정 파일 및 결과 파일을 </a:t>
+              <a:t>의 기능 구현과 설정된 정보 파일과 결과 파일을 </a:t>
             </a:r>
             <a:r>
               <a:rPr lang="en-US" altLang="ko-KR"/>
@@ -7781,6 +7766,38 @@
             <a:pPr lvl="0">
               <a:defRPr/>
             </a:pPr>
+            <a:endParaRPr lang="ko-KR" altLang="en-US" sz="1300">
+              <a:latin typeface="맑은 고딕"/>
+            </a:endParaRPr>
+          </a:p>
+          <a:p>
+            <a:pPr lvl="0">
+              <a:defRPr/>
+            </a:pPr>
+            <a:r>
+              <a:rPr lang="ko-KR" altLang="en-US" sz="1300">
+                <a:latin typeface="맑은 고딕"/>
+              </a:rPr>
+              <a:t>여기서 발생할 수 있는 </a:t>
+            </a:r>
+            <a:r>
+              <a:rPr lang="en-US" altLang="ko-KR" sz="1300">
+                <a:latin typeface="맑은 고딕"/>
+              </a:rPr>
+              <a:t>2</a:t>
+            </a:r>
+            <a:r>
+              <a:rPr lang="ko-KR" altLang="en-US" sz="1300">
+                <a:latin typeface="맑은 고딕"/>
+              </a:rPr>
+              <a:t>가지 문제가 있습니다</a:t>
+            </a:r>
+            <a:r>
+              <a:rPr lang="en-US" altLang="ko-KR" sz="1300">
+                <a:latin typeface="맑은 고딕"/>
+              </a:rPr>
+              <a:t>.</a:t>
+            </a:r>
             <a:endParaRPr lang="en-US" altLang="ko-KR" sz="1300">
               <a:latin typeface="맑은 고딕"/>
             </a:endParaRPr>
@@ -7789,6 +7806,14 @@
             <a:pPr lvl="0">
               <a:defRPr/>
             </a:pPr>
+            <a:endParaRPr lang="en-US" altLang="ko-KR" sz="1300">
+              <a:latin typeface="맑은 고딕"/>
+            </a:endParaRPr>
+          </a:p>
+          <a:p>
+            <a:pPr lvl="0">
+              <a:defRPr/>
+            </a:pPr>
             <a:r>
               <a:rPr lang="ko-KR" altLang="en-US" sz="1300">
                 <a:latin typeface="맑은 고딕"/>
@@ -7803,7 +7828,133 @@
             <a:pPr lvl="0">
               <a:defRPr/>
             </a:pPr>
+            <a:r>
+              <a:rPr lang="ko-KR" altLang="en-US" sz="1300">
+                <a:latin typeface="맑은 고딕"/>
+              </a:rPr>
+              <a:t>첫 번째</a:t>
+            </a:r>
+            <a:r>
+              <a:rPr lang="en-US" altLang="ko-KR" sz="1300">
+                <a:latin typeface="맑은 고딕"/>
+              </a:rPr>
+              <a:t>,</a:t>
+            </a:r>
+            <a:r>
+              <a:rPr lang="ko-KR" altLang="en-US" sz="1300">
+                <a:latin typeface="맑은 고딕"/>
+              </a:rPr>
+              <a:t> 고객이 요구하는 사양으로 커스텀하여 판매 할 시 피드백을 수시로 반영하기에</a:t>
+            </a:r>
+            <a:endParaRPr lang="ko-KR" altLang="en-US" sz="1300">
+              <a:latin typeface="맑은 고딕"/>
+            </a:endParaRPr>
+          </a:p>
+          <a:p>
+            <a:pPr lvl="0">
+              <a:defRPr/>
+            </a:pPr>
+            <a:r>
+              <a:rPr lang="ko-KR" altLang="en-US" sz="1300">
+                <a:latin typeface="맑은 고딕"/>
+              </a:rPr>
+              <a:t>시간이 오래 소요된다는 단점이 있습니다</a:t>
+            </a:r>
+            <a:r>
+              <a:rPr lang="en-US" altLang="ko-KR" sz="1300">
+                <a:latin typeface="맑은 고딕"/>
+              </a:rPr>
+              <a:t>.</a:t>
+            </a:r>
             <a:endParaRPr lang="en-US" altLang="ko-KR" sz="1300">
+              <a:latin typeface="맑은 고딕"/>
+            </a:endParaRPr>
+          </a:p>
+          <a:p>
+            <a:pPr lvl="0">
+              <a:defRPr/>
+            </a:pPr>
+            <a:endParaRPr lang="ko-KR" altLang="en-US" sz="1300">
+              <a:latin typeface="맑은 고딕"/>
+            </a:endParaRPr>
+          </a:p>
+          <a:p>
+            <a:pPr lvl="0">
+              <a:defRPr/>
+            </a:pPr>
+            <a:r>
+              <a:rPr lang="ko-KR" altLang="en-US" sz="1300">
+                <a:latin typeface="맑은 고딕"/>
+              </a:rPr>
+              <a:t>(클릭)</a:t>
+            </a:r>
+            <a:endParaRPr lang="ko-KR" altLang="en-US" sz="1300">
+              <a:latin typeface="맑은 고딕"/>
+            </a:endParaRPr>
+          </a:p>
+          <a:p>
+            <a:pPr lvl="0">
+              <a:defRPr/>
+            </a:pPr>
+            <a:r>
+              <a:rPr lang="ko-KR" altLang="en-US" sz="1300">
+                <a:latin typeface="맑은 고딕"/>
+              </a:rPr>
+              <a:t>두 번째</a:t>
+            </a:r>
+            <a:r>
+              <a:rPr lang="en-US" altLang="ko-KR" sz="1300">
+                <a:latin typeface="맑은 고딕"/>
+              </a:rPr>
+              <a:t>,</a:t>
+            </a:r>
+            <a:r>
+              <a:rPr lang="ko-KR" altLang="en-US" sz="1300">
+                <a:latin typeface="맑은 고딕"/>
+              </a:rPr>
+              <a:t> 장비의 스팩을 문서로만 확인하고 구매할 시</a:t>
+            </a:r>
+            <a:r>
+              <a:rPr lang="en-US" altLang="ko-KR" sz="1300">
+                <a:latin typeface="맑은 고딕"/>
+              </a:rPr>
+              <a:t>,</a:t>
+            </a:r>
+            <a:r>
+              <a:rPr lang="ko-KR" altLang="en-US" sz="1300">
+                <a:latin typeface="맑은 고딕"/>
+              </a:rPr>
+              <a:t> </a:t>
+            </a:r>
+            <a:endParaRPr lang="ko-KR" altLang="en-US" sz="1300">
+              <a:latin typeface="맑은 고딕"/>
+            </a:endParaRPr>
+          </a:p>
+          <a:p>
+            <a:pPr lvl="0">
+              <a:defRPr/>
+            </a:pPr>
+            <a:r>
+              <a:rPr lang="ko-KR" altLang="en-US" sz="1300">
+                <a:latin typeface="맑은 고딕"/>
+              </a:rPr>
+              <a:t>스팩 이슈로 추가 비용을 지불할 가능성이 높아질 수 있습니다</a:t>
+            </a:r>
+            <a:r>
+              <a:rPr lang="en-US" altLang="ko-KR" sz="1300">
+                <a:latin typeface="맑은 고딕"/>
+              </a:rPr>
+              <a:t>.</a:t>
+            </a:r>
+            <a:endParaRPr lang="en-US" altLang="ko-KR" sz="1300">
+              <a:latin typeface="맑은 고딕"/>
+            </a:endParaRPr>
+          </a:p>
+          <a:p>
+            <a:pPr lvl="0">
+              <a:defRPr/>
+            </a:pPr>
+            <a:endParaRPr lang="ko-KR" altLang="en-US" sz="1300">
               <a:latin typeface="맑은 고딕"/>
             </a:endParaRPr>
           </a:p>

--- a/A조 발표/A조 발표 최종.pptx
+++ b/A조 발표/A조 발표 최종.pptx
@@ -2,8 +2,8 @@
 <file path=ppt/presentation.xml><?xml version="1.0" encoding="utf-8"?>
 <p:presentation xmlns:r="http://schemas.openxmlformats.org/officeDocument/2006/relationships" xmlns:c="http://schemas.openxmlformats.org/drawingml/2006/chart" xmlns:a="http://schemas.openxmlformats.org/drawingml/2006/main" xmlns:dgm="http://schemas.openxmlformats.org/drawingml/2006/diagram" xmlns:dsp="http://schemas.microsoft.com/office/drawing/2008/diagram" xmlns:p="http://schemas.openxmlformats.org/presentationml/2006/main">
   <p:sldMasterIdLst>
-    <p:sldMasterId id="2147483792" r:id="rId1"/>
-    <p:sldMasterId id="2147483793" r:id="rId2"/>
+    <p:sldMasterId id="2147483804" r:id="rId1"/>
+    <p:sldMasterId id="2147483805" r:id="rId2"/>
   </p:sldMasterIdLst>
   <p:notesMasterIdLst>
     <p:notesMasterId r:id="rId3"/>
@@ -236,7 +236,7 @@
               <a:pPr lvl="0">
                 <a:defRPr/>
               </a:pPr>
-              <a:t>2022-10-30</a:t>
+              <a:t>2022-10-31</a:t>
             </a:fld>
             <a:endParaRPr lang="ko-KR" altLang="en-US"/>
           </a:p>
@@ -422,7 +422,7 @@
               <a:pPr lvl="0">
                 <a:defRPr/>
               </a:pPr>
-              <a:t>2022-10-30</a:t>
+              <a:t>2022-10-31</a:t>
             </a:fld>
             <a:endParaRPr lang="ko-KR" altLang="en-US"/>
           </a:p>
@@ -6132,7 +6132,7 @@
             </a:r>
             <a:r>
               <a:rPr lang="ko-KR" altLang="en-US"/>
-              <a:t>시스템 설정 기능과 시뮬레이터</a:t>
+              <a:t>시스템 환경 설정 기능과 시뮬레이터</a:t>
             </a:r>
             <a:r>
               <a:rPr lang="ko-KR" altLang="en-US" baseline="0"/>
@@ -6142,7 +6142,7 @@
               <a:rPr lang="en-US" altLang="ko-KR" baseline="0"/>
               <a:t>.</a:t>
             </a:r>
-            <a:endParaRPr lang="ko-KR" altLang="en-US"/>
+            <a:endParaRPr lang="en-US" altLang="ko-KR" baseline="0"/>
           </a:p>
         </p:txBody>
       </p:sp>
@@ -7334,7 +7334,7 @@
             </a:r>
             <a:r>
               <a:rPr lang="ko-KR" altLang="en-US"/>
-              <a:t> 시스템 설정</a:t>
+              <a:t> 시스템 환경 설정</a:t>
             </a:r>
             <a:r>
               <a:rPr lang="en-US" altLang="ko-KR"/>
@@ -7374,7 +7374,7 @@
             </a:r>
             <a:r>
               <a:rPr lang="ko-KR" altLang="en-US"/>
-              <a:t>를 결합하는 과정을 진행하였습니다</a:t>
+              <a:t>와 결합하는 과정을 진행하였습니다</a:t>
             </a:r>
             <a:r>
               <a:rPr lang="en-US" altLang="ko-KR"/>
@@ -7394,14 +7394,6 @@
             </a:pPr>
             <a:r>
               <a:rPr lang="ko-KR" altLang="en-US"/>
-              <a:t>다음</a:t>
-            </a:r>
-            <a:r>
-              <a:rPr lang="en-US" altLang="ko-KR"/>
-              <a:t> </a:t>
-            </a:r>
-            <a:r>
-              <a:rPr lang="ko-KR" altLang="en-US"/>
               <a:t>계민석 팀원은 공정에 적합한 스레드를 구현하여 </a:t>
             </a:r>
             <a:r>
@@ -7450,7 +7442,7 @@
             </a:r>
             <a:r>
               <a:rPr lang="ko-KR" altLang="en-US"/>
-              <a:t> 시스템 설정</a:t>
+              <a:t> 시스템 환경 설정</a:t>
             </a:r>
             <a:r>
               <a:rPr lang="en-US" altLang="ko-KR"/>

--- a/A조 발표/A조 발표 최종.pptx
+++ b/A조 발표/A조 발표 최종.pptx
@@ -2,8 +2,8 @@
 <file path=ppt/presentation.xml><?xml version="1.0" encoding="utf-8"?>
 <p:presentation xmlns:r="http://schemas.openxmlformats.org/officeDocument/2006/relationships" xmlns:c="http://schemas.openxmlformats.org/drawingml/2006/chart" xmlns:a="http://schemas.openxmlformats.org/drawingml/2006/main" xmlns:dgm="http://schemas.openxmlformats.org/drawingml/2006/diagram" xmlns:dsp="http://schemas.microsoft.com/office/drawing/2008/diagram" xmlns:p="http://schemas.openxmlformats.org/presentationml/2006/main">
   <p:sldMasterIdLst>
-    <p:sldMasterId id="2147483804" r:id="rId1"/>
-    <p:sldMasterId id="2147483805" r:id="rId2"/>
+    <p:sldMasterId id="2147483792" r:id="rId1"/>
+    <p:sldMasterId id="2147483793" r:id="rId2"/>
   </p:sldMasterIdLst>
   <p:notesMasterIdLst>
     <p:notesMasterId r:id="rId3"/>
@@ -1310,7 +1310,7 @@
               </a:rPr>
               <a:t> </a:t>
             </a:r>
-            <a:endParaRPr lang="en-US" altLang="ko-KR" sz="1300">
+            <a:endParaRPr lang="ko-KR" altLang="en-US" sz="1300">
               <a:latin typeface="맑은 고딕"/>
             </a:endParaRPr>
           </a:p>
@@ -1735,7 +1735,7 @@
               </a:rPr>
               <a:t> </a:t>
             </a:r>
-            <a:endParaRPr lang="en-US" altLang="ko-KR" sz="1300">
+            <a:endParaRPr lang="ko-KR" altLang="en-US" sz="1300">
               <a:latin typeface="맑은 고딕"/>
             </a:endParaRPr>
           </a:p>
@@ -2324,7 +2324,7 @@
               <a:rPr lang="ko-KR" altLang="en-US" sz="1300">
                 <a:latin typeface="맑은 고딕"/>
               </a:rPr>
-              <a:t>개의 부분으로 나뉘어 진행되겠습니다</a:t>
+              <a:t>개의 부분으로 나뉘어 진행하겠습니다</a:t>
             </a:r>
             <a:r>
               <a:rPr lang="en-US" altLang="ko-KR" sz="1300">
@@ -2936,7 +2936,7 @@
                 <a:latin typeface="맑은 고딕"/>
                 <a:cs typeface="돋움"/>
               </a:rPr>
-              <a:t>에 표시하도록 하였고</a:t>
+              <a:t>에 표시하였고</a:t>
             </a:r>
             <a:r>
               <a:rPr lang="en-US" altLang="ko-KR" sz="1300" b="0" i="0" u="none" strike="noStrike">
@@ -3048,7 +3048,7 @@
                 <a:latin typeface="맑은 고딕"/>
                 <a:cs typeface="돋움"/>
               </a:rPr>
-              <a:t>에 표시하도록 설계하였습니다</a:t>
+              <a:t>에 표시하였습니다</a:t>
             </a:r>
             <a:r>
               <a:rPr lang="en-US" altLang="ko-KR" sz="1300" b="0" i="0" u="none" strike="noStrike">
@@ -4682,7 +4682,29 @@
                 <a:ea typeface="돋움"/>
                 <a:cs typeface="돋움"/>
               </a:rPr>
-              <a:t>은 사용자가 설정한 슬롯 개수와 현재 모듈에 투입된 웨이퍼의 개수를 표현하였습니다</a:t>
+              <a:t>은 사용자가 설정한 슬롯 개수와 현재 모듈에 투입된 웨이퍼의 개수를 표</a:t>
+            </a:r>
+            <a:r>
+              <a:rPr lang="ko-KR" altLang="en-US" b="0" i="0" u="none" strike="noStrike">
+                <a:solidFill>
+                  <a:srgbClr val="000000"/>
+                </a:solidFill>
+                <a:latin typeface="돋움"/>
+                <a:ea typeface="돋움"/>
+                <a:cs typeface="돋움"/>
+              </a:rPr>
+              <a:t>시합</a:t>
+            </a:r>
+            <a:r>
+              <a:rPr b="0" i="0" u="none" strike="noStrike">
+                <a:solidFill>
+                  <a:srgbClr val="000000"/>
+                </a:solidFill>
+                <a:latin typeface="돋움"/>
+                <a:ea typeface="돋움"/>
+                <a:cs typeface="돋움"/>
+              </a:rPr>
+              <a:t>니다</a:t>
             </a:r>
             <a:r>
               <a:rPr lang="EN-US" b="0" i="0" u="none" strike="noStrike">
@@ -4891,7 +4913,29 @@
                 <a:ea typeface="돋움"/>
                 <a:cs typeface="돋움"/>
               </a:rPr>
-              <a:t>개수를 의미합니다</a:t>
+              <a:t>개수를 </a:t>
+            </a:r>
+            <a:r>
+              <a:rPr lang="ko-KR" altLang="en-US" b="0" i="0" u="none" strike="noStrike">
+                <a:solidFill>
+                  <a:srgbClr val="000000"/>
+                </a:solidFill>
+                <a:latin typeface="돋움"/>
+                <a:ea typeface="돋움"/>
+                <a:cs typeface="돋움"/>
+              </a:rPr>
+              <a:t>표시</a:t>
+            </a:r>
+            <a:r>
+              <a:rPr b="0" i="0" u="none" strike="noStrike">
+                <a:solidFill>
+                  <a:srgbClr val="000000"/>
+                </a:solidFill>
+                <a:latin typeface="돋움"/>
+                <a:ea typeface="돋움"/>
+                <a:cs typeface="돋움"/>
+              </a:rPr>
+              <a:t>합니다</a:t>
             </a:r>
             <a:r>
               <a:rPr lang="EN-US" b="0" i="0" u="none" strike="noStrike">
@@ -8050,7 +8094,7 @@
               <a:rPr lang="ko-KR" altLang="en-US" sz="1300">
                 <a:latin typeface="맑은 고딕"/>
               </a:rPr>
-              <a:t>그리고 이를 충족하기에 적합한 시뮬레이터가 바로 저희가 설계한 ‘F</a:t>
+              <a:t>그리고 이를 충족하기에 적합한 시뮬레이터가 바로 저희가 구현한 ‘F</a:t>
             </a:r>
             <a:r>
               <a:rPr lang="en-US" altLang="ko-KR" sz="1300">
